--- a/lecture-materials/Analytics/aws_glue/data.pptx
+++ b/lecture-materials/Analytics/aws_glue/data.pptx
@@ -4,15 +4,18 @@
   <p:sldMasterIdLst>
     <p:sldMasterId id="2147483648" r:id="rId1"/>
   </p:sldMasterIdLst>
+  <p:notesMasterIdLst>
+    <p:notesMasterId r:id="rId15"/>
+  </p:notesMasterIdLst>
   <p:sldIdLst>
     <p:sldId id="256" r:id="rId2"/>
-    <p:sldId id="266" r:id="rId3"/>
-    <p:sldId id="257" r:id="rId4"/>
-    <p:sldId id="258" r:id="rId5"/>
-    <p:sldId id="267" r:id="rId6"/>
-    <p:sldId id="268" r:id="rId7"/>
-    <p:sldId id="261" r:id="rId8"/>
-    <p:sldId id="262" r:id="rId9"/>
+    <p:sldId id="257" r:id="rId3"/>
+    <p:sldId id="258" r:id="rId4"/>
+    <p:sldId id="267" r:id="rId5"/>
+    <p:sldId id="269" r:id="rId6"/>
+    <p:sldId id="270" r:id="rId7"/>
+    <p:sldId id="262" r:id="rId8"/>
+    <p:sldId id="272" r:id="rId9"/>
     <p:sldId id="263" r:id="rId10"/>
     <p:sldId id="264" r:id="rId11"/>
     <p:sldId id="265" r:id="rId12"/>
@@ -122,6 +125,440 @@
     </p:ext>
   </p:extLst>
 </p:presentation>
+</file>
+
+<file path=ppt/notesMasters/notesMaster1.xml><?xml version="1.0" encoding="utf-8"?>
+<p:notesMaster xmlns:a="http://schemas.openxmlformats.org/drawingml/2006/main" xmlns:r="http://schemas.openxmlformats.org/officeDocument/2006/relationships" xmlns:p="http://schemas.openxmlformats.org/presentationml/2006/main">
+  <p:cSld>
+    <p:bg>
+      <p:bgRef idx="1001">
+        <a:schemeClr val="bg1"/>
+      </p:bgRef>
+    </p:bg>
+    <p:spTree>
+      <p:nvGrpSpPr>
+        <p:cNvPr id="1" name=""/>
+        <p:cNvGrpSpPr/>
+        <p:nvPr/>
+      </p:nvGrpSpPr>
+      <p:grpSpPr>
+        <a:xfrm>
+          <a:off x="0" y="0"/>
+          <a:ext cx="0" cy="0"/>
+          <a:chOff x="0" y="0"/>
+          <a:chExt cx="0" cy="0"/>
+        </a:xfrm>
+      </p:grpSpPr>
+      <p:sp>
+        <p:nvSpPr>
+          <p:cNvPr id="2" name="Header Placeholder 1"/>
+          <p:cNvSpPr>
+            <a:spLocks noGrp="1"/>
+          </p:cNvSpPr>
+          <p:nvPr>
+            <p:ph type="hdr" sz="quarter"/>
+          </p:nvPr>
+        </p:nvSpPr>
+        <p:spPr>
+          <a:xfrm>
+            <a:off x="0" y="0"/>
+            <a:ext cx="2971800" cy="458788"/>
+          </a:xfrm>
+          <a:prstGeom prst="rect">
+            <a:avLst/>
+          </a:prstGeom>
+        </p:spPr>
+        <p:txBody>
+          <a:bodyPr vert="horz" lIns="91440" tIns="45720" rIns="91440" bIns="45720" rtlCol="0"/>
+          <a:lstStyle>
+            <a:lvl1pPr algn="l">
+              <a:defRPr sz="1200"/>
+            </a:lvl1pPr>
+          </a:lstStyle>
+          <a:p>
+            <a:endParaRPr lang="en-CH"/>
+          </a:p>
+        </p:txBody>
+      </p:sp>
+      <p:sp>
+        <p:nvSpPr>
+          <p:cNvPr id="3" name="Date Placeholder 2"/>
+          <p:cNvSpPr>
+            <a:spLocks noGrp="1"/>
+          </p:cNvSpPr>
+          <p:nvPr>
+            <p:ph type="dt" idx="1"/>
+          </p:nvPr>
+        </p:nvSpPr>
+        <p:spPr>
+          <a:xfrm>
+            <a:off x="3884613" y="0"/>
+            <a:ext cx="2971800" cy="458788"/>
+          </a:xfrm>
+          <a:prstGeom prst="rect">
+            <a:avLst/>
+          </a:prstGeom>
+        </p:spPr>
+        <p:txBody>
+          <a:bodyPr vert="horz" lIns="91440" tIns="45720" rIns="91440" bIns="45720" rtlCol="0"/>
+          <a:lstStyle>
+            <a:lvl1pPr algn="r">
+              <a:defRPr sz="1200"/>
+            </a:lvl1pPr>
+          </a:lstStyle>
+          <a:p>
+            <a:fld id="{81E143BE-8EDD-9C45-B9BF-61AE5DD6F140}" type="datetimeFigureOut">
+              <a:rPr lang="en-CH" smtClean="0"/>
+              <a:t>10.09.23</a:t>
+            </a:fld>
+            <a:endParaRPr lang="en-CH"/>
+          </a:p>
+        </p:txBody>
+      </p:sp>
+      <p:sp>
+        <p:nvSpPr>
+          <p:cNvPr id="4" name="Slide Image Placeholder 3"/>
+          <p:cNvSpPr>
+            <a:spLocks noGrp="1" noRot="1" noChangeAspect="1"/>
+          </p:cNvSpPr>
+          <p:nvPr>
+            <p:ph type="sldImg" idx="2"/>
+          </p:nvPr>
+        </p:nvSpPr>
+        <p:spPr>
+          <a:xfrm>
+            <a:off x="685800" y="1143000"/>
+            <a:ext cx="5486400" cy="3086100"/>
+          </a:xfrm>
+          <a:prstGeom prst="rect">
+            <a:avLst/>
+          </a:prstGeom>
+          <a:noFill/>
+          <a:ln w="12700">
+            <a:solidFill>
+              <a:prstClr val="black"/>
+            </a:solidFill>
+          </a:ln>
+        </p:spPr>
+        <p:txBody>
+          <a:bodyPr vert="horz" lIns="91440" tIns="45720" rIns="91440" bIns="45720" rtlCol="0" anchor="ctr"/>
+          <a:lstStyle/>
+          <a:p>
+            <a:endParaRPr lang="en-CH"/>
+          </a:p>
+        </p:txBody>
+      </p:sp>
+      <p:sp>
+        <p:nvSpPr>
+          <p:cNvPr id="5" name="Notes Placeholder 4"/>
+          <p:cNvSpPr>
+            <a:spLocks noGrp="1"/>
+          </p:cNvSpPr>
+          <p:nvPr>
+            <p:ph type="body" sz="quarter" idx="3"/>
+          </p:nvPr>
+        </p:nvSpPr>
+        <p:spPr>
+          <a:xfrm>
+            <a:off x="685800" y="4400550"/>
+            <a:ext cx="5486400" cy="3600450"/>
+          </a:xfrm>
+          <a:prstGeom prst="rect">
+            <a:avLst/>
+          </a:prstGeom>
+        </p:spPr>
+        <p:txBody>
+          <a:bodyPr vert="horz" lIns="91440" tIns="45720" rIns="91440" bIns="45720" rtlCol="0"/>
+          <a:lstStyle/>
+          <a:p>
+            <a:pPr lvl="0"/>
+            <a:r>
+              <a:rPr lang="en-GB"/>
+              <a:t>Click to edit Master text styles</a:t>
+            </a:r>
+          </a:p>
+          <a:p>
+            <a:pPr lvl="1"/>
+            <a:r>
+              <a:rPr lang="en-GB"/>
+              <a:t>Second level</a:t>
+            </a:r>
+          </a:p>
+          <a:p>
+            <a:pPr lvl="2"/>
+            <a:r>
+              <a:rPr lang="en-GB"/>
+              <a:t>Third level</a:t>
+            </a:r>
+          </a:p>
+          <a:p>
+            <a:pPr lvl="3"/>
+            <a:r>
+              <a:rPr lang="en-GB"/>
+              <a:t>Fourth level</a:t>
+            </a:r>
+          </a:p>
+          <a:p>
+            <a:pPr lvl="4"/>
+            <a:r>
+              <a:rPr lang="en-GB"/>
+              <a:t>Fifth level</a:t>
+            </a:r>
+            <a:endParaRPr lang="en-CH"/>
+          </a:p>
+        </p:txBody>
+      </p:sp>
+      <p:sp>
+        <p:nvSpPr>
+          <p:cNvPr id="6" name="Footer Placeholder 5"/>
+          <p:cNvSpPr>
+            <a:spLocks noGrp="1"/>
+          </p:cNvSpPr>
+          <p:nvPr>
+            <p:ph type="ftr" sz="quarter" idx="4"/>
+          </p:nvPr>
+        </p:nvSpPr>
+        <p:spPr>
+          <a:xfrm>
+            <a:off x="0" y="8685213"/>
+            <a:ext cx="2971800" cy="458787"/>
+          </a:xfrm>
+          <a:prstGeom prst="rect">
+            <a:avLst/>
+          </a:prstGeom>
+        </p:spPr>
+        <p:txBody>
+          <a:bodyPr vert="horz" lIns="91440" tIns="45720" rIns="91440" bIns="45720" rtlCol="0" anchor="b"/>
+          <a:lstStyle>
+            <a:lvl1pPr algn="l">
+              <a:defRPr sz="1200"/>
+            </a:lvl1pPr>
+          </a:lstStyle>
+          <a:p>
+            <a:endParaRPr lang="en-CH"/>
+          </a:p>
+        </p:txBody>
+      </p:sp>
+      <p:sp>
+        <p:nvSpPr>
+          <p:cNvPr id="7" name="Slide Number Placeholder 6"/>
+          <p:cNvSpPr>
+            <a:spLocks noGrp="1"/>
+          </p:cNvSpPr>
+          <p:nvPr>
+            <p:ph type="sldNum" sz="quarter" idx="5"/>
+          </p:nvPr>
+        </p:nvSpPr>
+        <p:spPr>
+          <a:xfrm>
+            <a:off x="3884613" y="8685213"/>
+            <a:ext cx="2971800" cy="458787"/>
+          </a:xfrm>
+          <a:prstGeom prst="rect">
+            <a:avLst/>
+          </a:prstGeom>
+        </p:spPr>
+        <p:txBody>
+          <a:bodyPr vert="horz" lIns="91440" tIns="45720" rIns="91440" bIns="45720" rtlCol="0" anchor="b"/>
+          <a:lstStyle>
+            <a:lvl1pPr algn="r">
+              <a:defRPr sz="1200"/>
+            </a:lvl1pPr>
+          </a:lstStyle>
+          <a:p>
+            <a:fld id="{021D610C-C505-7D4C-8B95-3A7EE981D7E5}" type="slidenum">
+              <a:rPr lang="en-CH" smtClean="0"/>
+              <a:t>‹#›</a:t>
+            </a:fld>
+            <a:endParaRPr lang="en-CH"/>
+          </a:p>
+        </p:txBody>
+      </p:sp>
+    </p:spTree>
+    <p:extLst>
+      <p:ext uri="{BB962C8B-B14F-4D97-AF65-F5344CB8AC3E}">
+        <p14:creationId xmlns:p14="http://schemas.microsoft.com/office/powerpoint/2010/main" val="2347862700"/>
+      </p:ext>
+    </p:extLst>
+  </p:cSld>
+  <p:clrMap bg1="lt1" tx1="dk1" bg2="lt2" tx2="dk2" accent1="accent1" accent2="accent2" accent3="accent3" accent4="accent4" accent5="accent5" accent6="accent6" hlink="hlink" folHlink="folHlink"/>
+  <p:notesStyle>
+    <a:lvl1pPr marL="0" algn="l" defTabSz="914400" rtl="0" eaLnBrk="1" latinLnBrk="0" hangingPunct="1">
+      <a:defRPr sz="1200" kern="1200">
+        <a:solidFill>
+          <a:schemeClr val="tx1"/>
+        </a:solidFill>
+        <a:latin typeface="+mn-lt"/>
+        <a:ea typeface="+mn-ea"/>
+        <a:cs typeface="+mn-cs"/>
+      </a:defRPr>
+    </a:lvl1pPr>
+    <a:lvl2pPr marL="457200" algn="l" defTabSz="914400" rtl="0" eaLnBrk="1" latinLnBrk="0" hangingPunct="1">
+      <a:defRPr sz="1200" kern="1200">
+        <a:solidFill>
+          <a:schemeClr val="tx1"/>
+        </a:solidFill>
+        <a:latin typeface="+mn-lt"/>
+        <a:ea typeface="+mn-ea"/>
+        <a:cs typeface="+mn-cs"/>
+      </a:defRPr>
+    </a:lvl2pPr>
+    <a:lvl3pPr marL="914400" algn="l" defTabSz="914400" rtl="0" eaLnBrk="1" latinLnBrk="0" hangingPunct="1">
+      <a:defRPr sz="1200" kern="1200">
+        <a:solidFill>
+          <a:schemeClr val="tx1"/>
+        </a:solidFill>
+        <a:latin typeface="+mn-lt"/>
+        <a:ea typeface="+mn-ea"/>
+        <a:cs typeface="+mn-cs"/>
+      </a:defRPr>
+    </a:lvl3pPr>
+    <a:lvl4pPr marL="1371600" algn="l" defTabSz="914400" rtl="0" eaLnBrk="1" latinLnBrk="0" hangingPunct="1">
+      <a:defRPr sz="1200" kern="1200">
+        <a:solidFill>
+          <a:schemeClr val="tx1"/>
+        </a:solidFill>
+        <a:latin typeface="+mn-lt"/>
+        <a:ea typeface="+mn-ea"/>
+        <a:cs typeface="+mn-cs"/>
+      </a:defRPr>
+    </a:lvl4pPr>
+    <a:lvl5pPr marL="1828800" algn="l" defTabSz="914400" rtl="0" eaLnBrk="1" latinLnBrk="0" hangingPunct="1">
+      <a:defRPr sz="1200" kern="1200">
+        <a:solidFill>
+          <a:schemeClr val="tx1"/>
+        </a:solidFill>
+        <a:latin typeface="+mn-lt"/>
+        <a:ea typeface="+mn-ea"/>
+        <a:cs typeface="+mn-cs"/>
+      </a:defRPr>
+    </a:lvl5pPr>
+    <a:lvl6pPr marL="2286000" algn="l" defTabSz="914400" rtl="0" eaLnBrk="1" latinLnBrk="0" hangingPunct="1">
+      <a:defRPr sz="1200" kern="1200">
+        <a:solidFill>
+          <a:schemeClr val="tx1"/>
+        </a:solidFill>
+        <a:latin typeface="+mn-lt"/>
+        <a:ea typeface="+mn-ea"/>
+        <a:cs typeface="+mn-cs"/>
+      </a:defRPr>
+    </a:lvl6pPr>
+    <a:lvl7pPr marL="2743200" algn="l" defTabSz="914400" rtl="0" eaLnBrk="1" latinLnBrk="0" hangingPunct="1">
+      <a:defRPr sz="1200" kern="1200">
+        <a:solidFill>
+          <a:schemeClr val="tx1"/>
+        </a:solidFill>
+        <a:latin typeface="+mn-lt"/>
+        <a:ea typeface="+mn-ea"/>
+        <a:cs typeface="+mn-cs"/>
+      </a:defRPr>
+    </a:lvl7pPr>
+    <a:lvl8pPr marL="3200400" algn="l" defTabSz="914400" rtl="0" eaLnBrk="1" latinLnBrk="0" hangingPunct="1">
+      <a:defRPr sz="1200" kern="1200">
+        <a:solidFill>
+          <a:schemeClr val="tx1"/>
+        </a:solidFill>
+        <a:latin typeface="+mn-lt"/>
+        <a:ea typeface="+mn-ea"/>
+        <a:cs typeface="+mn-cs"/>
+      </a:defRPr>
+    </a:lvl8pPr>
+    <a:lvl9pPr marL="3657600" algn="l" defTabSz="914400" rtl="0" eaLnBrk="1" latinLnBrk="0" hangingPunct="1">
+      <a:defRPr sz="1200" kern="1200">
+        <a:solidFill>
+          <a:schemeClr val="tx1"/>
+        </a:solidFill>
+        <a:latin typeface="+mn-lt"/>
+        <a:ea typeface="+mn-ea"/>
+        <a:cs typeface="+mn-cs"/>
+      </a:defRPr>
+    </a:lvl9pPr>
+  </p:notesStyle>
+</p:notesMaster>
+</file>
+
+<file path=ppt/notesSlides/notesSlide1.xml><?xml version="1.0" encoding="utf-8"?>
+<p:notes xmlns:a="http://schemas.openxmlformats.org/drawingml/2006/main" xmlns:r="http://schemas.openxmlformats.org/officeDocument/2006/relationships" xmlns:p="http://schemas.openxmlformats.org/presentationml/2006/main">
+  <p:cSld>
+    <p:spTree>
+      <p:nvGrpSpPr>
+        <p:cNvPr id="1" name=""/>
+        <p:cNvGrpSpPr/>
+        <p:nvPr/>
+      </p:nvGrpSpPr>
+      <p:grpSpPr>
+        <a:xfrm>
+          <a:off x="0" y="0"/>
+          <a:ext cx="0" cy="0"/>
+          <a:chOff x="0" y="0"/>
+          <a:chExt cx="0" cy="0"/>
+        </a:xfrm>
+      </p:grpSpPr>
+      <p:sp>
+        <p:nvSpPr>
+          <p:cNvPr id="2" name="Slide Image Placeholder 1"/>
+          <p:cNvSpPr>
+            <a:spLocks noGrp="1" noRot="1" noChangeAspect="1"/>
+          </p:cNvSpPr>
+          <p:nvPr>
+            <p:ph type="sldImg"/>
+          </p:nvPr>
+        </p:nvSpPr>
+        <p:spPr/>
+      </p:sp>
+      <p:sp>
+        <p:nvSpPr>
+          <p:cNvPr id="3" name="Notes Placeholder 2"/>
+          <p:cNvSpPr>
+            <a:spLocks noGrp="1"/>
+          </p:cNvSpPr>
+          <p:nvPr>
+            <p:ph type="body" idx="1"/>
+          </p:nvPr>
+        </p:nvSpPr>
+        <p:spPr/>
+        <p:txBody>
+          <a:bodyPr/>
+          <a:lstStyle/>
+          <a:p>
+            <a:endParaRPr lang="en-CH" dirty="0"/>
+          </a:p>
+        </p:txBody>
+      </p:sp>
+      <p:sp>
+        <p:nvSpPr>
+          <p:cNvPr id="4" name="Slide Number Placeholder 3"/>
+          <p:cNvSpPr>
+            <a:spLocks noGrp="1"/>
+          </p:cNvSpPr>
+          <p:nvPr>
+            <p:ph type="sldNum" sz="quarter" idx="5"/>
+          </p:nvPr>
+        </p:nvSpPr>
+        <p:spPr/>
+        <p:txBody>
+          <a:bodyPr/>
+          <a:lstStyle/>
+          <a:p>
+            <a:fld id="{021D610C-C505-7D4C-8B95-3A7EE981D7E5}" type="slidenum">
+              <a:rPr lang="en-CH" smtClean="0"/>
+              <a:t>6</a:t>
+            </a:fld>
+            <a:endParaRPr lang="en-CH"/>
+          </a:p>
+        </p:txBody>
+      </p:sp>
+    </p:spTree>
+    <p:extLst>
+      <p:ext uri="{BB962C8B-B14F-4D97-AF65-F5344CB8AC3E}">
+        <p14:creationId xmlns:p14="http://schemas.microsoft.com/office/powerpoint/2010/main" val="4000354178"/>
+      </p:ext>
+    </p:extLst>
+  </p:cSld>
+  <p:clrMapOvr>
+    <a:masterClrMapping/>
+  </p:clrMapOvr>
+</p:notes>
 </file>
 
 <file path=ppt/slideLayouts/slideLayout1.xml><?xml version="1.0" encoding="utf-8"?>
@@ -273,7 +710,7 @@
           <a:p>
             <a:fld id="{322C9020-58D6-4B4B-AE71-CBBD8D6FD410}" type="datetimeFigureOut">
               <a:rPr lang="en-CH" smtClean="0"/>
-              <a:t>09.09.23</a:t>
+              <a:t>10.09.23</a:t>
             </a:fld>
             <a:endParaRPr lang="en-CH"/>
           </a:p>
@@ -473,7 +910,7 @@
           <a:p>
             <a:fld id="{322C9020-58D6-4B4B-AE71-CBBD8D6FD410}" type="datetimeFigureOut">
               <a:rPr lang="en-CH" smtClean="0"/>
-              <a:t>09.09.23</a:t>
+              <a:t>10.09.23</a:t>
             </a:fld>
             <a:endParaRPr lang="en-CH"/>
           </a:p>
@@ -683,7 +1120,7 @@
           <a:p>
             <a:fld id="{322C9020-58D6-4B4B-AE71-CBBD8D6FD410}" type="datetimeFigureOut">
               <a:rPr lang="en-CH" smtClean="0"/>
-              <a:t>09.09.23</a:t>
+              <a:t>10.09.23</a:t>
             </a:fld>
             <a:endParaRPr lang="en-CH"/>
           </a:p>
@@ -883,7 +1320,7 @@
           <a:p>
             <a:fld id="{322C9020-58D6-4B4B-AE71-CBBD8D6FD410}" type="datetimeFigureOut">
               <a:rPr lang="en-CH" smtClean="0"/>
-              <a:t>09.09.23</a:t>
+              <a:t>10.09.23</a:t>
             </a:fld>
             <a:endParaRPr lang="en-CH"/>
           </a:p>
@@ -1159,7 +1596,7 @@
           <a:p>
             <a:fld id="{322C9020-58D6-4B4B-AE71-CBBD8D6FD410}" type="datetimeFigureOut">
               <a:rPr lang="en-CH" smtClean="0"/>
-              <a:t>09.09.23</a:t>
+              <a:t>10.09.23</a:t>
             </a:fld>
             <a:endParaRPr lang="en-CH"/>
           </a:p>
@@ -1427,7 +1864,7 @@
           <a:p>
             <a:fld id="{322C9020-58D6-4B4B-AE71-CBBD8D6FD410}" type="datetimeFigureOut">
               <a:rPr lang="en-CH" smtClean="0"/>
-              <a:t>09.09.23</a:t>
+              <a:t>10.09.23</a:t>
             </a:fld>
             <a:endParaRPr lang="en-CH"/>
           </a:p>
@@ -1842,7 +2279,7 @@
           <a:p>
             <a:fld id="{322C9020-58D6-4B4B-AE71-CBBD8D6FD410}" type="datetimeFigureOut">
               <a:rPr lang="en-CH" smtClean="0"/>
-              <a:t>09.09.23</a:t>
+              <a:t>10.09.23</a:t>
             </a:fld>
             <a:endParaRPr lang="en-CH"/>
           </a:p>
@@ -1984,7 +2421,7 @@
           <a:p>
             <a:fld id="{322C9020-58D6-4B4B-AE71-CBBD8D6FD410}" type="datetimeFigureOut">
               <a:rPr lang="en-CH" smtClean="0"/>
-              <a:t>09.09.23</a:t>
+              <a:t>10.09.23</a:t>
             </a:fld>
             <a:endParaRPr lang="en-CH"/>
           </a:p>
@@ -2097,7 +2534,7 @@
           <a:p>
             <a:fld id="{322C9020-58D6-4B4B-AE71-CBBD8D6FD410}" type="datetimeFigureOut">
               <a:rPr lang="en-CH" smtClean="0"/>
-              <a:t>09.09.23</a:t>
+              <a:t>10.09.23</a:t>
             </a:fld>
             <a:endParaRPr lang="en-CH"/>
           </a:p>
@@ -2410,7 +2847,7 @@
           <a:p>
             <a:fld id="{322C9020-58D6-4B4B-AE71-CBBD8D6FD410}" type="datetimeFigureOut">
               <a:rPr lang="en-CH" smtClean="0"/>
-              <a:t>09.09.23</a:t>
+              <a:t>10.09.23</a:t>
             </a:fld>
             <a:endParaRPr lang="en-CH"/>
           </a:p>
@@ -2699,7 +3136,7 @@
           <a:p>
             <a:fld id="{322C9020-58D6-4B4B-AE71-CBBD8D6FD410}" type="datetimeFigureOut">
               <a:rPr lang="en-CH" smtClean="0"/>
-              <a:t>09.09.23</a:t>
+              <a:t>10.09.23</a:t>
             </a:fld>
             <a:endParaRPr lang="en-CH"/>
           </a:p>
@@ -2942,7 +3379,7 @@
           <a:p>
             <a:fld id="{322C9020-58D6-4B4B-AE71-CBBD8D6FD410}" type="datetimeFigureOut">
               <a:rPr lang="en-CH" smtClean="0"/>
-              <a:t>09.09.23</a:t>
+              <a:t>10.09.23</a:t>
             </a:fld>
             <a:endParaRPr lang="en-CH"/>
           </a:p>
@@ -3917,6 +4354,14 @@
 <file path=ppt/slides/slide10.xml><?xml version="1.0" encoding="utf-8"?>
 <p:sld xmlns:a="http://schemas.openxmlformats.org/drawingml/2006/main" xmlns:r="http://schemas.openxmlformats.org/officeDocument/2006/relationships" xmlns:p="http://schemas.openxmlformats.org/presentationml/2006/main">
   <p:cSld>
+    <p:bg>
+      <p:bgPr>
+        <a:solidFill>
+          <a:schemeClr val="bg1"/>
+        </a:solidFill>
+        <a:effectLst/>
+      </p:bgPr>
+    </p:bg>
     <p:spTree>
       <p:nvGrpSpPr>
         <p:cNvPr id="1" name=""/>
@@ -3931,6 +4376,66 @@
           <a:chExt cx="0" cy="0"/>
         </a:xfrm>
       </p:grpSpPr>
+      <p:sp useBgFill="1">
+        <p:nvSpPr>
+          <p:cNvPr id="6151" name="Rectangle 6150">
+            <a:extLst>
+              <a:ext uri="{FF2B5EF4-FFF2-40B4-BE49-F238E27FC236}">
+                <a16:creationId xmlns:a16="http://schemas.microsoft.com/office/drawing/2014/main" id="{2B97F24A-32CE-4C1C-A50D-3016B394DCFB}"/>
+              </a:ext>
+              <a:ext uri="{C183D7F6-B498-43B3-948B-1728B52AA6E4}">
+                <adec:decorative xmlns:adec="http://schemas.microsoft.com/office/drawing/2017/decorative" val="1"/>
+              </a:ext>
+            </a:extLst>
+          </p:cNvPr>
+          <p:cNvSpPr>
+            <a:spLocks noGrp="1" noRot="1" noChangeAspect="1" noMove="1" noResize="1" noEditPoints="1" noAdjustHandles="1" noChangeArrowheads="1" noChangeShapeType="1" noTextEdit="1"/>
+          </p:cNvSpPr>
+          <p:nvPr>
+            <p:extLst>
+              <p:ext uri="{386F3935-93C4-4BCD-93E2-E3B085C9AB24}">
+                <p16:designElem xmlns:p16="http://schemas.microsoft.com/office/powerpoint/2015/main" val="1"/>
+              </p:ext>
+            </p:extLst>
+          </p:nvPr>
+        </p:nvSpPr>
+        <p:spPr>
+          <a:xfrm>
+            <a:off x="0" y="0"/>
+            <a:ext cx="12192000" cy="6858000"/>
+          </a:xfrm>
+          <a:prstGeom prst="rect">
+            <a:avLst/>
+          </a:prstGeom>
+          <a:ln>
+            <a:noFill/>
+          </a:ln>
+        </p:spPr>
+        <p:style>
+          <a:lnRef idx="2">
+            <a:schemeClr val="accent1">
+              <a:shade val="50000"/>
+            </a:schemeClr>
+          </a:lnRef>
+          <a:fillRef idx="1">
+            <a:schemeClr val="accent1"/>
+          </a:fillRef>
+          <a:effectRef idx="0">
+            <a:schemeClr val="accent1"/>
+          </a:effectRef>
+          <a:fontRef idx="minor">
+            <a:schemeClr val="lt1"/>
+          </a:fontRef>
+        </p:style>
+        <p:txBody>
+          <a:bodyPr rtlCol="0" anchor="ctr"/>
+          <a:lstStyle/>
+          <a:p>
+            <a:pPr algn="ctr"/>
+            <a:endParaRPr lang="en-US"/>
+          </a:p>
+        </p:txBody>
+      </p:sp>
       <p:sp>
         <p:nvSpPr>
           <p:cNvPr id="2" name="Title 1">
@@ -3947,15 +4452,295 @@
             <p:ph type="title"/>
           </p:nvPr>
         </p:nvSpPr>
-        <p:spPr/>
+        <p:spPr>
+          <a:xfrm>
+            <a:off x="630936" y="639520"/>
+            <a:ext cx="3429000" cy="1719072"/>
+          </a:xfrm>
+        </p:spPr>
         <p:txBody>
-          <a:bodyPr/>
+          <a:bodyPr anchor="b">
+            <a:normAutofit/>
+          </a:bodyPr>
           <a:lstStyle/>
           <a:p>
             <a:r>
-              <a:rPr lang="en-CH" dirty="0"/>
+              <a:rPr lang="en-CH" sz="5400" dirty="0"/>
               <a:t>AWS Glue DataBrew</a:t>
             </a:r>
+          </a:p>
+        </p:txBody>
+      </p:sp>
+      <p:sp>
+        <p:nvSpPr>
+          <p:cNvPr id="6153" name="sketch line">
+            <a:extLst>
+              <a:ext uri="{FF2B5EF4-FFF2-40B4-BE49-F238E27FC236}">
+                <a16:creationId xmlns:a16="http://schemas.microsoft.com/office/drawing/2014/main" id="{CD8B4F24-440B-49E9-B85D-733523DC064B}"/>
+              </a:ext>
+              <a:ext uri="{C183D7F6-B498-43B3-948B-1728B52AA6E4}">
+                <adec:decorative xmlns:adec="http://schemas.microsoft.com/office/drawing/2017/decorative" val="1"/>
+              </a:ext>
+            </a:extLst>
+          </p:cNvPr>
+          <p:cNvSpPr>
+            <a:spLocks noGrp="1" noRot="1" noChangeAspect="1" noMove="1" noResize="1" noEditPoints="1" noAdjustHandles="1" noChangeArrowheads="1" noChangeShapeType="1" noTextEdit="1"/>
+          </p:cNvSpPr>
+          <p:nvPr>
+            <p:extLst>
+              <p:ext uri="{386F3935-93C4-4BCD-93E2-E3B085C9AB24}">
+                <p16:designElem xmlns:p16="http://schemas.microsoft.com/office/powerpoint/2015/main" val="1"/>
+              </p:ext>
+            </p:extLst>
+          </p:nvPr>
+        </p:nvSpPr>
+        <p:spPr>
+          <a:xfrm>
+            <a:off x="643278" y="2573756"/>
+            <a:ext cx="3255095" cy="18288"/>
+          </a:xfrm>
+          <a:custGeom>
+            <a:avLst/>
+            <a:gdLst>
+              <a:gd name="connsiteX0" fmla="*/ 0 w 3255095"/>
+              <a:gd name="connsiteY0" fmla="*/ 0 h 18288"/>
+              <a:gd name="connsiteX1" fmla="*/ 618468 w 3255095"/>
+              <a:gd name="connsiteY1" fmla="*/ 0 h 18288"/>
+              <a:gd name="connsiteX2" fmla="*/ 1269487 w 3255095"/>
+              <a:gd name="connsiteY2" fmla="*/ 0 h 18288"/>
+              <a:gd name="connsiteX3" fmla="*/ 1953057 w 3255095"/>
+              <a:gd name="connsiteY3" fmla="*/ 0 h 18288"/>
+              <a:gd name="connsiteX4" fmla="*/ 2636627 w 3255095"/>
+              <a:gd name="connsiteY4" fmla="*/ 0 h 18288"/>
+              <a:gd name="connsiteX5" fmla="*/ 3255095 w 3255095"/>
+              <a:gd name="connsiteY5" fmla="*/ 0 h 18288"/>
+              <a:gd name="connsiteX6" fmla="*/ 3255095 w 3255095"/>
+              <a:gd name="connsiteY6" fmla="*/ 18288 h 18288"/>
+              <a:gd name="connsiteX7" fmla="*/ 2538974 w 3255095"/>
+              <a:gd name="connsiteY7" fmla="*/ 18288 h 18288"/>
+              <a:gd name="connsiteX8" fmla="*/ 1822853 w 3255095"/>
+              <a:gd name="connsiteY8" fmla="*/ 18288 h 18288"/>
+              <a:gd name="connsiteX9" fmla="*/ 1171834 w 3255095"/>
+              <a:gd name="connsiteY9" fmla="*/ 18288 h 18288"/>
+              <a:gd name="connsiteX10" fmla="*/ 0 w 3255095"/>
+              <a:gd name="connsiteY10" fmla="*/ 18288 h 18288"/>
+              <a:gd name="connsiteX11" fmla="*/ 0 w 3255095"/>
+              <a:gd name="connsiteY11" fmla="*/ 0 h 18288"/>
+            </a:gdLst>
+            <a:ahLst/>
+            <a:cxnLst>
+              <a:cxn ang="0">
+                <a:pos x="connsiteX0" y="connsiteY0"/>
+              </a:cxn>
+              <a:cxn ang="0">
+                <a:pos x="connsiteX1" y="connsiteY1"/>
+              </a:cxn>
+              <a:cxn ang="0">
+                <a:pos x="connsiteX2" y="connsiteY2"/>
+              </a:cxn>
+              <a:cxn ang="0">
+                <a:pos x="connsiteX3" y="connsiteY3"/>
+              </a:cxn>
+              <a:cxn ang="0">
+                <a:pos x="connsiteX4" y="connsiteY4"/>
+              </a:cxn>
+              <a:cxn ang="0">
+                <a:pos x="connsiteX5" y="connsiteY5"/>
+              </a:cxn>
+              <a:cxn ang="0">
+                <a:pos x="connsiteX6" y="connsiteY6"/>
+              </a:cxn>
+              <a:cxn ang="0">
+                <a:pos x="connsiteX7" y="connsiteY7"/>
+              </a:cxn>
+              <a:cxn ang="0">
+                <a:pos x="connsiteX8" y="connsiteY8"/>
+              </a:cxn>
+              <a:cxn ang="0">
+                <a:pos x="connsiteX9" y="connsiteY9"/>
+              </a:cxn>
+              <a:cxn ang="0">
+                <a:pos x="connsiteX10" y="connsiteY10"/>
+              </a:cxn>
+              <a:cxn ang="0">
+                <a:pos x="connsiteX11" y="connsiteY11"/>
+              </a:cxn>
+            </a:cxnLst>
+            <a:rect l="l" t="t" r="r" b="b"/>
+            <a:pathLst>
+              <a:path w="3255095" h="18288" fill="none" extrusionOk="0">
+                <a:moveTo>
+                  <a:pt x="0" y="0"/>
+                </a:moveTo>
+                <a:cubicBezTo>
+                  <a:pt x="240201" y="-22123"/>
+                  <a:pt x="462021" y="-19623"/>
+                  <a:pt x="618468" y="0"/>
+                </a:cubicBezTo>
+                <a:cubicBezTo>
+                  <a:pt x="774915" y="19623"/>
+                  <a:pt x="974734" y="2035"/>
+                  <a:pt x="1269487" y="0"/>
+                </a:cubicBezTo>
+                <a:cubicBezTo>
+                  <a:pt x="1564240" y="-2035"/>
+                  <a:pt x="1733579" y="10639"/>
+                  <a:pt x="1953057" y="0"/>
+                </a:cubicBezTo>
+                <a:cubicBezTo>
+                  <a:pt x="2172535" y="-10639"/>
+                  <a:pt x="2453962" y="14018"/>
+                  <a:pt x="2636627" y="0"/>
+                </a:cubicBezTo>
+                <a:cubicBezTo>
+                  <a:pt x="2819292" y="-14018"/>
+                  <a:pt x="3121375" y="5399"/>
+                  <a:pt x="3255095" y="0"/>
+                </a:cubicBezTo>
+                <a:cubicBezTo>
+                  <a:pt x="3254386" y="8157"/>
+                  <a:pt x="3254682" y="12125"/>
+                  <a:pt x="3255095" y="18288"/>
+                </a:cubicBezTo>
+                <a:cubicBezTo>
+                  <a:pt x="3088545" y="23203"/>
+                  <a:pt x="2687475" y="7419"/>
+                  <a:pt x="2538974" y="18288"/>
+                </a:cubicBezTo>
+                <a:cubicBezTo>
+                  <a:pt x="2390473" y="29157"/>
+                  <a:pt x="2137381" y="-8959"/>
+                  <a:pt x="1822853" y="18288"/>
+                </a:cubicBezTo>
+                <a:cubicBezTo>
+                  <a:pt x="1508325" y="45535"/>
+                  <a:pt x="1466437" y="20385"/>
+                  <a:pt x="1171834" y="18288"/>
+                </a:cubicBezTo>
+                <a:cubicBezTo>
+                  <a:pt x="877231" y="16191"/>
+                  <a:pt x="561097" y="37643"/>
+                  <a:pt x="0" y="18288"/>
+                </a:cubicBezTo>
+                <a:cubicBezTo>
+                  <a:pt x="-46" y="12483"/>
+                  <a:pt x="-203" y="6491"/>
+                  <a:pt x="0" y="0"/>
+                </a:cubicBezTo>
+                <a:close/>
+              </a:path>
+              <a:path w="3255095" h="18288" stroke="0" extrusionOk="0">
+                <a:moveTo>
+                  <a:pt x="0" y="0"/>
+                </a:moveTo>
+                <a:cubicBezTo>
+                  <a:pt x="291965" y="19429"/>
+                  <a:pt x="363155" y="8568"/>
+                  <a:pt x="618468" y="0"/>
+                </a:cubicBezTo>
+                <a:cubicBezTo>
+                  <a:pt x="873781" y="-8568"/>
+                  <a:pt x="904459" y="-19505"/>
+                  <a:pt x="1171834" y="0"/>
+                </a:cubicBezTo>
+                <a:cubicBezTo>
+                  <a:pt x="1439209" y="19505"/>
+                  <a:pt x="1744369" y="9790"/>
+                  <a:pt x="1887955" y="0"/>
+                </a:cubicBezTo>
+                <a:cubicBezTo>
+                  <a:pt x="2031541" y="-9790"/>
+                  <a:pt x="2346378" y="21240"/>
+                  <a:pt x="2506423" y="0"/>
+                </a:cubicBezTo>
+                <a:cubicBezTo>
+                  <a:pt x="2666468" y="-21240"/>
+                  <a:pt x="2990257" y="30414"/>
+                  <a:pt x="3255095" y="0"/>
+                </a:cubicBezTo>
+                <a:cubicBezTo>
+                  <a:pt x="3254831" y="4493"/>
+                  <a:pt x="3255479" y="9472"/>
+                  <a:pt x="3255095" y="18288"/>
+                </a:cubicBezTo>
+                <a:cubicBezTo>
+                  <a:pt x="3120743" y="16690"/>
+                  <a:pt x="2759628" y="42462"/>
+                  <a:pt x="2604076" y="18288"/>
+                </a:cubicBezTo>
+                <a:cubicBezTo>
+                  <a:pt x="2448524" y="-5886"/>
+                  <a:pt x="2184336" y="19599"/>
+                  <a:pt x="1887955" y="18288"/>
+                </a:cubicBezTo>
+                <a:cubicBezTo>
+                  <a:pt x="1591574" y="16977"/>
+                  <a:pt x="1548845" y="6870"/>
+                  <a:pt x="1334589" y="18288"/>
+                </a:cubicBezTo>
+                <a:cubicBezTo>
+                  <a:pt x="1120333" y="29706"/>
+                  <a:pt x="996014" y="9662"/>
+                  <a:pt x="683570" y="18288"/>
+                </a:cubicBezTo>
+                <a:cubicBezTo>
+                  <a:pt x="371126" y="26914"/>
+                  <a:pt x="198687" y="16167"/>
+                  <a:pt x="0" y="18288"/>
+                </a:cubicBezTo>
+                <a:cubicBezTo>
+                  <a:pt x="843" y="9577"/>
+                  <a:pt x="371" y="6900"/>
+                  <a:pt x="0" y="0"/>
+                </a:cubicBezTo>
+                <a:close/>
+              </a:path>
+            </a:pathLst>
+          </a:custGeom>
+          <a:solidFill>
+            <a:schemeClr val="accent2"/>
+          </a:solidFill>
+          <a:ln w="38100" cap="rnd">
+            <a:solidFill>
+              <a:schemeClr val="accent2"/>
+            </a:solidFill>
+            <a:round/>
+            <a:extLst>
+              <a:ext uri="{C807C97D-BFC1-408E-A445-0C87EB9F89A2}">
+                <ask:lineSketchStyleProps xmlns:ask="http://schemas.microsoft.com/office/drawing/2018/sketchyshapes" sd="1219033472">
+                  <a:prstGeom prst="rect">
+                    <a:avLst/>
+                  </a:prstGeom>
+                  <ask:type>
+                    <ask:lineSketchFreehand/>
+                  </ask:type>
+                </ask:lineSketchStyleProps>
+              </a:ext>
+            </a:extLst>
+          </a:ln>
+        </p:spPr>
+        <p:style>
+          <a:lnRef idx="2">
+            <a:schemeClr val="accent1">
+              <a:shade val="50000"/>
+            </a:schemeClr>
+          </a:lnRef>
+          <a:fillRef idx="1">
+            <a:schemeClr val="accent1"/>
+          </a:fillRef>
+          <a:effectRef idx="0">
+            <a:schemeClr val="accent1"/>
+          </a:effectRef>
+          <a:fontRef idx="minor">
+            <a:schemeClr val="lt1"/>
+          </a:fontRef>
+        </p:style>
+        <p:txBody>
+          <a:bodyPr rtlCol="0" anchor="ctr"/>
+          <a:lstStyle/>
+          <a:p>
+            <a:pPr algn="ctr"/>
+            <a:endParaRPr lang="en-US"/>
           </a:p>
         </p:txBody>
       </p:sp>
@@ -3975,15 +4760,120 @@
             <p:ph idx="1"/>
           </p:nvPr>
         </p:nvSpPr>
-        <p:spPr/>
+        <p:spPr>
+          <a:xfrm>
+            <a:off x="630936" y="2807208"/>
+            <a:ext cx="3429000" cy="3410712"/>
+          </a:xfrm>
+        </p:spPr>
         <p:txBody>
-          <a:bodyPr/>
+          <a:bodyPr anchor="t">
+            <a:normAutofit/>
+          </a:bodyPr>
           <a:lstStyle/>
           <a:p>
-            <a:endParaRPr lang="en-CH"/>
+            <a:r>
+              <a:rPr lang="en-GB" sz="1400" b="0" i="0" dirty="0">
+                <a:effectLst/>
+                <a:latin typeface="Amazon Ember"/>
+              </a:rPr>
+              <a:t>AWS Glue </a:t>
+            </a:r>
+            <a:r>
+              <a:rPr lang="en-GB" sz="1400" b="0" i="0" dirty="0" err="1">
+                <a:effectLst/>
+                <a:latin typeface="Amazon Ember"/>
+              </a:rPr>
+              <a:t>DataBrew</a:t>
+            </a:r>
+            <a:r>
+              <a:rPr lang="en-GB" sz="1400" b="0" i="0" dirty="0">
+                <a:effectLst/>
+                <a:latin typeface="Amazon Ember"/>
+              </a:rPr>
+              <a:t> is a visual data preparation tool that enables users to clean and normalize data without writing any code. </a:t>
+            </a:r>
+          </a:p>
+          <a:p>
+            <a:r>
+              <a:rPr lang="en-GB" sz="1400" b="0" i="0" dirty="0">
+                <a:effectLst/>
+                <a:latin typeface="Amazon Ember"/>
+              </a:rPr>
+              <a:t>Using </a:t>
+            </a:r>
+            <a:r>
+              <a:rPr lang="en-GB" sz="1400" b="0" i="0" dirty="0" err="1">
+                <a:effectLst/>
+                <a:latin typeface="Amazon Ember"/>
+              </a:rPr>
+              <a:t>DataBrew</a:t>
+            </a:r>
+            <a:r>
+              <a:rPr lang="en-GB" sz="1400" b="0" i="0" dirty="0">
+                <a:effectLst/>
+                <a:latin typeface="Amazon Ember"/>
+              </a:rPr>
+              <a:t> helps reduce the time it takes to prepare data for analytics and machine learning (ML) by up to 80 percent, compared to custom developed data preparation. </a:t>
+            </a:r>
+          </a:p>
+          <a:p>
+            <a:r>
+              <a:rPr lang="en-GB" sz="1400" b="0" i="0" dirty="0">
+                <a:effectLst/>
+                <a:latin typeface="Amazon Ember"/>
+              </a:rPr>
+              <a:t>You can choose from over 250 ready-made transformations to automate data preparation tasks, such as filtering anomalies, converting data to standard formats, and correcting invalid values.</a:t>
+            </a:r>
           </a:p>
         </p:txBody>
       </p:sp>
+      <p:pic>
+        <p:nvPicPr>
+          <p:cNvPr id="6146" name="Picture 2" descr="&#10;            A simple diagram about how DataBrew works. DataBrew can visually clean, prepare, and&#10;                transform data without the need to write code. A box shows data entering DataBrew from&#10;                Amazon S3. It shows boxes for a few of the transforms that DataBrew can do. The transform&#10;                boxes include the following: Format, clean and standardize data. Restructure and&#10;                transform data. Handle missing and invalid data. Handle categorical variables.&#10;                Handle numerical variables. use natural language processing. The diagram shows that&#10;                the data is exported to S3 as a prepared dataset. &#10;        ">
+            <a:extLst>
+              <a:ext uri="{FF2B5EF4-FFF2-40B4-BE49-F238E27FC236}">
+                <a16:creationId xmlns:a16="http://schemas.microsoft.com/office/drawing/2014/main" id="{4652D5BE-860D-1808-A054-7CF3A0B50ACA}"/>
+              </a:ext>
+            </a:extLst>
+          </p:cNvPr>
+          <p:cNvPicPr>
+            <a:picLocks noChangeAspect="1" noChangeArrowheads="1"/>
+          </p:cNvPicPr>
+          <p:nvPr/>
+        </p:nvPicPr>
+        <p:blipFill>
+          <a:blip r:embed="rId2">
+            <a:extLst>
+              <a:ext uri="{28A0092B-C50C-407E-A947-70E740481C1C}">
+                <a14:useLocalDpi xmlns:a14="http://schemas.microsoft.com/office/drawing/2010/main" val="0"/>
+              </a:ext>
+            </a:extLst>
+          </a:blip>
+          <a:stretch>
+            <a:fillRect/>
+          </a:stretch>
+        </p:blipFill>
+        <p:spPr bwMode="auto">
+          <a:xfrm>
+            <a:off x="4654296" y="1815256"/>
+            <a:ext cx="6903720" cy="3227488"/>
+          </a:xfrm>
+          <a:prstGeom prst="rect">
+            <a:avLst/>
+          </a:prstGeom>
+          <a:noFill/>
+          <a:extLst>
+            <a:ext uri="{909E8E84-426E-40DD-AFC4-6F175D3DCCD1}">
+              <a14:hiddenFill xmlns:a14="http://schemas.microsoft.com/office/drawing/2010/main">
+                <a:solidFill>
+                  <a:srgbClr val="FFFFFF"/>
+                </a:solidFill>
+              </a14:hiddenFill>
+            </a:ext>
+          </a:extLst>
+        </p:spPr>
+      </p:pic>
     </p:spTree>
     <p:extLst>
       <p:ext uri="{BB962C8B-B14F-4D97-AF65-F5344CB8AC3E}">
@@ -4000,6 +4890,14 @@
 <file path=ppt/slides/slide11.xml><?xml version="1.0" encoding="utf-8"?>
 <p:sld xmlns:a="http://schemas.openxmlformats.org/drawingml/2006/main" xmlns:r="http://schemas.openxmlformats.org/officeDocument/2006/relationships" xmlns:p="http://schemas.openxmlformats.org/presentationml/2006/main">
   <p:cSld>
+    <p:bg>
+      <p:bgPr>
+        <a:solidFill>
+          <a:schemeClr val="bg1"/>
+        </a:solidFill>
+        <a:effectLst/>
+      </p:bgPr>
+    </p:bg>
     <p:spTree>
       <p:nvGrpSpPr>
         <p:cNvPr id="1" name=""/>
@@ -4014,6 +4912,66 @@
           <a:chExt cx="0" cy="0"/>
         </a:xfrm>
       </p:grpSpPr>
+      <p:sp useBgFill="1">
+        <p:nvSpPr>
+          <p:cNvPr id="7175" name="Rectangle 7174">
+            <a:extLst>
+              <a:ext uri="{FF2B5EF4-FFF2-40B4-BE49-F238E27FC236}">
+                <a16:creationId xmlns:a16="http://schemas.microsoft.com/office/drawing/2014/main" id="{2B97F24A-32CE-4C1C-A50D-3016B394DCFB}"/>
+              </a:ext>
+              <a:ext uri="{C183D7F6-B498-43B3-948B-1728B52AA6E4}">
+                <adec:decorative xmlns:adec="http://schemas.microsoft.com/office/drawing/2017/decorative" val="1"/>
+              </a:ext>
+            </a:extLst>
+          </p:cNvPr>
+          <p:cNvSpPr>
+            <a:spLocks noGrp="1" noRot="1" noChangeAspect="1" noMove="1" noResize="1" noEditPoints="1" noAdjustHandles="1" noChangeArrowheads="1" noChangeShapeType="1" noTextEdit="1"/>
+          </p:cNvSpPr>
+          <p:nvPr>
+            <p:extLst>
+              <p:ext uri="{386F3935-93C4-4BCD-93E2-E3B085C9AB24}">
+                <p16:designElem xmlns:p16="http://schemas.microsoft.com/office/powerpoint/2015/main" val="1"/>
+              </p:ext>
+            </p:extLst>
+          </p:nvPr>
+        </p:nvSpPr>
+        <p:spPr>
+          <a:xfrm>
+            <a:off x="0" y="0"/>
+            <a:ext cx="12192000" cy="6858000"/>
+          </a:xfrm>
+          <a:prstGeom prst="rect">
+            <a:avLst/>
+          </a:prstGeom>
+          <a:ln>
+            <a:noFill/>
+          </a:ln>
+        </p:spPr>
+        <p:style>
+          <a:lnRef idx="2">
+            <a:schemeClr val="accent1">
+              <a:shade val="50000"/>
+            </a:schemeClr>
+          </a:lnRef>
+          <a:fillRef idx="1">
+            <a:schemeClr val="accent1"/>
+          </a:fillRef>
+          <a:effectRef idx="0">
+            <a:schemeClr val="accent1"/>
+          </a:effectRef>
+          <a:fontRef idx="minor">
+            <a:schemeClr val="lt1"/>
+          </a:fontRef>
+        </p:style>
+        <p:txBody>
+          <a:bodyPr rtlCol="0" anchor="ctr"/>
+          <a:lstStyle/>
+          <a:p>
+            <a:pPr algn="ctr"/>
+            <a:endParaRPr lang="en-US"/>
+          </a:p>
+        </p:txBody>
+      </p:sp>
       <p:sp>
         <p:nvSpPr>
           <p:cNvPr id="2" name="Title 1">
@@ -4030,15 +4988,295 @@
             <p:ph type="title"/>
           </p:nvPr>
         </p:nvSpPr>
-        <p:spPr/>
+        <p:spPr>
+          <a:xfrm>
+            <a:off x="630936" y="639520"/>
+            <a:ext cx="3429000" cy="1719072"/>
+          </a:xfrm>
+        </p:spPr>
         <p:txBody>
-          <a:bodyPr/>
+          <a:bodyPr anchor="b">
+            <a:normAutofit/>
+          </a:bodyPr>
           <a:lstStyle/>
           <a:p>
             <a:r>
-              <a:rPr lang="en-CH" dirty="0"/>
+              <a:rPr lang="en-CH" sz="4200"/>
               <a:t>AWS Glue Streaming ETL</a:t>
             </a:r>
+          </a:p>
+        </p:txBody>
+      </p:sp>
+      <p:sp>
+        <p:nvSpPr>
+          <p:cNvPr id="7177" name="sketch line">
+            <a:extLst>
+              <a:ext uri="{FF2B5EF4-FFF2-40B4-BE49-F238E27FC236}">
+                <a16:creationId xmlns:a16="http://schemas.microsoft.com/office/drawing/2014/main" id="{CD8B4F24-440B-49E9-B85D-733523DC064B}"/>
+              </a:ext>
+              <a:ext uri="{C183D7F6-B498-43B3-948B-1728B52AA6E4}">
+                <adec:decorative xmlns:adec="http://schemas.microsoft.com/office/drawing/2017/decorative" val="1"/>
+              </a:ext>
+            </a:extLst>
+          </p:cNvPr>
+          <p:cNvSpPr>
+            <a:spLocks noGrp="1" noRot="1" noChangeAspect="1" noMove="1" noResize="1" noEditPoints="1" noAdjustHandles="1" noChangeArrowheads="1" noChangeShapeType="1" noTextEdit="1"/>
+          </p:cNvSpPr>
+          <p:nvPr>
+            <p:extLst>
+              <p:ext uri="{386F3935-93C4-4BCD-93E2-E3B085C9AB24}">
+                <p16:designElem xmlns:p16="http://schemas.microsoft.com/office/powerpoint/2015/main" val="1"/>
+              </p:ext>
+            </p:extLst>
+          </p:nvPr>
+        </p:nvSpPr>
+        <p:spPr>
+          <a:xfrm>
+            <a:off x="643278" y="2573756"/>
+            <a:ext cx="3255095" cy="18288"/>
+          </a:xfrm>
+          <a:custGeom>
+            <a:avLst/>
+            <a:gdLst>
+              <a:gd name="connsiteX0" fmla="*/ 0 w 3255095"/>
+              <a:gd name="connsiteY0" fmla="*/ 0 h 18288"/>
+              <a:gd name="connsiteX1" fmla="*/ 618468 w 3255095"/>
+              <a:gd name="connsiteY1" fmla="*/ 0 h 18288"/>
+              <a:gd name="connsiteX2" fmla="*/ 1269487 w 3255095"/>
+              <a:gd name="connsiteY2" fmla="*/ 0 h 18288"/>
+              <a:gd name="connsiteX3" fmla="*/ 1953057 w 3255095"/>
+              <a:gd name="connsiteY3" fmla="*/ 0 h 18288"/>
+              <a:gd name="connsiteX4" fmla="*/ 2636627 w 3255095"/>
+              <a:gd name="connsiteY4" fmla="*/ 0 h 18288"/>
+              <a:gd name="connsiteX5" fmla="*/ 3255095 w 3255095"/>
+              <a:gd name="connsiteY5" fmla="*/ 0 h 18288"/>
+              <a:gd name="connsiteX6" fmla="*/ 3255095 w 3255095"/>
+              <a:gd name="connsiteY6" fmla="*/ 18288 h 18288"/>
+              <a:gd name="connsiteX7" fmla="*/ 2538974 w 3255095"/>
+              <a:gd name="connsiteY7" fmla="*/ 18288 h 18288"/>
+              <a:gd name="connsiteX8" fmla="*/ 1822853 w 3255095"/>
+              <a:gd name="connsiteY8" fmla="*/ 18288 h 18288"/>
+              <a:gd name="connsiteX9" fmla="*/ 1171834 w 3255095"/>
+              <a:gd name="connsiteY9" fmla="*/ 18288 h 18288"/>
+              <a:gd name="connsiteX10" fmla="*/ 0 w 3255095"/>
+              <a:gd name="connsiteY10" fmla="*/ 18288 h 18288"/>
+              <a:gd name="connsiteX11" fmla="*/ 0 w 3255095"/>
+              <a:gd name="connsiteY11" fmla="*/ 0 h 18288"/>
+            </a:gdLst>
+            <a:ahLst/>
+            <a:cxnLst>
+              <a:cxn ang="0">
+                <a:pos x="connsiteX0" y="connsiteY0"/>
+              </a:cxn>
+              <a:cxn ang="0">
+                <a:pos x="connsiteX1" y="connsiteY1"/>
+              </a:cxn>
+              <a:cxn ang="0">
+                <a:pos x="connsiteX2" y="connsiteY2"/>
+              </a:cxn>
+              <a:cxn ang="0">
+                <a:pos x="connsiteX3" y="connsiteY3"/>
+              </a:cxn>
+              <a:cxn ang="0">
+                <a:pos x="connsiteX4" y="connsiteY4"/>
+              </a:cxn>
+              <a:cxn ang="0">
+                <a:pos x="connsiteX5" y="connsiteY5"/>
+              </a:cxn>
+              <a:cxn ang="0">
+                <a:pos x="connsiteX6" y="connsiteY6"/>
+              </a:cxn>
+              <a:cxn ang="0">
+                <a:pos x="connsiteX7" y="connsiteY7"/>
+              </a:cxn>
+              <a:cxn ang="0">
+                <a:pos x="connsiteX8" y="connsiteY8"/>
+              </a:cxn>
+              <a:cxn ang="0">
+                <a:pos x="connsiteX9" y="connsiteY9"/>
+              </a:cxn>
+              <a:cxn ang="0">
+                <a:pos x="connsiteX10" y="connsiteY10"/>
+              </a:cxn>
+              <a:cxn ang="0">
+                <a:pos x="connsiteX11" y="connsiteY11"/>
+              </a:cxn>
+            </a:cxnLst>
+            <a:rect l="l" t="t" r="r" b="b"/>
+            <a:pathLst>
+              <a:path w="3255095" h="18288" fill="none" extrusionOk="0">
+                <a:moveTo>
+                  <a:pt x="0" y="0"/>
+                </a:moveTo>
+                <a:cubicBezTo>
+                  <a:pt x="240201" y="-22123"/>
+                  <a:pt x="462021" y="-19623"/>
+                  <a:pt x="618468" y="0"/>
+                </a:cubicBezTo>
+                <a:cubicBezTo>
+                  <a:pt x="774915" y="19623"/>
+                  <a:pt x="974734" y="2035"/>
+                  <a:pt x="1269487" y="0"/>
+                </a:cubicBezTo>
+                <a:cubicBezTo>
+                  <a:pt x="1564240" y="-2035"/>
+                  <a:pt x="1733579" y="10639"/>
+                  <a:pt x="1953057" y="0"/>
+                </a:cubicBezTo>
+                <a:cubicBezTo>
+                  <a:pt x="2172535" y="-10639"/>
+                  <a:pt x="2453962" y="14018"/>
+                  <a:pt x="2636627" y="0"/>
+                </a:cubicBezTo>
+                <a:cubicBezTo>
+                  <a:pt x="2819292" y="-14018"/>
+                  <a:pt x="3121375" y="5399"/>
+                  <a:pt x="3255095" y="0"/>
+                </a:cubicBezTo>
+                <a:cubicBezTo>
+                  <a:pt x="3254386" y="8157"/>
+                  <a:pt x="3254682" y="12125"/>
+                  <a:pt x="3255095" y="18288"/>
+                </a:cubicBezTo>
+                <a:cubicBezTo>
+                  <a:pt x="3088545" y="23203"/>
+                  <a:pt x="2687475" y="7419"/>
+                  <a:pt x="2538974" y="18288"/>
+                </a:cubicBezTo>
+                <a:cubicBezTo>
+                  <a:pt x="2390473" y="29157"/>
+                  <a:pt x="2137381" y="-8959"/>
+                  <a:pt x="1822853" y="18288"/>
+                </a:cubicBezTo>
+                <a:cubicBezTo>
+                  <a:pt x="1508325" y="45535"/>
+                  <a:pt x="1466437" y="20385"/>
+                  <a:pt x="1171834" y="18288"/>
+                </a:cubicBezTo>
+                <a:cubicBezTo>
+                  <a:pt x="877231" y="16191"/>
+                  <a:pt x="561097" y="37643"/>
+                  <a:pt x="0" y="18288"/>
+                </a:cubicBezTo>
+                <a:cubicBezTo>
+                  <a:pt x="-46" y="12483"/>
+                  <a:pt x="-203" y="6491"/>
+                  <a:pt x="0" y="0"/>
+                </a:cubicBezTo>
+                <a:close/>
+              </a:path>
+              <a:path w="3255095" h="18288" stroke="0" extrusionOk="0">
+                <a:moveTo>
+                  <a:pt x="0" y="0"/>
+                </a:moveTo>
+                <a:cubicBezTo>
+                  <a:pt x="291965" y="19429"/>
+                  <a:pt x="363155" y="8568"/>
+                  <a:pt x="618468" y="0"/>
+                </a:cubicBezTo>
+                <a:cubicBezTo>
+                  <a:pt x="873781" y="-8568"/>
+                  <a:pt x="904459" y="-19505"/>
+                  <a:pt x="1171834" y="0"/>
+                </a:cubicBezTo>
+                <a:cubicBezTo>
+                  <a:pt x="1439209" y="19505"/>
+                  <a:pt x="1744369" y="9790"/>
+                  <a:pt x="1887955" y="0"/>
+                </a:cubicBezTo>
+                <a:cubicBezTo>
+                  <a:pt x="2031541" y="-9790"/>
+                  <a:pt x="2346378" y="21240"/>
+                  <a:pt x="2506423" y="0"/>
+                </a:cubicBezTo>
+                <a:cubicBezTo>
+                  <a:pt x="2666468" y="-21240"/>
+                  <a:pt x="2990257" y="30414"/>
+                  <a:pt x="3255095" y="0"/>
+                </a:cubicBezTo>
+                <a:cubicBezTo>
+                  <a:pt x="3254831" y="4493"/>
+                  <a:pt x="3255479" y="9472"/>
+                  <a:pt x="3255095" y="18288"/>
+                </a:cubicBezTo>
+                <a:cubicBezTo>
+                  <a:pt x="3120743" y="16690"/>
+                  <a:pt x="2759628" y="42462"/>
+                  <a:pt x="2604076" y="18288"/>
+                </a:cubicBezTo>
+                <a:cubicBezTo>
+                  <a:pt x="2448524" y="-5886"/>
+                  <a:pt x="2184336" y="19599"/>
+                  <a:pt x="1887955" y="18288"/>
+                </a:cubicBezTo>
+                <a:cubicBezTo>
+                  <a:pt x="1591574" y="16977"/>
+                  <a:pt x="1548845" y="6870"/>
+                  <a:pt x="1334589" y="18288"/>
+                </a:cubicBezTo>
+                <a:cubicBezTo>
+                  <a:pt x="1120333" y="29706"/>
+                  <a:pt x="996014" y="9662"/>
+                  <a:pt x="683570" y="18288"/>
+                </a:cubicBezTo>
+                <a:cubicBezTo>
+                  <a:pt x="371126" y="26914"/>
+                  <a:pt x="198687" y="16167"/>
+                  <a:pt x="0" y="18288"/>
+                </a:cubicBezTo>
+                <a:cubicBezTo>
+                  <a:pt x="843" y="9577"/>
+                  <a:pt x="371" y="6900"/>
+                  <a:pt x="0" y="0"/>
+                </a:cubicBezTo>
+                <a:close/>
+              </a:path>
+            </a:pathLst>
+          </a:custGeom>
+          <a:solidFill>
+            <a:schemeClr val="accent2"/>
+          </a:solidFill>
+          <a:ln w="38100" cap="rnd">
+            <a:solidFill>
+              <a:schemeClr val="accent2"/>
+            </a:solidFill>
+            <a:round/>
+            <a:extLst>
+              <a:ext uri="{C807C97D-BFC1-408E-A445-0C87EB9F89A2}">
+                <ask:lineSketchStyleProps xmlns:ask="http://schemas.microsoft.com/office/drawing/2018/sketchyshapes" sd="1219033472">
+                  <a:prstGeom prst="rect">
+                    <a:avLst/>
+                  </a:prstGeom>
+                  <ask:type>
+                    <ask:lineSketchFreehand/>
+                  </ask:type>
+                </ask:lineSketchStyleProps>
+              </a:ext>
+            </a:extLst>
+          </a:ln>
+        </p:spPr>
+        <p:style>
+          <a:lnRef idx="2">
+            <a:schemeClr val="accent1">
+              <a:shade val="50000"/>
+            </a:schemeClr>
+          </a:lnRef>
+          <a:fillRef idx="1">
+            <a:schemeClr val="accent1"/>
+          </a:fillRef>
+          <a:effectRef idx="0">
+            <a:schemeClr val="accent1"/>
+          </a:effectRef>
+          <a:fontRef idx="minor">
+            <a:schemeClr val="lt1"/>
+          </a:fontRef>
+        </p:style>
+        <p:txBody>
+          <a:bodyPr rtlCol="0" anchor="ctr"/>
+          <a:lstStyle/>
+          <a:p>
+            <a:pPr algn="ctr"/>
+            <a:endParaRPr lang="en-US"/>
           </a:p>
         </p:txBody>
       </p:sp>
@@ -4058,15 +5296,84 @@
             <p:ph idx="1"/>
           </p:nvPr>
         </p:nvSpPr>
-        <p:spPr/>
+        <p:spPr>
+          <a:xfrm>
+            <a:off x="630936" y="2807208"/>
+            <a:ext cx="3429000" cy="3410712"/>
+          </a:xfrm>
+        </p:spPr>
         <p:txBody>
-          <a:bodyPr/>
+          <a:bodyPr anchor="t">
+            <a:normAutofit/>
+          </a:bodyPr>
           <a:lstStyle/>
           <a:p>
-            <a:endParaRPr lang="en-CH"/>
+            <a:r>
+              <a:rPr lang="en-GB" sz="1700" b="0" i="0">
+                <a:effectLst/>
+                <a:latin typeface="Amazon Ember"/>
+              </a:rPr>
+              <a:t>You can create streaming extract, transform, and load (ETL) jobs that run continuously, consume data from streaming sources like Amazon Kinesis Data Streams, Apache Kafka, and Amazon Managed Streaming for Apache Kafka (Amazon MSK). </a:t>
+            </a:r>
+          </a:p>
+          <a:p>
+            <a:r>
+              <a:rPr lang="en-GB" sz="1700" b="0" i="0">
+                <a:effectLst/>
+                <a:latin typeface="Amazon Ember"/>
+              </a:rPr>
+              <a:t>The jobs cleanse and transform the data, and then load the results into Amazon S3 data lakes or JDBC data stores.</a:t>
+            </a:r>
+            <a:endParaRPr lang="en-CH" sz="1700"/>
           </a:p>
         </p:txBody>
       </p:sp>
+      <p:pic>
+        <p:nvPicPr>
+          <p:cNvPr id="7170" name="Picture 2" descr="New – Serverless Streaming ETL with AWS Glue | AWS News Blog">
+            <a:extLst>
+              <a:ext uri="{FF2B5EF4-FFF2-40B4-BE49-F238E27FC236}">
+                <a16:creationId xmlns:a16="http://schemas.microsoft.com/office/drawing/2014/main" id="{35E1D2E2-ECD6-AC80-7DF2-1236E7F8CD9C}"/>
+              </a:ext>
+            </a:extLst>
+          </p:cNvPr>
+          <p:cNvPicPr>
+            <a:picLocks noChangeAspect="1" noChangeArrowheads="1"/>
+          </p:cNvPicPr>
+          <p:nvPr/>
+        </p:nvPicPr>
+        <p:blipFill>
+          <a:blip r:embed="rId2">
+            <a:extLst>
+              <a:ext uri="{28A0092B-C50C-407E-A947-70E740481C1C}">
+                <a14:useLocalDpi xmlns:a14="http://schemas.microsoft.com/office/drawing/2010/main" val="0"/>
+              </a:ext>
+            </a:extLst>
+          </a:blip>
+          <a:stretch>
+            <a:fillRect/>
+          </a:stretch>
+        </p:blipFill>
+        <p:spPr bwMode="auto">
+          <a:xfrm>
+            <a:off x="4654296" y="2065515"/>
+            <a:ext cx="6903720" cy="2726970"/>
+          </a:xfrm>
+          <a:prstGeom prst="rect">
+            <a:avLst/>
+          </a:prstGeom>
+          <a:noFill/>
+          <a:extLst>
+            <a:ext uri="{909E8E84-426E-40DD-AFC4-6F175D3DCCD1}">
+              <a14:hiddenFill xmlns:a14="http://schemas.microsoft.com/office/drawing/2010/main">
+                <a:solidFill>
+                  <a:srgbClr val="FFFFFF"/>
+                </a:solidFill>
+              </a14:hiddenFill>
+            </a:ext>
+          </a:extLst>
+        </p:spPr>
+      </p:pic>
     </p:spTree>
     <p:extLst>
       <p:ext uri="{BB962C8B-B14F-4D97-AF65-F5344CB8AC3E}">
@@ -4083,6 +5390,14 @@
 <file path=ppt/slides/slide12.xml><?xml version="1.0" encoding="utf-8"?>
 <p:sld xmlns:a="http://schemas.openxmlformats.org/drawingml/2006/main" xmlns:r="http://schemas.openxmlformats.org/officeDocument/2006/relationships" xmlns:p="http://schemas.openxmlformats.org/presentationml/2006/main">
   <p:cSld>
+    <p:bg>
+      <p:bgPr>
+        <a:solidFill>
+          <a:schemeClr val="bg1"/>
+        </a:solidFill>
+        <a:effectLst/>
+      </p:bgPr>
+    </p:bg>
     <p:spTree>
       <p:nvGrpSpPr>
         <p:cNvPr id="1" name=""/>
@@ -4097,6 +5412,66 @@
           <a:chExt cx="0" cy="0"/>
         </a:xfrm>
       </p:grpSpPr>
+      <p:sp useBgFill="1">
+        <p:nvSpPr>
+          <p:cNvPr id="8199" name="Rectangle 8198">
+            <a:extLst>
+              <a:ext uri="{FF2B5EF4-FFF2-40B4-BE49-F238E27FC236}">
+                <a16:creationId xmlns:a16="http://schemas.microsoft.com/office/drawing/2014/main" id="{2B97F24A-32CE-4C1C-A50D-3016B394DCFB}"/>
+              </a:ext>
+              <a:ext uri="{C183D7F6-B498-43B3-948B-1728B52AA6E4}">
+                <adec:decorative xmlns:adec="http://schemas.microsoft.com/office/drawing/2017/decorative" val="1"/>
+              </a:ext>
+            </a:extLst>
+          </p:cNvPr>
+          <p:cNvSpPr>
+            <a:spLocks noGrp="1" noRot="1" noChangeAspect="1" noMove="1" noResize="1" noEditPoints="1" noAdjustHandles="1" noChangeArrowheads="1" noChangeShapeType="1" noTextEdit="1"/>
+          </p:cNvSpPr>
+          <p:nvPr>
+            <p:extLst>
+              <p:ext uri="{386F3935-93C4-4BCD-93E2-E3B085C9AB24}">
+                <p16:designElem xmlns:p16="http://schemas.microsoft.com/office/powerpoint/2015/main" val="1"/>
+              </p:ext>
+            </p:extLst>
+          </p:nvPr>
+        </p:nvSpPr>
+        <p:spPr>
+          <a:xfrm>
+            <a:off x="0" y="0"/>
+            <a:ext cx="12192000" cy="6858000"/>
+          </a:xfrm>
+          <a:prstGeom prst="rect">
+            <a:avLst/>
+          </a:prstGeom>
+          <a:ln>
+            <a:noFill/>
+          </a:ln>
+        </p:spPr>
+        <p:style>
+          <a:lnRef idx="2">
+            <a:schemeClr val="accent1">
+              <a:shade val="50000"/>
+            </a:schemeClr>
+          </a:lnRef>
+          <a:fillRef idx="1">
+            <a:schemeClr val="accent1"/>
+          </a:fillRef>
+          <a:effectRef idx="0">
+            <a:schemeClr val="accent1"/>
+          </a:effectRef>
+          <a:fontRef idx="minor">
+            <a:schemeClr val="lt1"/>
+          </a:fontRef>
+        </p:style>
+        <p:txBody>
+          <a:bodyPr rtlCol="0" anchor="ctr"/>
+          <a:lstStyle/>
+          <a:p>
+            <a:pPr algn="ctr"/>
+            <a:endParaRPr lang="en-US"/>
+          </a:p>
+        </p:txBody>
+      </p:sp>
       <p:sp>
         <p:nvSpPr>
           <p:cNvPr id="2" name="Title 1">
@@ -4113,15 +5488,295 @@
             <p:ph type="title"/>
           </p:nvPr>
         </p:nvSpPr>
-        <p:spPr/>
+        <p:spPr>
+          <a:xfrm>
+            <a:off x="630936" y="639520"/>
+            <a:ext cx="3429000" cy="1719072"/>
+          </a:xfrm>
+        </p:spPr>
         <p:txBody>
-          <a:bodyPr/>
+          <a:bodyPr anchor="b">
+            <a:normAutofit/>
+          </a:bodyPr>
           <a:lstStyle/>
           <a:p>
             <a:r>
-              <a:rPr lang="en-CH" dirty="0"/>
+              <a:rPr lang="en-CH" sz="5400"/>
               <a:t>AWS Glue Studio</a:t>
             </a:r>
+          </a:p>
+        </p:txBody>
+      </p:sp>
+      <p:sp>
+        <p:nvSpPr>
+          <p:cNvPr id="8201" name="sketch line">
+            <a:extLst>
+              <a:ext uri="{FF2B5EF4-FFF2-40B4-BE49-F238E27FC236}">
+                <a16:creationId xmlns:a16="http://schemas.microsoft.com/office/drawing/2014/main" id="{CD8B4F24-440B-49E9-B85D-733523DC064B}"/>
+              </a:ext>
+              <a:ext uri="{C183D7F6-B498-43B3-948B-1728B52AA6E4}">
+                <adec:decorative xmlns:adec="http://schemas.microsoft.com/office/drawing/2017/decorative" val="1"/>
+              </a:ext>
+            </a:extLst>
+          </p:cNvPr>
+          <p:cNvSpPr>
+            <a:spLocks noGrp="1" noRot="1" noChangeAspect="1" noMove="1" noResize="1" noEditPoints="1" noAdjustHandles="1" noChangeArrowheads="1" noChangeShapeType="1" noTextEdit="1"/>
+          </p:cNvSpPr>
+          <p:nvPr>
+            <p:extLst>
+              <p:ext uri="{386F3935-93C4-4BCD-93E2-E3B085C9AB24}">
+                <p16:designElem xmlns:p16="http://schemas.microsoft.com/office/powerpoint/2015/main" val="1"/>
+              </p:ext>
+            </p:extLst>
+          </p:nvPr>
+        </p:nvSpPr>
+        <p:spPr>
+          <a:xfrm>
+            <a:off x="643278" y="2573756"/>
+            <a:ext cx="3255095" cy="18288"/>
+          </a:xfrm>
+          <a:custGeom>
+            <a:avLst/>
+            <a:gdLst>
+              <a:gd name="connsiteX0" fmla="*/ 0 w 3255095"/>
+              <a:gd name="connsiteY0" fmla="*/ 0 h 18288"/>
+              <a:gd name="connsiteX1" fmla="*/ 618468 w 3255095"/>
+              <a:gd name="connsiteY1" fmla="*/ 0 h 18288"/>
+              <a:gd name="connsiteX2" fmla="*/ 1269487 w 3255095"/>
+              <a:gd name="connsiteY2" fmla="*/ 0 h 18288"/>
+              <a:gd name="connsiteX3" fmla="*/ 1953057 w 3255095"/>
+              <a:gd name="connsiteY3" fmla="*/ 0 h 18288"/>
+              <a:gd name="connsiteX4" fmla="*/ 2636627 w 3255095"/>
+              <a:gd name="connsiteY4" fmla="*/ 0 h 18288"/>
+              <a:gd name="connsiteX5" fmla="*/ 3255095 w 3255095"/>
+              <a:gd name="connsiteY5" fmla="*/ 0 h 18288"/>
+              <a:gd name="connsiteX6" fmla="*/ 3255095 w 3255095"/>
+              <a:gd name="connsiteY6" fmla="*/ 18288 h 18288"/>
+              <a:gd name="connsiteX7" fmla="*/ 2538974 w 3255095"/>
+              <a:gd name="connsiteY7" fmla="*/ 18288 h 18288"/>
+              <a:gd name="connsiteX8" fmla="*/ 1822853 w 3255095"/>
+              <a:gd name="connsiteY8" fmla="*/ 18288 h 18288"/>
+              <a:gd name="connsiteX9" fmla="*/ 1171834 w 3255095"/>
+              <a:gd name="connsiteY9" fmla="*/ 18288 h 18288"/>
+              <a:gd name="connsiteX10" fmla="*/ 0 w 3255095"/>
+              <a:gd name="connsiteY10" fmla="*/ 18288 h 18288"/>
+              <a:gd name="connsiteX11" fmla="*/ 0 w 3255095"/>
+              <a:gd name="connsiteY11" fmla="*/ 0 h 18288"/>
+            </a:gdLst>
+            <a:ahLst/>
+            <a:cxnLst>
+              <a:cxn ang="0">
+                <a:pos x="connsiteX0" y="connsiteY0"/>
+              </a:cxn>
+              <a:cxn ang="0">
+                <a:pos x="connsiteX1" y="connsiteY1"/>
+              </a:cxn>
+              <a:cxn ang="0">
+                <a:pos x="connsiteX2" y="connsiteY2"/>
+              </a:cxn>
+              <a:cxn ang="0">
+                <a:pos x="connsiteX3" y="connsiteY3"/>
+              </a:cxn>
+              <a:cxn ang="0">
+                <a:pos x="connsiteX4" y="connsiteY4"/>
+              </a:cxn>
+              <a:cxn ang="0">
+                <a:pos x="connsiteX5" y="connsiteY5"/>
+              </a:cxn>
+              <a:cxn ang="0">
+                <a:pos x="connsiteX6" y="connsiteY6"/>
+              </a:cxn>
+              <a:cxn ang="0">
+                <a:pos x="connsiteX7" y="connsiteY7"/>
+              </a:cxn>
+              <a:cxn ang="0">
+                <a:pos x="connsiteX8" y="connsiteY8"/>
+              </a:cxn>
+              <a:cxn ang="0">
+                <a:pos x="connsiteX9" y="connsiteY9"/>
+              </a:cxn>
+              <a:cxn ang="0">
+                <a:pos x="connsiteX10" y="connsiteY10"/>
+              </a:cxn>
+              <a:cxn ang="0">
+                <a:pos x="connsiteX11" y="connsiteY11"/>
+              </a:cxn>
+            </a:cxnLst>
+            <a:rect l="l" t="t" r="r" b="b"/>
+            <a:pathLst>
+              <a:path w="3255095" h="18288" fill="none" extrusionOk="0">
+                <a:moveTo>
+                  <a:pt x="0" y="0"/>
+                </a:moveTo>
+                <a:cubicBezTo>
+                  <a:pt x="240201" y="-22123"/>
+                  <a:pt x="462021" y="-19623"/>
+                  <a:pt x="618468" y="0"/>
+                </a:cubicBezTo>
+                <a:cubicBezTo>
+                  <a:pt x="774915" y="19623"/>
+                  <a:pt x="974734" y="2035"/>
+                  <a:pt x="1269487" y="0"/>
+                </a:cubicBezTo>
+                <a:cubicBezTo>
+                  <a:pt x="1564240" y="-2035"/>
+                  <a:pt x="1733579" y="10639"/>
+                  <a:pt x="1953057" y="0"/>
+                </a:cubicBezTo>
+                <a:cubicBezTo>
+                  <a:pt x="2172535" y="-10639"/>
+                  <a:pt x="2453962" y="14018"/>
+                  <a:pt x="2636627" y="0"/>
+                </a:cubicBezTo>
+                <a:cubicBezTo>
+                  <a:pt x="2819292" y="-14018"/>
+                  <a:pt x="3121375" y="5399"/>
+                  <a:pt x="3255095" y="0"/>
+                </a:cubicBezTo>
+                <a:cubicBezTo>
+                  <a:pt x="3254386" y="8157"/>
+                  <a:pt x="3254682" y="12125"/>
+                  <a:pt x="3255095" y="18288"/>
+                </a:cubicBezTo>
+                <a:cubicBezTo>
+                  <a:pt x="3088545" y="23203"/>
+                  <a:pt x="2687475" y="7419"/>
+                  <a:pt x="2538974" y="18288"/>
+                </a:cubicBezTo>
+                <a:cubicBezTo>
+                  <a:pt x="2390473" y="29157"/>
+                  <a:pt x="2137381" y="-8959"/>
+                  <a:pt x="1822853" y="18288"/>
+                </a:cubicBezTo>
+                <a:cubicBezTo>
+                  <a:pt x="1508325" y="45535"/>
+                  <a:pt x="1466437" y="20385"/>
+                  <a:pt x="1171834" y="18288"/>
+                </a:cubicBezTo>
+                <a:cubicBezTo>
+                  <a:pt x="877231" y="16191"/>
+                  <a:pt x="561097" y="37643"/>
+                  <a:pt x="0" y="18288"/>
+                </a:cubicBezTo>
+                <a:cubicBezTo>
+                  <a:pt x="-46" y="12483"/>
+                  <a:pt x="-203" y="6491"/>
+                  <a:pt x="0" y="0"/>
+                </a:cubicBezTo>
+                <a:close/>
+              </a:path>
+              <a:path w="3255095" h="18288" stroke="0" extrusionOk="0">
+                <a:moveTo>
+                  <a:pt x="0" y="0"/>
+                </a:moveTo>
+                <a:cubicBezTo>
+                  <a:pt x="291965" y="19429"/>
+                  <a:pt x="363155" y="8568"/>
+                  <a:pt x="618468" y="0"/>
+                </a:cubicBezTo>
+                <a:cubicBezTo>
+                  <a:pt x="873781" y="-8568"/>
+                  <a:pt x="904459" y="-19505"/>
+                  <a:pt x="1171834" y="0"/>
+                </a:cubicBezTo>
+                <a:cubicBezTo>
+                  <a:pt x="1439209" y="19505"/>
+                  <a:pt x="1744369" y="9790"/>
+                  <a:pt x="1887955" y="0"/>
+                </a:cubicBezTo>
+                <a:cubicBezTo>
+                  <a:pt x="2031541" y="-9790"/>
+                  <a:pt x="2346378" y="21240"/>
+                  <a:pt x="2506423" y="0"/>
+                </a:cubicBezTo>
+                <a:cubicBezTo>
+                  <a:pt x="2666468" y="-21240"/>
+                  <a:pt x="2990257" y="30414"/>
+                  <a:pt x="3255095" y="0"/>
+                </a:cubicBezTo>
+                <a:cubicBezTo>
+                  <a:pt x="3254831" y="4493"/>
+                  <a:pt x="3255479" y="9472"/>
+                  <a:pt x="3255095" y="18288"/>
+                </a:cubicBezTo>
+                <a:cubicBezTo>
+                  <a:pt x="3120743" y="16690"/>
+                  <a:pt x="2759628" y="42462"/>
+                  <a:pt x="2604076" y="18288"/>
+                </a:cubicBezTo>
+                <a:cubicBezTo>
+                  <a:pt x="2448524" y="-5886"/>
+                  <a:pt x="2184336" y="19599"/>
+                  <a:pt x="1887955" y="18288"/>
+                </a:cubicBezTo>
+                <a:cubicBezTo>
+                  <a:pt x="1591574" y="16977"/>
+                  <a:pt x="1548845" y="6870"/>
+                  <a:pt x="1334589" y="18288"/>
+                </a:cubicBezTo>
+                <a:cubicBezTo>
+                  <a:pt x="1120333" y="29706"/>
+                  <a:pt x="996014" y="9662"/>
+                  <a:pt x="683570" y="18288"/>
+                </a:cubicBezTo>
+                <a:cubicBezTo>
+                  <a:pt x="371126" y="26914"/>
+                  <a:pt x="198687" y="16167"/>
+                  <a:pt x="0" y="18288"/>
+                </a:cubicBezTo>
+                <a:cubicBezTo>
+                  <a:pt x="843" y="9577"/>
+                  <a:pt x="371" y="6900"/>
+                  <a:pt x="0" y="0"/>
+                </a:cubicBezTo>
+                <a:close/>
+              </a:path>
+            </a:pathLst>
+          </a:custGeom>
+          <a:solidFill>
+            <a:schemeClr val="accent2"/>
+          </a:solidFill>
+          <a:ln w="38100" cap="rnd">
+            <a:solidFill>
+              <a:schemeClr val="accent2"/>
+            </a:solidFill>
+            <a:round/>
+            <a:extLst>
+              <a:ext uri="{C807C97D-BFC1-408E-A445-0C87EB9F89A2}">
+                <ask:lineSketchStyleProps xmlns:ask="http://schemas.microsoft.com/office/drawing/2018/sketchyshapes" sd="1219033472">
+                  <a:prstGeom prst="rect">
+                    <a:avLst/>
+                  </a:prstGeom>
+                  <ask:type>
+                    <ask:lineSketchFreehand/>
+                  </ask:type>
+                </ask:lineSketchStyleProps>
+              </a:ext>
+            </a:extLst>
+          </a:ln>
+        </p:spPr>
+        <p:style>
+          <a:lnRef idx="2">
+            <a:schemeClr val="accent1">
+              <a:shade val="50000"/>
+            </a:schemeClr>
+          </a:lnRef>
+          <a:fillRef idx="1">
+            <a:schemeClr val="accent1"/>
+          </a:fillRef>
+          <a:effectRef idx="0">
+            <a:schemeClr val="accent1"/>
+          </a:effectRef>
+          <a:fontRef idx="minor">
+            <a:schemeClr val="lt1"/>
+          </a:fontRef>
+        </p:style>
+        <p:txBody>
+          <a:bodyPr rtlCol="0" anchor="ctr"/>
+          <a:lstStyle/>
+          <a:p>
+            <a:pPr algn="ctr"/>
+            <a:endParaRPr lang="en-US"/>
           </a:p>
         </p:txBody>
       </p:sp>
@@ -4141,15 +5796,165 @@
             <p:ph idx="1"/>
           </p:nvPr>
         </p:nvSpPr>
-        <p:spPr/>
+        <p:spPr>
+          <a:xfrm>
+            <a:off x="630936" y="2700811"/>
+            <a:ext cx="3704894" cy="4014881"/>
+          </a:xfrm>
+        </p:spPr>
         <p:txBody>
-          <a:bodyPr/>
+          <a:bodyPr anchor="t">
+            <a:noAutofit/>
+          </a:bodyPr>
           <a:lstStyle/>
           <a:p>
-            <a:endParaRPr lang="en-CH"/>
+            <a:r>
+              <a:rPr lang="en-GB" sz="1200" b="0" i="0" dirty="0">
+                <a:effectLst/>
+                <a:latin typeface="Amazon Ember"/>
+              </a:rPr>
+              <a:t>AWS Glue Studio is a graphical interface that makes it easy to create, run, and monitor extract, transform, and load (ETL) jobs in AWS Glue. </a:t>
+            </a:r>
+          </a:p>
+          <a:p>
+            <a:r>
+              <a:rPr lang="en-GB" sz="1200" b="0" i="0" dirty="0">
+                <a:effectLst/>
+                <a:latin typeface="Amazon Ember"/>
+              </a:rPr>
+              <a:t>You can visually compose data transformation workflows, seamlessly run them on AWS Glue’s Apache Spark-based serverless ETL engine and inspect the schema and data results in each step of the job.</a:t>
+            </a:r>
+          </a:p>
+          <a:p>
+            <a:pPr algn="l"/>
+            <a:r>
+              <a:rPr lang="en-GB" sz="1200" b="0" i="0" dirty="0">
+                <a:solidFill>
+                  <a:srgbClr val="16191F"/>
+                </a:solidFill>
+                <a:effectLst/>
+                <a:latin typeface="Amazon Ember"/>
+              </a:rPr>
+              <a:t>AWS Glue Studio provides a visual interface that makes it easy to:</a:t>
+            </a:r>
+          </a:p>
+          <a:p>
+            <a:pPr lvl="1"/>
+            <a:r>
+              <a:rPr lang="en-GB" sz="1200" b="0" i="0" dirty="0">
+                <a:solidFill>
+                  <a:srgbClr val="16191F"/>
+                </a:solidFill>
+                <a:effectLst/>
+                <a:latin typeface="Amazon Ember"/>
+              </a:rPr>
+              <a:t>Pull data from an Amazon S3, Amazon Kinesis, or JDBC source.</a:t>
+            </a:r>
+          </a:p>
+          <a:p>
+            <a:pPr lvl="1"/>
+            <a:r>
+              <a:rPr lang="en-GB" sz="1200" b="0" i="0" dirty="0">
+                <a:solidFill>
+                  <a:srgbClr val="16191F"/>
+                </a:solidFill>
+                <a:effectLst/>
+                <a:latin typeface="Amazon Ember"/>
+              </a:rPr>
+              <a:t>Configure a transformation that joins, samples, or transforms the data.</a:t>
+            </a:r>
+          </a:p>
+          <a:p>
+            <a:pPr lvl="1"/>
+            <a:r>
+              <a:rPr lang="en-GB" sz="1200" b="0" i="0" dirty="0">
+                <a:solidFill>
+                  <a:srgbClr val="16191F"/>
+                </a:solidFill>
+                <a:effectLst/>
+                <a:latin typeface="Amazon Ember"/>
+              </a:rPr>
+              <a:t>Specify a target location for the transformed data.</a:t>
+            </a:r>
+          </a:p>
+          <a:p>
+            <a:pPr lvl="1"/>
+            <a:r>
+              <a:rPr lang="en-GB" sz="1200" b="0" i="0" dirty="0">
+                <a:solidFill>
+                  <a:srgbClr val="16191F"/>
+                </a:solidFill>
+                <a:effectLst/>
+                <a:latin typeface="Amazon Ember"/>
+              </a:rPr>
+              <a:t>View the schema or a sample of the dataset at each point in the job.</a:t>
+            </a:r>
+          </a:p>
+          <a:p>
+            <a:pPr lvl="1"/>
+            <a:r>
+              <a:rPr lang="en-GB" sz="1200" b="0" i="0" dirty="0">
+                <a:solidFill>
+                  <a:srgbClr val="16191F"/>
+                </a:solidFill>
+                <a:effectLst/>
+                <a:latin typeface="Amazon Ember"/>
+              </a:rPr>
+              <a:t>Run, monitor, and manage the jobs created in AWS Glue Studio.</a:t>
+            </a:r>
+            <a:br>
+              <a:rPr lang="en-GB" sz="1200" dirty="0"/>
+            </a:br>
+            <a:endParaRPr lang="en-CH" sz="1200" dirty="0"/>
           </a:p>
         </p:txBody>
       </p:sp>
+      <p:pic>
+        <p:nvPicPr>
+          <p:cNvPr id="8194" name="Picture 2" descr="&#10;            The screen shot shows the job editing page of AWS Glue Studio. A job graph is shown, with&#10;                three source nodes, three transform nodes, two join nodes, and a data target node.&#10;                To the right of the graph, the node details panel shows the Data preview tab for an&#10;                S3 data source.&#10;        ">
+            <a:extLst>
+              <a:ext uri="{FF2B5EF4-FFF2-40B4-BE49-F238E27FC236}">
+                <a16:creationId xmlns:a16="http://schemas.microsoft.com/office/drawing/2014/main" id="{A018C641-D6B9-DDA1-CF61-4B96FCC7300E}"/>
+              </a:ext>
+            </a:extLst>
+          </p:cNvPr>
+          <p:cNvPicPr>
+            <a:picLocks noChangeAspect="1" noChangeArrowheads="1"/>
+          </p:cNvPicPr>
+          <p:nvPr/>
+        </p:nvPicPr>
+        <p:blipFill>
+          <a:blip r:embed="rId2">
+            <a:extLst>
+              <a:ext uri="{28A0092B-C50C-407E-A947-70E740481C1C}">
+                <a14:useLocalDpi xmlns:a14="http://schemas.microsoft.com/office/drawing/2010/main" val="0"/>
+              </a:ext>
+            </a:extLst>
+          </a:blip>
+          <a:stretch>
+            <a:fillRect/>
+          </a:stretch>
+        </p:blipFill>
+        <p:spPr bwMode="auto">
+          <a:xfrm>
+            <a:off x="4654296" y="831475"/>
+            <a:ext cx="6903720" cy="5195049"/>
+          </a:xfrm>
+          <a:prstGeom prst="rect">
+            <a:avLst/>
+          </a:prstGeom>
+          <a:noFill/>
+          <a:extLst>
+            <a:ext uri="{909E8E84-426E-40DD-AFC4-6F175D3DCCD1}">
+              <a14:hiddenFill xmlns:a14="http://schemas.microsoft.com/office/drawing/2010/main">
+                <a:solidFill>
+                  <a:srgbClr val="FFFFFF"/>
+                </a:solidFill>
+              </a14:hiddenFill>
+            </a:ext>
+          </a:extLst>
+        </p:spPr>
+      </p:pic>
     </p:spTree>
     <p:extLst>
       <p:ext uri="{BB962C8B-B14F-4D97-AF65-F5344CB8AC3E}">
@@ -5080,6 +6885,14 @@
 <file path=ppt/slides/slide2.xml><?xml version="1.0" encoding="utf-8"?>
 <p:sld xmlns:a="http://schemas.openxmlformats.org/drawingml/2006/main" xmlns:r="http://schemas.openxmlformats.org/officeDocument/2006/relationships" xmlns:p="http://schemas.openxmlformats.org/presentationml/2006/main">
   <p:cSld>
+    <p:bg>
+      <p:bgPr>
+        <a:solidFill>
+          <a:schemeClr val="bg1"/>
+        </a:solidFill>
+        <a:effectLst/>
+      </p:bgPr>
+    </p:bg>
     <p:spTree>
       <p:nvGrpSpPr>
         <p:cNvPr id="1" name=""/>
@@ -5094,89 +6907,66 @@
           <a:chExt cx="0" cy="0"/>
         </a:xfrm>
       </p:grpSpPr>
-      <p:sp>
+      <p:sp useBgFill="1">
         <p:nvSpPr>
-          <p:cNvPr id="2" name="Title 1">
+          <p:cNvPr id="9223" name="Rectangle 9222">
             <a:extLst>
               <a:ext uri="{FF2B5EF4-FFF2-40B4-BE49-F238E27FC236}">
-                <a16:creationId xmlns:a16="http://schemas.microsoft.com/office/drawing/2014/main" id="{8491534E-543D-1E02-88A2-57B80E899392}"/>
+                <a16:creationId xmlns:a16="http://schemas.microsoft.com/office/drawing/2014/main" id="{2B97F24A-32CE-4C1C-A50D-3016B394DCFB}"/>
+              </a:ext>
+              <a:ext uri="{C183D7F6-B498-43B3-948B-1728B52AA6E4}">
+                <adec:decorative xmlns:adec="http://schemas.microsoft.com/office/drawing/2017/decorative" val="1"/>
               </a:ext>
             </a:extLst>
           </p:cNvPr>
           <p:cNvSpPr>
-            <a:spLocks noGrp="1"/>
+            <a:spLocks noGrp="1" noRot="1" noChangeAspect="1" noMove="1" noResize="1" noEditPoints="1" noAdjustHandles="1" noChangeArrowheads="1" noChangeShapeType="1" noTextEdit="1"/>
           </p:cNvSpPr>
           <p:nvPr>
-            <p:ph type="title"/>
+            <p:extLst>
+              <p:ext uri="{386F3935-93C4-4BCD-93E2-E3B085C9AB24}">
+                <p16:designElem xmlns:p16="http://schemas.microsoft.com/office/powerpoint/2015/main" val="1"/>
+              </p:ext>
+            </p:extLst>
           </p:nvPr>
         </p:nvSpPr>
-        <p:spPr/>
+        <p:spPr>
+          <a:xfrm>
+            <a:off x="0" y="0"/>
+            <a:ext cx="12192000" cy="6858000"/>
+          </a:xfrm>
+          <a:prstGeom prst="rect">
+            <a:avLst/>
+          </a:prstGeom>
+          <a:ln>
+            <a:noFill/>
+          </a:ln>
+        </p:spPr>
+        <p:style>
+          <a:lnRef idx="2">
+            <a:schemeClr val="accent1">
+              <a:shade val="50000"/>
+            </a:schemeClr>
+          </a:lnRef>
+          <a:fillRef idx="1">
+            <a:schemeClr val="accent1"/>
+          </a:fillRef>
+          <a:effectRef idx="0">
+            <a:schemeClr val="accent1"/>
+          </a:effectRef>
+          <a:fontRef idx="minor">
+            <a:schemeClr val="lt1"/>
+          </a:fontRef>
+        </p:style>
         <p:txBody>
-          <a:bodyPr/>
+          <a:bodyPr rtlCol="0" anchor="ctr"/>
           <a:lstStyle/>
           <a:p>
-            <a:r>
-              <a:rPr lang="en-CH" dirty="0"/>
-              <a:t>Apache Spark</a:t>
-            </a:r>
+            <a:pPr algn="ctr"/>
+            <a:endParaRPr lang="en-US"/>
           </a:p>
         </p:txBody>
       </p:sp>
-      <p:sp>
-        <p:nvSpPr>
-          <p:cNvPr id="3" name="Content Placeholder 2">
-            <a:extLst>
-              <a:ext uri="{FF2B5EF4-FFF2-40B4-BE49-F238E27FC236}">
-                <a16:creationId xmlns:a16="http://schemas.microsoft.com/office/drawing/2014/main" id="{2EADECB7-2B7F-C460-283A-7B60E4EE0D02}"/>
-              </a:ext>
-            </a:extLst>
-          </p:cNvPr>
-          <p:cNvSpPr>
-            <a:spLocks noGrp="1"/>
-          </p:cNvSpPr>
-          <p:nvPr>
-            <p:ph idx="1"/>
-          </p:nvPr>
-        </p:nvSpPr>
-        <p:spPr/>
-        <p:txBody>
-          <a:bodyPr/>
-          <a:lstStyle/>
-          <a:p>
-            <a:endParaRPr lang="en-CH"/>
-          </a:p>
-        </p:txBody>
-      </p:sp>
-    </p:spTree>
-    <p:extLst>
-      <p:ext uri="{BB962C8B-B14F-4D97-AF65-F5344CB8AC3E}">
-        <p14:creationId xmlns:p14="http://schemas.microsoft.com/office/powerpoint/2010/main" val="1432917953"/>
-      </p:ext>
-    </p:extLst>
-  </p:cSld>
-  <p:clrMapOvr>
-    <a:masterClrMapping/>
-  </p:clrMapOvr>
-</p:sld>
-</file>
-
-<file path=ppt/slides/slide3.xml><?xml version="1.0" encoding="utf-8"?>
-<p:sld xmlns:a="http://schemas.openxmlformats.org/drawingml/2006/main" xmlns:r="http://schemas.openxmlformats.org/officeDocument/2006/relationships" xmlns:p="http://schemas.openxmlformats.org/presentationml/2006/main">
-  <p:cSld>
-    <p:spTree>
-      <p:nvGrpSpPr>
-        <p:cNvPr id="1" name=""/>
-        <p:cNvGrpSpPr/>
-        <p:nvPr/>
-      </p:nvGrpSpPr>
-      <p:grpSpPr>
-        <a:xfrm>
-          <a:off x="0" y="0"/>
-          <a:ext cx="0" cy="0"/>
-          <a:chOff x="0" y="0"/>
-          <a:chExt cx="0" cy="0"/>
-        </a:xfrm>
-      </p:grpSpPr>
       <p:sp>
         <p:nvSpPr>
           <p:cNvPr id="2" name="Title 1">
@@ -5193,15 +6983,295 @@
             <p:ph type="title"/>
           </p:nvPr>
         </p:nvSpPr>
-        <p:spPr/>
+        <p:spPr>
+          <a:xfrm>
+            <a:off x="630936" y="639520"/>
+            <a:ext cx="3429000" cy="1719072"/>
+          </a:xfrm>
+        </p:spPr>
         <p:txBody>
-          <a:bodyPr/>
+          <a:bodyPr anchor="b">
+            <a:normAutofit/>
+          </a:bodyPr>
           <a:lstStyle/>
           <a:p>
             <a:r>
-              <a:rPr lang="en-CH" dirty="0"/>
+              <a:rPr lang="en-CH" sz="5400"/>
               <a:t>AWS Glue</a:t>
             </a:r>
+          </a:p>
+        </p:txBody>
+      </p:sp>
+      <p:sp>
+        <p:nvSpPr>
+          <p:cNvPr id="9225" name="sketch line">
+            <a:extLst>
+              <a:ext uri="{FF2B5EF4-FFF2-40B4-BE49-F238E27FC236}">
+                <a16:creationId xmlns:a16="http://schemas.microsoft.com/office/drawing/2014/main" id="{CD8B4F24-440B-49E9-B85D-733523DC064B}"/>
+              </a:ext>
+              <a:ext uri="{C183D7F6-B498-43B3-948B-1728B52AA6E4}">
+                <adec:decorative xmlns:adec="http://schemas.microsoft.com/office/drawing/2017/decorative" val="1"/>
+              </a:ext>
+            </a:extLst>
+          </p:cNvPr>
+          <p:cNvSpPr>
+            <a:spLocks noGrp="1" noRot="1" noChangeAspect="1" noMove="1" noResize="1" noEditPoints="1" noAdjustHandles="1" noChangeArrowheads="1" noChangeShapeType="1" noTextEdit="1"/>
+          </p:cNvSpPr>
+          <p:nvPr>
+            <p:extLst>
+              <p:ext uri="{386F3935-93C4-4BCD-93E2-E3B085C9AB24}">
+                <p16:designElem xmlns:p16="http://schemas.microsoft.com/office/powerpoint/2015/main" val="1"/>
+              </p:ext>
+            </p:extLst>
+          </p:nvPr>
+        </p:nvSpPr>
+        <p:spPr>
+          <a:xfrm>
+            <a:off x="643278" y="2573756"/>
+            <a:ext cx="3255095" cy="18288"/>
+          </a:xfrm>
+          <a:custGeom>
+            <a:avLst/>
+            <a:gdLst>
+              <a:gd name="connsiteX0" fmla="*/ 0 w 3255095"/>
+              <a:gd name="connsiteY0" fmla="*/ 0 h 18288"/>
+              <a:gd name="connsiteX1" fmla="*/ 618468 w 3255095"/>
+              <a:gd name="connsiteY1" fmla="*/ 0 h 18288"/>
+              <a:gd name="connsiteX2" fmla="*/ 1269487 w 3255095"/>
+              <a:gd name="connsiteY2" fmla="*/ 0 h 18288"/>
+              <a:gd name="connsiteX3" fmla="*/ 1953057 w 3255095"/>
+              <a:gd name="connsiteY3" fmla="*/ 0 h 18288"/>
+              <a:gd name="connsiteX4" fmla="*/ 2636627 w 3255095"/>
+              <a:gd name="connsiteY4" fmla="*/ 0 h 18288"/>
+              <a:gd name="connsiteX5" fmla="*/ 3255095 w 3255095"/>
+              <a:gd name="connsiteY5" fmla="*/ 0 h 18288"/>
+              <a:gd name="connsiteX6" fmla="*/ 3255095 w 3255095"/>
+              <a:gd name="connsiteY6" fmla="*/ 18288 h 18288"/>
+              <a:gd name="connsiteX7" fmla="*/ 2538974 w 3255095"/>
+              <a:gd name="connsiteY7" fmla="*/ 18288 h 18288"/>
+              <a:gd name="connsiteX8" fmla="*/ 1822853 w 3255095"/>
+              <a:gd name="connsiteY8" fmla="*/ 18288 h 18288"/>
+              <a:gd name="connsiteX9" fmla="*/ 1171834 w 3255095"/>
+              <a:gd name="connsiteY9" fmla="*/ 18288 h 18288"/>
+              <a:gd name="connsiteX10" fmla="*/ 0 w 3255095"/>
+              <a:gd name="connsiteY10" fmla="*/ 18288 h 18288"/>
+              <a:gd name="connsiteX11" fmla="*/ 0 w 3255095"/>
+              <a:gd name="connsiteY11" fmla="*/ 0 h 18288"/>
+            </a:gdLst>
+            <a:ahLst/>
+            <a:cxnLst>
+              <a:cxn ang="0">
+                <a:pos x="connsiteX0" y="connsiteY0"/>
+              </a:cxn>
+              <a:cxn ang="0">
+                <a:pos x="connsiteX1" y="connsiteY1"/>
+              </a:cxn>
+              <a:cxn ang="0">
+                <a:pos x="connsiteX2" y="connsiteY2"/>
+              </a:cxn>
+              <a:cxn ang="0">
+                <a:pos x="connsiteX3" y="connsiteY3"/>
+              </a:cxn>
+              <a:cxn ang="0">
+                <a:pos x="connsiteX4" y="connsiteY4"/>
+              </a:cxn>
+              <a:cxn ang="0">
+                <a:pos x="connsiteX5" y="connsiteY5"/>
+              </a:cxn>
+              <a:cxn ang="0">
+                <a:pos x="connsiteX6" y="connsiteY6"/>
+              </a:cxn>
+              <a:cxn ang="0">
+                <a:pos x="connsiteX7" y="connsiteY7"/>
+              </a:cxn>
+              <a:cxn ang="0">
+                <a:pos x="connsiteX8" y="connsiteY8"/>
+              </a:cxn>
+              <a:cxn ang="0">
+                <a:pos x="connsiteX9" y="connsiteY9"/>
+              </a:cxn>
+              <a:cxn ang="0">
+                <a:pos x="connsiteX10" y="connsiteY10"/>
+              </a:cxn>
+              <a:cxn ang="0">
+                <a:pos x="connsiteX11" y="connsiteY11"/>
+              </a:cxn>
+            </a:cxnLst>
+            <a:rect l="l" t="t" r="r" b="b"/>
+            <a:pathLst>
+              <a:path w="3255095" h="18288" fill="none" extrusionOk="0">
+                <a:moveTo>
+                  <a:pt x="0" y="0"/>
+                </a:moveTo>
+                <a:cubicBezTo>
+                  <a:pt x="240201" y="-22123"/>
+                  <a:pt x="462021" y="-19623"/>
+                  <a:pt x="618468" y="0"/>
+                </a:cubicBezTo>
+                <a:cubicBezTo>
+                  <a:pt x="774915" y="19623"/>
+                  <a:pt x="974734" y="2035"/>
+                  <a:pt x="1269487" y="0"/>
+                </a:cubicBezTo>
+                <a:cubicBezTo>
+                  <a:pt x="1564240" y="-2035"/>
+                  <a:pt x="1733579" y="10639"/>
+                  <a:pt x="1953057" y="0"/>
+                </a:cubicBezTo>
+                <a:cubicBezTo>
+                  <a:pt x="2172535" y="-10639"/>
+                  <a:pt x="2453962" y="14018"/>
+                  <a:pt x="2636627" y="0"/>
+                </a:cubicBezTo>
+                <a:cubicBezTo>
+                  <a:pt x="2819292" y="-14018"/>
+                  <a:pt x="3121375" y="5399"/>
+                  <a:pt x="3255095" y="0"/>
+                </a:cubicBezTo>
+                <a:cubicBezTo>
+                  <a:pt x="3254386" y="8157"/>
+                  <a:pt x="3254682" y="12125"/>
+                  <a:pt x="3255095" y="18288"/>
+                </a:cubicBezTo>
+                <a:cubicBezTo>
+                  <a:pt x="3088545" y="23203"/>
+                  <a:pt x="2687475" y="7419"/>
+                  <a:pt x="2538974" y="18288"/>
+                </a:cubicBezTo>
+                <a:cubicBezTo>
+                  <a:pt x="2390473" y="29157"/>
+                  <a:pt x="2137381" y="-8959"/>
+                  <a:pt x="1822853" y="18288"/>
+                </a:cubicBezTo>
+                <a:cubicBezTo>
+                  <a:pt x="1508325" y="45535"/>
+                  <a:pt x="1466437" y="20385"/>
+                  <a:pt x="1171834" y="18288"/>
+                </a:cubicBezTo>
+                <a:cubicBezTo>
+                  <a:pt x="877231" y="16191"/>
+                  <a:pt x="561097" y="37643"/>
+                  <a:pt x="0" y="18288"/>
+                </a:cubicBezTo>
+                <a:cubicBezTo>
+                  <a:pt x="-46" y="12483"/>
+                  <a:pt x="-203" y="6491"/>
+                  <a:pt x="0" y="0"/>
+                </a:cubicBezTo>
+                <a:close/>
+              </a:path>
+              <a:path w="3255095" h="18288" stroke="0" extrusionOk="0">
+                <a:moveTo>
+                  <a:pt x="0" y="0"/>
+                </a:moveTo>
+                <a:cubicBezTo>
+                  <a:pt x="291965" y="19429"/>
+                  <a:pt x="363155" y="8568"/>
+                  <a:pt x="618468" y="0"/>
+                </a:cubicBezTo>
+                <a:cubicBezTo>
+                  <a:pt x="873781" y="-8568"/>
+                  <a:pt x="904459" y="-19505"/>
+                  <a:pt x="1171834" y="0"/>
+                </a:cubicBezTo>
+                <a:cubicBezTo>
+                  <a:pt x="1439209" y="19505"/>
+                  <a:pt x="1744369" y="9790"/>
+                  <a:pt x="1887955" y="0"/>
+                </a:cubicBezTo>
+                <a:cubicBezTo>
+                  <a:pt x="2031541" y="-9790"/>
+                  <a:pt x="2346378" y="21240"/>
+                  <a:pt x="2506423" y="0"/>
+                </a:cubicBezTo>
+                <a:cubicBezTo>
+                  <a:pt x="2666468" y="-21240"/>
+                  <a:pt x="2990257" y="30414"/>
+                  <a:pt x="3255095" y="0"/>
+                </a:cubicBezTo>
+                <a:cubicBezTo>
+                  <a:pt x="3254831" y="4493"/>
+                  <a:pt x="3255479" y="9472"/>
+                  <a:pt x="3255095" y="18288"/>
+                </a:cubicBezTo>
+                <a:cubicBezTo>
+                  <a:pt x="3120743" y="16690"/>
+                  <a:pt x="2759628" y="42462"/>
+                  <a:pt x="2604076" y="18288"/>
+                </a:cubicBezTo>
+                <a:cubicBezTo>
+                  <a:pt x="2448524" y="-5886"/>
+                  <a:pt x="2184336" y="19599"/>
+                  <a:pt x="1887955" y="18288"/>
+                </a:cubicBezTo>
+                <a:cubicBezTo>
+                  <a:pt x="1591574" y="16977"/>
+                  <a:pt x="1548845" y="6870"/>
+                  <a:pt x="1334589" y="18288"/>
+                </a:cubicBezTo>
+                <a:cubicBezTo>
+                  <a:pt x="1120333" y="29706"/>
+                  <a:pt x="996014" y="9662"/>
+                  <a:pt x="683570" y="18288"/>
+                </a:cubicBezTo>
+                <a:cubicBezTo>
+                  <a:pt x="371126" y="26914"/>
+                  <a:pt x="198687" y="16167"/>
+                  <a:pt x="0" y="18288"/>
+                </a:cubicBezTo>
+                <a:cubicBezTo>
+                  <a:pt x="843" y="9577"/>
+                  <a:pt x="371" y="6900"/>
+                  <a:pt x="0" y="0"/>
+                </a:cubicBezTo>
+                <a:close/>
+              </a:path>
+            </a:pathLst>
+          </a:custGeom>
+          <a:solidFill>
+            <a:schemeClr val="accent2"/>
+          </a:solidFill>
+          <a:ln w="38100" cap="rnd">
+            <a:solidFill>
+              <a:schemeClr val="accent2"/>
+            </a:solidFill>
+            <a:round/>
+            <a:extLst>
+              <a:ext uri="{C807C97D-BFC1-408E-A445-0C87EB9F89A2}">
+                <ask:lineSketchStyleProps xmlns:ask="http://schemas.microsoft.com/office/drawing/2018/sketchyshapes" sd="1219033472">
+                  <a:prstGeom prst="rect">
+                    <a:avLst/>
+                  </a:prstGeom>
+                  <ask:type>
+                    <ask:lineSketchFreehand/>
+                  </ask:type>
+                </ask:lineSketchStyleProps>
+              </a:ext>
+            </a:extLst>
+          </a:ln>
+        </p:spPr>
+        <p:style>
+          <a:lnRef idx="2">
+            <a:schemeClr val="accent1">
+              <a:shade val="50000"/>
+            </a:schemeClr>
+          </a:lnRef>
+          <a:fillRef idx="1">
+            <a:schemeClr val="accent1"/>
+          </a:fillRef>
+          <a:effectRef idx="0">
+            <a:schemeClr val="accent1"/>
+          </a:effectRef>
+          <a:fontRef idx="minor">
+            <a:schemeClr val="lt1"/>
+          </a:fontRef>
+        </p:style>
+        <p:txBody>
+          <a:bodyPr rtlCol="0" anchor="ctr"/>
+          <a:lstStyle/>
+          <a:p>
+            <a:pPr algn="ctr"/>
+            <a:endParaRPr lang="en-US"/>
           </a:p>
         </p:txBody>
       </p:sp>
@@ -5221,37 +7291,87 @@
             <p:ph idx="1"/>
           </p:nvPr>
         </p:nvSpPr>
-        <p:spPr/>
+        <p:spPr>
+          <a:xfrm>
+            <a:off x="630936" y="2807208"/>
+            <a:ext cx="3429000" cy="3410712"/>
+          </a:xfrm>
+        </p:spPr>
         <p:txBody>
-          <a:bodyPr/>
+          <a:bodyPr anchor="t">
+            <a:normAutofit/>
+          </a:bodyPr>
           <a:lstStyle/>
           <a:p>
             <a:r>
-              <a:rPr lang="en-GB" b="0" i="0" dirty="0">
-                <a:solidFill>
-                  <a:srgbClr val="16191F"/>
-                </a:solidFill>
+              <a:rPr lang="en-GB" sz="2200" b="0" i="0">
                 <a:effectLst/>
                 <a:latin typeface="Amazon Ember"/>
               </a:rPr>
               <a:t>AWS Glue is a serverless data integration service that makes it easy for analytics users to discover, prepare, move, and integrate data from multiple sources</a:t>
             </a:r>
-            <a:endParaRPr lang="en-CH" dirty="0"/>
+            <a:endParaRPr lang="en-CH" sz="2200"/>
           </a:p>
           <a:p>
             <a:r>
-              <a:rPr lang="en-CH" dirty="0"/>
+              <a:rPr lang="en-CH" sz="2200"/>
               <a:t>Managed ETL service (extract transform load)</a:t>
             </a:r>
           </a:p>
           <a:p>
-            <a:endParaRPr lang="en-CH" dirty="0"/>
+            <a:endParaRPr lang="en-CH" sz="2200"/>
           </a:p>
           <a:p>
-            <a:endParaRPr lang="en-CH" dirty="0"/>
+            <a:endParaRPr lang="en-CH" sz="2200"/>
           </a:p>
         </p:txBody>
       </p:sp>
+      <p:pic>
+        <p:nvPicPr>
+          <p:cNvPr id="9218" name="Picture 2" descr="2023 | AWS Glue - Simple, flexible, and cost-effective ETL | Cloud  Consulting | Cloud-Native Apps | ML &amp; AI">
+            <a:extLst>
+              <a:ext uri="{FF2B5EF4-FFF2-40B4-BE49-F238E27FC236}">
+                <a16:creationId xmlns:a16="http://schemas.microsoft.com/office/drawing/2014/main" id="{00BD1732-6201-7FB2-D515-89BD9B6C5D7B}"/>
+              </a:ext>
+            </a:extLst>
+          </p:cNvPr>
+          <p:cNvPicPr>
+            <a:picLocks noChangeAspect="1" noChangeArrowheads="1"/>
+          </p:cNvPicPr>
+          <p:nvPr/>
+        </p:nvPicPr>
+        <p:blipFill>
+          <a:blip r:embed="rId2">
+            <a:extLst>
+              <a:ext uri="{28A0092B-C50C-407E-A947-70E740481C1C}">
+                <a14:useLocalDpi xmlns:a14="http://schemas.microsoft.com/office/drawing/2010/main" val="0"/>
+              </a:ext>
+            </a:extLst>
+          </a:blip>
+          <a:stretch>
+            <a:fillRect/>
+          </a:stretch>
+        </p:blipFill>
+        <p:spPr bwMode="auto">
+          <a:xfrm>
+            <a:off x="4654296" y="1185291"/>
+            <a:ext cx="6903720" cy="4487418"/>
+          </a:xfrm>
+          <a:prstGeom prst="rect">
+            <a:avLst/>
+          </a:prstGeom>
+          <a:noFill/>
+          <a:extLst>
+            <a:ext uri="{909E8E84-426E-40DD-AFC4-6F175D3DCCD1}">
+              <a14:hiddenFill xmlns:a14="http://schemas.microsoft.com/office/drawing/2010/main">
+                <a:solidFill>
+                  <a:srgbClr val="FFFFFF"/>
+                </a:solidFill>
+              </a14:hiddenFill>
+            </a:ext>
+          </a:extLst>
+        </p:spPr>
+      </p:pic>
     </p:spTree>
     <p:extLst>
       <p:ext uri="{BB962C8B-B14F-4D97-AF65-F5344CB8AC3E}">
@@ -5265,7 +7385,7 @@
 </p:sld>
 </file>
 
-<file path=ppt/slides/slide4.xml><?xml version="1.0" encoding="utf-8"?>
+<file path=ppt/slides/slide3.xml><?xml version="1.0" encoding="utf-8"?>
 <p:sld xmlns:a="http://schemas.openxmlformats.org/drawingml/2006/main" xmlns:r="http://schemas.openxmlformats.org/officeDocument/2006/relationships" xmlns:p="http://schemas.openxmlformats.org/presentationml/2006/main">
   <p:cSld>
     <p:bg>
@@ -25308,9 +27428,17 @@
 </p:sld>
 </file>
 
-<file path=ppt/slides/slide5.xml><?xml version="1.0" encoding="utf-8"?>
+<file path=ppt/slides/slide4.xml><?xml version="1.0" encoding="utf-8"?>
 <p:sld xmlns:a="http://schemas.openxmlformats.org/drawingml/2006/main" xmlns:r="http://schemas.openxmlformats.org/officeDocument/2006/relationships" xmlns:p="http://schemas.openxmlformats.org/presentationml/2006/main">
   <p:cSld>
+    <p:bg>
+      <p:bgPr>
+        <a:solidFill>
+          <a:schemeClr val="bg1"/>
+        </a:solidFill>
+        <a:effectLst/>
+      </p:bgPr>
+    </p:bg>
     <p:spTree>
       <p:nvGrpSpPr>
         <p:cNvPr id="1" name=""/>
@@ -25327,6 +27455,206 @@
       </p:grpSpPr>
       <p:sp>
         <p:nvSpPr>
+          <p:cNvPr id="13" name="Rectangle 12">
+            <a:extLst>
+              <a:ext uri="{FF2B5EF4-FFF2-40B4-BE49-F238E27FC236}">
+                <a16:creationId xmlns:a16="http://schemas.microsoft.com/office/drawing/2014/main" id="{21739CA5-F0F5-48E1-8E8C-F24B71827E46}"/>
+              </a:ext>
+              <a:ext uri="{C183D7F6-B498-43B3-948B-1728B52AA6E4}">
+                <adec:decorative xmlns:adec="http://schemas.microsoft.com/office/drawing/2017/decorative" val="1"/>
+              </a:ext>
+            </a:extLst>
+          </p:cNvPr>
+          <p:cNvSpPr>
+            <a:spLocks noGrp="1" noRot="1" noChangeAspect="1" noMove="1" noResize="1" noEditPoints="1" noAdjustHandles="1" noChangeArrowheads="1" noChangeShapeType="1" noTextEdit="1"/>
+          </p:cNvSpPr>
+          <p:nvPr>
+            <p:extLst>
+              <p:ext uri="{386F3935-93C4-4BCD-93E2-E3B085C9AB24}">
+                <p16:designElem xmlns:p16="http://schemas.microsoft.com/office/powerpoint/2015/main" val="1"/>
+              </p:ext>
+            </p:extLst>
+          </p:nvPr>
+        </p:nvSpPr>
+        <p:spPr>
+          <a:xfrm>
+            <a:off x="0" y="-3324"/>
+            <a:ext cx="12192000" cy="6861324"/>
+          </a:xfrm>
+          <a:prstGeom prst="rect">
+            <a:avLst/>
+          </a:prstGeom>
+          <a:solidFill>
+            <a:srgbClr val="C8CACA"/>
+          </a:solidFill>
+          <a:ln>
+            <a:noFill/>
+          </a:ln>
+        </p:spPr>
+        <p:style>
+          <a:lnRef idx="2">
+            <a:schemeClr val="accent1">
+              <a:shade val="50000"/>
+            </a:schemeClr>
+          </a:lnRef>
+          <a:fillRef idx="1">
+            <a:schemeClr val="accent1"/>
+          </a:fillRef>
+          <a:effectRef idx="0">
+            <a:schemeClr val="accent1"/>
+          </a:effectRef>
+          <a:fontRef idx="minor">
+            <a:schemeClr val="lt1"/>
+          </a:fontRef>
+        </p:style>
+        <p:txBody>
+          <a:bodyPr rtlCol="0" anchor="ctr"/>
+          <a:lstStyle/>
+          <a:p>
+            <a:pPr algn="ctr"/>
+            <a:endParaRPr lang="en-US"/>
+          </a:p>
+        </p:txBody>
+      </p:sp>
+      <p:sp>
+        <p:nvSpPr>
+          <p:cNvPr id="23" name="Rounded Rectangle 3">
+            <a:extLst>
+              <a:ext uri="{FF2B5EF4-FFF2-40B4-BE49-F238E27FC236}">
+                <a16:creationId xmlns:a16="http://schemas.microsoft.com/office/drawing/2014/main" id="{3EAD2937-F230-41D4-B9C5-975B129BFC20}"/>
+              </a:ext>
+              <a:ext uri="{C183D7F6-B498-43B3-948B-1728B52AA6E4}">
+                <adec:decorative xmlns:adec="http://schemas.microsoft.com/office/drawing/2017/decorative" val="1"/>
+              </a:ext>
+            </a:extLst>
+          </p:cNvPr>
+          <p:cNvSpPr>
+            <a:spLocks noGrp="1" noRot="1" noChangeAspect="1" noMove="1" noResize="1" noEditPoints="1" noAdjustHandles="1" noChangeArrowheads="1" noChangeShapeType="1" noTextEdit="1"/>
+          </p:cNvSpPr>
+          <p:nvPr>
+            <p:extLst>
+              <p:ext uri="{386F3935-93C4-4BCD-93E2-E3B085C9AB24}">
+                <p16:designElem xmlns:p16="http://schemas.microsoft.com/office/powerpoint/2015/main" val="1"/>
+              </p:ext>
+            </p:extLst>
+          </p:nvPr>
+        </p:nvSpPr>
+        <p:spPr>
+          <a:xfrm>
+            <a:off x="646745" y="640080"/>
+            <a:ext cx="10920415" cy="5577818"/>
+          </a:xfrm>
+          <a:prstGeom prst="roundRect">
+            <a:avLst>
+              <a:gd name="adj" fmla="val 0"/>
+            </a:avLst>
+          </a:prstGeom>
+          <a:solidFill>
+            <a:srgbClr val="FFFFFF"/>
+          </a:solidFill>
+          <a:ln w="9525">
+            <a:solidFill>
+              <a:srgbClr val="C8CACA"/>
+            </a:solidFill>
+          </a:ln>
+          <a:effectLst>
+            <a:outerShdw blurRad="57150" dist="19050" dir="5400000" algn="t" rotWithShape="0">
+              <a:prstClr val="black">
+                <a:alpha val="63000"/>
+              </a:prstClr>
+            </a:outerShdw>
+          </a:effectLst>
+        </p:spPr>
+        <p:style>
+          <a:lnRef idx="2">
+            <a:schemeClr val="accent1">
+              <a:shade val="50000"/>
+            </a:schemeClr>
+          </a:lnRef>
+          <a:fillRef idx="1">
+            <a:schemeClr val="accent1"/>
+          </a:fillRef>
+          <a:effectRef idx="0">
+            <a:schemeClr val="accent1"/>
+          </a:effectRef>
+          <a:fontRef idx="minor">
+            <a:schemeClr val="lt1"/>
+          </a:fontRef>
+        </p:style>
+        <p:txBody>
+          <a:bodyPr rtlCol="0" anchor="ctr"/>
+          <a:lstStyle/>
+          <a:p>
+            <a:pPr algn="ctr"/>
+            <a:endParaRPr lang="en-US"/>
+          </a:p>
+        </p:txBody>
+      </p:sp>
+      <p:sp>
+        <p:nvSpPr>
+          <p:cNvPr id="17" name="Rectangle 16">
+            <a:extLst>
+              <a:ext uri="{FF2B5EF4-FFF2-40B4-BE49-F238E27FC236}">
+                <a16:creationId xmlns:a16="http://schemas.microsoft.com/office/drawing/2014/main" id="{CCD444A3-C338-4886-B7F1-4BA2AF46EB64}"/>
+              </a:ext>
+              <a:ext uri="{C183D7F6-B498-43B3-948B-1728B52AA6E4}">
+                <adec:decorative xmlns:adec="http://schemas.microsoft.com/office/drawing/2017/decorative" val="1"/>
+              </a:ext>
+            </a:extLst>
+          </p:cNvPr>
+          <p:cNvSpPr>
+            <a:spLocks noGrp="1" noRot="1" noChangeAspect="1" noMove="1" noResize="1" noEditPoints="1" noAdjustHandles="1" noChangeArrowheads="1" noChangeShapeType="1" noTextEdit="1"/>
+          </p:cNvSpPr>
+          <p:nvPr>
+            <p:extLst>
+              <p:ext uri="{386F3935-93C4-4BCD-93E2-E3B085C9AB24}">
+                <p16:designElem xmlns:p16="http://schemas.microsoft.com/office/powerpoint/2015/main" val="1"/>
+              </p:ext>
+            </p:extLst>
+          </p:nvPr>
+        </p:nvSpPr>
+        <p:spPr>
+          <a:xfrm>
+            <a:off x="968024" y="960109"/>
+            <a:ext cx="10277856" cy="4937760"/>
+          </a:xfrm>
+          <a:prstGeom prst="rect">
+            <a:avLst/>
+          </a:prstGeom>
+          <a:solidFill>
+            <a:schemeClr val="bg2"/>
+          </a:solidFill>
+          <a:ln>
+            <a:noFill/>
+          </a:ln>
+        </p:spPr>
+        <p:style>
+          <a:lnRef idx="2">
+            <a:schemeClr val="accent1">
+              <a:shade val="50000"/>
+            </a:schemeClr>
+          </a:lnRef>
+          <a:fillRef idx="1">
+            <a:schemeClr val="accent1"/>
+          </a:fillRef>
+          <a:effectRef idx="0">
+            <a:schemeClr val="accent1"/>
+          </a:effectRef>
+          <a:fontRef idx="minor">
+            <a:schemeClr val="lt1"/>
+          </a:fontRef>
+        </p:style>
+        <p:txBody>
+          <a:bodyPr rtlCol="0" anchor="ctr"/>
+          <a:lstStyle/>
+          <a:p>
+            <a:pPr algn="ctr"/>
+            <a:endParaRPr lang="en-US"/>
+          </a:p>
+        </p:txBody>
+      </p:sp>
+      <p:sp>
+        <p:nvSpPr>
           <p:cNvPr id="2" name="Title 1">
             <a:extLst>
               <a:ext uri="{FF2B5EF4-FFF2-40B4-BE49-F238E27FC236}">
@@ -25341,22 +27669,38 @@
             <p:ph type="title"/>
           </p:nvPr>
         </p:nvSpPr>
-        <p:spPr/>
+        <p:spPr>
+          <a:xfrm>
+            <a:off x="1452656" y="1444741"/>
+            <a:ext cx="9357865" cy="1041901"/>
+          </a:xfrm>
+        </p:spPr>
         <p:txBody>
-          <a:bodyPr/>
+          <a:bodyPr vert="horz" lIns="91440" tIns="45720" rIns="91440" bIns="45720" rtlCol="0" anchor="ctr">
+            <a:normAutofit/>
+          </a:bodyPr>
           <a:lstStyle/>
           <a:p>
             <a:r>
-              <a:rPr lang="en-GB" b="1" i="0" dirty="0">
+              <a:rPr lang="en-US" sz="4000" b="1" i="0" kern="1200">
                 <a:solidFill>
-                  <a:srgbClr val="16191F"/>
+                  <a:schemeClr val="tx1"/>
                 </a:solidFill>
                 <a:effectLst/>
-                <a:latin typeface="Amazon Ember"/>
+                <a:latin typeface="+mj-lt"/>
+                <a:ea typeface="+mj-ea"/>
+                <a:cs typeface="+mj-cs"/>
               </a:rPr>
               <a:t>AWS Glue terminology</a:t>
             </a:r>
-            <a:endParaRPr lang="en-CH" dirty="0"/>
+            <a:endParaRPr lang="en-US" sz="4000" kern="1200">
+              <a:solidFill>
+                <a:schemeClr val="tx1"/>
+              </a:solidFill>
+              <a:latin typeface="+mj-lt"/>
+              <a:ea typeface="+mj-ea"/>
+              <a:cs typeface="+mj-cs"/>
+            </a:endParaRPr>
           </a:p>
         </p:txBody>
       </p:sp>
@@ -25378,121 +27722,74 @@
         </p:nvSpPr>
         <p:spPr>
           <a:xfrm>
-            <a:off x="838200" y="1825625"/>
-            <a:ext cx="5531069" cy="4351338"/>
+            <a:off x="1452656" y="2701427"/>
+            <a:ext cx="4483324" cy="2699968"/>
           </a:xfrm>
         </p:spPr>
         <p:txBody>
-          <a:bodyPr>
+          <a:bodyPr vert="horz" lIns="91440" tIns="45720" rIns="91440" bIns="45720" rtlCol="0">
             <a:normAutofit/>
           </a:bodyPr>
           <a:lstStyle/>
           <a:p>
-            <a:pPr algn="l"/>
             <a:r>
-              <a:rPr lang="en-GB" sz="2000" b="1" i="0" dirty="0">
-                <a:solidFill>
-                  <a:srgbClr val="16191F"/>
-                </a:solidFill>
+              <a:rPr lang="en-US" sz="1600" b="1" i="0">
                 <a:effectLst/>
-                <a:latin typeface="Amazon Ember"/>
               </a:rPr>
-              <a:t>AWS Glue Data </a:t>
+              <a:t>AWS Glue Data Catalog</a:t>
             </a:r>
-            <a:r>
-              <a:rPr lang="en-GB" sz="2000" b="1" i="0" dirty="0" err="1">
-                <a:solidFill>
-                  <a:srgbClr val="16191F"/>
-                </a:solidFill>
-                <a:effectLst/>
-                <a:latin typeface="Amazon Ember"/>
-              </a:rPr>
-              <a:t>Catalog</a:t>
-            </a:r>
-            <a:endParaRPr lang="en-GB" sz="2000" b="1" i="0" dirty="0">
-              <a:solidFill>
-                <a:srgbClr val="16191F"/>
-              </a:solidFill>
-              <a:effectLst/>
-              <a:latin typeface="Amazon Ember"/>
-            </a:endParaRPr>
           </a:p>
           <a:p>
             <a:r>
-              <a:rPr lang="en-GB" sz="2000" b="1" i="0" dirty="0">
-                <a:solidFill>
-                  <a:srgbClr val="16191F"/>
-                </a:solidFill>
+              <a:rPr lang="en-US" sz="1600" b="1" i="0">
                 <a:effectLst/>
-                <a:latin typeface="Amazon Ember"/>
               </a:rPr>
               <a:t>Classifier</a:t>
             </a:r>
           </a:p>
           <a:p>
             <a:r>
-              <a:rPr lang="en-GB" sz="2000" b="1" i="0" dirty="0">
-                <a:solidFill>
-                  <a:srgbClr val="16191F"/>
-                </a:solidFill>
+              <a:rPr lang="en-US" sz="1600" b="1" i="0">
                 <a:effectLst/>
-                <a:latin typeface="Amazon Ember"/>
               </a:rPr>
               <a:t>Connection</a:t>
             </a:r>
           </a:p>
           <a:p>
             <a:r>
-              <a:rPr lang="en-GB" sz="2000" b="1" i="0" dirty="0">
-                <a:solidFill>
-                  <a:srgbClr val="16191F"/>
-                </a:solidFill>
+              <a:rPr lang="en-US" sz="1600" b="1" i="0">
                 <a:effectLst/>
-                <a:latin typeface="Amazon Ember"/>
               </a:rPr>
               <a:t>Crawler</a:t>
             </a:r>
           </a:p>
           <a:p>
             <a:r>
-              <a:rPr lang="en-GB" sz="2000" b="1" i="0" dirty="0">
-                <a:solidFill>
-                  <a:srgbClr val="16191F"/>
-                </a:solidFill>
+              <a:rPr lang="en-US" sz="1600" b="1" i="0">
                 <a:effectLst/>
-                <a:latin typeface="Amazon Ember"/>
               </a:rPr>
               <a:t>Database</a:t>
             </a:r>
           </a:p>
           <a:p>
-            <a:pPr algn="l"/>
             <a:r>
-              <a:rPr lang="en-GB" sz="2000" b="1" i="0" dirty="0">
-                <a:solidFill>
-                  <a:srgbClr val="16191F"/>
-                </a:solidFill>
+              <a:rPr lang="en-US" sz="1600" b="1" i="0">
                 <a:effectLst/>
-                <a:latin typeface="Amazon Ember"/>
               </a:rPr>
               <a:t>Data store, data source, data target</a:t>
             </a:r>
           </a:p>
           <a:p>
             <a:r>
-              <a:rPr lang="en-GB" sz="2000" b="1" i="0" dirty="0">
-                <a:solidFill>
-                  <a:srgbClr val="16191F"/>
-                </a:solidFill>
+              <a:rPr lang="en-US" sz="1600" b="1" i="0">
                 <a:effectLst/>
-                <a:latin typeface="Amazon Ember"/>
               </a:rPr>
               <a:t>Development endpoint</a:t>
             </a:r>
             <a:br>
-              <a:rPr lang="en-GB" sz="2000" dirty="0"/>
+              <a:rPr lang="en-US" sz="1600"/>
             </a:br>
-            <a:endParaRPr lang="en-CH" sz="2000" dirty="0"/>
+            <a:endParaRPr lang="en-US" sz="1600"/>
           </a:p>
         </p:txBody>
       </p:sp>
@@ -25510,141 +27807,154 @@
         </p:nvSpPr>
         <p:spPr>
           <a:xfrm>
-            <a:off x="6589986" y="1690688"/>
-            <a:ext cx="5265683" cy="2554545"/>
+            <a:off x="6256020" y="2701427"/>
+            <a:ext cx="4554501" cy="2699968"/>
           </a:xfrm>
           <a:prstGeom prst="rect">
             <a:avLst/>
           </a:prstGeom>
-          <a:noFill/>
         </p:spPr>
         <p:txBody>
-          <a:bodyPr wrap="square">
-            <a:spAutoFit/>
+          <a:bodyPr vert="horz" lIns="91440" tIns="45720" rIns="91440" bIns="45720" rtlCol="0">
+            <a:normAutofit/>
           </a:bodyPr>
           <a:lstStyle/>
           <a:p>
-            <a:pPr marL="285750" indent="-285750" algn="l">
+            <a:pPr marL="285750" indent="-228600">
+              <a:lnSpc>
+                <a:spcPct val="90000"/>
+              </a:lnSpc>
+              <a:spcAft>
+                <a:spcPts val="600"/>
+              </a:spcAft>
               <a:buFont typeface="Arial" panose="020B0604020202020204" pitchFamily="34" charset="0"/>
               <a:buChar char="•"/>
             </a:pPr>
             <a:r>
-              <a:rPr lang="en-GB" sz="2000" b="1" i="0" dirty="0">
-                <a:solidFill>
-                  <a:srgbClr val="16191F"/>
-                </a:solidFill>
+              <a:rPr lang="en-US" sz="1700" b="1" i="0">
                 <a:effectLst/>
-                <a:latin typeface="Amazon Ember"/>
               </a:rPr>
               <a:t>Dynamic Frame</a:t>
             </a:r>
           </a:p>
           <a:p>
-            <a:pPr marL="285750" indent="-285750">
+            <a:pPr marL="285750" indent="-228600">
+              <a:lnSpc>
+                <a:spcPct val="90000"/>
+              </a:lnSpc>
+              <a:spcAft>
+                <a:spcPts val="600"/>
+              </a:spcAft>
               <a:buFont typeface="Arial" panose="020B0604020202020204" pitchFamily="34" charset="0"/>
               <a:buChar char="•"/>
             </a:pPr>
             <a:r>
-              <a:rPr lang="en-GB" sz="2000" b="1" i="0" dirty="0">
-                <a:solidFill>
-                  <a:srgbClr val="16191F"/>
-                </a:solidFill>
+              <a:rPr lang="en-US" sz="1700" b="1" i="0">
                 <a:effectLst/>
-                <a:latin typeface="Amazon Ember"/>
               </a:rPr>
               <a:t>Job</a:t>
             </a:r>
           </a:p>
           <a:p>
-            <a:pPr marL="285750" indent="-285750">
+            <a:pPr marL="285750" indent="-228600">
+              <a:lnSpc>
+                <a:spcPct val="90000"/>
+              </a:lnSpc>
+              <a:spcAft>
+                <a:spcPts val="600"/>
+              </a:spcAft>
               <a:buFont typeface="Arial" panose="020B0604020202020204" pitchFamily="34" charset="0"/>
               <a:buChar char="•"/>
             </a:pPr>
             <a:r>
-              <a:rPr lang="en-GB" sz="2000" b="1" i="0" dirty="0">
-                <a:solidFill>
-                  <a:srgbClr val="16191F"/>
-                </a:solidFill>
+              <a:rPr lang="en-US" sz="1700" b="1" i="0">
                 <a:effectLst/>
-                <a:latin typeface="Amazon Ember"/>
               </a:rPr>
               <a:t>Notebook server</a:t>
             </a:r>
           </a:p>
           <a:p>
-            <a:pPr marL="285750" indent="-285750" algn="l">
+            <a:pPr marL="285750" indent="-228600">
+              <a:lnSpc>
+                <a:spcPct val="90000"/>
+              </a:lnSpc>
+              <a:spcAft>
+                <a:spcPts val="600"/>
+              </a:spcAft>
               <a:buFont typeface="Arial" panose="020B0604020202020204" pitchFamily="34" charset="0"/>
               <a:buChar char="•"/>
             </a:pPr>
             <a:r>
-              <a:rPr lang="en-GB" sz="2000" b="1" i="0" dirty="0">
-                <a:solidFill>
-                  <a:srgbClr val="16191F"/>
-                </a:solidFill>
+              <a:rPr lang="en-US" sz="1700" b="1" i="0">
                 <a:effectLst/>
-                <a:latin typeface="Amazon Ember"/>
               </a:rPr>
               <a:t>Script</a:t>
             </a:r>
           </a:p>
           <a:p>
-            <a:pPr marL="285750" indent="-285750" algn="l">
+            <a:pPr marL="285750" indent="-228600">
+              <a:lnSpc>
+                <a:spcPct val="90000"/>
+              </a:lnSpc>
+              <a:spcAft>
+                <a:spcPts val="600"/>
+              </a:spcAft>
               <a:buFont typeface="Arial" panose="020B0604020202020204" pitchFamily="34" charset="0"/>
               <a:buChar char="•"/>
             </a:pPr>
             <a:r>
-              <a:rPr lang="en-GB" sz="2000" b="1" dirty="0">
-                <a:solidFill>
-                  <a:srgbClr val="16191F"/>
-                </a:solidFill>
-                <a:latin typeface="Amazon Ember"/>
-              </a:rPr>
+              <a:rPr lang="en-US" sz="1700" b="1"/>
               <a:t>Table</a:t>
             </a:r>
           </a:p>
           <a:p>
-            <a:pPr marL="285750" indent="-285750" algn="l">
+            <a:pPr marL="285750" indent="-228600">
+              <a:lnSpc>
+                <a:spcPct val="90000"/>
+              </a:lnSpc>
+              <a:spcAft>
+                <a:spcPts val="600"/>
+              </a:spcAft>
               <a:buFont typeface="Arial" panose="020B0604020202020204" pitchFamily="34" charset="0"/>
               <a:buChar char="•"/>
             </a:pPr>
             <a:r>
-              <a:rPr lang="en-GB" sz="2000" b="1" i="0" dirty="0">
-                <a:solidFill>
-                  <a:srgbClr val="16191F"/>
-                </a:solidFill>
+              <a:rPr lang="en-US" sz="1700" b="1" i="0">
                 <a:effectLst/>
-                <a:latin typeface="Amazon Ember"/>
               </a:rPr>
               <a:t>Transform</a:t>
             </a:r>
           </a:p>
           <a:p>
-            <a:pPr marL="285750" indent="-285750" algn="l">
+            <a:pPr marL="285750" indent="-228600">
+              <a:lnSpc>
+                <a:spcPct val="90000"/>
+              </a:lnSpc>
+              <a:spcAft>
+                <a:spcPts val="600"/>
+              </a:spcAft>
               <a:buFont typeface="Arial" panose="020B0604020202020204" pitchFamily="34" charset="0"/>
               <a:buChar char="•"/>
             </a:pPr>
             <a:r>
-              <a:rPr lang="en-GB" sz="2000" b="1" dirty="0">
-                <a:solidFill>
-                  <a:srgbClr val="16191F"/>
-                </a:solidFill>
-                <a:latin typeface="Amazon Ember"/>
-              </a:rPr>
+              <a:rPr lang="en-US" sz="1700" b="1"/>
               <a:t>Trigger</a:t>
             </a:r>
           </a:p>
           <a:p>
-            <a:pPr marL="285750" indent="-285750" algn="l">
+            <a:pPr marL="285750" indent="-228600">
+              <a:lnSpc>
+                <a:spcPct val="90000"/>
+              </a:lnSpc>
+              <a:spcAft>
+                <a:spcPts val="600"/>
+              </a:spcAft>
               <a:buFont typeface="Arial" panose="020B0604020202020204" pitchFamily="34" charset="0"/>
               <a:buChar char="•"/>
             </a:pPr>
             <a:r>
-              <a:rPr lang="en-GB" sz="2000" b="1" i="0" dirty="0">
-                <a:solidFill>
-                  <a:srgbClr val="16191F"/>
-                </a:solidFill>
+              <a:rPr lang="en-US" sz="1700" b="1" i="0">
                 <a:effectLst/>
-                <a:latin typeface="Amazon Ember"/>
               </a:rPr>
               <a:t>Worker</a:t>
             </a:r>
@@ -25664,9 +27974,17 @@
 </p:sld>
 </file>
 
-<file path=ppt/slides/slide6.xml><?xml version="1.0" encoding="utf-8"?>
+<file path=ppt/slides/slide5.xml><?xml version="1.0" encoding="utf-8"?>
 <p:sld xmlns:a="http://schemas.openxmlformats.org/drawingml/2006/main" xmlns:r="http://schemas.openxmlformats.org/officeDocument/2006/relationships" xmlns:p="http://schemas.openxmlformats.org/presentationml/2006/main">
   <p:cSld>
+    <p:bg>
+      <p:bgPr>
+        <a:solidFill>
+          <a:schemeClr val="bg1"/>
+        </a:solidFill>
+        <a:effectLst/>
+      </p:bgPr>
+    </p:bg>
     <p:spTree>
       <p:nvGrpSpPr>
         <p:cNvPr id="1" name=""/>
@@ -25681,12 +27999,72 @@
           <a:chExt cx="0" cy="0"/>
         </a:xfrm>
       </p:grpSpPr>
+      <p:sp useBgFill="1">
+        <p:nvSpPr>
+          <p:cNvPr id="1031" name="Rectangle 1030">
+            <a:extLst>
+              <a:ext uri="{FF2B5EF4-FFF2-40B4-BE49-F238E27FC236}">
+                <a16:creationId xmlns:a16="http://schemas.microsoft.com/office/drawing/2014/main" id="{2B97F24A-32CE-4C1C-A50D-3016B394DCFB}"/>
+              </a:ext>
+              <a:ext uri="{C183D7F6-B498-43B3-948B-1728B52AA6E4}">
+                <adec:decorative xmlns:adec="http://schemas.microsoft.com/office/drawing/2017/decorative" val="1"/>
+              </a:ext>
+            </a:extLst>
+          </p:cNvPr>
+          <p:cNvSpPr>
+            <a:spLocks noGrp="1" noRot="1" noChangeAspect="1" noMove="1" noResize="1" noEditPoints="1" noAdjustHandles="1" noChangeArrowheads="1" noChangeShapeType="1" noTextEdit="1"/>
+          </p:cNvSpPr>
+          <p:nvPr>
+            <p:extLst>
+              <p:ext uri="{386F3935-93C4-4BCD-93E2-E3B085C9AB24}">
+                <p16:designElem xmlns:p16="http://schemas.microsoft.com/office/powerpoint/2015/main" val="1"/>
+              </p:ext>
+            </p:extLst>
+          </p:nvPr>
+        </p:nvSpPr>
+        <p:spPr>
+          <a:xfrm>
+            <a:off x="0" y="0"/>
+            <a:ext cx="12192000" cy="6858000"/>
+          </a:xfrm>
+          <a:prstGeom prst="rect">
+            <a:avLst/>
+          </a:prstGeom>
+          <a:ln>
+            <a:noFill/>
+          </a:ln>
+        </p:spPr>
+        <p:style>
+          <a:lnRef idx="2">
+            <a:schemeClr val="accent1">
+              <a:shade val="50000"/>
+            </a:schemeClr>
+          </a:lnRef>
+          <a:fillRef idx="1">
+            <a:schemeClr val="accent1"/>
+          </a:fillRef>
+          <a:effectRef idx="0">
+            <a:schemeClr val="accent1"/>
+          </a:effectRef>
+          <a:fontRef idx="minor">
+            <a:schemeClr val="lt1"/>
+          </a:fontRef>
+        </p:style>
+        <p:txBody>
+          <a:bodyPr rtlCol="0" anchor="ctr"/>
+          <a:lstStyle/>
+          <a:p>
+            <a:pPr algn="ctr"/>
+            <a:endParaRPr lang="en-US"/>
+          </a:p>
+        </p:txBody>
+      </p:sp>
       <p:sp>
         <p:nvSpPr>
           <p:cNvPr id="2" name="Title 1">
             <a:extLst>
               <a:ext uri="{FF2B5EF4-FFF2-40B4-BE49-F238E27FC236}">
-                <a16:creationId xmlns:a16="http://schemas.microsoft.com/office/drawing/2014/main" id="{20ECE838-6695-9348-B967-FF6442520ABA}"/>
+                <a16:creationId xmlns:a16="http://schemas.microsoft.com/office/drawing/2014/main" id="{68028DFC-7A20-DDA2-624A-324D10C28BE2}"/>
               </a:ext>
             </a:extLst>
           </p:cNvPr>
@@ -25697,44 +28075,486 @@
             <p:ph type="title"/>
           </p:nvPr>
         </p:nvSpPr>
-        <p:spPr/>
+        <p:spPr>
+          <a:xfrm>
+            <a:off x="630936" y="639520"/>
+            <a:ext cx="3429000" cy="1719072"/>
+          </a:xfrm>
+        </p:spPr>
         <p:txBody>
-          <a:bodyPr/>
+          <a:bodyPr vert="horz" lIns="91440" tIns="45720" rIns="91440" bIns="45720" rtlCol="0" anchor="b">
+            <a:normAutofit/>
+          </a:bodyPr>
           <a:lstStyle/>
           <a:p>
-            <a:endParaRPr lang="en-CH"/>
+            <a:r>
+              <a:rPr lang="en-US" sz="5000" kern="1200" dirty="0">
+                <a:solidFill>
+                  <a:schemeClr val="tx1"/>
+                </a:solidFill>
+                <a:latin typeface="+mj-lt"/>
+                <a:ea typeface="+mj-ea"/>
+                <a:cs typeface="+mj-cs"/>
+              </a:rPr>
+              <a:t>AWS Glue Data Catalog</a:t>
+            </a:r>
           </a:p>
         </p:txBody>
       </p:sp>
       <p:sp>
         <p:nvSpPr>
-          <p:cNvPr id="3" name="Content Placeholder 2">
+          <p:cNvPr id="1033" name="sketch line">
             <a:extLst>
               <a:ext uri="{FF2B5EF4-FFF2-40B4-BE49-F238E27FC236}">
-                <a16:creationId xmlns:a16="http://schemas.microsoft.com/office/drawing/2014/main" id="{BC0D86C3-922A-4F48-6CAA-7A67B0CFB92E}"/>
+                <a16:creationId xmlns:a16="http://schemas.microsoft.com/office/drawing/2014/main" id="{CD8B4F24-440B-49E9-B85D-733523DC064B}"/>
+              </a:ext>
+              <a:ext uri="{C183D7F6-B498-43B3-948B-1728B52AA6E4}">
+                <adec:decorative xmlns:adec="http://schemas.microsoft.com/office/drawing/2017/decorative" val="1"/>
               </a:ext>
             </a:extLst>
           </p:cNvPr>
           <p:cNvSpPr>
-            <a:spLocks noGrp="1"/>
+            <a:spLocks noGrp="1" noRot="1" noChangeAspect="1" noMove="1" noResize="1" noEditPoints="1" noAdjustHandles="1" noChangeArrowheads="1" noChangeShapeType="1" noTextEdit="1"/>
           </p:cNvSpPr>
+          <p:nvPr>
+            <p:extLst>
+              <p:ext uri="{386F3935-93C4-4BCD-93E2-E3B085C9AB24}">
+                <p16:designElem xmlns:p16="http://schemas.microsoft.com/office/powerpoint/2015/main" val="1"/>
+              </p:ext>
+            </p:extLst>
+          </p:nvPr>
+        </p:nvSpPr>
+        <p:spPr>
+          <a:xfrm>
+            <a:off x="643278" y="2573756"/>
+            <a:ext cx="3255095" cy="18288"/>
+          </a:xfrm>
+          <a:custGeom>
+            <a:avLst/>
+            <a:gdLst>
+              <a:gd name="connsiteX0" fmla="*/ 0 w 3255095"/>
+              <a:gd name="connsiteY0" fmla="*/ 0 h 18288"/>
+              <a:gd name="connsiteX1" fmla="*/ 618468 w 3255095"/>
+              <a:gd name="connsiteY1" fmla="*/ 0 h 18288"/>
+              <a:gd name="connsiteX2" fmla="*/ 1269487 w 3255095"/>
+              <a:gd name="connsiteY2" fmla="*/ 0 h 18288"/>
+              <a:gd name="connsiteX3" fmla="*/ 1953057 w 3255095"/>
+              <a:gd name="connsiteY3" fmla="*/ 0 h 18288"/>
+              <a:gd name="connsiteX4" fmla="*/ 2636627 w 3255095"/>
+              <a:gd name="connsiteY4" fmla="*/ 0 h 18288"/>
+              <a:gd name="connsiteX5" fmla="*/ 3255095 w 3255095"/>
+              <a:gd name="connsiteY5" fmla="*/ 0 h 18288"/>
+              <a:gd name="connsiteX6" fmla="*/ 3255095 w 3255095"/>
+              <a:gd name="connsiteY6" fmla="*/ 18288 h 18288"/>
+              <a:gd name="connsiteX7" fmla="*/ 2538974 w 3255095"/>
+              <a:gd name="connsiteY7" fmla="*/ 18288 h 18288"/>
+              <a:gd name="connsiteX8" fmla="*/ 1822853 w 3255095"/>
+              <a:gd name="connsiteY8" fmla="*/ 18288 h 18288"/>
+              <a:gd name="connsiteX9" fmla="*/ 1171834 w 3255095"/>
+              <a:gd name="connsiteY9" fmla="*/ 18288 h 18288"/>
+              <a:gd name="connsiteX10" fmla="*/ 0 w 3255095"/>
+              <a:gd name="connsiteY10" fmla="*/ 18288 h 18288"/>
+              <a:gd name="connsiteX11" fmla="*/ 0 w 3255095"/>
+              <a:gd name="connsiteY11" fmla="*/ 0 h 18288"/>
+            </a:gdLst>
+            <a:ahLst/>
+            <a:cxnLst>
+              <a:cxn ang="0">
+                <a:pos x="connsiteX0" y="connsiteY0"/>
+              </a:cxn>
+              <a:cxn ang="0">
+                <a:pos x="connsiteX1" y="connsiteY1"/>
+              </a:cxn>
+              <a:cxn ang="0">
+                <a:pos x="connsiteX2" y="connsiteY2"/>
+              </a:cxn>
+              <a:cxn ang="0">
+                <a:pos x="connsiteX3" y="connsiteY3"/>
+              </a:cxn>
+              <a:cxn ang="0">
+                <a:pos x="connsiteX4" y="connsiteY4"/>
+              </a:cxn>
+              <a:cxn ang="0">
+                <a:pos x="connsiteX5" y="connsiteY5"/>
+              </a:cxn>
+              <a:cxn ang="0">
+                <a:pos x="connsiteX6" y="connsiteY6"/>
+              </a:cxn>
+              <a:cxn ang="0">
+                <a:pos x="connsiteX7" y="connsiteY7"/>
+              </a:cxn>
+              <a:cxn ang="0">
+                <a:pos x="connsiteX8" y="connsiteY8"/>
+              </a:cxn>
+              <a:cxn ang="0">
+                <a:pos x="connsiteX9" y="connsiteY9"/>
+              </a:cxn>
+              <a:cxn ang="0">
+                <a:pos x="connsiteX10" y="connsiteY10"/>
+              </a:cxn>
+              <a:cxn ang="0">
+                <a:pos x="connsiteX11" y="connsiteY11"/>
+              </a:cxn>
+            </a:cxnLst>
+            <a:rect l="l" t="t" r="r" b="b"/>
+            <a:pathLst>
+              <a:path w="3255095" h="18288" fill="none" extrusionOk="0">
+                <a:moveTo>
+                  <a:pt x="0" y="0"/>
+                </a:moveTo>
+                <a:cubicBezTo>
+                  <a:pt x="240201" y="-22123"/>
+                  <a:pt x="462021" y="-19623"/>
+                  <a:pt x="618468" y="0"/>
+                </a:cubicBezTo>
+                <a:cubicBezTo>
+                  <a:pt x="774915" y="19623"/>
+                  <a:pt x="974734" y="2035"/>
+                  <a:pt x="1269487" y="0"/>
+                </a:cubicBezTo>
+                <a:cubicBezTo>
+                  <a:pt x="1564240" y="-2035"/>
+                  <a:pt x="1733579" y="10639"/>
+                  <a:pt x="1953057" y="0"/>
+                </a:cubicBezTo>
+                <a:cubicBezTo>
+                  <a:pt x="2172535" y="-10639"/>
+                  <a:pt x="2453962" y="14018"/>
+                  <a:pt x="2636627" y="0"/>
+                </a:cubicBezTo>
+                <a:cubicBezTo>
+                  <a:pt x="2819292" y="-14018"/>
+                  <a:pt x="3121375" y="5399"/>
+                  <a:pt x="3255095" y="0"/>
+                </a:cubicBezTo>
+                <a:cubicBezTo>
+                  <a:pt x="3254386" y="8157"/>
+                  <a:pt x="3254682" y="12125"/>
+                  <a:pt x="3255095" y="18288"/>
+                </a:cubicBezTo>
+                <a:cubicBezTo>
+                  <a:pt x="3088545" y="23203"/>
+                  <a:pt x="2687475" y="7419"/>
+                  <a:pt x="2538974" y="18288"/>
+                </a:cubicBezTo>
+                <a:cubicBezTo>
+                  <a:pt x="2390473" y="29157"/>
+                  <a:pt x="2137381" y="-8959"/>
+                  <a:pt x="1822853" y="18288"/>
+                </a:cubicBezTo>
+                <a:cubicBezTo>
+                  <a:pt x="1508325" y="45535"/>
+                  <a:pt x="1466437" y="20385"/>
+                  <a:pt x="1171834" y="18288"/>
+                </a:cubicBezTo>
+                <a:cubicBezTo>
+                  <a:pt x="877231" y="16191"/>
+                  <a:pt x="561097" y="37643"/>
+                  <a:pt x="0" y="18288"/>
+                </a:cubicBezTo>
+                <a:cubicBezTo>
+                  <a:pt x="-46" y="12483"/>
+                  <a:pt x="-203" y="6491"/>
+                  <a:pt x="0" y="0"/>
+                </a:cubicBezTo>
+                <a:close/>
+              </a:path>
+              <a:path w="3255095" h="18288" stroke="0" extrusionOk="0">
+                <a:moveTo>
+                  <a:pt x="0" y="0"/>
+                </a:moveTo>
+                <a:cubicBezTo>
+                  <a:pt x="291965" y="19429"/>
+                  <a:pt x="363155" y="8568"/>
+                  <a:pt x="618468" y="0"/>
+                </a:cubicBezTo>
+                <a:cubicBezTo>
+                  <a:pt x="873781" y="-8568"/>
+                  <a:pt x="904459" y="-19505"/>
+                  <a:pt x="1171834" y="0"/>
+                </a:cubicBezTo>
+                <a:cubicBezTo>
+                  <a:pt x="1439209" y="19505"/>
+                  <a:pt x="1744369" y="9790"/>
+                  <a:pt x="1887955" y="0"/>
+                </a:cubicBezTo>
+                <a:cubicBezTo>
+                  <a:pt x="2031541" y="-9790"/>
+                  <a:pt x="2346378" y="21240"/>
+                  <a:pt x="2506423" y="0"/>
+                </a:cubicBezTo>
+                <a:cubicBezTo>
+                  <a:pt x="2666468" y="-21240"/>
+                  <a:pt x="2990257" y="30414"/>
+                  <a:pt x="3255095" y="0"/>
+                </a:cubicBezTo>
+                <a:cubicBezTo>
+                  <a:pt x="3254831" y="4493"/>
+                  <a:pt x="3255479" y="9472"/>
+                  <a:pt x="3255095" y="18288"/>
+                </a:cubicBezTo>
+                <a:cubicBezTo>
+                  <a:pt x="3120743" y="16690"/>
+                  <a:pt x="2759628" y="42462"/>
+                  <a:pt x="2604076" y="18288"/>
+                </a:cubicBezTo>
+                <a:cubicBezTo>
+                  <a:pt x="2448524" y="-5886"/>
+                  <a:pt x="2184336" y="19599"/>
+                  <a:pt x="1887955" y="18288"/>
+                </a:cubicBezTo>
+                <a:cubicBezTo>
+                  <a:pt x="1591574" y="16977"/>
+                  <a:pt x="1548845" y="6870"/>
+                  <a:pt x="1334589" y="18288"/>
+                </a:cubicBezTo>
+                <a:cubicBezTo>
+                  <a:pt x="1120333" y="29706"/>
+                  <a:pt x="996014" y="9662"/>
+                  <a:pt x="683570" y="18288"/>
+                </a:cubicBezTo>
+                <a:cubicBezTo>
+                  <a:pt x="371126" y="26914"/>
+                  <a:pt x="198687" y="16167"/>
+                  <a:pt x="0" y="18288"/>
+                </a:cubicBezTo>
+                <a:cubicBezTo>
+                  <a:pt x="843" y="9577"/>
+                  <a:pt x="371" y="6900"/>
+                  <a:pt x="0" y="0"/>
+                </a:cubicBezTo>
+                <a:close/>
+              </a:path>
+            </a:pathLst>
+          </a:custGeom>
+          <a:solidFill>
+            <a:schemeClr val="accent2"/>
+          </a:solidFill>
+          <a:ln w="38100" cap="rnd">
+            <a:solidFill>
+              <a:schemeClr val="accent2"/>
+            </a:solidFill>
+            <a:round/>
+            <a:extLst>
+              <a:ext uri="{C807C97D-BFC1-408E-A445-0C87EB9F89A2}">
+                <ask:lineSketchStyleProps xmlns:ask="http://schemas.microsoft.com/office/drawing/2018/sketchyshapes" sd="1219033472">
+                  <a:prstGeom prst="rect">
+                    <a:avLst/>
+                  </a:prstGeom>
+                  <ask:type>
+                    <ask:lineSketchFreehand/>
+                  </ask:type>
+                </ask:lineSketchStyleProps>
+              </a:ext>
+            </a:extLst>
+          </a:ln>
+        </p:spPr>
+        <p:style>
+          <a:lnRef idx="2">
+            <a:schemeClr val="accent1">
+              <a:shade val="50000"/>
+            </a:schemeClr>
+          </a:lnRef>
+          <a:fillRef idx="1">
+            <a:schemeClr val="accent1"/>
+          </a:fillRef>
+          <a:effectRef idx="0">
+            <a:schemeClr val="accent1"/>
+          </a:effectRef>
+          <a:fontRef idx="minor">
+            <a:schemeClr val="lt1"/>
+          </a:fontRef>
+        </p:style>
+        <p:txBody>
+          <a:bodyPr rtlCol="0" anchor="ctr"/>
+          <a:lstStyle/>
+          <a:p>
+            <a:pPr algn="ctr"/>
+            <a:endParaRPr lang="en-US"/>
+          </a:p>
+        </p:txBody>
+      </p:sp>
+      <p:sp>
+        <p:nvSpPr>
+          <p:cNvPr id="5" name="TextBox 4">
+            <a:extLst>
+              <a:ext uri="{FF2B5EF4-FFF2-40B4-BE49-F238E27FC236}">
+                <a16:creationId xmlns:a16="http://schemas.microsoft.com/office/drawing/2014/main" id="{2FB36317-2A32-B1B3-92AE-50772EBA321E}"/>
+              </a:ext>
+            </a:extLst>
+          </p:cNvPr>
+          <p:cNvSpPr txBox="1"/>
+          <p:nvPr/>
+        </p:nvSpPr>
+        <p:spPr>
+          <a:xfrm>
+            <a:off x="630936" y="2807208"/>
+            <a:ext cx="3429000" cy="3410712"/>
+          </a:xfrm>
+          <a:prstGeom prst="rect">
+            <a:avLst/>
+          </a:prstGeom>
+        </p:spPr>
+        <p:txBody>
+          <a:bodyPr vert="horz" lIns="91440" tIns="45720" rIns="91440" bIns="45720" rtlCol="0" anchor="t">
+            <a:normAutofit/>
+          </a:bodyPr>
+          <a:lstStyle/>
+          <a:p>
+            <a:pPr indent="-228600">
+              <a:lnSpc>
+                <a:spcPct val="90000"/>
+              </a:lnSpc>
+              <a:spcAft>
+                <a:spcPts val="600"/>
+              </a:spcAft>
+              <a:buFont typeface="Arial" panose="020B0604020202020204" pitchFamily="34" charset="0"/>
+              <a:buChar char="•"/>
+            </a:pPr>
+            <a:r>
+              <a:rPr lang="en-US" sz="1200" b="0" i="0" dirty="0">
+                <a:effectLst/>
+              </a:rPr>
+              <a:t>The AWS Glue Data Catalog is your persistent technical metadata store in the AWS Cloud.</a:t>
+            </a:r>
+          </a:p>
+          <a:p>
+            <a:pPr indent="-228600">
+              <a:lnSpc>
+                <a:spcPct val="90000"/>
+              </a:lnSpc>
+              <a:spcAft>
+                <a:spcPts val="600"/>
+              </a:spcAft>
+              <a:buFont typeface="Arial" panose="020B0604020202020204" pitchFamily="34" charset="0"/>
+              <a:buChar char="•"/>
+            </a:pPr>
+            <a:r>
+              <a:rPr lang="en-US" sz="1200" dirty="0"/>
+              <a:t>Amazon AWS Glue Data Catalog is one such Data Catalog that stores all the metadata related to the AWS ETL software</a:t>
+            </a:r>
+          </a:p>
+          <a:p>
+            <a:pPr indent="-228600">
+              <a:lnSpc>
+                <a:spcPct val="90000"/>
+              </a:lnSpc>
+              <a:spcAft>
+                <a:spcPts val="600"/>
+              </a:spcAft>
+              <a:buFont typeface="Arial" panose="020B0604020202020204" pitchFamily="34" charset="0"/>
+              <a:buChar char="•"/>
+            </a:pPr>
+            <a:r>
+              <a:rPr lang="en-US" sz="1200" b="1" i="0" dirty="0">
+                <a:effectLst/>
+              </a:rPr>
+              <a:t>AWS Glue Data Catalog</a:t>
+            </a:r>
+            <a:r>
+              <a:rPr lang="en-US" sz="1200" b="0" i="0" dirty="0">
+                <a:effectLst/>
+              </a:rPr>
+              <a:t> tracks runtime metrics, and stores the indexes, locations of data, schemas, etc.</a:t>
+            </a:r>
+          </a:p>
+          <a:p>
+            <a:pPr indent="-228600">
+              <a:lnSpc>
+                <a:spcPct val="90000"/>
+              </a:lnSpc>
+              <a:spcAft>
+                <a:spcPts val="600"/>
+              </a:spcAft>
+              <a:buFont typeface="Arial" panose="020B0604020202020204" pitchFamily="34" charset="0"/>
+              <a:buChar char="•"/>
+            </a:pPr>
+            <a:r>
+              <a:rPr lang="en-US" sz="1200" b="0" i="0" dirty="0">
+                <a:effectLst/>
+              </a:rPr>
+              <a:t>It basically keeps track of all the ETL jobs being performed on AWS Glue. </a:t>
+            </a:r>
+          </a:p>
+          <a:p>
+            <a:pPr indent="-228600">
+              <a:lnSpc>
+                <a:spcPct val="90000"/>
+              </a:lnSpc>
+              <a:spcAft>
+                <a:spcPts val="600"/>
+              </a:spcAft>
+              <a:buFont typeface="Arial" panose="020B0604020202020204" pitchFamily="34" charset="0"/>
+              <a:buChar char="•"/>
+            </a:pPr>
+            <a:r>
+              <a:rPr lang="en-US" sz="1200" b="0" i="0" dirty="0">
+                <a:effectLst/>
+              </a:rPr>
+              <a:t>All this metadata is stored in the form of tables where each table represents a different data store.</a:t>
+            </a:r>
+            <a:br>
+              <a:rPr lang="en-US" sz="1200" dirty="0"/>
+            </a:br>
+            <a:br>
+              <a:rPr lang="en-US" sz="1200" dirty="0"/>
+            </a:br>
+            <a:endParaRPr lang="en-US" sz="1200" dirty="0"/>
+          </a:p>
+        </p:txBody>
+      </p:sp>
+      <p:pic>
+        <p:nvPicPr>
+          <p:cNvPr id="1026" name="Picture 2" descr="AWS Glue Data Catalog: AWS Glue Data Catalog | Hevo Data">
+            <a:extLst>
+              <a:ext uri="{FF2B5EF4-FFF2-40B4-BE49-F238E27FC236}">
+                <a16:creationId xmlns:a16="http://schemas.microsoft.com/office/drawing/2014/main" id="{03FEDD50-C5F5-A52C-946A-A22315BE6050}"/>
+              </a:ext>
+            </a:extLst>
+          </p:cNvPr>
+          <p:cNvPicPr>
+            <a:picLocks noGrp="1" noChangeAspect="1" noChangeArrowheads="1"/>
+          </p:cNvPicPr>
           <p:nvPr>
             <p:ph idx="1"/>
           </p:nvPr>
-        </p:nvSpPr>
-        <p:spPr/>
-        <p:txBody>
-          <a:bodyPr/>
-          <a:lstStyle/>
-          <a:p>
-            <a:endParaRPr lang="en-CH"/>
-          </a:p>
-        </p:txBody>
-      </p:sp>
+        </p:nvPicPr>
+        <p:blipFill>
+          <a:blip r:embed="rId2">
+            <a:extLst>
+              <a:ext uri="{28A0092B-C50C-407E-A947-70E740481C1C}">
+                <a14:useLocalDpi xmlns:a14="http://schemas.microsoft.com/office/drawing/2010/main" val="0"/>
+              </a:ext>
+            </a:extLst>
+          </a:blip>
+          <a:stretch>
+            <a:fillRect/>
+          </a:stretch>
+        </p:blipFill>
+        <p:spPr bwMode="auto">
+          <a:xfrm>
+            <a:off x="4654296" y="1608144"/>
+            <a:ext cx="6903720" cy="3641712"/>
+          </a:xfrm>
+          <a:prstGeom prst="rect">
+            <a:avLst/>
+          </a:prstGeom>
+          <a:noFill/>
+          <a:extLst>
+            <a:ext uri="{909E8E84-426E-40DD-AFC4-6F175D3DCCD1}">
+              <a14:hiddenFill xmlns:a14="http://schemas.microsoft.com/office/drawing/2010/main">
+                <a:solidFill>
+                  <a:srgbClr val="FFFFFF"/>
+                </a:solidFill>
+              </a14:hiddenFill>
+            </a:ext>
+          </a:extLst>
+        </p:spPr>
+      </p:pic>
     </p:spTree>
     <p:extLst>
       <p:ext uri="{BB962C8B-B14F-4D97-AF65-F5344CB8AC3E}">
-        <p14:creationId xmlns:p14="http://schemas.microsoft.com/office/powerpoint/2010/main" val="1308401721"/>
+        <p14:creationId xmlns:p14="http://schemas.microsoft.com/office/powerpoint/2010/main" val="2474735145"/>
       </p:ext>
     </p:extLst>
   </p:cSld>
@@ -25744,9 +28564,17 @@
 </p:sld>
 </file>
 
-<file path=ppt/slides/slide7.xml><?xml version="1.0" encoding="utf-8"?>
+<file path=ppt/slides/slide6.xml><?xml version="1.0" encoding="utf-8"?>
 <p:sld xmlns:a="http://schemas.openxmlformats.org/drawingml/2006/main" xmlns:r="http://schemas.openxmlformats.org/officeDocument/2006/relationships" xmlns:p="http://schemas.openxmlformats.org/presentationml/2006/main">
   <p:cSld>
+    <p:bg>
+      <p:bgPr>
+        <a:solidFill>
+          <a:schemeClr val="bg1"/>
+        </a:solidFill>
+        <a:effectLst/>
+      </p:bgPr>
+    </p:bg>
     <p:spTree>
       <p:nvGrpSpPr>
         <p:cNvPr id="1" name=""/>
@@ -25761,12 +28589,72 @@
           <a:chExt cx="0" cy="0"/>
         </a:xfrm>
       </p:grpSpPr>
+      <p:sp useBgFill="1">
+        <p:nvSpPr>
+          <p:cNvPr id="8" name="Rectangle 7">
+            <a:extLst>
+              <a:ext uri="{FF2B5EF4-FFF2-40B4-BE49-F238E27FC236}">
+                <a16:creationId xmlns:a16="http://schemas.microsoft.com/office/drawing/2014/main" id="{100EDD19-6802-4EC3-95CE-CFFAB042CFD6}"/>
+              </a:ext>
+              <a:ext uri="{C183D7F6-B498-43B3-948B-1728B52AA6E4}">
+                <adec:decorative xmlns:adec="http://schemas.microsoft.com/office/drawing/2017/decorative" val="1"/>
+              </a:ext>
+            </a:extLst>
+          </p:cNvPr>
+          <p:cNvSpPr>
+            <a:spLocks noGrp="1" noRot="1" noChangeAspect="1" noMove="1" noResize="1" noEditPoints="1" noAdjustHandles="1" noChangeArrowheads="1" noChangeShapeType="1" noTextEdit="1"/>
+          </p:cNvSpPr>
+          <p:nvPr>
+            <p:extLst>
+              <p:ext uri="{386F3935-93C4-4BCD-93E2-E3B085C9AB24}">
+                <p16:designElem xmlns:p16="http://schemas.microsoft.com/office/powerpoint/2015/main" val="1"/>
+              </p:ext>
+            </p:extLst>
+          </p:nvPr>
+        </p:nvSpPr>
+        <p:spPr>
+          <a:xfrm>
+            <a:off x="0" y="0"/>
+            <a:ext cx="12188952" cy="6858000"/>
+          </a:xfrm>
+          <a:prstGeom prst="rect">
+            <a:avLst/>
+          </a:prstGeom>
+          <a:ln>
+            <a:noFill/>
+          </a:ln>
+        </p:spPr>
+        <p:style>
+          <a:lnRef idx="2">
+            <a:schemeClr val="accent1">
+              <a:shade val="50000"/>
+            </a:schemeClr>
+          </a:lnRef>
+          <a:fillRef idx="1">
+            <a:schemeClr val="accent1"/>
+          </a:fillRef>
+          <a:effectRef idx="0">
+            <a:schemeClr val="accent1"/>
+          </a:effectRef>
+          <a:fontRef idx="minor">
+            <a:schemeClr val="lt1"/>
+          </a:fontRef>
+        </p:style>
+        <p:txBody>
+          <a:bodyPr rtlCol="0" anchor="ctr"/>
+          <a:lstStyle/>
+          <a:p>
+            <a:pPr algn="ctr"/>
+            <a:endParaRPr lang="en-US"/>
+          </a:p>
+        </p:txBody>
+      </p:sp>
       <p:sp>
         <p:nvSpPr>
           <p:cNvPr id="2" name="Title 1">
             <a:extLst>
               <a:ext uri="{FF2B5EF4-FFF2-40B4-BE49-F238E27FC236}">
-                <a16:creationId xmlns:a16="http://schemas.microsoft.com/office/drawing/2014/main" id="{6F9D847D-CE4B-4E3E-11A8-97229074A97B}"/>
+                <a16:creationId xmlns:a16="http://schemas.microsoft.com/office/drawing/2014/main" id="{D9D2C8A1-9A04-59FE-F50A-9E1A63849947}"/>
               </a:ext>
             </a:extLst>
           </p:cNvPr>
@@ -25777,15 +28665,665 @@
             <p:ph type="title"/>
           </p:nvPr>
         </p:nvSpPr>
-        <p:spPr/>
+        <p:spPr>
+          <a:xfrm>
+            <a:off x="838200" y="365125"/>
+            <a:ext cx="10515600" cy="1325563"/>
+          </a:xfrm>
+        </p:spPr>
         <p:txBody>
-          <a:bodyPr/>
+          <a:bodyPr>
+            <a:normAutofit/>
+          </a:bodyPr>
           <a:lstStyle/>
           <a:p>
             <a:r>
-              <a:rPr lang="en-CH" dirty="0"/>
-              <a:t>AWS Glue Data Catalog</a:t>
+              <a:rPr lang="en-US" sz="5400" kern="1200">
+                <a:latin typeface="+mj-lt"/>
+                <a:ea typeface="+mj-ea"/>
+                <a:cs typeface="+mj-cs"/>
+              </a:rPr>
+              <a:t>AWS Glue Data Catalog: Components</a:t>
             </a:r>
+            <a:endParaRPr lang="en-CH" sz="5400"/>
+          </a:p>
+        </p:txBody>
+      </p:sp>
+      <p:sp>
+        <p:nvSpPr>
+          <p:cNvPr id="10" name="sketch line">
+            <a:extLst>
+              <a:ext uri="{FF2B5EF4-FFF2-40B4-BE49-F238E27FC236}">
+                <a16:creationId xmlns:a16="http://schemas.microsoft.com/office/drawing/2014/main" id="{DB17E863-922E-4C26-BD64-E8FD41D28661}"/>
+              </a:ext>
+              <a:ext uri="{C183D7F6-B498-43B3-948B-1728B52AA6E4}">
+                <adec:decorative xmlns:adec="http://schemas.microsoft.com/office/drawing/2017/decorative" val="1"/>
+              </a:ext>
+            </a:extLst>
+          </p:cNvPr>
+          <p:cNvSpPr>
+            <a:spLocks noGrp="1" noRot="1" noChangeAspect="1" noMove="1" noResize="1" noEditPoints="1" noAdjustHandles="1" noChangeArrowheads="1" noChangeShapeType="1" noTextEdit="1"/>
+          </p:cNvSpPr>
+          <p:nvPr>
+            <p:extLst>
+              <p:ext uri="{386F3935-93C4-4BCD-93E2-E3B085C9AB24}">
+                <p16:designElem xmlns:p16="http://schemas.microsoft.com/office/powerpoint/2015/main" val="1"/>
+              </p:ext>
+            </p:extLst>
+          </p:nvPr>
+        </p:nvSpPr>
+        <p:spPr>
+          <a:xfrm>
+            <a:off x="669036" y="1677373"/>
+            <a:ext cx="10853928" cy="18288"/>
+          </a:xfrm>
+          <a:custGeom>
+            <a:avLst/>
+            <a:gdLst>
+              <a:gd name="connsiteX0" fmla="*/ 0 w 10853928"/>
+              <a:gd name="connsiteY0" fmla="*/ 0 h 18288"/>
+              <a:gd name="connsiteX1" fmla="*/ 461292 w 10853928"/>
+              <a:gd name="connsiteY1" fmla="*/ 0 h 18288"/>
+              <a:gd name="connsiteX2" fmla="*/ 1139662 w 10853928"/>
+              <a:gd name="connsiteY2" fmla="*/ 0 h 18288"/>
+              <a:gd name="connsiteX3" fmla="*/ 1926572 w 10853928"/>
+              <a:gd name="connsiteY3" fmla="*/ 0 h 18288"/>
+              <a:gd name="connsiteX4" fmla="*/ 2279325 w 10853928"/>
+              <a:gd name="connsiteY4" fmla="*/ 0 h 18288"/>
+              <a:gd name="connsiteX5" fmla="*/ 2632078 w 10853928"/>
+              <a:gd name="connsiteY5" fmla="*/ 0 h 18288"/>
+              <a:gd name="connsiteX6" fmla="*/ 3527527 w 10853928"/>
+              <a:gd name="connsiteY6" fmla="*/ 0 h 18288"/>
+              <a:gd name="connsiteX7" fmla="*/ 4205897 w 10853928"/>
+              <a:gd name="connsiteY7" fmla="*/ 0 h 18288"/>
+              <a:gd name="connsiteX8" fmla="*/ 4558650 w 10853928"/>
+              <a:gd name="connsiteY8" fmla="*/ 0 h 18288"/>
+              <a:gd name="connsiteX9" fmla="*/ 5237020 w 10853928"/>
+              <a:gd name="connsiteY9" fmla="*/ 0 h 18288"/>
+              <a:gd name="connsiteX10" fmla="*/ 6132469 w 10853928"/>
+              <a:gd name="connsiteY10" fmla="*/ 0 h 18288"/>
+              <a:gd name="connsiteX11" fmla="*/ 6702301 w 10853928"/>
+              <a:gd name="connsiteY11" fmla="*/ 0 h 18288"/>
+              <a:gd name="connsiteX12" fmla="*/ 7272132 w 10853928"/>
+              <a:gd name="connsiteY12" fmla="*/ 0 h 18288"/>
+              <a:gd name="connsiteX13" fmla="*/ 7950502 w 10853928"/>
+              <a:gd name="connsiteY13" fmla="*/ 0 h 18288"/>
+              <a:gd name="connsiteX14" fmla="*/ 8737412 w 10853928"/>
+              <a:gd name="connsiteY14" fmla="*/ 0 h 18288"/>
+              <a:gd name="connsiteX15" fmla="*/ 9524322 w 10853928"/>
+              <a:gd name="connsiteY15" fmla="*/ 0 h 18288"/>
+              <a:gd name="connsiteX16" fmla="*/ 10853928 w 10853928"/>
+              <a:gd name="connsiteY16" fmla="*/ 0 h 18288"/>
+              <a:gd name="connsiteX17" fmla="*/ 10853928 w 10853928"/>
+              <a:gd name="connsiteY17" fmla="*/ 18288 h 18288"/>
+              <a:gd name="connsiteX18" fmla="*/ 10392636 w 10853928"/>
+              <a:gd name="connsiteY18" fmla="*/ 18288 h 18288"/>
+              <a:gd name="connsiteX19" fmla="*/ 9497187 w 10853928"/>
+              <a:gd name="connsiteY19" fmla="*/ 18288 h 18288"/>
+              <a:gd name="connsiteX20" fmla="*/ 8818817 w 10853928"/>
+              <a:gd name="connsiteY20" fmla="*/ 18288 h 18288"/>
+              <a:gd name="connsiteX21" fmla="*/ 8466064 w 10853928"/>
+              <a:gd name="connsiteY21" fmla="*/ 18288 h 18288"/>
+              <a:gd name="connsiteX22" fmla="*/ 7787693 w 10853928"/>
+              <a:gd name="connsiteY22" fmla="*/ 18288 h 18288"/>
+              <a:gd name="connsiteX23" fmla="*/ 7217862 w 10853928"/>
+              <a:gd name="connsiteY23" fmla="*/ 18288 h 18288"/>
+              <a:gd name="connsiteX24" fmla="*/ 6648031 w 10853928"/>
+              <a:gd name="connsiteY24" fmla="*/ 18288 h 18288"/>
+              <a:gd name="connsiteX25" fmla="*/ 6078200 w 10853928"/>
+              <a:gd name="connsiteY25" fmla="*/ 18288 h 18288"/>
+              <a:gd name="connsiteX26" fmla="*/ 5508368 w 10853928"/>
+              <a:gd name="connsiteY26" fmla="*/ 18288 h 18288"/>
+              <a:gd name="connsiteX27" fmla="*/ 4721459 w 10853928"/>
+              <a:gd name="connsiteY27" fmla="*/ 18288 h 18288"/>
+              <a:gd name="connsiteX28" fmla="*/ 4043088 w 10853928"/>
+              <a:gd name="connsiteY28" fmla="*/ 18288 h 18288"/>
+              <a:gd name="connsiteX29" fmla="*/ 3690336 w 10853928"/>
+              <a:gd name="connsiteY29" fmla="*/ 18288 h 18288"/>
+              <a:gd name="connsiteX30" fmla="*/ 3120504 w 10853928"/>
+              <a:gd name="connsiteY30" fmla="*/ 18288 h 18288"/>
+              <a:gd name="connsiteX31" fmla="*/ 2333595 w 10853928"/>
+              <a:gd name="connsiteY31" fmla="*/ 18288 h 18288"/>
+              <a:gd name="connsiteX32" fmla="*/ 1872303 w 10853928"/>
+              <a:gd name="connsiteY32" fmla="*/ 18288 h 18288"/>
+              <a:gd name="connsiteX33" fmla="*/ 976854 w 10853928"/>
+              <a:gd name="connsiteY33" fmla="*/ 18288 h 18288"/>
+              <a:gd name="connsiteX34" fmla="*/ 0 w 10853928"/>
+              <a:gd name="connsiteY34" fmla="*/ 18288 h 18288"/>
+              <a:gd name="connsiteX35" fmla="*/ 0 w 10853928"/>
+              <a:gd name="connsiteY35" fmla="*/ 0 h 18288"/>
+            </a:gdLst>
+            <a:ahLst/>
+            <a:cxnLst>
+              <a:cxn ang="0">
+                <a:pos x="connsiteX0" y="connsiteY0"/>
+              </a:cxn>
+              <a:cxn ang="0">
+                <a:pos x="connsiteX1" y="connsiteY1"/>
+              </a:cxn>
+              <a:cxn ang="0">
+                <a:pos x="connsiteX2" y="connsiteY2"/>
+              </a:cxn>
+              <a:cxn ang="0">
+                <a:pos x="connsiteX3" y="connsiteY3"/>
+              </a:cxn>
+              <a:cxn ang="0">
+                <a:pos x="connsiteX4" y="connsiteY4"/>
+              </a:cxn>
+              <a:cxn ang="0">
+                <a:pos x="connsiteX5" y="connsiteY5"/>
+              </a:cxn>
+              <a:cxn ang="0">
+                <a:pos x="connsiteX6" y="connsiteY6"/>
+              </a:cxn>
+              <a:cxn ang="0">
+                <a:pos x="connsiteX7" y="connsiteY7"/>
+              </a:cxn>
+              <a:cxn ang="0">
+                <a:pos x="connsiteX8" y="connsiteY8"/>
+              </a:cxn>
+              <a:cxn ang="0">
+                <a:pos x="connsiteX9" y="connsiteY9"/>
+              </a:cxn>
+              <a:cxn ang="0">
+                <a:pos x="connsiteX10" y="connsiteY10"/>
+              </a:cxn>
+              <a:cxn ang="0">
+                <a:pos x="connsiteX11" y="connsiteY11"/>
+              </a:cxn>
+              <a:cxn ang="0">
+                <a:pos x="connsiteX12" y="connsiteY12"/>
+              </a:cxn>
+              <a:cxn ang="0">
+                <a:pos x="connsiteX13" y="connsiteY13"/>
+              </a:cxn>
+              <a:cxn ang="0">
+                <a:pos x="connsiteX14" y="connsiteY14"/>
+              </a:cxn>
+              <a:cxn ang="0">
+                <a:pos x="connsiteX15" y="connsiteY15"/>
+              </a:cxn>
+              <a:cxn ang="0">
+                <a:pos x="connsiteX16" y="connsiteY16"/>
+              </a:cxn>
+              <a:cxn ang="0">
+                <a:pos x="connsiteX17" y="connsiteY17"/>
+              </a:cxn>
+              <a:cxn ang="0">
+                <a:pos x="connsiteX18" y="connsiteY18"/>
+              </a:cxn>
+              <a:cxn ang="0">
+                <a:pos x="connsiteX19" y="connsiteY19"/>
+              </a:cxn>
+              <a:cxn ang="0">
+                <a:pos x="connsiteX20" y="connsiteY20"/>
+              </a:cxn>
+              <a:cxn ang="0">
+                <a:pos x="connsiteX21" y="connsiteY21"/>
+              </a:cxn>
+              <a:cxn ang="0">
+                <a:pos x="connsiteX22" y="connsiteY22"/>
+              </a:cxn>
+              <a:cxn ang="0">
+                <a:pos x="connsiteX23" y="connsiteY23"/>
+              </a:cxn>
+              <a:cxn ang="0">
+                <a:pos x="connsiteX24" y="connsiteY24"/>
+              </a:cxn>
+              <a:cxn ang="0">
+                <a:pos x="connsiteX25" y="connsiteY25"/>
+              </a:cxn>
+              <a:cxn ang="0">
+                <a:pos x="connsiteX26" y="connsiteY26"/>
+              </a:cxn>
+              <a:cxn ang="0">
+                <a:pos x="connsiteX27" y="connsiteY27"/>
+              </a:cxn>
+              <a:cxn ang="0">
+                <a:pos x="connsiteX28" y="connsiteY28"/>
+              </a:cxn>
+              <a:cxn ang="0">
+                <a:pos x="connsiteX29" y="connsiteY29"/>
+              </a:cxn>
+              <a:cxn ang="0">
+                <a:pos x="connsiteX30" y="connsiteY30"/>
+              </a:cxn>
+              <a:cxn ang="0">
+                <a:pos x="connsiteX31" y="connsiteY31"/>
+              </a:cxn>
+              <a:cxn ang="0">
+                <a:pos x="connsiteX32" y="connsiteY32"/>
+              </a:cxn>
+              <a:cxn ang="0">
+                <a:pos x="connsiteX33" y="connsiteY33"/>
+              </a:cxn>
+              <a:cxn ang="0">
+                <a:pos x="connsiteX34" y="connsiteY34"/>
+              </a:cxn>
+              <a:cxn ang="0">
+                <a:pos x="connsiteX35" y="connsiteY35"/>
+              </a:cxn>
+            </a:cxnLst>
+            <a:rect l="l" t="t" r="r" b="b"/>
+            <a:pathLst>
+              <a:path w="10853928" h="18288" fill="none" extrusionOk="0">
+                <a:moveTo>
+                  <a:pt x="0" y="0"/>
+                </a:moveTo>
+                <a:cubicBezTo>
+                  <a:pt x="146993" y="-19076"/>
+                  <a:pt x="347684" y="-4790"/>
+                  <a:pt x="461292" y="0"/>
+                </a:cubicBezTo>
+                <a:cubicBezTo>
+                  <a:pt x="574900" y="4790"/>
+                  <a:pt x="808367" y="19821"/>
+                  <a:pt x="1139662" y="0"/>
+                </a:cubicBezTo>
+                <a:cubicBezTo>
+                  <a:pt x="1470957" y="-19821"/>
+                  <a:pt x="1627405" y="5721"/>
+                  <a:pt x="1926572" y="0"/>
+                </a:cubicBezTo>
+                <a:cubicBezTo>
+                  <a:pt x="2225739" y="-5721"/>
+                  <a:pt x="2137730" y="-3235"/>
+                  <a:pt x="2279325" y="0"/>
+                </a:cubicBezTo>
+                <a:cubicBezTo>
+                  <a:pt x="2420920" y="3235"/>
+                  <a:pt x="2456518" y="9685"/>
+                  <a:pt x="2632078" y="0"/>
+                </a:cubicBezTo>
+                <a:cubicBezTo>
+                  <a:pt x="2807638" y="-9685"/>
+                  <a:pt x="3211516" y="-43007"/>
+                  <a:pt x="3527527" y="0"/>
+                </a:cubicBezTo>
+                <a:cubicBezTo>
+                  <a:pt x="3843538" y="43007"/>
+                  <a:pt x="4058833" y="22042"/>
+                  <a:pt x="4205897" y="0"/>
+                </a:cubicBezTo>
+                <a:cubicBezTo>
+                  <a:pt x="4352961" y="-22042"/>
+                  <a:pt x="4474805" y="-11846"/>
+                  <a:pt x="4558650" y="0"/>
+                </a:cubicBezTo>
+                <a:cubicBezTo>
+                  <a:pt x="4642495" y="11846"/>
+                  <a:pt x="5041928" y="-6069"/>
+                  <a:pt x="5237020" y="0"/>
+                </a:cubicBezTo>
+                <a:cubicBezTo>
+                  <a:pt x="5432112" y="6069"/>
+                  <a:pt x="5943266" y="-17479"/>
+                  <a:pt x="6132469" y="0"/>
+                </a:cubicBezTo>
+                <a:cubicBezTo>
+                  <a:pt x="6321672" y="17479"/>
+                  <a:pt x="6483872" y="26234"/>
+                  <a:pt x="6702301" y="0"/>
+                </a:cubicBezTo>
+                <a:cubicBezTo>
+                  <a:pt x="6920730" y="-26234"/>
+                  <a:pt x="6991194" y="-15156"/>
+                  <a:pt x="7272132" y="0"/>
+                </a:cubicBezTo>
+                <a:cubicBezTo>
+                  <a:pt x="7553070" y="15156"/>
+                  <a:pt x="7684444" y="-32961"/>
+                  <a:pt x="7950502" y="0"/>
+                </a:cubicBezTo>
+                <a:cubicBezTo>
+                  <a:pt x="8216560" y="32961"/>
+                  <a:pt x="8493290" y="-10491"/>
+                  <a:pt x="8737412" y="0"/>
+                </a:cubicBezTo>
+                <a:cubicBezTo>
+                  <a:pt x="8981534" y="10491"/>
+                  <a:pt x="9191586" y="-13899"/>
+                  <a:pt x="9524322" y="0"/>
+                </a:cubicBezTo>
+                <a:cubicBezTo>
+                  <a:pt x="9857058" y="13899"/>
+                  <a:pt x="10297509" y="7485"/>
+                  <a:pt x="10853928" y="0"/>
+                </a:cubicBezTo>
+                <a:cubicBezTo>
+                  <a:pt x="10854574" y="4451"/>
+                  <a:pt x="10854418" y="9226"/>
+                  <a:pt x="10853928" y="18288"/>
+                </a:cubicBezTo>
+                <a:cubicBezTo>
+                  <a:pt x="10691638" y="28522"/>
+                  <a:pt x="10574319" y="29578"/>
+                  <a:pt x="10392636" y="18288"/>
+                </a:cubicBezTo>
+                <a:cubicBezTo>
+                  <a:pt x="10210953" y="6998"/>
+                  <a:pt x="9836277" y="-16742"/>
+                  <a:pt x="9497187" y="18288"/>
+                </a:cubicBezTo>
+                <a:cubicBezTo>
+                  <a:pt x="9158097" y="53318"/>
+                  <a:pt x="9119479" y="30714"/>
+                  <a:pt x="8818817" y="18288"/>
+                </a:cubicBezTo>
+                <a:cubicBezTo>
+                  <a:pt x="8518155" y="5863"/>
+                  <a:pt x="8640037" y="6483"/>
+                  <a:pt x="8466064" y="18288"/>
+                </a:cubicBezTo>
+                <a:cubicBezTo>
+                  <a:pt x="8292091" y="30093"/>
+                  <a:pt x="7997656" y="18914"/>
+                  <a:pt x="7787693" y="18288"/>
+                </a:cubicBezTo>
+                <a:cubicBezTo>
+                  <a:pt x="7577730" y="17662"/>
+                  <a:pt x="7412468" y="21416"/>
+                  <a:pt x="7217862" y="18288"/>
+                </a:cubicBezTo>
+                <a:cubicBezTo>
+                  <a:pt x="7023256" y="15160"/>
+                  <a:pt x="6898018" y="14824"/>
+                  <a:pt x="6648031" y="18288"/>
+                </a:cubicBezTo>
+                <a:cubicBezTo>
+                  <a:pt x="6398044" y="21752"/>
+                  <a:pt x="6254402" y="38625"/>
+                  <a:pt x="6078200" y="18288"/>
+                </a:cubicBezTo>
+                <a:cubicBezTo>
+                  <a:pt x="5901998" y="-2049"/>
+                  <a:pt x="5622886" y="3213"/>
+                  <a:pt x="5508368" y="18288"/>
+                </a:cubicBezTo>
+                <a:cubicBezTo>
+                  <a:pt x="5393850" y="33363"/>
+                  <a:pt x="5036260" y="26830"/>
+                  <a:pt x="4721459" y="18288"/>
+                </a:cubicBezTo>
+                <a:cubicBezTo>
+                  <a:pt x="4406658" y="9746"/>
+                  <a:pt x="4239221" y="41551"/>
+                  <a:pt x="4043088" y="18288"/>
+                </a:cubicBezTo>
+                <a:cubicBezTo>
+                  <a:pt x="3846955" y="-4975"/>
+                  <a:pt x="3818802" y="34658"/>
+                  <a:pt x="3690336" y="18288"/>
+                </a:cubicBezTo>
+                <a:cubicBezTo>
+                  <a:pt x="3561870" y="1918"/>
+                  <a:pt x="3265491" y="42194"/>
+                  <a:pt x="3120504" y="18288"/>
+                </a:cubicBezTo>
+                <a:cubicBezTo>
+                  <a:pt x="2975517" y="-5618"/>
+                  <a:pt x="2720254" y="36673"/>
+                  <a:pt x="2333595" y="18288"/>
+                </a:cubicBezTo>
+                <a:cubicBezTo>
+                  <a:pt x="1946936" y="-97"/>
+                  <a:pt x="2097241" y="5776"/>
+                  <a:pt x="1872303" y="18288"/>
+                </a:cubicBezTo>
+                <a:cubicBezTo>
+                  <a:pt x="1647365" y="30800"/>
+                  <a:pt x="1282708" y="45380"/>
+                  <a:pt x="976854" y="18288"/>
+                </a:cubicBezTo>
+                <a:cubicBezTo>
+                  <a:pt x="671000" y="-8804"/>
+                  <a:pt x="408401" y="-12775"/>
+                  <a:pt x="0" y="18288"/>
+                </a:cubicBezTo>
+                <a:cubicBezTo>
+                  <a:pt x="-213" y="9468"/>
+                  <a:pt x="187" y="4459"/>
+                  <a:pt x="0" y="0"/>
+                </a:cubicBezTo>
+                <a:close/>
+              </a:path>
+              <a:path w="10853928" h="18288" stroke="0" extrusionOk="0">
+                <a:moveTo>
+                  <a:pt x="0" y="0"/>
+                </a:moveTo>
+                <a:cubicBezTo>
+                  <a:pt x="267322" y="15284"/>
+                  <a:pt x="415388" y="-21048"/>
+                  <a:pt x="569831" y="0"/>
+                </a:cubicBezTo>
+                <a:cubicBezTo>
+                  <a:pt x="724274" y="21048"/>
+                  <a:pt x="769333" y="-2353"/>
+                  <a:pt x="922584" y="0"/>
+                </a:cubicBezTo>
+                <a:cubicBezTo>
+                  <a:pt x="1075835" y="2353"/>
+                  <a:pt x="1399490" y="-145"/>
+                  <a:pt x="1818033" y="0"/>
+                </a:cubicBezTo>
+                <a:cubicBezTo>
+                  <a:pt x="2236576" y="145"/>
+                  <a:pt x="2145330" y="5482"/>
+                  <a:pt x="2387864" y="0"/>
+                </a:cubicBezTo>
+                <a:cubicBezTo>
+                  <a:pt x="2630398" y="-5482"/>
+                  <a:pt x="2793207" y="18487"/>
+                  <a:pt x="2957695" y="0"/>
+                </a:cubicBezTo>
+                <a:cubicBezTo>
+                  <a:pt x="3122183" y="-18487"/>
+                  <a:pt x="3579141" y="19003"/>
+                  <a:pt x="3853144" y="0"/>
+                </a:cubicBezTo>
+                <a:cubicBezTo>
+                  <a:pt x="4127147" y="-19003"/>
+                  <a:pt x="4209857" y="12211"/>
+                  <a:pt x="4314436" y="0"/>
+                </a:cubicBezTo>
+                <a:cubicBezTo>
+                  <a:pt x="4419015" y="-12211"/>
+                  <a:pt x="4762459" y="-17220"/>
+                  <a:pt x="5209885" y="0"/>
+                </a:cubicBezTo>
+                <a:cubicBezTo>
+                  <a:pt x="5657311" y="17220"/>
+                  <a:pt x="5692663" y="-3290"/>
+                  <a:pt x="6105335" y="0"/>
+                </a:cubicBezTo>
+                <a:cubicBezTo>
+                  <a:pt x="6518007" y="3290"/>
+                  <a:pt x="6455516" y="-5124"/>
+                  <a:pt x="6783705" y="0"/>
+                </a:cubicBezTo>
+                <a:cubicBezTo>
+                  <a:pt x="7111894" y="5124"/>
+                  <a:pt x="7441941" y="-17829"/>
+                  <a:pt x="7679154" y="0"/>
+                </a:cubicBezTo>
+                <a:cubicBezTo>
+                  <a:pt x="7916367" y="17829"/>
+                  <a:pt x="8102967" y="-24363"/>
+                  <a:pt x="8248985" y="0"/>
+                </a:cubicBezTo>
+                <a:cubicBezTo>
+                  <a:pt x="8395003" y="24363"/>
+                  <a:pt x="8552393" y="25505"/>
+                  <a:pt x="8818817" y="0"/>
+                </a:cubicBezTo>
+                <a:cubicBezTo>
+                  <a:pt x="9085241" y="-25505"/>
+                  <a:pt x="9411308" y="38000"/>
+                  <a:pt x="9605726" y="0"/>
+                </a:cubicBezTo>
+                <a:cubicBezTo>
+                  <a:pt x="9800144" y="-38000"/>
+                  <a:pt x="10006468" y="-25741"/>
+                  <a:pt x="10175558" y="0"/>
+                </a:cubicBezTo>
+                <a:cubicBezTo>
+                  <a:pt x="10344648" y="25741"/>
+                  <a:pt x="10696282" y="695"/>
+                  <a:pt x="10853928" y="0"/>
+                </a:cubicBezTo>
+                <a:cubicBezTo>
+                  <a:pt x="10853521" y="8690"/>
+                  <a:pt x="10853774" y="14141"/>
+                  <a:pt x="10853928" y="18288"/>
+                </a:cubicBezTo>
+                <a:cubicBezTo>
+                  <a:pt x="10608124" y="24255"/>
+                  <a:pt x="10343415" y="22307"/>
+                  <a:pt x="10067018" y="18288"/>
+                </a:cubicBezTo>
+                <a:cubicBezTo>
+                  <a:pt x="9790621" y="14270"/>
+                  <a:pt x="9843266" y="3564"/>
+                  <a:pt x="9714266" y="18288"/>
+                </a:cubicBezTo>
+                <a:cubicBezTo>
+                  <a:pt x="9585266" y="33012"/>
+                  <a:pt x="9379484" y="1875"/>
+                  <a:pt x="9252974" y="18288"/>
+                </a:cubicBezTo>
+                <a:cubicBezTo>
+                  <a:pt x="9126464" y="34701"/>
+                  <a:pt x="8580678" y="-4904"/>
+                  <a:pt x="8357525" y="18288"/>
+                </a:cubicBezTo>
+                <a:cubicBezTo>
+                  <a:pt x="8134372" y="41480"/>
+                  <a:pt x="7903199" y="26458"/>
+                  <a:pt x="7679154" y="18288"/>
+                </a:cubicBezTo>
+                <a:cubicBezTo>
+                  <a:pt x="7455109" y="10118"/>
+                  <a:pt x="7435944" y="27109"/>
+                  <a:pt x="7217862" y="18288"/>
+                </a:cubicBezTo>
+                <a:cubicBezTo>
+                  <a:pt x="6999780" y="9467"/>
+                  <a:pt x="6680409" y="18985"/>
+                  <a:pt x="6539492" y="18288"/>
+                </a:cubicBezTo>
+                <a:cubicBezTo>
+                  <a:pt x="6398575" y="17592"/>
+                  <a:pt x="6312077" y="33018"/>
+                  <a:pt x="6186739" y="18288"/>
+                </a:cubicBezTo>
+                <a:cubicBezTo>
+                  <a:pt x="6061401" y="3558"/>
+                  <a:pt x="5947033" y="12075"/>
+                  <a:pt x="5833986" y="18288"/>
+                </a:cubicBezTo>
+                <a:cubicBezTo>
+                  <a:pt x="5720939" y="24501"/>
+                  <a:pt x="5482226" y="8586"/>
+                  <a:pt x="5155616" y="18288"/>
+                </a:cubicBezTo>
+                <a:cubicBezTo>
+                  <a:pt x="4829006" y="27991"/>
+                  <a:pt x="4841274" y="29316"/>
+                  <a:pt x="4694324" y="18288"/>
+                </a:cubicBezTo>
+                <a:cubicBezTo>
+                  <a:pt x="4547374" y="7260"/>
+                  <a:pt x="4077675" y="7013"/>
+                  <a:pt x="3907414" y="18288"/>
+                </a:cubicBezTo>
+                <a:cubicBezTo>
+                  <a:pt x="3737153" y="29564"/>
+                  <a:pt x="3538393" y="21630"/>
+                  <a:pt x="3446122" y="18288"/>
+                </a:cubicBezTo>
+                <a:cubicBezTo>
+                  <a:pt x="3353851" y="14946"/>
+                  <a:pt x="2990320" y="-8091"/>
+                  <a:pt x="2659212" y="18288"/>
+                </a:cubicBezTo>
+                <a:cubicBezTo>
+                  <a:pt x="2328104" y="44667"/>
+                  <a:pt x="2427653" y="9607"/>
+                  <a:pt x="2306460" y="18288"/>
+                </a:cubicBezTo>
+                <a:cubicBezTo>
+                  <a:pt x="2185267" y="26969"/>
+                  <a:pt x="1719763" y="3717"/>
+                  <a:pt x="1519550" y="18288"/>
+                </a:cubicBezTo>
+                <a:cubicBezTo>
+                  <a:pt x="1319337" y="32860"/>
+                  <a:pt x="1167371" y="17040"/>
+                  <a:pt x="1058258" y="18288"/>
+                </a:cubicBezTo>
+                <a:cubicBezTo>
+                  <a:pt x="949145" y="19536"/>
+                  <a:pt x="780234" y="31447"/>
+                  <a:pt x="705505" y="18288"/>
+                </a:cubicBezTo>
+                <a:cubicBezTo>
+                  <a:pt x="630776" y="5129"/>
+                  <a:pt x="215796" y="30056"/>
+                  <a:pt x="0" y="18288"/>
+                </a:cubicBezTo>
+                <a:cubicBezTo>
+                  <a:pt x="-53" y="11301"/>
+                  <a:pt x="-649" y="7756"/>
+                  <a:pt x="0" y="0"/>
+                </a:cubicBezTo>
+                <a:close/>
+              </a:path>
+            </a:pathLst>
+          </a:custGeom>
+          <a:solidFill>
+            <a:schemeClr val="accent2"/>
+          </a:solidFill>
+          <a:ln w="41275" cap="rnd">
+            <a:solidFill>
+              <a:schemeClr val="accent2"/>
+            </a:solidFill>
+            <a:round/>
+            <a:extLst>
+              <a:ext uri="{C807C97D-BFC1-408E-A445-0C87EB9F89A2}">
+                <ask:lineSketchStyleProps xmlns:ask="http://schemas.microsoft.com/office/drawing/2018/sketchyshapes" sd="1219033472">
+                  <a:prstGeom prst="rect">
+                    <a:avLst/>
+                  </a:prstGeom>
+                  <ask:type>
+                    <ask:lineSketchFreehand/>
+                  </ask:type>
+                </ask:lineSketchStyleProps>
+              </a:ext>
+            </a:extLst>
+          </a:ln>
+        </p:spPr>
+        <p:style>
+          <a:lnRef idx="2">
+            <a:schemeClr val="accent1">
+              <a:shade val="50000"/>
+            </a:schemeClr>
+          </a:lnRef>
+          <a:fillRef idx="1">
+            <a:schemeClr val="accent1"/>
+          </a:fillRef>
+          <a:effectRef idx="0">
+            <a:schemeClr val="accent1"/>
+          </a:effectRef>
+          <a:fontRef idx="minor">
+            <a:schemeClr val="lt1"/>
+          </a:fontRef>
+        </p:style>
+        <p:txBody>
+          <a:bodyPr rtlCol="0" anchor="ctr"/>
+          <a:lstStyle/>
+          <a:p>
+            <a:pPr algn="ctr"/>
+            <a:endParaRPr lang="en-US"/>
           </a:p>
         </p:txBody>
       </p:sp>
@@ -25794,7 +29332,7 @@
           <p:cNvPr id="3" name="Content Placeholder 2">
             <a:extLst>
               <a:ext uri="{FF2B5EF4-FFF2-40B4-BE49-F238E27FC236}">
-                <a16:creationId xmlns:a16="http://schemas.microsoft.com/office/drawing/2014/main" id="{88ECE33C-C9AA-DDEF-1D40-65B14C8B6A96}"/>
+                <a16:creationId xmlns:a16="http://schemas.microsoft.com/office/drawing/2014/main" id="{DB2E8532-DA9A-944C-2727-6FC5DD6DEF54}"/>
               </a:ext>
             </a:extLst>
           </p:cNvPr>
@@ -25805,55 +29343,316 @@
             <p:ph idx="1"/>
           </p:nvPr>
         </p:nvSpPr>
-        <p:spPr/>
+        <p:spPr>
+          <a:xfrm>
+            <a:off x="838199" y="1929384"/>
+            <a:ext cx="11254891" cy="4768021"/>
+          </a:xfrm>
+        </p:spPr>
         <p:txBody>
-          <a:bodyPr/>
+          <a:bodyPr>
+            <a:noAutofit/>
+          </a:bodyPr>
           <a:lstStyle/>
           <a:p>
-            <a:pPr algn="l"/>
             <a:r>
-              <a:rPr lang="en-GB" b="0" i="0" dirty="0">
-                <a:solidFill>
-                  <a:srgbClr val="16191F"/>
-                </a:solidFill>
+              <a:rPr lang="en-GB" sz="1100" b="1" i="0" dirty="0">
                 <a:effectLst/>
-                <a:latin typeface="Amazon Ember"/>
+                <a:highlight>
+                  <a:srgbClr val="FFFF00"/>
+                </a:highlight>
+                <a:latin typeface="proxima-nova"/>
               </a:rPr>
-              <a:t>The AWS Glue Data </a:t>
+              <a:t>Databases and Tables</a:t>
+            </a:r>
+          </a:p>
+          <a:p>
+            <a:pPr lvl="1"/>
+            <a:r>
+              <a:rPr lang="en-GB" sz="900" dirty="0">
+                <a:latin typeface="proxima-nova"/>
+              </a:rPr>
+              <a:t>Makes up Data </a:t>
             </a:r>
             <a:r>
-              <a:rPr lang="en-GB" b="0" i="0" dirty="0" err="1">
-                <a:solidFill>
-                  <a:srgbClr val="16191F"/>
-                </a:solidFill>
-                <a:effectLst/>
-                <a:latin typeface="Amazon Ember"/>
+              <a:rPr lang="en-GB" sz="900" dirty="0" err="1">
+                <a:latin typeface="proxima-nova"/>
               </a:rPr>
               <a:t>Catalog</a:t>
             </a:r>
             <a:r>
-              <a:rPr lang="en-GB" b="0" i="0" dirty="0">
-                <a:solidFill>
-                  <a:srgbClr val="16191F"/>
-                </a:solidFill>
+              <a:rPr lang="en-GB" sz="900" dirty="0">
+                <a:latin typeface="proxima-nova"/>
+              </a:rPr>
+              <a:t>. </a:t>
+            </a:r>
+            <a:r>
+              <a:rPr lang="en-GB" sz="900" i="0" dirty="0">
                 <a:effectLst/>
-                <a:latin typeface="Amazon Ember"/>
+                <a:latin typeface="proxima-nova"/>
               </a:rPr>
-              <a:t> is your persistent technical metadata store in the AWS Cloud.</a:t>
+              <a:t> A Table can only exist in one Database. Your Database can contain Tables from any of the AWS Glue-supported sources.</a:t>
             </a:r>
           </a:p>
           <a:p>
-            <a:br>
-              <a:rPr lang="en-GB"/>
-            </a:br>
-            <a:endParaRPr lang="en-CH"/>
+            <a:r>
+              <a:rPr lang="en-GB" sz="1100" b="1" i="0" dirty="0">
+                <a:effectLst/>
+                <a:highlight>
+                  <a:srgbClr val="FFFF00"/>
+                </a:highlight>
+                <a:latin typeface="proxima-nova"/>
+              </a:rPr>
+              <a:t>Crawlers and Classifiers</a:t>
+            </a:r>
+          </a:p>
+          <a:p>
+            <a:pPr lvl="1"/>
+            <a:r>
+              <a:rPr lang="en-GB" sz="900" i="0" dirty="0">
+                <a:effectLst/>
+                <a:latin typeface="proxima-nova"/>
+              </a:rPr>
+              <a:t>A Crawler assists in the creation and updating of Data </a:t>
+            </a:r>
+            <a:r>
+              <a:rPr lang="en-GB" sz="900" i="0" dirty="0" err="1">
+                <a:effectLst/>
+                <a:latin typeface="proxima-nova"/>
+              </a:rPr>
+              <a:t>Catalog</a:t>
+            </a:r>
+            <a:r>
+              <a:rPr lang="en-GB" sz="900" i="0" dirty="0">
+                <a:effectLst/>
+                <a:latin typeface="proxima-nova"/>
+              </a:rPr>
+              <a:t> Tables. It has the ability to crawl both file-based and table-based data stores.</a:t>
+            </a:r>
+          </a:p>
+          <a:p>
+            <a:pPr lvl="2"/>
+            <a:r>
+              <a:rPr lang="en-GB" sz="900" i="0" dirty="0">
+                <a:effectLst/>
+                <a:latin typeface="proxima-nova"/>
+              </a:rPr>
+              <a:t>Crawlers can crawl the following data stores via their native interfaces:</a:t>
+            </a:r>
+          </a:p>
+          <a:p>
+            <a:pPr lvl="3"/>
+            <a:r>
+              <a:rPr lang="en-GB" sz="900" i="0" dirty="0">
+                <a:effectLst/>
+                <a:latin typeface="proxima-nova"/>
+              </a:rPr>
+              <a:t>Amazon S3</a:t>
+            </a:r>
+          </a:p>
+          <a:p>
+            <a:pPr lvl="3"/>
+            <a:r>
+              <a:rPr lang="en-GB" sz="900" i="0" dirty="0">
+                <a:effectLst/>
+                <a:latin typeface="proxima-nova"/>
+              </a:rPr>
+              <a:t>DynamoDB</a:t>
+            </a:r>
+          </a:p>
+          <a:p>
+            <a:pPr lvl="2"/>
+            <a:r>
+              <a:rPr lang="en-GB" sz="900" i="0" dirty="0">
+                <a:effectLst/>
+                <a:latin typeface="proxima-nova"/>
+              </a:rPr>
+              <a:t>Crawlers can crawl the following data stores via a JDBC connection:</a:t>
+            </a:r>
+          </a:p>
+          <a:p>
+            <a:pPr lvl="3"/>
+            <a:r>
+              <a:rPr lang="en-GB" sz="900" i="0" dirty="0">
+                <a:effectLst/>
+                <a:latin typeface="proxima-nova"/>
+              </a:rPr>
+              <a:t>Redshift, RDS, Aurora</a:t>
+            </a:r>
+          </a:p>
+          <a:p>
+            <a:pPr lvl="1"/>
+            <a:r>
+              <a:rPr lang="en-GB" sz="900" i="0" dirty="0">
+                <a:effectLst/>
+                <a:latin typeface="proxima-nova"/>
+              </a:rPr>
+              <a:t>A Classifier in the AWS Glue crawler recognizes the data format and generates the schema. AWS Glue comes with a set of built-in classifiers, but you can also create your own Custom Classifiers.</a:t>
+            </a:r>
+          </a:p>
+          <a:p>
+            <a:r>
+              <a:rPr lang="en-GB" sz="1100" b="1" i="0" dirty="0">
+                <a:effectLst/>
+                <a:highlight>
+                  <a:srgbClr val="FFFF00"/>
+                </a:highlight>
+                <a:latin typeface="proxima-nova"/>
+              </a:rPr>
+              <a:t>Connections</a:t>
+            </a:r>
+          </a:p>
+          <a:p>
+            <a:pPr lvl="1"/>
+            <a:r>
+              <a:rPr lang="en-GB" sz="900" i="0" dirty="0">
+                <a:effectLst/>
+                <a:latin typeface="proxima-nova"/>
+              </a:rPr>
+              <a:t>Connections allow you to centralize connection information such as login credentials and virtual private cloud (VPC) IDs. </a:t>
+            </a:r>
+          </a:p>
+          <a:p>
+            <a:pPr lvl="1"/>
+            <a:r>
+              <a:rPr lang="en-GB" sz="900" i="0" dirty="0">
+                <a:effectLst/>
+                <a:latin typeface="proxima-nova"/>
+              </a:rPr>
+              <a:t>This saves time because you don’t have to input connection information each time you create a crawler or job. </a:t>
+            </a:r>
+          </a:p>
+          <a:p>
+            <a:pPr lvl="1"/>
+            <a:r>
+              <a:rPr lang="en-GB" sz="900" i="0" dirty="0">
+                <a:effectLst/>
+                <a:latin typeface="proxima-nova"/>
+              </a:rPr>
+              <a:t>The following Connection types are available: </a:t>
+            </a:r>
+          </a:p>
+          <a:p>
+            <a:pPr lvl="2"/>
+            <a:r>
+              <a:rPr lang="en-GB" sz="900" i="0" dirty="0">
+                <a:effectLst/>
+                <a:latin typeface="proxima-nova"/>
+              </a:rPr>
+              <a:t>JDBC Amazon RDS Redshift Amazon </a:t>
+            </a:r>
+            <a:r>
+              <a:rPr lang="en-GB" sz="900" i="0" dirty="0" err="1">
+                <a:effectLst/>
+                <a:latin typeface="proxima-nova"/>
+              </a:rPr>
+              <a:t>DocumentDB</a:t>
+            </a:r>
+            <a:r>
+              <a:rPr lang="en-GB" sz="900" i="0" dirty="0">
+                <a:effectLst/>
+                <a:latin typeface="proxima-nova"/>
+              </a:rPr>
+              <a:t>, Network (designates a connection to a data source within a VPC environment on AWS)</a:t>
+            </a:r>
+          </a:p>
+          <a:p>
+            <a:r>
+              <a:rPr lang="en-GB" sz="1100" b="1" i="0" dirty="0">
+                <a:effectLst/>
+                <a:highlight>
+                  <a:srgbClr val="FFFF00"/>
+                </a:highlight>
+                <a:latin typeface="proxima-nova"/>
+              </a:rPr>
+              <a:t>AWS Glue Schema Registry</a:t>
+            </a:r>
+          </a:p>
+          <a:p>
+            <a:pPr lvl="1"/>
+            <a:r>
+              <a:rPr lang="en-GB" sz="900" dirty="0"/>
+              <a:t>The AWS Glue Schema Registry allows disparate systems to share a serialization and deserialization schema. Assume you have a data producer and a data consumer, for example. Whenever the serialized data is published, the producer is aware of the schema. The consumer makes use of the Schema Registry </a:t>
+            </a:r>
+            <a:r>
+              <a:rPr lang="en-GB" sz="900" dirty="0" err="1"/>
+              <a:t>deserializer</a:t>
+            </a:r>
+            <a:r>
+              <a:rPr lang="en-GB" sz="900" dirty="0"/>
+              <a:t> library, which extracts the schema version ID from the record payload. The schema is then used by the consumer to deserialize the data.</a:t>
+            </a:r>
+          </a:p>
+          <a:p>
+            <a:pPr lvl="1"/>
+            <a:r>
+              <a:rPr lang="en-GB" sz="900" i="0" dirty="0">
+                <a:effectLst/>
+                <a:latin typeface="proxima-nova"/>
+              </a:rPr>
+              <a:t>you can manage and enforce schemas on your data streaming applications using convenient integrations with the following data input sources:</a:t>
+            </a:r>
+          </a:p>
+          <a:p>
+            <a:pPr lvl="2"/>
+            <a:r>
+              <a:rPr lang="en-GB" sz="900" i="0" dirty="0">
+                <a:effectLst/>
+                <a:latin typeface="proxima-nova"/>
+              </a:rPr>
+              <a:t>Apache Kafka, Amazon Managed Streaming for Apache Kafka, Amazon Kinesis Data Streams, Amazon Kinesis Data Analytics for Apache </a:t>
+            </a:r>
+            <a:r>
+              <a:rPr lang="en-GB" sz="900" i="0" dirty="0" err="1">
+                <a:effectLst/>
+                <a:latin typeface="proxima-nova"/>
+              </a:rPr>
+              <a:t>Flink</a:t>
+            </a:r>
+            <a:r>
+              <a:rPr lang="en-GB" sz="900" i="0" dirty="0">
+                <a:effectLst/>
+                <a:latin typeface="proxima-nova"/>
+              </a:rPr>
+              <a:t>, AWS Lambda</a:t>
+            </a:r>
+          </a:p>
+          <a:p>
+            <a:pPr lvl="1"/>
+            <a:r>
+              <a:rPr lang="en-GB" sz="900" i="0" dirty="0">
+                <a:effectLst/>
+                <a:latin typeface="proxima-nova"/>
+              </a:rPr>
+              <a:t>Schema Registry consists of the following components:</a:t>
+            </a:r>
+          </a:p>
+          <a:p>
+            <a:pPr lvl="2"/>
+            <a:r>
+              <a:rPr lang="en-GB" sz="900" i="0" dirty="0">
+                <a:effectLst/>
+                <a:latin typeface="proxima-nova"/>
+              </a:rPr>
+              <a:t>Schemas: A Schema is a representation of the structure and format of a data record.</a:t>
+            </a:r>
+          </a:p>
+          <a:p>
+            <a:pPr lvl="2"/>
+            <a:r>
+              <a:rPr lang="en-GB" sz="900" i="0" dirty="0">
+                <a:effectLst/>
+                <a:latin typeface="proxima-nova"/>
+              </a:rPr>
+              <a:t>Registry: A Registry is a logical container for schemas. You can use registries to organize your schemas and manage access control for your applications.</a:t>
+            </a:r>
           </a:p>
         </p:txBody>
       </p:sp>
     </p:spTree>
     <p:extLst>
       <p:ext uri="{BB962C8B-B14F-4D97-AF65-F5344CB8AC3E}">
-        <p14:creationId xmlns:p14="http://schemas.microsoft.com/office/powerpoint/2010/main" val="1563860321"/>
+        <p14:creationId xmlns:p14="http://schemas.microsoft.com/office/powerpoint/2010/main" val="3151521128"/>
       </p:ext>
     </p:extLst>
   </p:cSld>
@@ -25863,9 +29662,17 @@
 </p:sld>
 </file>
 
-<file path=ppt/slides/slide8.xml><?xml version="1.0" encoding="utf-8"?>
+<file path=ppt/slides/slide7.xml><?xml version="1.0" encoding="utf-8"?>
 <p:sld xmlns:a="http://schemas.openxmlformats.org/drawingml/2006/main" xmlns:r="http://schemas.openxmlformats.org/officeDocument/2006/relationships" xmlns:p="http://schemas.openxmlformats.org/presentationml/2006/main">
   <p:cSld>
+    <p:bg>
+      <p:bgPr>
+        <a:solidFill>
+          <a:schemeClr val="bg1"/>
+        </a:solidFill>
+        <a:effectLst/>
+      </p:bgPr>
+    </p:bg>
     <p:spTree>
       <p:nvGrpSpPr>
         <p:cNvPr id="1" name=""/>
@@ -25880,6 +29687,66 @@
           <a:chExt cx="0" cy="0"/>
         </a:xfrm>
       </p:grpSpPr>
+      <p:sp useBgFill="1">
+        <p:nvSpPr>
+          <p:cNvPr id="8" name="Rectangle 7">
+            <a:extLst>
+              <a:ext uri="{FF2B5EF4-FFF2-40B4-BE49-F238E27FC236}">
+                <a16:creationId xmlns:a16="http://schemas.microsoft.com/office/drawing/2014/main" id="{100EDD19-6802-4EC3-95CE-CFFAB042CFD6}"/>
+              </a:ext>
+              <a:ext uri="{C183D7F6-B498-43B3-948B-1728B52AA6E4}">
+                <adec:decorative xmlns:adec="http://schemas.microsoft.com/office/drawing/2017/decorative" val="1"/>
+              </a:ext>
+            </a:extLst>
+          </p:cNvPr>
+          <p:cNvSpPr>
+            <a:spLocks noGrp="1" noRot="1" noChangeAspect="1" noMove="1" noResize="1" noEditPoints="1" noAdjustHandles="1" noChangeArrowheads="1" noChangeShapeType="1" noTextEdit="1"/>
+          </p:cNvSpPr>
+          <p:nvPr>
+            <p:extLst>
+              <p:ext uri="{386F3935-93C4-4BCD-93E2-E3B085C9AB24}">
+                <p16:designElem xmlns:p16="http://schemas.microsoft.com/office/powerpoint/2015/main" val="1"/>
+              </p:ext>
+            </p:extLst>
+          </p:nvPr>
+        </p:nvSpPr>
+        <p:spPr>
+          <a:xfrm>
+            <a:off x="0" y="0"/>
+            <a:ext cx="12188952" cy="6858000"/>
+          </a:xfrm>
+          <a:prstGeom prst="rect">
+            <a:avLst/>
+          </a:prstGeom>
+          <a:ln>
+            <a:noFill/>
+          </a:ln>
+        </p:spPr>
+        <p:style>
+          <a:lnRef idx="2">
+            <a:schemeClr val="accent1">
+              <a:shade val="50000"/>
+            </a:schemeClr>
+          </a:lnRef>
+          <a:fillRef idx="1">
+            <a:schemeClr val="accent1"/>
+          </a:fillRef>
+          <a:effectRef idx="0">
+            <a:schemeClr val="accent1"/>
+          </a:effectRef>
+          <a:fontRef idx="minor">
+            <a:schemeClr val="lt1"/>
+          </a:fontRef>
+        </p:style>
+        <p:txBody>
+          <a:bodyPr rtlCol="0" anchor="ctr"/>
+          <a:lstStyle/>
+          <a:p>
+            <a:pPr algn="ctr"/>
+            <a:endParaRPr lang="en-US"/>
+          </a:p>
+        </p:txBody>
+      </p:sp>
       <p:sp>
         <p:nvSpPr>
           <p:cNvPr id="2" name="Title 1">
@@ -25896,15 +29763,660 @@
             <p:ph type="title"/>
           </p:nvPr>
         </p:nvSpPr>
-        <p:spPr/>
+        <p:spPr>
+          <a:xfrm>
+            <a:off x="838200" y="365125"/>
+            <a:ext cx="10515600" cy="1325563"/>
+          </a:xfrm>
+        </p:spPr>
         <p:txBody>
-          <a:bodyPr/>
+          <a:bodyPr>
+            <a:normAutofit/>
+          </a:bodyPr>
           <a:lstStyle/>
           <a:p>
             <a:r>
-              <a:rPr lang="en-CH" dirty="0"/>
+              <a:rPr lang="en-CH" sz="5400"/>
               <a:t>AWS Glue Job Bookmarks</a:t>
             </a:r>
+          </a:p>
+        </p:txBody>
+      </p:sp>
+      <p:sp>
+        <p:nvSpPr>
+          <p:cNvPr id="10" name="sketch line">
+            <a:extLst>
+              <a:ext uri="{FF2B5EF4-FFF2-40B4-BE49-F238E27FC236}">
+                <a16:creationId xmlns:a16="http://schemas.microsoft.com/office/drawing/2014/main" id="{DB17E863-922E-4C26-BD64-E8FD41D28661}"/>
+              </a:ext>
+              <a:ext uri="{C183D7F6-B498-43B3-948B-1728B52AA6E4}">
+                <adec:decorative xmlns:adec="http://schemas.microsoft.com/office/drawing/2017/decorative" val="1"/>
+              </a:ext>
+            </a:extLst>
+          </p:cNvPr>
+          <p:cNvSpPr>
+            <a:spLocks noGrp="1" noRot="1" noChangeAspect="1" noMove="1" noResize="1" noEditPoints="1" noAdjustHandles="1" noChangeArrowheads="1" noChangeShapeType="1" noTextEdit="1"/>
+          </p:cNvSpPr>
+          <p:nvPr>
+            <p:extLst>
+              <p:ext uri="{386F3935-93C4-4BCD-93E2-E3B085C9AB24}">
+                <p16:designElem xmlns:p16="http://schemas.microsoft.com/office/powerpoint/2015/main" val="1"/>
+              </p:ext>
+            </p:extLst>
+          </p:nvPr>
+        </p:nvSpPr>
+        <p:spPr>
+          <a:xfrm>
+            <a:off x="669036" y="1677373"/>
+            <a:ext cx="10853928" cy="18288"/>
+          </a:xfrm>
+          <a:custGeom>
+            <a:avLst/>
+            <a:gdLst>
+              <a:gd name="connsiteX0" fmla="*/ 0 w 10853928"/>
+              <a:gd name="connsiteY0" fmla="*/ 0 h 18288"/>
+              <a:gd name="connsiteX1" fmla="*/ 461292 w 10853928"/>
+              <a:gd name="connsiteY1" fmla="*/ 0 h 18288"/>
+              <a:gd name="connsiteX2" fmla="*/ 1139662 w 10853928"/>
+              <a:gd name="connsiteY2" fmla="*/ 0 h 18288"/>
+              <a:gd name="connsiteX3" fmla="*/ 1926572 w 10853928"/>
+              <a:gd name="connsiteY3" fmla="*/ 0 h 18288"/>
+              <a:gd name="connsiteX4" fmla="*/ 2279325 w 10853928"/>
+              <a:gd name="connsiteY4" fmla="*/ 0 h 18288"/>
+              <a:gd name="connsiteX5" fmla="*/ 2632078 w 10853928"/>
+              <a:gd name="connsiteY5" fmla="*/ 0 h 18288"/>
+              <a:gd name="connsiteX6" fmla="*/ 3527527 w 10853928"/>
+              <a:gd name="connsiteY6" fmla="*/ 0 h 18288"/>
+              <a:gd name="connsiteX7" fmla="*/ 4205897 w 10853928"/>
+              <a:gd name="connsiteY7" fmla="*/ 0 h 18288"/>
+              <a:gd name="connsiteX8" fmla="*/ 4558650 w 10853928"/>
+              <a:gd name="connsiteY8" fmla="*/ 0 h 18288"/>
+              <a:gd name="connsiteX9" fmla="*/ 5237020 w 10853928"/>
+              <a:gd name="connsiteY9" fmla="*/ 0 h 18288"/>
+              <a:gd name="connsiteX10" fmla="*/ 6132469 w 10853928"/>
+              <a:gd name="connsiteY10" fmla="*/ 0 h 18288"/>
+              <a:gd name="connsiteX11" fmla="*/ 6702301 w 10853928"/>
+              <a:gd name="connsiteY11" fmla="*/ 0 h 18288"/>
+              <a:gd name="connsiteX12" fmla="*/ 7272132 w 10853928"/>
+              <a:gd name="connsiteY12" fmla="*/ 0 h 18288"/>
+              <a:gd name="connsiteX13" fmla="*/ 7950502 w 10853928"/>
+              <a:gd name="connsiteY13" fmla="*/ 0 h 18288"/>
+              <a:gd name="connsiteX14" fmla="*/ 8737412 w 10853928"/>
+              <a:gd name="connsiteY14" fmla="*/ 0 h 18288"/>
+              <a:gd name="connsiteX15" fmla="*/ 9524322 w 10853928"/>
+              <a:gd name="connsiteY15" fmla="*/ 0 h 18288"/>
+              <a:gd name="connsiteX16" fmla="*/ 10853928 w 10853928"/>
+              <a:gd name="connsiteY16" fmla="*/ 0 h 18288"/>
+              <a:gd name="connsiteX17" fmla="*/ 10853928 w 10853928"/>
+              <a:gd name="connsiteY17" fmla="*/ 18288 h 18288"/>
+              <a:gd name="connsiteX18" fmla="*/ 10392636 w 10853928"/>
+              <a:gd name="connsiteY18" fmla="*/ 18288 h 18288"/>
+              <a:gd name="connsiteX19" fmla="*/ 9497187 w 10853928"/>
+              <a:gd name="connsiteY19" fmla="*/ 18288 h 18288"/>
+              <a:gd name="connsiteX20" fmla="*/ 8818817 w 10853928"/>
+              <a:gd name="connsiteY20" fmla="*/ 18288 h 18288"/>
+              <a:gd name="connsiteX21" fmla="*/ 8466064 w 10853928"/>
+              <a:gd name="connsiteY21" fmla="*/ 18288 h 18288"/>
+              <a:gd name="connsiteX22" fmla="*/ 7787693 w 10853928"/>
+              <a:gd name="connsiteY22" fmla="*/ 18288 h 18288"/>
+              <a:gd name="connsiteX23" fmla="*/ 7217862 w 10853928"/>
+              <a:gd name="connsiteY23" fmla="*/ 18288 h 18288"/>
+              <a:gd name="connsiteX24" fmla="*/ 6648031 w 10853928"/>
+              <a:gd name="connsiteY24" fmla="*/ 18288 h 18288"/>
+              <a:gd name="connsiteX25" fmla="*/ 6078200 w 10853928"/>
+              <a:gd name="connsiteY25" fmla="*/ 18288 h 18288"/>
+              <a:gd name="connsiteX26" fmla="*/ 5508368 w 10853928"/>
+              <a:gd name="connsiteY26" fmla="*/ 18288 h 18288"/>
+              <a:gd name="connsiteX27" fmla="*/ 4721459 w 10853928"/>
+              <a:gd name="connsiteY27" fmla="*/ 18288 h 18288"/>
+              <a:gd name="connsiteX28" fmla="*/ 4043088 w 10853928"/>
+              <a:gd name="connsiteY28" fmla="*/ 18288 h 18288"/>
+              <a:gd name="connsiteX29" fmla="*/ 3690336 w 10853928"/>
+              <a:gd name="connsiteY29" fmla="*/ 18288 h 18288"/>
+              <a:gd name="connsiteX30" fmla="*/ 3120504 w 10853928"/>
+              <a:gd name="connsiteY30" fmla="*/ 18288 h 18288"/>
+              <a:gd name="connsiteX31" fmla="*/ 2333595 w 10853928"/>
+              <a:gd name="connsiteY31" fmla="*/ 18288 h 18288"/>
+              <a:gd name="connsiteX32" fmla="*/ 1872303 w 10853928"/>
+              <a:gd name="connsiteY32" fmla="*/ 18288 h 18288"/>
+              <a:gd name="connsiteX33" fmla="*/ 976854 w 10853928"/>
+              <a:gd name="connsiteY33" fmla="*/ 18288 h 18288"/>
+              <a:gd name="connsiteX34" fmla="*/ 0 w 10853928"/>
+              <a:gd name="connsiteY34" fmla="*/ 18288 h 18288"/>
+              <a:gd name="connsiteX35" fmla="*/ 0 w 10853928"/>
+              <a:gd name="connsiteY35" fmla="*/ 0 h 18288"/>
+            </a:gdLst>
+            <a:ahLst/>
+            <a:cxnLst>
+              <a:cxn ang="0">
+                <a:pos x="connsiteX0" y="connsiteY0"/>
+              </a:cxn>
+              <a:cxn ang="0">
+                <a:pos x="connsiteX1" y="connsiteY1"/>
+              </a:cxn>
+              <a:cxn ang="0">
+                <a:pos x="connsiteX2" y="connsiteY2"/>
+              </a:cxn>
+              <a:cxn ang="0">
+                <a:pos x="connsiteX3" y="connsiteY3"/>
+              </a:cxn>
+              <a:cxn ang="0">
+                <a:pos x="connsiteX4" y="connsiteY4"/>
+              </a:cxn>
+              <a:cxn ang="0">
+                <a:pos x="connsiteX5" y="connsiteY5"/>
+              </a:cxn>
+              <a:cxn ang="0">
+                <a:pos x="connsiteX6" y="connsiteY6"/>
+              </a:cxn>
+              <a:cxn ang="0">
+                <a:pos x="connsiteX7" y="connsiteY7"/>
+              </a:cxn>
+              <a:cxn ang="0">
+                <a:pos x="connsiteX8" y="connsiteY8"/>
+              </a:cxn>
+              <a:cxn ang="0">
+                <a:pos x="connsiteX9" y="connsiteY9"/>
+              </a:cxn>
+              <a:cxn ang="0">
+                <a:pos x="connsiteX10" y="connsiteY10"/>
+              </a:cxn>
+              <a:cxn ang="0">
+                <a:pos x="connsiteX11" y="connsiteY11"/>
+              </a:cxn>
+              <a:cxn ang="0">
+                <a:pos x="connsiteX12" y="connsiteY12"/>
+              </a:cxn>
+              <a:cxn ang="0">
+                <a:pos x="connsiteX13" y="connsiteY13"/>
+              </a:cxn>
+              <a:cxn ang="0">
+                <a:pos x="connsiteX14" y="connsiteY14"/>
+              </a:cxn>
+              <a:cxn ang="0">
+                <a:pos x="connsiteX15" y="connsiteY15"/>
+              </a:cxn>
+              <a:cxn ang="0">
+                <a:pos x="connsiteX16" y="connsiteY16"/>
+              </a:cxn>
+              <a:cxn ang="0">
+                <a:pos x="connsiteX17" y="connsiteY17"/>
+              </a:cxn>
+              <a:cxn ang="0">
+                <a:pos x="connsiteX18" y="connsiteY18"/>
+              </a:cxn>
+              <a:cxn ang="0">
+                <a:pos x="connsiteX19" y="connsiteY19"/>
+              </a:cxn>
+              <a:cxn ang="0">
+                <a:pos x="connsiteX20" y="connsiteY20"/>
+              </a:cxn>
+              <a:cxn ang="0">
+                <a:pos x="connsiteX21" y="connsiteY21"/>
+              </a:cxn>
+              <a:cxn ang="0">
+                <a:pos x="connsiteX22" y="connsiteY22"/>
+              </a:cxn>
+              <a:cxn ang="0">
+                <a:pos x="connsiteX23" y="connsiteY23"/>
+              </a:cxn>
+              <a:cxn ang="0">
+                <a:pos x="connsiteX24" y="connsiteY24"/>
+              </a:cxn>
+              <a:cxn ang="0">
+                <a:pos x="connsiteX25" y="connsiteY25"/>
+              </a:cxn>
+              <a:cxn ang="0">
+                <a:pos x="connsiteX26" y="connsiteY26"/>
+              </a:cxn>
+              <a:cxn ang="0">
+                <a:pos x="connsiteX27" y="connsiteY27"/>
+              </a:cxn>
+              <a:cxn ang="0">
+                <a:pos x="connsiteX28" y="connsiteY28"/>
+              </a:cxn>
+              <a:cxn ang="0">
+                <a:pos x="connsiteX29" y="connsiteY29"/>
+              </a:cxn>
+              <a:cxn ang="0">
+                <a:pos x="connsiteX30" y="connsiteY30"/>
+              </a:cxn>
+              <a:cxn ang="0">
+                <a:pos x="connsiteX31" y="connsiteY31"/>
+              </a:cxn>
+              <a:cxn ang="0">
+                <a:pos x="connsiteX32" y="connsiteY32"/>
+              </a:cxn>
+              <a:cxn ang="0">
+                <a:pos x="connsiteX33" y="connsiteY33"/>
+              </a:cxn>
+              <a:cxn ang="0">
+                <a:pos x="connsiteX34" y="connsiteY34"/>
+              </a:cxn>
+              <a:cxn ang="0">
+                <a:pos x="connsiteX35" y="connsiteY35"/>
+              </a:cxn>
+            </a:cxnLst>
+            <a:rect l="l" t="t" r="r" b="b"/>
+            <a:pathLst>
+              <a:path w="10853928" h="18288" fill="none" extrusionOk="0">
+                <a:moveTo>
+                  <a:pt x="0" y="0"/>
+                </a:moveTo>
+                <a:cubicBezTo>
+                  <a:pt x="146993" y="-19076"/>
+                  <a:pt x="347684" y="-4790"/>
+                  <a:pt x="461292" y="0"/>
+                </a:cubicBezTo>
+                <a:cubicBezTo>
+                  <a:pt x="574900" y="4790"/>
+                  <a:pt x="808367" y="19821"/>
+                  <a:pt x="1139662" y="0"/>
+                </a:cubicBezTo>
+                <a:cubicBezTo>
+                  <a:pt x="1470957" y="-19821"/>
+                  <a:pt x="1627405" y="5721"/>
+                  <a:pt x="1926572" y="0"/>
+                </a:cubicBezTo>
+                <a:cubicBezTo>
+                  <a:pt x="2225739" y="-5721"/>
+                  <a:pt x="2137730" y="-3235"/>
+                  <a:pt x="2279325" y="0"/>
+                </a:cubicBezTo>
+                <a:cubicBezTo>
+                  <a:pt x="2420920" y="3235"/>
+                  <a:pt x="2456518" y="9685"/>
+                  <a:pt x="2632078" y="0"/>
+                </a:cubicBezTo>
+                <a:cubicBezTo>
+                  <a:pt x="2807638" y="-9685"/>
+                  <a:pt x="3211516" y="-43007"/>
+                  <a:pt x="3527527" y="0"/>
+                </a:cubicBezTo>
+                <a:cubicBezTo>
+                  <a:pt x="3843538" y="43007"/>
+                  <a:pt x="4058833" y="22042"/>
+                  <a:pt x="4205897" y="0"/>
+                </a:cubicBezTo>
+                <a:cubicBezTo>
+                  <a:pt x="4352961" y="-22042"/>
+                  <a:pt x="4474805" y="-11846"/>
+                  <a:pt x="4558650" y="0"/>
+                </a:cubicBezTo>
+                <a:cubicBezTo>
+                  <a:pt x="4642495" y="11846"/>
+                  <a:pt x="5041928" y="-6069"/>
+                  <a:pt x="5237020" y="0"/>
+                </a:cubicBezTo>
+                <a:cubicBezTo>
+                  <a:pt x="5432112" y="6069"/>
+                  <a:pt x="5943266" y="-17479"/>
+                  <a:pt x="6132469" y="0"/>
+                </a:cubicBezTo>
+                <a:cubicBezTo>
+                  <a:pt x="6321672" y="17479"/>
+                  <a:pt x="6483872" y="26234"/>
+                  <a:pt x="6702301" y="0"/>
+                </a:cubicBezTo>
+                <a:cubicBezTo>
+                  <a:pt x="6920730" y="-26234"/>
+                  <a:pt x="6991194" y="-15156"/>
+                  <a:pt x="7272132" y="0"/>
+                </a:cubicBezTo>
+                <a:cubicBezTo>
+                  <a:pt x="7553070" y="15156"/>
+                  <a:pt x="7684444" y="-32961"/>
+                  <a:pt x="7950502" y="0"/>
+                </a:cubicBezTo>
+                <a:cubicBezTo>
+                  <a:pt x="8216560" y="32961"/>
+                  <a:pt x="8493290" y="-10491"/>
+                  <a:pt x="8737412" y="0"/>
+                </a:cubicBezTo>
+                <a:cubicBezTo>
+                  <a:pt x="8981534" y="10491"/>
+                  <a:pt x="9191586" y="-13899"/>
+                  <a:pt x="9524322" y="0"/>
+                </a:cubicBezTo>
+                <a:cubicBezTo>
+                  <a:pt x="9857058" y="13899"/>
+                  <a:pt x="10297509" y="7485"/>
+                  <a:pt x="10853928" y="0"/>
+                </a:cubicBezTo>
+                <a:cubicBezTo>
+                  <a:pt x="10854574" y="4451"/>
+                  <a:pt x="10854418" y="9226"/>
+                  <a:pt x="10853928" y="18288"/>
+                </a:cubicBezTo>
+                <a:cubicBezTo>
+                  <a:pt x="10691638" y="28522"/>
+                  <a:pt x="10574319" y="29578"/>
+                  <a:pt x="10392636" y="18288"/>
+                </a:cubicBezTo>
+                <a:cubicBezTo>
+                  <a:pt x="10210953" y="6998"/>
+                  <a:pt x="9836277" y="-16742"/>
+                  <a:pt x="9497187" y="18288"/>
+                </a:cubicBezTo>
+                <a:cubicBezTo>
+                  <a:pt x="9158097" y="53318"/>
+                  <a:pt x="9119479" y="30714"/>
+                  <a:pt x="8818817" y="18288"/>
+                </a:cubicBezTo>
+                <a:cubicBezTo>
+                  <a:pt x="8518155" y="5863"/>
+                  <a:pt x="8640037" y="6483"/>
+                  <a:pt x="8466064" y="18288"/>
+                </a:cubicBezTo>
+                <a:cubicBezTo>
+                  <a:pt x="8292091" y="30093"/>
+                  <a:pt x="7997656" y="18914"/>
+                  <a:pt x="7787693" y="18288"/>
+                </a:cubicBezTo>
+                <a:cubicBezTo>
+                  <a:pt x="7577730" y="17662"/>
+                  <a:pt x="7412468" y="21416"/>
+                  <a:pt x="7217862" y="18288"/>
+                </a:cubicBezTo>
+                <a:cubicBezTo>
+                  <a:pt x="7023256" y="15160"/>
+                  <a:pt x="6898018" y="14824"/>
+                  <a:pt x="6648031" y="18288"/>
+                </a:cubicBezTo>
+                <a:cubicBezTo>
+                  <a:pt x="6398044" y="21752"/>
+                  <a:pt x="6254402" y="38625"/>
+                  <a:pt x="6078200" y="18288"/>
+                </a:cubicBezTo>
+                <a:cubicBezTo>
+                  <a:pt x="5901998" y="-2049"/>
+                  <a:pt x="5622886" y="3213"/>
+                  <a:pt x="5508368" y="18288"/>
+                </a:cubicBezTo>
+                <a:cubicBezTo>
+                  <a:pt x="5393850" y="33363"/>
+                  <a:pt x="5036260" y="26830"/>
+                  <a:pt x="4721459" y="18288"/>
+                </a:cubicBezTo>
+                <a:cubicBezTo>
+                  <a:pt x="4406658" y="9746"/>
+                  <a:pt x="4239221" y="41551"/>
+                  <a:pt x="4043088" y="18288"/>
+                </a:cubicBezTo>
+                <a:cubicBezTo>
+                  <a:pt x="3846955" y="-4975"/>
+                  <a:pt x="3818802" y="34658"/>
+                  <a:pt x="3690336" y="18288"/>
+                </a:cubicBezTo>
+                <a:cubicBezTo>
+                  <a:pt x="3561870" y="1918"/>
+                  <a:pt x="3265491" y="42194"/>
+                  <a:pt x="3120504" y="18288"/>
+                </a:cubicBezTo>
+                <a:cubicBezTo>
+                  <a:pt x="2975517" y="-5618"/>
+                  <a:pt x="2720254" y="36673"/>
+                  <a:pt x="2333595" y="18288"/>
+                </a:cubicBezTo>
+                <a:cubicBezTo>
+                  <a:pt x="1946936" y="-97"/>
+                  <a:pt x="2097241" y="5776"/>
+                  <a:pt x="1872303" y="18288"/>
+                </a:cubicBezTo>
+                <a:cubicBezTo>
+                  <a:pt x="1647365" y="30800"/>
+                  <a:pt x="1282708" y="45380"/>
+                  <a:pt x="976854" y="18288"/>
+                </a:cubicBezTo>
+                <a:cubicBezTo>
+                  <a:pt x="671000" y="-8804"/>
+                  <a:pt x="408401" y="-12775"/>
+                  <a:pt x="0" y="18288"/>
+                </a:cubicBezTo>
+                <a:cubicBezTo>
+                  <a:pt x="-213" y="9468"/>
+                  <a:pt x="187" y="4459"/>
+                  <a:pt x="0" y="0"/>
+                </a:cubicBezTo>
+                <a:close/>
+              </a:path>
+              <a:path w="10853928" h="18288" stroke="0" extrusionOk="0">
+                <a:moveTo>
+                  <a:pt x="0" y="0"/>
+                </a:moveTo>
+                <a:cubicBezTo>
+                  <a:pt x="267322" y="15284"/>
+                  <a:pt x="415388" y="-21048"/>
+                  <a:pt x="569831" y="0"/>
+                </a:cubicBezTo>
+                <a:cubicBezTo>
+                  <a:pt x="724274" y="21048"/>
+                  <a:pt x="769333" y="-2353"/>
+                  <a:pt x="922584" y="0"/>
+                </a:cubicBezTo>
+                <a:cubicBezTo>
+                  <a:pt x="1075835" y="2353"/>
+                  <a:pt x="1399490" y="-145"/>
+                  <a:pt x="1818033" y="0"/>
+                </a:cubicBezTo>
+                <a:cubicBezTo>
+                  <a:pt x="2236576" y="145"/>
+                  <a:pt x="2145330" y="5482"/>
+                  <a:pt x="2387864" y="0"/>
+                </a:cubicBezTo>
+                <a:cubicBezTo>
+                  <a:pt x="2630398" y="-5482"/>
+                  <a:pt x="2793207" y="18487"/>
+                  <a:pt x="2957695" y="0"/>
+                </a:cubicBezTo>
+                <a:cubicBezTo>
+                  <a:pt x="3122183" y="-18487"/>
+                  <a:pt x="3579141" y="19003"/>
+                  <a:pt x="3853144" y="0"/>
+                </a:cubicBezTo>
+                <a:cubicBezTo>
+                  <a:pt x="4127147" y="-19003"/>
+                  <a:pt x="4209857" y="12211"/>
+                  <a:pt x="4314436" y="0"/>
+                </a:cubicBezTo>
+                <a:cubicBezTo>
+                  <a:pt x="4419015" y="-12211"/>
+                  <a:pt x="4762459" y="-17220"/>
+                  <a:pt x="5209885" y="0"/>
+                </a:cubicBezTo>
+                <a:cubicBezTo>
+                  <a:pt x="5657311" y="17220"/>
+                  <a:pt x="5692663" y="-3290"/>
+                  <a:pt x="6105335" y="0"/>
+                </a:cubicBezTo>
+                <a:cubicBezTo>
+                  <a:pt x="6518007" y="3290"/>
+                  <a:pt x="6455516" y="-5124"/>
+                  <a:pt x="6783705" y="0"/>
+                </a:cubicBezTo>
+                <a:cubicBezTo>
+                  <a:pt x="7111894" y="5124"/>
+                  <a:pt x="7441941" y="-17829"/>
+                  <a:pt x="7679154" y="0"/>
+                </a:cubicBezTo>
+                <a:cubicBezTo>
+                  <a:pt x="7916367" y="17829"/>
+                  <a:pt x="8102967" y="-24363"/>
+                  <a:pt x="8248985" y="0"/>
+                </a:cubicBezTo>
+                <a:cubicBezTo>
+                  <a:pt x="8395003" y="24363"/>
+                  <a:pt x="8552393" y="25505"/>
+                  <a:pt x="8818817" y="0"/>
+                </a:cubicBezTo>
+                <a:cubicBezTo>
+                  <a:pt x="9085241" y="-25505"/>
+                  <a:pt x="9411308" y="38000"/>
+                  <a:pt x="9605726" y="0"/>
+                </a:cubicBezTo>
+                <a:cubicBezTo>
+                  <a:pt x="9800144" y="-38000"/>
+                  <a:pt x="10006468" y="-25741"/>
+                  <a:pt x="10175558" y="0"/>
+                </a:cubicBezTo>
+                <a:cubicBezTo>
+                  <a:pt x="10344648" y="25741"/>
+                  <a:pt x="10696282" y="695"/>
+                  <a:pt x="10853928" y="0"/>
+                </a:cubicBezTo>
+                <a:cubicBezTo>
+                  <a:pt x="10853521" y="8690"/>
+                  <a:pt x="10853774" y="14141"/>
+                  <a:pt x="10853928" y="18288"/>
+                </a:cubicBezTo>
+                <a:cubicBezTo>
+                  <a:pt x="10608124" y="24255"/>
+                  <a:pt x="10343415" y="22307"/>
+                  <a:pt x="10067018" y="18288"/>
+                </a:cubicBezTo>
+                <a:cubicBezTo>
+                  <a:pt x="9790621" y="14270"/>
+                  <a:pt x="9843266" y="3564"/>
+                  <a:pt x="9714266" y="18288"/>
+                </a:cubicBezTo>
+                <a:cubicBezTo>
+                  <a:pt x="9585266" y="33012"/>
+                  <a:pt x="9379484" y="1875"/>
+                  <a:pt x="9252974" y="18288"/>
+                </a:cubicBezTo>
+                <a:cubicBezTo>
+                  <a:pt x="9126464" y="34701"/>
+                  <a:pt x="8580678" y="-4904"/>
+                  <a:pt x="8357525" y="18288"/>
+                </a:cubicBezTo>
+                <a:cubicBezTo>
+                  <a:pt x="8134372" y="41480"/>
+                  <a:pt x="7903199" y="26458"/>
+                  <a:pt x="7679154" y="18288"/>
+                </a:cubicBezTo>
+                <a:cubicBezTo>
+                  <a:pt x="7455109" y="10118"/>
+                  <a:pt x="7435944" y="27109"/>
+                  <a:pt x="7217862" y="18288"/>
+                </a:cubicBezTo>
+                <a:cubicBezTo>
+                  <a:pt x="6999780" y="9467"/>
+                  <a:pt x="6680409" y="18985"/>
+                  <a:pt x="6539492" y="18288"/>
+                </a:cubicBezTo>
+                <a:cubicBezTo>
+                  <a:pt x="6398575" y="17592"/>
+                  <a:pt x="6312077" y="33018"/>
+                  <a:pt x="6186739" y="18288"/>
+                </a:cubicBezTo>
+                <a:cubicBezTo>
+                  <a:pt x="6061401" y="3558"/>
+                  <a:pt x="5947033" y="12075"/>
+                  <a:pt x="5833986" y="18288"/>
+                </a:cubicBezTo>
+                <a:cubicBezTo>
+                  <a:pt x="5720939" y="24501"/>
+                  <a:pt x="5482226" y="8586"/>
+                  <a:pt x="5155616" y="18288"/>
+                </a:cubicBezTo>
+                <a:cubicBezTo>
+                  <a:pt x="4829006" y="27991"/>
+                  <a:pt x="4841274" y="29316"/>
+                  <a:pt x="4694324" y="18288"/>
+                </a:cubicBezTo>
+                <a:cubicBezTo>
+                  <a:pt x="4547374" y="7260"/>
+                  <a:pt x="4077675" y="7013"/>
+                  <a:pt x="3907414" y="18288"/>
+                </a:cubicBezTo>
+                <a:cubicBezTo>
+                  <a:pt x="3737153" y="29564"/>
+                  <a:pt x="3538393" y="21630"/>
+                  <a:pt x="3446122" y="18288"/>
+                </a:cubicBezTo>
+                <a:cubicBezTo>
+                  <a:pt x="3353851" y="14946"/>
+                  <a:pt x="2990320" y="-8091"/>
+                  <a:pt x="2659212" y="18288"/>
+                </a:cubicBezTo>
+                <a:cubicBezTo>
+                  <a:pt x="2328104" y="44667"/>
+                  <a:pt x="2427653" y="9607"/>
+                  <a:pt x="2306460" y="18288"/>
+                </a:cubicBezTo>
+                <a:cubicBezTo>
+                  <a:pt x="2185267" y="26969"/>
+                  <a:pt x="1719763" y="3717"/>
+                  <a:pt x="1519550" y="18288"/>
+                </a:cubicBezTo>
+                <a:cubicBezTo>
+                  <a:pt x="1319337" y="32860"/>
+                  <a:pt x="1167371" y="17040"/>
+                  <a:pt x="1058258" y="18288"/>
+                </a:cubicBezTo>
+                <a:cubicBezTo>
+                  <a:pt x="949145" y="19536"/>
+                  <a:pt x="780234" y="31447"/>
+                  <a:pt x="705505" y="18288"/>
+                </a:cubicBezTo>
+                <a:cubicBezTo>
+                  <a:pt x="630776" y="5129"/>
+                  <a:pt x="215796" y="30056"/>
+                  <a:pt x="0" y="18288"/>
+                </a:cubicBezTo>
+                <a:cubicBezTo>
+                  <a:pt x="-53" y="11301"/>
+                  <a:pt x="-649" y="7756"/>
+                  <a:pt x="0" y="0"/>
+                </a:cubicBezTo>
+                <a:close/>
+              </a:path>
+            </a:pathLst>
+          </a:custGeom>
+          <a:solidFill>
+            <a:schemeClr val="accent2"/>
+          </a:solidFill>
+          <a:ln w="41275" cap="rnd">
+            <a:solidFill>
+              <a:schemeClr val="accent2"/>
+            </a:solidFill>
+            <a:round/>
+            <a:extLst>
+              <a:ext uri="{C807C97D-BFC1-408E-A445-0C87EB9F89A2}">
+                <ask:lineSketchStyleProps xmlns:ask="http://schemas.microsoft.com/office/drawing/2018/sketchyshapes" sd="1219033472">
+                  <a:prstGeom prst="rect">
+                    <a:avLst/>
+                  </a:prstGeom>
+                  <ask:type>
+                    <ask:lineSketchFreehand/>
+                  </ask:type>
+                </ask:lineSketchStyleProps>
+              </a:ext>
+            </a:extLst>
+          </a:ln>
+        </p:spPr>
+        <p:style>
+          <a:lnRef idx="2">
+            <a:schemeClr val="accent1">
+              <a:shade val="50000"/>
+            </a:schemeClr>
+          </a:lnRef>
+          <a:fillRef idx="1">
+            <a:schemeClr val="accent1"/>
+          </a:fillRef>
+          <a:effectRef idx="0">
+            <a:schemeClr val="accent1"/>
+          </a:effectRef>
+          <a:fontRef idx="minor">
+            <a:schemeClr val="lt1"/>
+          </a:fontRef>
+        </p:style>
+        <p:txBody>
+          <a:bodyPr rtlCol="0" anchor="ctr"/>
+          <a:lstStyle/>
+          <a:p>
+            <a:pPr algn="ctr"/>
+            <a:endParaRPr lang="en-US"/>
           </a:p>
         </p:txBody>
       </p:sp>
@@ -25924,12 +30436,584 @@
             <p:ph idx="1"/>
           </p:nvPr>
         </p:nvSpPr>
-        <p:spPr/>
+        <p:spPr>
+          <a:xfrm>
+            <a:off x="838200" y="1929384"/>
+            <a:ext cx="10515600" cy="2793886"/>
+          </a:xfrm>
+        </p:spPr>
         <p:txBody>
-          <a:bodyPr/>
+          <a:bodyPr>
+            <a:normAutofit/>
+          </a:bodyPr>
           <a:lstStyle/>
           <a:p>
-            <a:endParaRPr lang="en-CH"/>
+            <a:r>
+              <a:rPr lang="en-GB" sz="2200" b="0" i="0" dirty="0">
+                <a:effectLst/>
+                <a:latin typeface="Amazon Ember"/>
+              </a:rPr>
+              <a:t>AWS Glue tracks data that has already been processed during a previous run of an ETL job by persisting state information from the job run. </a:t>
+            </a:r>
+          </a:p>
+          <a:p>
+            <a:r>
+              <a:rPr lang="en-GB" sz="2200" b="0" i="0" dirty="0">
+                <a:effectLst/>
+                <a:latin typeface="Amazon Ember"/>
+              </a:rPr>
+              <a:t>This persisted state information is called a </a:t>
+            </a:r>
+            <a:r>
+              <a:rPr lang="en-GB" sz="2200" b="0" i="1" dirty="0">
+                <a:effectLst/>
+                <a:latin typeface="Amazon Ember"/>
+              </a:rPr>
+              <a:t>job bookmark</a:t>
+            </a:r>
+            <a:r>
+              <a:rPr lang="en-GB" sz="2200" b="0" i="0" dirty="0">
+                <a:effectLst/>
+                <a:latin typeface="Amazon Ember"/>
+              </a:rPr>
+              <a:t>. Job bookmarks help AWS Glue maintain state information and prevent the reprocessing of old data. </a:t>
+            </a:r>
+          </a:p>
+          <a:p>
+            <a:r>
+              <a:rPr lang="en-GB" sz="2200" b="0" i="0" dirty="0">
+                <a:effectLst/>
+                <a:latin typeface="Amazon Ember"/>
+              </a:rPr>
+              <a:t>With job bookmarks, you can process new data when rerunning on a scheduled interval. </a:t>
+            </a:r>
+          </a:p>
+          <a:p>
+            <a:r>
+              <a:rPr lang="en-GB" sz="2200" b="0" i="0" dirty="0">
+                <a:effectLst/>
+                <a:latin typeface="Amazon Ember"/>
+              </a:rPr>
+              <a:t>A job bookmark is composed of the states for various elements of jobs, such as sources, transformations, and targets.</a:t>
+            </a:r>
+          </a:p>
+          <a:p>
+            <a:endParaRPr lang="en-CH" sz="2200" dirty="0"/>
+          </a:p>
+        </p:txBody>
+      </p:sp>
+      <p:graphicFrame>
+        <p:nvGraphicFramePr>
+          <p:cNvPr id="4" name="Table 3">
+            <a:extLst>
+              <a:ext uri="{FF2B5EF4-FFF2-40B4-BE49-F238E27FC236}">
+                <a16:creationId xmlns:a16="http://schemas.microsoft.com/office/drawing/2014/main" id="{D2BC6096-F991-7592-9F35-5F6691B177FD}"/>
+              </a:ext>
+            </a:extLst>
+          </p:cNvPr>
+          <p:cNvGraphicFramePr>
+            <a:graphicFrameLocks noGrp="1"/>
+          </p:cNvGraphicFramePr>
+          <p:nvPr>
+            <p:extLst>
+              <p:ext uri="{D42A27DB-BD31-4B8C-83A1-F6EECF244321}">
+                <p14:modId xmlns:p14="http://schemas.microsoft.com/office/powerpoint/2010/main" val="4136200400"/>
+              </p:ext>
+            </p:extLst>
+          </p:nvPr>
+        </p:nvGraphicFramePr>
+        <p:xfrm>
+          <a:off x="838200" y="5082942"/>
+          <a:ext cx="10515600" cy="1066800"/>
+        </p:xfrm>
+        <a:graphic>
+          <a:graphicData uri="http://schemas.openxmlformats.org/drawingml/2006/table">
+            <a:tbl>
+              <a:tblPr/>
+              <a:tblGrid>
+                <a:gridCol w="5257800">
+                  <a:extLst>
+                    <a:ext uri="{9D8B030D-6E8A-4147-A177-3AD203B41FA5}">
+                      <a16:colId xmlns:a16="http://schemas.microsoft.com/office/drawing/2014/main" val="2796194343"/>
+                    </a:ext>
+                  </a:extLst>
+                </a:gridCol>
+                <a:gridCol w="5257800">
+                  <a:extLst>
+                    <a:ext uri="{9D8B030D-6E8A-4147-A177-3AD203B41FA5}">
+                      <a16:colId xmlns:a16="http://schemas.microsoft.com/office/drawing/2014/main" val="2121264753"/>
+                    </a:ext>
+                  </a:extLst>
+                </a:gridCol>
+              </a:tblGrid>
+              <a:tr h="0">
+                <a:tc>
+                  <a:txBody>
+                    <a:bodyPr/>
+                    <a:lstStyle/>
+                    <a:p>
+                      <a:pPr algn="l" fontAlgn="t" latinLnBrk="0"/>
+                      <a:r>
+                        <a:rPr lang="en-GB" b="1">
+                          <a:effectLst/>
+                        </a:rPr>
+                        <a:t>AWS Glue version</a:t>
+                      </a:r>
+                    </a:p>
+                  </a:txBody>
+                  <a:tcPr marL="190500" marR="190500">
+                    <a:lnL w="12700" cap="flat" cmpd="sng" algn="ctr">
+                      <a:solidFill>
+                        <a:srgbClr val="2022DF"/>
+                      </a:solidFill>
+                      <a:prstDash val="solid"/>
+                      <a:round/>
+                      <a:headEnd type="none" w="med" len="med"/>
+                      <a:tailEnd type="none" w="med" len="med"/>
+                    </a:lnL>
+                    <a:lnR w="12700" cap="flat" cmpd="sng" algn="ctr">
+                      <a:solidFill>
+                        <a:srgbClr val="B00CDF"/>
+                      </a:solidFill>
+                      <a:prstDash val="solid"/>
+                      <a:round/>
+                      <a:headEnd type="none" w="med" len="med"/>
+                      <a:tailEnd type="none" w="med" len="med"/>
+                    </a:lnR>
+                    <a:lnT w="12700" cap="flat" cmpd="sng" algn="ctr">
+                      <a:solidFill>
+                        <a:srgbClr val="2022DF"/>
+                      </a:solidFill>
+                      <a:prstDash val="solid"/>
+                      <a:round/>
+                      <a:headEnd type="none" w="med" len="med"/>
+                      <a:tailEnd type="none" w="med" len="med"/>
+                    </a:lnT>
+                    <a:lnB w="9525" cap="flat" cmpd="sng" algn="ctr">
+                      <a:solidFill>
+                        <a:srgbClr val="2022DF"/>
+                      </a:solidFill>
+                      <a:prstDash val="solid"/>
+                      <a:round/>
+                      <a:headEnd type="none" w="med" len="med"/>
+                      <a:tailEnd type="none" w="med" len="med"/>
+                    </a:lnB>
+                  </a:tcPr>
+                </a:tc>
+                <a:tc>
+                  <a:txBody>
+                    <a:bodyPr/>
+                    <a:lstStyle/>
+                    <a:p>
+                      <a:pPr algn="l" fontAlgn="t" latinLnBrk="0"/>
+                      <a:r>
+                        <a:rPr lang="en-GB" b="1">
+                          <a:effectLst/>
+                        </a:rPr>
+                        <a:t>Amazon S3 source formats</a:t>
+                      </a:r>
+                    </a:p>
+                  </a:txBody>
+                  <a:tcPr marL="190500" marR="190500">
+                    <a:lnL w="12700" cap="flat" cmpd="sng" algn="ctr">
+                      <a:solidFill>
+                        <a:srgbClr val="B00CDF"/>
+                      </a:solidFill>
+                      <a:prstDash val="solid"/>
+                      <a:round/>
+                      <a:headEnd type="none" w="med" len="med"/>
+                      <a:tailEnd type="none" w="med" len="med"/>
+                    </a:lnL>
+                    <a:lnR w="9525" cap="flat" cmpd="sng" algn="ctr">
+                      <a:solidFill>
+                        <a:srgbClr val="B00CDF"/>
+                      </a:solidFill>
+                      <a:prstDash val="solid"/>
+                      <a:round/>
+                      <a:headEnd type="none" w="med" len="med"/>
+                      <a:tailEnd type="none" w="med" len="med"/>
+                    </a:lnR>
+                    <a:lnT w="12700" cap="flat" cmpd="sng" algn="ctr">
+                      <a:solidFill>
+                        <a:srgbClr val="B00CDF"/>
+                      </a:solidFill>
+                      <a:prstDash val="solid"/>
+                      <a:round/>
+                      <a:headEnd type="none" w="med" len="med"/>
+                      <a:tailEnd type="none" w="med" len="med"/>
+                    </a:lnT>
+                    <a:lnB w="9525" cap="flat" cmpd="sng" algn="ctr">
+                      <a:solidFill>
+                        <a:srgbClr val="B00CDF"/>
+                      </a:solidFill>
+                      <a:prstDash val="solid"/>
+                      <a:round/>
+                      <a:headEnd type="none" w="med" len="med"/>
+                      <a:tailEnd type="none" w="med" len="med"/>
+                    </a:lnB>
+                  </a:tcPr>
+                </a:tc>
+                <a:extLst>
+                  <a:ext uri="{0D108BD9-81ED-4DB2-BD59-A6C34878D82A}">
+                    <a16:rowId xmlns:a16="http://schemas.microsoft.com/office/drawing/2014/main" val="3904461837"/>
+                  </a:ext>
+                </a:extLst>
+              </a:tr>
+              <a:tr h="0">
+                <a:tc>
+                  <a:txBody>
+                    <a:bodyPr/>
+                    <a:lstStyle/>
+                    <a:p>
+                      <a:pPr fontAlgn="t" latinLnBrk="0"/>
+                      <a:r>
+                        <a:rPr lang="en-GB" b="0" dirty="0">
+                          <a:effectLst/>
+                        </a:rPr>
+                        <a:t>Version 0.9</a:t>
+                      </a:r>
+                    </a:p>
+                  </a:txBody>
+                  <a:tcPr marL="190500" marR="190500" marT="38100" marB="38100">
+                    <a:lnL>
+                      <a:noFill/>
+                    </a:lnL>
+                    <a:lnR w="9525" cap="flat" cmpd="sng" algn="ctr">
+                      <a:solidFill>
+                        <a:schemeClr val="bg1"/>
+                      </a:solidFill>
+                      <a:prstDash val="solid"/>
+                      <a:round/>
+                      <a:headEnd type="none" w="med" len="med"/>
+                      <a:tailEnd type="none" w="med" len="med"/>
+                    </a:lnR>
+                    <a:lnT w="9525" cap="flat" cmpd="sng" algn="ctr">
+                      <a:solidFill>
+                        <a:srgbClr val="2022DF"/>
+                      </a:solidFill>
+                      <a:prstDash val="solid"/>
+                      <a:round/>
+                      <a:headEnd type="none" w="med" len="med"/>
+                      <a:tailEnd type="none" w="med" len="med"/>
+                    </a:lnT>
+                    <a:lnB w="9525" cap="flat" cmpd="sng" algn="ctr">
+                      <a:solidFill>
+                        <a:schemeClr val="bg1"/>
+                      </a:solidFill>
+                      <a:prstDash val="solid"/>
+                      <a:round/>
+                      <a:headEnd type="none" w="med" len="med"/>
+                      <a:tailEnd type="none" w="med" len="med"/>
+                    </a:lnB>
+                  </a:tcPr>
+                </a:tc>
+                <a:tc>
+                  <a:txBody>
+                    <a:bodyPr/>
+                    <a:lstStyle/>
+                    <a:p>
+                      <a:pPr fontAlgn="t" latinLnBrk="0"/>
+                      <a:r>
+                        <a:rPr lang="en-GB" b="0">
+                          <a:effectLst/>
+                        </a:rPr>
+                        <a:t>JSON, CSV, Apache Avro, XML</a:t>
+                      </a:r>
+                    </a:p>
+                  </a:txBody>
+                  <a:tcPr marL="190500" marR="190500" marT="38100" marB="38100">
+                    <a:lnL w="9525" cap="flat" cmpd="sng" algn="ctr">
+                      <a:solidFill>
+                        <a:schemeClr val="bg1"/>
+                      </a:solidFill>
+                      <a:prstDash val="solid"/>
+                      <a:round/>
+                      <a:headEnd type="none" w="med" len="med"/>
+                      <a:tailEnd type="none" w="med" len="med"/>
+                    </a:lnL>
+                    <a:lnR w="9525" cap="flat" cmpd="sng" algn="ctr">
+                      <a:solidFill>
+                        <a:schemeClr val="bg1"/>
+                      </a:solidFill>
+                      <a:prstDash val="solid"/>
+                      <a:round/>
+                      <a:headEnd type="none" w="med" len="med"/>
+                      <a:tailEnd type="none" w="med" len="med"/>
+                    </a:lnR>
+                    <a:lnT w="9525" cap="flat" cmpd="sng" algn="ctr">
+                      <a:solidFill>
+                        <a:srgbClr val="B00CDF"/>
+                      </a:solidFill>
+                      <a:prstDash val="solid"/>
+                      <a:round/>
+                      <a:headEnd type="none" w="med" len="med"/>
+                      <a:tailEnd type="none" w="med" len="med"/>
+                    </a:lnT>
+                    <a:lnB w="9525" cap="flat" cmpd="sng" algn="ctr">
+                      <a:solidFill>
+                        <a:schemeClr val="bg1"/>
+                      </a:solidFill>
+                      <a:prstDash val="solid"/>
+                      <a:round/>
+                      <a:headEnd type="none" w="med" len="med"/>
+                      <a:tailEnd type="none" w="med" len="med"/>
+                    </a:lnB>
+                  </a:tcPr>
+                </a:tc>
+                <a:extLst>
+                  <a:ext uri="{0D108BD9-81ED-4DB2-BD59-A6C34878D82A}">
+                    <a16:rowId xmlns:a16="http://schemas.microsoft.com/office/drawing/2014/main" val="3044996438"/>
+                  </a:ext>
+                </a:extLst>
+              </a:tr>
+              <a:tr h="0">
+                <a:tc>
+                  <a:txBody>
+                    <a:bodyPr/>
+                    <a:lstStyle/>
+                    <a:p>
+                      <a:pPr fontAlgn="t" latinLnBrk="0"/>
+                      <a:r>
+                        <a:rPr lang="en-GB" b="0">
+                          <a:effectLst/>
+                        </a:rPr>
+                        <a:t>Version 1.0 and later</a:t>
+                      </a:r>
+                    </a:p>
+                  </a:txBody>
+                  <a:tcPr marL="190500" marR="190500" marT="38100" marB="38100">
+                    <a:lnL>
+                      <a:noFill/>
+                    </a:lnL>
+                    <a:lnR w="9525" cap="flat" cmpd="sng" algn="ctr">
+                      <a:solidFill>
+                        <a:schemeClr val="bg1"/>
+                      </a:solidFill>
+                      <a:prstDash val="solid"/>
+                      <a:round/>
+                      <a:headEnd type="none" w="med" len="med"/>
+                      <a:tailEnd type="none" w="med" len="med"/>
+                    </a:lnR>
+                    <a:lnT w="9525" cap="flat" cmpd="sng" algn="ctr">
+                      <a:solidFill>
+                        <a:schemeClr val="bg1"/>
+                      </a:solidFill>
+                      <a:prstDash val="solid"/>
+                      <a:round/>
+                      <a:headEnd type="none" w="med" len="med"/>
+                      <a:tailEnd type="none" w="med" len="med"/>
+                    </a:lnT>
+                    <a:lnB w="9525" cap="flat" cmpd="sng" algn="ctr">
+                      <a:solidFill>
+                        <a:schemeClr val="bg1"/>
+                      </a:solidFill>
+                      <a:prstDash val="solid"/>
+                      <a:round/>
+                      <a:headEnd type="none" w="med" len="med"/>
+                      <a:tailEnd type="none" w="med" len="med"/>
+                    </a:lnB>
+                  </a:tcPr>
+                </a:tc>
+                <a:tc>
+                  <a:txBody>
+                    <a:bodyPr/>
+                    <a:lstStyle/>
+                    <a:p>
+                      <a:pPr fontAlgn="t" latinLnBrk="0"/>
+                      <a:r>
+                        <a:rPr lang="en-GB" b="0" dirty="0">
+                          <a:effectLst/>
+                        </a:rPr>
+                        <a:t>JSON, CSV, Apache Avro, XML, Parquet, ORC</a:t>
+                      </a:r>
+                    </a:p>
+                  </a:txBody>
+                  <a:tcPr marL="190500" marR="190500" marT="38100" marB="38100">
+                    <a:lnL w="9525" cap="flat" cmpd="sng" algn="ctr">
+                      <a:solidFill>
+                        <a:schemeClr val="bg1"/>
+                      </a:solidFill>
+                      <a:prstDash val="solid"/>
+                      <a:round/>
+                      <a:headEnd type="none" w="med" len="med"/>
+                      <a:tailEnd type="none" w="med" len="med"/>
+                    </a:lnL>
+                    <a:lnR w="9525" cap="flat" cmpd="sng" algn="ctr">
+                      <a:solidFill>
+                        <a:schemeClr val="bg1"/>
+                      </a:solidFill>
+                      <a:prstDash val="solid"/>
+                      <a:round/>
+                      <a:headEnd type="none" w="med" len="med"/>
+                      <a:tailEnd type="none" w="med" len="med"/>
+                    </a:lnR>
+                    <a:lnT w="9525" cap="flat" cmpd="sng" algn="ctr">
+                      <a:solidFill>
+                        <a:schemeClr val="bg1"/>
+                      </a:solidFill>
+                      <a:prstDash val="solid"/>
+                      <a:round/>
+                      <a:headEnd type="none" w="med" len="med"/>
+                      <a:tailEnd type="none" w="med" len="med"/>
+                    </a:lnT>
+                    <a:lnB w="9525" cap="flat" cmpd="sng" algn="ctr">
+                      <a:solidFill>
+                        <a:schemeClr val="bg1"/>
+                      </a:solidFill>
+                      <a:prstDash val="solid"/>
+                      <a:round/>
+                      <a:headEnd type="none" w="med" len="med"/>
+                      <a:tailEnd type="none" w="med" len="med"/>
+                    </a:lnB>
+                  </a:tcPr>
+                </a:tc>
+                <a:extLst>
+                  <a:ext uri="{0D108BD9-81ED-4DB2-BD59-A6C34878D82A}">
+                    <a16:rowId xmlns:a16="http://schemas.microsoft.com/office/drawing/2014/main" val="1652723223"/>
+                  </a:ext>
+                </a:extLst>
+              </a:tr>
+            </a:tbl>
+          </a:graphicData>
+        </a:graphic>
+      </p:graphicFrame>
+      <p:sp>
+        <p:nvSpPr>
+          <p:cNvPr id="5" name="Rectangle 1">
+            <a:extLst>
+              <a:ext uri="{FF2B5EF4-FFF2-40B4-BE49-F238E27FC236}">
+                <a16:creationId xmlns:a16="http://schemas.microsoft.com/office/drawing/2014/main" id="{40C45D0E-F55F-00AE-C430-0CC23F544DD4}"/>
+              </a:ext>
+            </a:extLst>
+          </p:cNvPr>
+          <p:cNvSpPr>
+            <a:spLocks noChangeArrowheads="1"/>
+          </p:cNvSpPr>
+          <p:nvPr/>
+        </p:nvSpPr>
+        <p:spPr bwMode="auto">
+          <a:xfrm>
+            <a:off x="838200" y="5180627"/>
+            <a:ext cx="12192000" cy="0"/>
+          </a:xfrm>
+          <a:prstGeom prst="rect">
+            <a:avLst/>
+          </a:prstGeom>
+          <a:solidFill>
+            <a:srgbClr val="FFFFFF"/>
+          </a:solidFill>
+          <a:ln>
+            <a:noFill/>
+          </a:ln>
+          <a:effectLst/>
+          <a:extLst>
+            <a:ext uri="{91240B29-F687-4F45-9708-019B960494DF}">
+              <a14:hiddenLine xmlns:a14="http://schemas.microsoft.com/office/drawing/2010/main" w="9525">
+                <a:solidFill>
+                  <a:schemeClr val="tx1"/>
+                </a:solidFill>
+                <a:miter lim="800000"/>
+                <a:headEnd/>
+                <a:tailEnd/>
+              </a14:hiddenLine>
+            </a:ext>
+            <a:ext uri="{AF507438-7753-43E0-B8FC-AC1667EBCBE1}">
+              <a14:hiddenEffects xmlns:a14="http://schemas.microsoft.com/office/drawing/2010/main">
+                <a:effectLst>
+                  <a:outerShdw dist="35921" dir="2700000" algn="ctr" rotWithShape="0">
+                    <a:schemeClr val="bg2"/>
+                  </a:outerShdw>
+                </a:effectLst>
+              </a14:hiddenEffects>
+            </a:ext>
+          </a:extLst>
+        </p:spPr>
+        <p:txBody>
+          <a:bodyPr vert="horz" wrap="none" lIns="91440" tIns="45720" rIns="91440" bIns="45720" numCol="1" anchor="ctr" anchorCtr="0" compatLnSpc="1">
+            <a:prstTxWarp prst="textNoShape">
+              <a:avLst/>
+            </a:prstTxWarp>
+            <a:spAutoFit/>
+          </a:bodyPr>
+          <a:lstStyle/>
+          <a:p>
+            <a:pPr marL="0" marR="0" lvl="0" indent="0" algn="l" defTabSz="914400" rtl="0" eaLnBrk="0" fontAlgn="base" latinLnBrk="0" hangingPunct="0">
+              <a:lnSpc>
+                <a:spcPct val="100000"/>
+              </a:lnSpc>
+              <a:spcBef>
+                <a:spcPct val="0"/>
+              </a:spcBef>
+              <a:spcAft>
+                <a:spcPct val="0"/>
+              </a:spcAft>
+              <a:buClrTx/>
+              <a:buSzTx/>
+              <a:buFontTx/>
+              <a:buNone/>
+              <a:tabLst/>
+            </a:pPr>
+            <a:br>
+              <a:rPr kumimoji="0" lang="en-CH" altLang="en-CH" sz="1200" b="0" i="0" u="none" strike="noStrike" cap="none" normalizeH="0" baseline="0">
+                <a:ln>
+                  <a:noFill/>
+                </a:ln>
+                <a:solidFill>
+                  <a:srgbClr val="16191F"/>
+                </a:solidFill>
+                <a:effectLst/>
+                <a:latin typeface="Amazon Ember"/>
+              </a:rPr>
+            </a:br>
+            <a:endParaRPr kumimoji="0" lang="en-CH" altLang="en-CH" sz="800" b="0" i="0" u="none" strike="noStrike" cap="none" normalizeH="0" baseline="0">
+              <a:ln>
+                <a:noFill/>
+              </a:ln>
+              <a:solidFill>
+                <a:schemeClr val="tx1"/>
+              </a:solidFill>
+              <a:effectLst/>
+            </a:endParaRPr>
+          </a:p>
+          <a:p>
+            <a:pPr marL="0" marR="0" lvl="0" indent="0" algn="l" defTabSz="914400" rtl="0" eaLnBrk="0" fontAlgn="base" latinLnBrk="0" hangingPunct="0">
+              <a:lnSpc>
+                <a:spcPct val="100000"/>
+              </a:lnSpc>
+              <a:spcBef>
+                <a:spcPct val="0"/>
+              </a:spcBef>
+              <a:spcAft>
+                <a:spcPct val="0"/>
+              </a:spcAft>
+              <a:buClrTx/>
+              <a:buSzTx/>
+              <a:buFontTx/>
+              <a:buNone/>
+              <a:tabLst/>
+            </a:pPr>
+            <a:br>
+              <a:rPr kumimoji="0" lang="en-CH" altLang="en-CH" sz="1800" b="0" i="0" u="none" strike="noStrike" cap="none" normalizeH="0" baseline="0">
+                <a:ln>
+                  <a:noFill/>
+                </a:ln>
+                <a:solidFill>
+                  <a:schemeClr val="tx1"/>
+                </a:solidFill>
+                <a:effectLst/>
+                <a:latin typeface="Arial" panose="020B0604020202020204" pitchFamily="34" charset="0"/>
+              </a:rPr>
+            </a:br>
+            <a:endParaRPr kumimoji="0" lang="en-CH" altLang="en-CH" sz="1800" b="0" i="0" u="none" strike="noStrike" cap="none" normalizeH="0" baseline="0">
+              <a:ln>
+                <a:noFill/>
+              </a:ln>
+              <a:solidFill>
+                <a:schemeClr val="tx1"/>
+              </a:solidFill>
+              <a:effectLst/>
+              <a:latin typeface="Arial" panose="020B0604020202020204" pitchFamily="34" charset="0"/>
+            </a:endParaRPr>
           </a:p>
         </p:txBody>
       </p:sp>
@@ -25946,9 +31030,17 @@
 </p:sld>
 </file>
 
-<file path=ppt/slides/slide9.xml><?xml version="1.0" encoding="utf-8"?>
+<file path=ppt/slides/slide8.xml><?xml version="1.0" encoding="utf-8"?>
 <p:sld xmlns:a="http://schemas.openxmlformats.org/drawingml/2006/main" xmlns:r="http://schemas.openxmlformats.org/officeDocument/2006/relationships" xmlns:p="http://schemas.openxmlformats.org/presentationml/2006/main">
   <p:cSld>
+    <p:bg>
+      <p:bgPr>
+        <a:solidFill>
+          <a:schemeClr val="bg1"/>
+        </a:solidFill>
+        <a:effectLst/>
+      </p:bgPr>
+    </p:bg>
     <p:spTree>
       <p:nvGrpSpPr>
         <p:cNvPr id="1" name=""/>
@@ -25963,6 +31055,2580 @@
           <a:chExt cx="0" cy="0"/>
         </a:xfrm>
       </p:grpSpPr>
+      <p:sp useBgFill="1">
+        <p:nvSpPr>
+          <p:cNvPr id="8" name="Rectangle 7">
+            <a:extLst>
+              <a:ext uri="{FF2B5EF4-FFF2-40B4-BE49-F238E27FC236}">
+                <a16:creationId xmlns:a16="http://schemas.microsoft.com/office/drawing/2014/main" id="{100EDD19-6802-4EC3-95CE-CFFAB042CFD6}"/>
+              </a:ext>
+              <a:ext uri="{C183D7F6-B498-43B3-948B-1728B52AA6E4}">
+                <adec:decorative xmlns:adec="http://schemas.microsoft.com/office/drawing/2017/decorative" val="1"/>
+              </a:ext>
+            </a:extLst>
+          </p:cNvPr>
+          <p:cNvSpPr>
+            <a:spLocks noGrp="1" noRot="1" noChangeAspect="1" noMove="1" noResize="1" noEditPoints="1" noAdjustHandles="1" noChangeArrowheads="1" noChangeShapeType="1" noTextEdit="1"/>
+          </p:cNvSpPr>
+          <p:nvPr>
+            <p:extLst>
+              <p:ext uri="{386F3935-93C4-4BCD-93E2-E3B085C9AB24}">
+                <p16:designElem xmlns:p16="http://schemas.microsoft.com/office/powerpoint/2015/main" val="1"/>
+              </p:ext>
+            </p:extLst>
+          </p:nvPr>
+        </p:nvSpPr>
+        <p:spPr>
+          <a:xfrm>
+            <a:off x="0" y="0"/>
+            <a:ext cx="12188952" cy="6858000"/>
+          </a:xfrm>
+          <a:prstGeom prst="rect">
+            <a:avLst/>
+          </a:prstGeom>
+          <a:ln>
+            <a:noFill/>
+          </a:ln>
+        </p:spPr>
+        <p:style>
+          <a:lnRef idx="2">
+            <a:schemeClr val="accent1">
+              <a:shade val="50000"/>
+            </a:schemeClr>
+          </a:lnRef>
+          <a:fillRef idx="1">
+            <a:schemeClr val="accent1"/>
+          </a:fillRef>
+          <a:effectRef idx="0">
+            <a:schemeClr val="accent1"/>
+          </a:effectRef>
+          <a:fontRef idx="minor">
+            <a:schemeClr val="lt1"/>
+          </a:fontRef>
+        </p:style>
+        <p:txBody>
+          <a:bodyPr rtlCol="0" anchor="ctr"/>
+          <a:lstStyle/>
+          <a:p>
+            <a:pPr algn="ctr"/>
+            <a:endParaRPr lang="en-US"/>
+          </a:p>
+        </p:txBody>
+      </p:sp>
+      <p:sp>
+        <p:nvSpPr>
+          <p:cNvPr id="2" name="Title 1">
+            <a:extLst>
+              <a:ext uri="{FF2B5EF4-FFF2-40B4-BE49-F238E27FC236}">
+                <a16:creationId xmlns:a16="http://schemas.microsoft.com/office/drawing/2014/main" id="{491F13D3-2A0F-AA4C-97EE-6E42838315AF}"/>
+              </a:ext>
+            </a:extLst>
+          </p:cNvPr>
+          <p:cNvSpPr>
+            <a:spLocks noGrp="1"/>
+          </p:cNvSpPr>
+          <p:nvPr>
+            <p:ph type="title"/>
+          </p:nvPr>
+        </p:nvSpPr>
+        <p:spPr>
+          <a:xfrm>
+            <a:off x="838200" y="365125"/>
+            <a:ext cx="10515600" cy="1325563"/>
+          </a:xfrm>
+        </p:spPr>
+        <p:txBody>
+          <a:bodyPr>
+            <a:normAutofit fontScale="90000"/>
+          </a:bodyPr>
+          <a:lstStyle/>
+          <a:p>
+            <a:r>
+              <a:rPr lang="en-CH" sz="5400" dirty="0"/>
+              <a:t>AWS Glue Job Bookmarks Architecture</a:t>
+            </a:r>
+          </a:p>
+        </p:txBody>
+      </p:sp>
+      <p:sp>
+        <p:nvSpPr>
+          <p:cNvPr id="10" name="sketch line">
+            <a:extLst>
+              <a:ext uri="{FF2B5EF4-FFF2-40B4-BE49-F238E27FC236}">
+                <a16:creationId xmlns:a16="http://schemas.microsoft.com/office/drawing/2014/main" id="{DB17E863-922E-4C26-BD64-E8FD41D28661}"/>
+              </a:ext>
+              <a:ext uri="{C183D7F6-B498-43B3-948B-1728B52AA6E4}">
+                <adec:decorative xmlns:adec="http://schemas.microsoft.com/office/drawing/2017/decorative" val="1"/>
+              </a:ext>
+            </a:extLst>
+          </p:cNvPr>
+          <p:cNvSpPr>
+            <a:spLocks noGrp="1" noRot="1" noChangeAspect="1" noMove="1" noResize="1" noEditPoints="1" noAdjustHandles="1" noChangeArrowheads="1" noChangeShapeType="1" noTextEdit="1"/>
+          </p:cNvSpPr>
+          <p:nvPr>
+            <p:extLst>
+              <p:ext uri="{386F3935-93C4-4BCD-93E2-E3B085C9AB24}">
+                <p16:designElem xmlns:p16="http://schemas.microsoft.com/office/powerpoint/2015/main" val="1"/>
+              </p:ext>
+            </p:extLst>
+          </p:nvPr>
+        </p:nvSpPr>
+        <p:spPr>
+          <a:xfrm>
+            <a:off x="669036" y="1677373"/>
+            <a:ext cx="10853928" cy="18288"/>
+          </a:xfrm>
+          <a:custGeom>
+            <a:avLst/>
+            <a:gdLst>
+              <a:gd name="connsiteX0" fmla="*/ 0 w 10853928"/>
+              <a:gd name="connsiteY0" fmla="*/ 0 h 18288"/>
+              <a:gd name="connsiteX1" fmla="*/ 461292 w 10853928"/>
+              <a:gd name="connsiteY1" fmla="*/ 0 h 18288"/>
+              <a:gd name="connsiteX2" fmla="*/ 1139662 w 10853928"/>
+              <a:gd name="connsiteY2" fmla="*/ 0 h 18288"/>
+              <a:gd name="connsiteX3" fmla="*/ 1926572 w 10853928"/>
+              <a:gd name="connsiteY3" fmla="*/ 0 h 18288"/>
+              <a:gd name="connsiteX4" fmla="*/ 2279325 w 10853928"/>
+              <a:gd name="connsiteY4" fmla="*/ 0 h 18288"/>
+              <a:gd name="connsiteX5" fmla="*/ 2632078 w 10853928"/>
+              <a:gd name="connsiteY5" fmla="*/ 0 h 18288"/>
+              <a:gd name="connsiteX6" fmla="*/ 3527527 w 10853928"/>
+              <a:gd name="connsiteY6" fmla="*/ 0 h 18288"/>
+              <a:gd name="connsiteX7" fmla="*/ 4205897 w 10853928"/>
+              <a:gd name="connsiteY7" fmla="*/ 0 h 18288"/>
+              <a:gd name="connsiteX8" fmla="*/ 4558650 w 10853928"/>
+              <a:gd name="connsiteY8" fmla="*/ 0 h 18288"/>
+              <a:gd name="connsiteX9" fmla="*/ 5237020 w 10853928"/>
+              <a:gd name="connsiteY9" fmla="*/ 0 h 18288"/>
+              <a:gd name="connsiteX10" fmla="*/ 6132469 w 10853928"/>
+              <a:gd name="connsiteY10" fmla="*/ 0 h 18288"/>
+              <a:gd name="connsiteX11" fmla="*/ 6702301 w 10853928"/>
+              <a:gd name="connsiteY11" fmla="*/ 0 h 18288"/>
+              <a:gd name="connsiteX12" fmla="*/ 7272132 w 10853928"/>
+              <a:gd name="connsiteY12" fmla="*/ 0 h 18288"/>
+              <a:gd name="connsiteX13" fmla="*/ 7950502 w 10853928"/>
+              <a:gd name="connsiteY13" fmla="*/ 0 h 18288"/>
+              <a:gd name="connsiteX14" fmla="*/ 8737412 w 10853928"/>
+              <a:gd name="connsiteY14" fmla="*/ 0 h 18288"/>
+              <a:gd name="connsiteX15" fmla="*/ 9524322 w 10853928"/>
+              <a:gd name="connsiteY15" fmla="*/ 0 h 18288"/>
+              <a:gd name="connsiteX16" fmla="*/ 10853928 w 10853928"/>
+              <a:gd name="connsiteY16" fmla="*/ 0 h 18288"/>
+              <a:gd name="connsiteX17" fmla="*/ 10853928 w 10853928"/>
+              <a:gd name="connsiteY17" fmla="*/ 18288 h 18288"/>
+              <a:gd name="connsiteX18" fmla="*/ 10392636 w 10853928"/>
+              <a:gd name="connsiteY18" fmla="*/ 18288 h 18288"/>
+              <a:gd name="connsiteX19" fmla="*/ 9497187 w 10853928"/>
+              <a:gd name="connsiteY19" fmla="*/ 18288 h 18288"/>
+              <a:gd name="connsiteX20" fmla="*/ 8818817 w 10853928"/>
+              <a:gd name="connsiteY20" fmla="*/ 18288 h 18288"/>
+              <a:gd name="connsiteX21" fmla="*/ 8466064 w 10853928"/>
+              <a:gd name="connsiteY21" fmla="*/ 18288 h 18288"/>
+              <a:gd name="connsiteX22" fmla="*/ 7787693 w 10853928"/>
+              <a:gd name="connsiteY22" fmla="*/ 18288 h 18288"/>
+              <a:gd name="connsiteX23" fmla="*/ 7217862 w 10853928"/>
+              <a:gd name="connsiteY23" fmla="*/ 18288 h 18288"/>
+              <a:gd name="connsiteX24" fmla="*/ 6648031 w 10853928"/>
+              <a:gd name="connsiteY24" fmla="*/ 18288 h 18288"/>
+              <a:gd name="connsiteX25" fmla="*/ 6078200 w 10853928"/>
+              <a:gd name="connsiteY25" fmla="*/ 18288 h 18288"/>
+              <a:gd name="connsiteX26" fmla="*/ 5508368 w 10853928"/>
+              <a:gd name="connsiteY26" fmla="*/ 18288 h 18288"/>
+              <a:gd name="connsiteX27" fmla="*/ 4721459 w 10853928"/>
+              <a:gd name="connsiteY27" fmla="*/ 18288 h 18288"/>
+              <a:gd name="connsiteX28" fmla="*/ 4043088 w 10853928"/>
+              <a:gd name="connsiteY28" fmla="*/ 18288 h 18288"/>
+              <a:gd name="connsiteX29" fmla="*/ 3690336 w 10853928"/>
+              <a:gd name="connsiteY29" fmla="*/ 18288 h 18288"/>
+              <a:gd name="connsiteX30" fmla="*/ 3120504 w 10853928"/>
+              <a:gd name="connsiteY30" fmla="*/ 18288 h 18288"/>
+              <a:gd name="connsiteX31" fmla="*/ 2333595 w 10853928"/>
+              <a:gd name="connsiteY31" fmla="*/ 18288 h 18288"/>
+              <a:gd name="connsiteX32" fmla="*/ 1872303 w 10853928"/>
+              <a:gd name="connsiteY32" fmla="*/ 18288 h 18288"/>
+              <a:gd name="connsiteX33" fmla="*/ 976854 w 10853928"/>
+              <a:gd name="connsiteY33" fmla="*/ 18288 h 18288"/>
+              <a:gd name="connsiteX34" fmla="*/ 0 w 10853928"/>
+              <a:gd name="connsiteY34" fmla="*/ 18288 h 18288"/>
+              <a:gd name="connsiteX35" fmla="*/ 0 w 10853928"/>
+              <a:gd name="connsiteY35" fmla="*/ 0 h 18288"/>
+            </a:gdLst>
+            <a:ahLst/>
+            <a:cxnLst>
+              <a:cxn ang="0">
+                <a:pos x="connsiteX0" y="connsiteY0"/>
+              </a:cxn>
+              <a:cxn ang="0">
+                <a:pos x="connsiteX1" y="connsiteY1"/>
+              </a:cxn>
+              <a:cxn ang="0">
+                <a:pos x="connsiteX2" y="connsiteY2"/>
+              </a:cxn>
+              <a:cxn ang="0">
+                <a:pos x="connsiteX3" y="connsiteY3"/>
+              </a:cxn>
+              <a:cxn ang="0">
+                <a:pos x="connsiteX4" y="connsiteY4"/>
+              </a:cxn>
+              <a:cxn ang="0">
+                <a:pos x="connsiteX5" y="connsiteY5"/>
+              </a:cxn>
+              <a:cxn ang="0">
+                <a:pos x="connsiteX6" y="connsiteY6"/>
+              </a:cxn>
+              <a:cxn ang="0">
+                <a:pos x="connsiteX7" y="connsiteY7"/>
+              </a:cxn>
+              <a:cxn ang="0">
+                <a:pos x="connsiteX8" y="connsiteY8"/>
+              </a:cxn>
+              <a:cxn ang="0">
+                <a:pos x="connsiteX9" y="connsiteY9"/>
+              </a:cxn>
+              <a:cxn ang="0">
+                <a:pos x="connsiteX10" y="connsiteY10"/>
+              </a:cxn>
+              <a:cxn ang="0">
+                <a:pos x="connsiteX11" y="connsiteY11"/>
+              </a:cxn>
+              <a:cxn ang="0">
+                <a:pos x="connsiteX12" y="connsiteY12"/>
+              </a:cxn>
+              <a:cxn ang="0">
+                <a:pos x="connsiteX13" y="connsiteY13"/>
+              </a:cxn>
+              <a:cxn ang="0">
+                <a:pos x="connsiteX14" y="connsiteY14"/>
+              </a:cxn>
+              <a:cxn ang="0">
+                <a:pos x="connsiteX15" y="connsiteY15"/>
+              </a:cxn>
+              <a:cxn ang="0">
+                <a:pos x="connsiteX16" y="connsiteY16"/>
+              </a:cxn>
+              <a:cxn ang="0">
+                <a:pos x="connsiteX17" y="connsiteY17"/>
+              </a:cxn>
+              <a:cxn ang="0">
+                <a:pos x="connsiteX18" y="connsiteY18"/>
+              </a:cxn>
+              <a:cxn ang="0">
+                <a:pos x="connsiteX19" y="connsiteY19"/>
+              </a:cxn>
+              <a:cxn ang="0">
+                <a:pos x="connsiteX20" y="connsiteY20"/>
+              </a:cxn>
+              <a:cxn ang="0">
+                <a:pos x="connsiteX21" y="connsiteY21"/>
+              </a:cxn>
+              <a:cxn ang="0">
+                <a:pos x="connsiteX22" y="connsiteY22"/>
+              </a:cxn>
+              <a:cxn ang="0">
+                <a:pos x="connsiteX23" y="connsiteY23"/>
+              </a:cxn>
+              <a:cxn ang="0">
+                <a:pos x="connsiteX24" y="connsiteY24"/>
+              </a:cxn>
+              <a:cxn ang="0">
+                <a:pos x="connsiteX25" y="connsiteY25"/>
+              </a:cxn>
+              <a:cxn ang="0">
+                <a:pos x="connsiteX26" y="connsiteY26"/>
+              </a:cxn>
+              <a:cxn ang="0">
+                <a:pos x="connsiteX27" y="connsiteY27"/>
+              </a:cxn>
+              <a:cxn ang="0">
+                <a:pos x="connsiteX28" y="connsiteY28"/>
+              </a:cxn>
+              <a:cxn ang="0">
+                <a:pos x="connsiteX29" y="connsiteY29"/>
+              </a:cxn>
+              <a:cxn ang="0">
+                <a:pos x="connsiteX30" y="connsiteY30"/>
+              </a:cxn>
+              <a:cxn ang="0">
+                <a:pos x="connsiteX31" y="connsiteY31"/>
+              </a:cxn>
+              <a:cxn ang="0">
+                <a:pos x="connsiteX32" y="connsiteY32"/>
+              </a:cxn>
+              <a:cxn ang="0">
+                <a:pos x="connsiteX33" y="connsiteY33"/>
+              </a:cxn>
+              <a:cxn ang="0">
+                <a:pos x="connsiteX34" y="connsiteY34"/>
+              </a:cxn>
+              <a:cxn ang="0">
+                <a:pos x="connsiteX35" y="connsiteY35"/>
+              </a:cxn>
+            </a:cxnLst>
+            <a:rect l="l" t="t" r="r" b="b"/>
+            <a:pathLst>
+              <a:path w="10853928" h="18288" fill="none" extrusionOk="0">
+                <a:moveTo>
+                  <a:pt x="0" y="0"/>
+                </a:moveTo>
+                <a:cubicBezTo>
+                  <a:pt x="146993" y="-19076"/>
+                  <a:pt x="347684" y="-4790"/>
+                  <a:pt x="461292" y="0"/>
+                </a:cubicBezTo>
+                <a:cubicBezTo>
+                  <a:pt x="574900" y="4790"/>
+                  <a:pt x="808367" y="19821"/>
+                  <a:pt x="1139662" y="0"/>
+                </a:cubicBezTo>
+                <a:cubicBezTo>
+                  <a:pt x="1470957" y="-19821"/>
+                  <a:pt x="1627405" y="5721"/>
+                  <a:pt x="1926572" y="0"/>
+                </a:cubicBezTo>
+                <a:cubicBezTo>
+                  <a:pt x="2225739" y="-5721"/>
+                  <a:pt x="2137730" y="-3235"/>
+                  <a:pt x="2279325" y="0"/>
+                </a:cubicBezTo>
+                <a:cubicBezTo>
+                  <a:pt x="2420920" y="3235"/>
+                  <a:pt x="2456518" y="9685"/>
+                  <a:pt x="2632078" y="0"/>
+                </a:cubicBezTo>
+                <a:cubicBezTo>
+                  <a:pt x="2807638" y="-9685"/>
+                  <a:pt x="3211516" y="-43007"/>
+                  <a:pt x="3527527" y="0"/>
+                </a:cubicBezTo>
+                <a:cubicBezTo>
+                  <a:pt x="3843538" y="43007"/>
+                  <a:pt x="4058833" y="22042"/>
+                  <a:pt x="4205897" y="0"/>
+                </a:cubicBezTo>
+                <a:cubicBezTo>
+                  <a:pt x="4352961" y="-22042"/>
+                  <a:pt x="4474805" y="-11846"/>
+                  <a:pt x="4558650" y="0"/>
+                </a:cubicBezTo>
+                <a:cubicBezTo>
+                  <a:pt x="4642495" y="11846"/>
+                  <a:pt x="5041928" y="-6069"/>
+                  <a:pt x="5237020" y="0"/>
+                </a:cubicBezTo>
+                <a:cubicBezTo>
+                  <a:pt x="5432112" y="6069"/>
+                  <a:pt x="5943266" y="-17479"/>
+                  <a:pt x="6132469" y="0"/>
+                </a:cubicBezTo>
+                <a:cubicBezTo>
+                  <a:pt x="6321672" y="17479"/>
+                  <a:pt x="6483872" y="26234"/>
+                  <a:pt x="6702301" y="0"/>
+                </a:cubicBezTo>
+                <a:cubicBezTo>
+                  <a:pt x="6920730" y="-26234"/>
+                  <a:pt x="6991194" y="-15156"/>
+                  <a:pt x="7272132" y="0"/>
+                </a:cubicBezTo>
+                <a:cubicBezTo>
+                  <a:pt x="7553070" y="15156"/>
+                  <a:pt x="7684444" y="-32961"/>
+                  <a:pt x="7950502" y="0"/>
+                </a:cubicBezTo>
+                <a:cubicBezTo>
+                  <a:pt x="8216560" y="32961"/>
+                  <a:pt x="8493290" y="-10491"/>
+                  <a:pt x="8737412" y="0"/>
+                </a:cubicBezTo>
+                <a:cubicBezTo>
+                  <a:pt x="8981534" y="10491"/>
+                  <a:pt x="9191586" y="-13899"/>
+                  <a:pt x="9524322" y="0"/>
+                </a:cubicBezTo>
+                <a:cubicBezTo>
+                  <a:pt x="9857058" y="13899"/>
+                  <a:pt x="10297509" y="7485"/>
+                  <a:pt x="10853928" y="0"/>
+                </a:cubicBezTo>
+                <a:cubicBezTo>
+                  <a:pt x="10854574" y="4451"/>
+                  <a:pt x="10854418" y="9226"/>
+                  <a:pt x="10853928" y="18288"/>
+                </a:cubicBezTo>
+                <a:cubicBezTo>
+                  <a:pt x="10691638" y="28522"/>
+                  <a:pt x="10574319" y="29578"/>
+                  <a:pt x="10392636" y="18288"/>
+                </a:cubicBezTo>
+                <a:cubicBezTo>
+                  <a:pt x="10210953" y="6998"/>
+                  <a:pt x="9836277" y="-16742"/>
+                  <a:pt x="9497187" y="18288"/>
+                </a:cubicBezTo>
+                <a:cubicBezTo>
+                  <a:pt x="9158097" y="53318"/>
+                  <a:pt x="9119479" y="30714"/>
+                  <a:pt x="8818817" y="18288"/>
+                </a:cubicBezTo>
+                <a:cubicBezTo>
+                  <a:pt x="8518155" y="5863"/>
+                  <a:pt x="8640037" y="6483"/>
+                  <a:pt x="8466064" y="18288"/>
+                </a:cubicBezTo>
+                <a:cubicBezTo>
+                  <a:pt x="8292091" y="30093"/>
+                  <a:pt x="7997656" y="18914"/>
+                  <a:pt x="7787693" y="18288"/>
+                </a:cubicBezTo>
+                <a:cubicBezTo>
+                  <a:pt x="7577730" y="17662"/>
+                  <a:pt x="7412468" y="21416"/>
+                  <a:pt x="7217862" y="18288"/>
+                </a:cubicBezTo>
+                <a:cubicBezTo>
+                  <a:pt x="7023256" y="15160"/>
+                  <a:pt x="6898018" y="14824"/>
+                  <a:pt x="6648031" y="18288"/>
+                </a:cubicBezTo>
+                <a:cubicBezTo>
+                  <a:pt x="6398044" y="21752"/>
+                  <a:pt x="6254402" y="38625"/>
+                  <a:pt x="6078200" y="18288"/>
+                </a:cubicBezTo>
+                <a:cubicBezTo>
+                  <a:pt x="5901998" y="-2049"/>
+                  <a:pt x="5622886" y="3213"/>
+                  <a:pt x="5508368" y="18288"/>
+                </a:cubicBezTo>
+                <a:cubicBezTo>
+                  <a:pt x="5393850" y="33363"/>
+                  <a:pt x="5036260" y="26830"/>
+                  <a:pt x="4721459" y="18288"/>
+                </a:cubicBezTo>
+                <a:cubicBezTo>
+                  <a:pt x="4406658" y="9746"/>
+                  <a:pt x="4239221" y="41551"/>
+                  <a:pt x="4043088" y="18288"/>
+                </a:cubicBezTo>
+                <a:cubicBezTo>
+                  <a:pt x="3846955" y="-4975"/>
+                  <a:pt x="3818802" y="34658"/>
+                  <a:pt x="3690336" y="18288"/>
+                </a:cubicBezTo>
+                <a:cubicBezTo>
+                  <a:pt x="3561870" y="1918"/>
+                  <a:pt x="3265491" y="42194"/>
+                  <a:pt x="3120504" y="18288"/>
+                </a:cubicBezTo>
+                <a:cubicBezTo>
+                  <a:pt x="2975517" y="-5618"/>
+                  <a:pt x="2720254" y="36673"/>
+                  <a:pt x="2333595" y="18288"/>
+                </a:cubicBezTo>
+                <a:cubicBezTo>
+                  <a:pt x="1946936" y="-97"/>
+                  <a:pt x="2097241" y="5776"/>
+                  <a:pt x="1872303" y="18288"/>
+                </a:cubicBezTo>
+                <a:cubicBezTo>
+                  <a:pt x="1647365" y="30800"/>
+                  <a:pt x="1282708" y="45380"/>
+                  <a:pt x="976854" y="18288"/>
+                </a:cubicBezTo>
+                <a:cubicBezTo>
+                  <a:pt x="671000" y="-8804"/>
+                  <a:pt x="408401" y="-12775"/>
+                  <a:pt x="0" y="18288"/>
+                </a:cubicBezTo>
+                <a:cubicBezTo>
+                  <a:pt x="-213" y="9468"/>
+                  <a:pt x="187" y="4459"/>
+                  <a:pt x="0" y="0"/>
+                </a:cubicBezTo>
+                <a:close/>
+              </a:path>
+              <a:path w="10853928" h="18288" stroke="0" extrusionOk="0">
+                <a:moveTo>
+                  <a:pt x="0" y="0"/>
+                </a:moveTo>
+                <a:cubicBezTo>
+                  <a:pt x="267322" y="15284"/>
+                  <a:pt x="415388" y="-21048"/>
+                  <a:pt x="569831" y="0"/>
+                </a:cubicBezTo>
+                <a:cubicBezTo>
+                  <a:pt x="724274" y="21048"/>
+                  <a:pt x="769333" y="-2353"/>
+                  <a:pt x="922584" y="0"/>
+                </a:cubicBezTo>
+                <a:cubicBezTo>
+                  <a:pt x="1075835" y="2353"/>
+                  <a:pt x="1399490" y="-145"/>
+                  <a:pt x="1818033" y="0"/>
+                </a:cubicBezTo>
+                <a:cubicBezTo>
+                  <a:pt x="2236576" y="145"/>
+                  <a:pt x="2145330" y="5482"/>
+                  <a:pt x="2387864" y="0"/>
+                </a:cubicBezTo>
+                <a:cubicBezTo>
+                  <a:pt x="2630398" y="-5482"/>
+                  <a:pt x="2793207" y="18487"/>
+                  <a:pt x="2957695" y="0"/>
+                </a:cubicBezTo>
+                <a:cubicBezTo>
+                  <a:pt x="3122183" y="-18487"/>
+                  <a:pt x="3579141" y="19003"/>
+                  <a:pt x="3853144" y="0"/>
+                </a:cubicBezTo>
+                <a:cubicBezTo>
+                  <a:pt x="4127147" y="-19003"/>
+                  <a:pt x="4209857" y="12211"/>
+                  <a:pt x="4314436" y="0"/>
+                </a:cubicBezTo>
+                <a:cubicBezTo>
+                  <a:pt x="4419015" y="-12211"/>
+                  <a:pt x="4762459" y="-17220"/>
+                  <a:pt x="5209885" y="0"/>
+                </a:cubicBezTo>
+                <a:cubicBezTo>
+                  <a:pt x="5657311" y="17220"/>
+                  <a:pt x="5692663" y="-3290"/>
+                  <a:pt x="6105335" y="0"/>
+                </a:cubicBezTo>
+                <a:cubicBezTo>
+                  <a:pt x="6518007" y="3290"/>
+                  <a:pt x="6455516" y="-5124"/>
+                  <a:pt x="6783705" y="0"/>
+                </a:cubicBezTo>
+                <a:cubicBezTo>
+                  <a:pt x="7111894" y="5124"/>
+                  <a:pt x="7441941" y="-17829"/>
+                  <a:pt x="7679154" y="0"/>
+                </a:cubicBezTo>
+                <a:cubicBezTo>
+                  <a:pt x="7916367" y="17829"/>
+                  <a:pt x="8102967" y="-24363"/>
+                  <a:pt x="8248985" y="0"/>
+                </a:cubicBezTo>
+                <a:cubicBezTo>
+                  <a:pt x="8395003" y="24363"/>
+                  <a:pt x="8552393" y="25505"/>
+                  <a:pt x="8818817" y="0"/>
+                </a:cubicBezTo>
+                <a:cubicBezTo>
+                  <a:pt x="9085241" y="-25505"/>
+                  <a:pt x="9411308" y="38000"/>
+                  <a:pt x="9605726" y="0"/>
+                </a:cubicBezTo>
+                <a:cubicBezTo>
+                  <a:pt x="9800144" y="-38000"/>
+                  <a:pt x="10006468" y="-25741"/>
+                  <a:pt x="10175558" y="0"/>
+                </a:cubicBezTo>
+                <a:cubicBezTo>
+                  <a:pt x="10344648" y="25741"/>
+                  <a:pt x="10696282" y="695"/>
+                  <a:pt x="10853928" y="0"/>
+                </a:cubicBezTo>
+                <a:cubicBezTo>
+                  <a:pt x="10853521" y="8690"/>
+                  <a:pt x="10853774" y="14141"/>
+                  <a:pt x="10853928" y="18288"/>
+                </a:cubicBezTo>
+                <a:cubicBezTo>
+                  <a:pt x="10608124" y="24255"/>
+                  <a:pt x="10343415" y="22307"/>
+                  <a:pt x="10067018" y="18288"/>
+                </a:cubicBezTo>
+                <a:cubicBezTo>
+                  <a:pt x="9790621" y="14270"/>
+                  <a:pt x="9843266" y="3564"/>
+                  <a:pt x="9714266" y="18288"/>
+                </a:cubicBezTo>
+                <a:cubicBezTo>
+                  <a:pt x="9585266" y="33012"/>
+                  <a:pt x="9379484" y="1875"/>
+                  <a:pt x="9252974" y="18288"/>
+                </a:cubicBezTo>
+                <a:cubicBezTo>
+                  <a:pt x="9126464" y="34701"/>
+                  <a:pt x="8580678" y="-4904"/>
+                  <a:pt x="8357525" y="18288"/>
+                </a:cubicBezTo>
+                <a:cubicBezTo>
+                  <a:pt x="8134372" y="41480"/>
+                  <a:pt x="7903199" y="26458"/>
+                  <a:pt x="7679154" y="18288"/>
+                </a:cubicBezTo>
+                <a:cubicBezTo>
+                  <a:pt x="7455109" y="10118"/>
+                  <a:pt x="7435944" y="27109"/>
+                  <a:pt x="7217862" y="18288"/>
+                </a:cubicBezTo>
+                <a:cubicBezTo>
+                  <a:pt x="6999780" y="9467"/>
+                  <a:pt x="6680409" y="18985"/>
+                  <a:pt x="6539492" y="18288"/>
+                </a:cubicBezTo>
+                <a:cubicBezTo>
+                  <a:pt x="6398575" y="17592"/>
+                  <a:pt x="6312077" y="33018"/>
+                  <a:pt x="6186739" y="18288"/>
+                </a:cubicBezTo>
+                <a:cubicBezTo>
+                  <a:pt x="6061401" y="3558"/>
+                  <a:pt x="5947033" y="12075"/>
+                  <a:pt x="5833986" y="18288"/>
+                </a:cubicBezTo>
+                <a:cubicBezTo>
+                  <a:pt x="5720939" y="24501"/>
+                  <a:pt x="5482226" y="8586"/>
+                  <a:pt x="5155616" y="18288"/>
+                </a:cubicBezTo>
+                <a:cubicBezTo>
+                  <a:pt x="4829006" y="27991"/>
+                  <a:pt x="4841274" y="29316"/>
+                  <a:pt x="4694324" y="18288"/>
+                </a:cubicBezTo>
+                <a:cubicBezTo>
+                  <a:pt x="4547374" y="7260"/>
+                  <a:pt x="4077675" y="7013"/>
+                  <a:pt x="3907414" y="18288"/>
+                </a:cubicBezTo>
+                <a:cubicBezTo>
+                  <a:pt x="3737153" y="29564"/>
+                  <a:pt x="3538393" y="21630"/>
+                  <a:pt x="3446122" y="18288"/>
+                </a:cubicBezTo>
+                <a:cubicBezTo>
+                  <a:pt x="3353851" y="14946"/>
+                  <a:pt x="2990320" y="-8091"/>
+                  <a:pt x="2659212" y="18288"/>
+                </a:cubicBezTo>
+                <a:cubicBezTo>
+                  <a:pt x="2328104" y="44667"/>
+                  <a:pt x="2427653" y="9607"/>
+                  <a:pt x="2306460" y="18288"/>
+                </a:cubicBezTo>
+                <a:cubicBezTo>
+                  <a:pt x="2185267" y="26969"/>
+                  <a:pt x="1719763" y="3717"/>
+                  <a:pt x="1519550" y="18288"/>
+                </a:cubicBezTo>
+                <a:cubicBezTo>
+                  <a:pt x="1319337" y="32860"/>
+                  <a:pt x="1167371" y="17040"/>
+                  <a:pt x="1058258" y="18288"/>
+                </a:cubicBezTo>
+                <a:cubicBezTo>
+                  <a:pt x="949145" y="19536"/>
+                  <a:pt x="780234" y="31447"/>
+                  <a:pt x="705505" y="18288"/>
+                </a:cubicBezTo>
+                <a:cubicBezTo>
+                  <a:pt x="630776" y="5129"/>
+                  <a:pt x="215796" y="30056"/>
+                  <a:pt x="0" y="18288"/>
+                </a:cubicBezTo>
+                <a:cubicBezTo>
+                  <a:pt x="-53" y="11301"/>
+                  <a:pt x="-649" y="7756"/>
+                  <a:pt x="0" y="0"/>
+                </a:cubicBezTo>
+                <a:close/>
+              </a:path>
+            </a:pathLst>
+          </a:custGeom>
+          <a:solidFill>
+            <a:schemeClr val="accent2"/>
+          </a:solidFill>
+          <a:ln w="41275" cap="rnd">
+            <a:solidFill>
+              <a:schemeClr val="accent2"/>
+            </a:solidFill>
+            <a:round/>
+            <a:extLst>
+              <a:ext uri="{C807C97D-BFC1-408E-A445-0C87EB9F89A2}">
+                <ask:lineSketchStyleProps xmlns:ask="http://schemas.microsoft.com/office/drawing/2018/sketchyshapes" sd="1219033472">
+                  <a:prstGeom prst="rect">
+                    <a:avLst/>
+                  </a:prstGeom>
+                  <ask:type>
+                    <ask:lineSketchFreehand/>
+                  </ask:type>
+                </ask:lineSketchStyleProps>
+              </a:ext>
+            </a:extLst>
+          </a:ln>
+        </p:spPr>
+        <p:style>
+          <a:lnRef idx="2">
+            <a:schemeClr val="accent1">
+              <a:shade val="50000"/>
+            </a:schemeClr>
+          </a:lnRef>
+          <a:fillRef idx="1">
+            <a:schemeClr val="accent1"/>
+          </a:fillRef>
+          <a:effectRef idx="0">
+            <a:schemeClr val="accent1"/>
+          </a:effectRef>
+          <a:fontRef idx="minor">
+            <a:schemeClr val="lt1"/>
+          </a:fontRef>
+        </p:style>
+        <p:txBody>
+          <a:bodyPr rtlCol="0" anchor="ctr"/>
+          <a:lstStyle/>
+          <a:p>
+            <a:pPr algn="ctr"/>
+            <a:endParaRPr lang="en-US"/>
+          </a:p>
+        </p:txBody>
+      </p:sp>
+      <p:sp>
+        <p:nvSpPr>
+          <p:cNvPr id="5" name="Rectangle 1">
+            <a:extLst>
+              <a:ext uri="{FF2B5EF4-FFF2-40B4-BE49-F238E27FC236}">
+                <a16:creationId xmlns:a16="http://schemas.microsoft.com/office/drawing/2014/main" id="{40C45D0E-F55F-00AE-C430-0CC23F544DD4}"/>
+              </a:ext>
+            </a:extLst>
+          </p:cNvPr>
+          <p:cNvSpPr>
+            <a:spLocks noChangeArrowheads="1"/>
+          </p:cNvSpPr>
+          <p:nvPr/>
+        </p:nvSpPr>
+        <p:spPr bwMode="auto">
+          <a:xfrm>
+            <a:off x="838200" y="5180627"/>
+            <a:ext cx="12192000" cy="0"/>
+          </a:xfrm>
+          <a:prstGeom prst="rect">
+            <a:avLst/>
+          </a:prstGeom>
+          <a:solidFill>
+            <a:srgbClr val="FFFFFF"/>
+          </a:solidFill>
+          <a:ln>
+            <a:noFill/>
+          </a:ln>
+          <a:effectLst/>
+          <a:extLst>
+            <a:ext uri="{91240B29-F687-4F45-9708-019B960494DF}">
+              <a14:hiddenLine xmlns:a14="http://schemas.microsoft.com/office/drawing/2010/main" w="9525">
+                <a:solidFill>
+                  <a:schemeClr val="tx1"/>
+                </a:solidFill>
+                <a:miter lim="800000"/>
+                <a:headEnd/>
+                <a:tailEnd/>
+              </a14:hiddenLine>
+            </a:ext>
+            <a:ext uri="{AF507438-7753-43E0-B8FC-AC1667EBCBE1}">
+              <a14:hiddenEffects xmlns:a14="http://schemas.microsoft.com/office/drawing/2010/main">
+                <a:effectLst>
+                  <a:outerShdw dist="35921" dir="2700000" algn="ctr" rotWithShape="0">
+                    <a:schemeClr val="bg2"/>
+                  </a:outerShdw>
+                </a:effectLst>
+              </a14:hiddenEffects>
+            </a:ext>
+          </a:extLst>
+        </p:spPr>
+        <p:txBody>
+          <a:bodyPr vert="horz" wrap="none" lIns="91440" tIns="45720" rIns="91440" bIns="45720" numCol="1" anchor="ctr" anchorCtr="0" compatLnSpc="1">
+            <a:prstTxWarp prst="textNoShape">
+              <a:avLst/>
+            </a:prstTxWarp>
+            <a:spAutoFit/>
+          </a:bodyPr>
+          <a:lstStyle/>
+          <a:p>
+            <a:pPr marL="0" marR="0" lvl="0" indent="0" algn="l" defTabSz="914400" rtl="0" eaLnBrk="0" fontAlgn="base" latinLnBrk="0" hangingPunct="0">
+              <a:lnSpc>
+                <a:spcPct val="100000"/>
+              </a:lnSpc>
+              <a:spcBef>
+                <a:spcPct val="0"/>
+              </a:spcBef>
+              <a:spcAft>
+                <a:spcPct val="0"/>
+              </a:spcAft>
+              <a:buClrTx/>
+              <a:buSzTx/>
+              <a:buFontTx/>
+              <a:buNone/>
+              <a:tabLst/>
+            </a:pPr>
+            <a:br>
+              <a:rPr kumimoji="0" lang="en-CH" altLang="en-CH" sz="1200" b="0" i="0" u="none" strike="noStrike" cap="none" normalizeH="0" baseline="0">
+                <a:ln>
+                  <a:noFill/>
+                </a:ln>
+                <a:solidFill>
+                  <a:srgbClr val="16191F"/>
+                </a:solidFill>
+                <a:effectLst/>
+                <a:latin typeface="Amazon Ember"/>
+              </a:rPr>
+            </a:br>
+            <a:endParaRPr kumimoji="0" lang="en-CH" altLang="en-CH" sz="800" b="0" i="0" u="none" strike="noStrike" cap="none" normalizeH="0" baseline="0">
+              <a:ln>
+                <a:noFill/>
+              </a:ln>
+              <a:solidFill>
+                <a:schemeClr val="tx1"/>
+              </a:solidFill>
+              <a:effectLst/>
+            </a:endParaRPr>
+          </a:p>
+          <a:p>
+            <a:pPr marL="0" marR="0" lvl="0" indent="0" algn="l" defTabSz="914400" rtl="0" eaLnBrk="0" fontAlgn="base" latinLnBrk="0" hangingPunct="0">
+              <a:lnSpc>
+                <a:spcPct val="100000"/>
+              </a:lnSpc>
+              <a:spcBef>
+                <a:spcPct val="0"/>
+              </a:spcBef>
+              <a:spcAft>
+                <a:spcPct val="0"/>
+              </a:spcAft>
+              <a:buClrTx/>
+              <a:buSzTx/>
+              <a:buFontTx/>
+              <a:buNone/>
+              <a:tabLst/>
+            </a:pPr>
+            <a:br>
+              <a:rPr kumimoji="0" lang="en-CH" altLang="en-CH" sz="1800" b="0" i="0" u="none" strike="noStrike" cap="none" normalizeH="0" baseline="0">
+                <a:ln>
+                  <a:noFill/>
+                </a:ln>
+                <a:solidFill>
+                  <a:schemeClr val="tx1"/>
+                </a:solidFill>
+                <a:effectLst/>
+                <a:latin typeface="Arial" panose="020B0604020202020204" pitchFamily="34" charset="0"/>
+              </a:rPr>
+            </a:br>
+            <a:endParaRPr kumimoji="0" lang="en-CH" altLang="en-CH" sz="1800" b="0" i="0" u="none" strike="noStrike" cap="none" normalizeH="0" baseline="0">
+              <a:ln>
+                <a:noFill/>
+              </a:ln>
+              <a:solidFill>
+                <a:schemeClr val="tx1"/>
+              </a:solidFill>
+              <a:effectLst/>
+              <a:latin typeface="Arial" panose="020B0604020202020204" pitchFamily="34" charset="0"/>
+            </a:endParaRPr>
+          </a:p>
+        </p:txBody>
+      </p:sp>
+      <p:pic>
+        <p:nvPicPr>
+          <p:cNvPr id="4098" name="Picture 2">
+            <a:extLst>
+              <a:ext uri="{FF2B5EF4-FFF2-40B4-BE49-F238E27FC236}">
+                <a16:creationId xmlns:a16="http://schemas.microsoft.com/office/drawing/2014/main" id="{F4BC366D-C91C-8968-2E99-364799B58E09}"/>
+              </a:ext>
+            </a:extLst>
+          </p:cNvPr>
+          <p:cNvPicPr>
+            <a:picLocks noGrp="1" noChangeAspect="1" noChangeArrowheads="1"/>
+          </p:cNvPicPr>
+          <p:nvPr>
+            <p:ph idx="1"/>
+          </p:nvPr>
+        </p:nvPicPr>
+        <p:blipFill>
+          <a:blip r:embed="rId2">
+            <a:extLst>
+              <a:ext uri="{28A0092B-C50C-407E-A947-70E740481C1C}">
+                <a14:useLocalDpi xmlns:a14="http://schemas.microsoft.com/office/drawing/2010/main" val="0"/>
+              </a:ext>
+            </a:extLst>
+          </a:blip>
+          <a:srcRect/>
+          <a:stretch>
+            <a:fillRect/>
+          </a:stretch>
+        </p:blipFill>
+        <p:spPr bwMode="auto">
+          <a:xfrm>
+            <a:off x="2415957" y="1959123"/>
+            <a:ext cx="7360086" cy="4563254"/>
+          </a:xfrm>
+          <a:prstGeom prst="rect">
+            <a:avLst/>
+          </a:prstGeom>
+          <a:noFill/>
+          <a:extLst>
+            <a:ext uri="{909E8E84-426E-40DD-AFC4-6F175D3DCCD1}">
+              <a14:hiddenFill xmlns:a14="http://schemas.microsoft.com/office/drawing/2010/main">
+                <a:solidFill>
+                  <a:srgbClr val="FFFFFF"/>
+                </a:solidFill>
+              </a14:hiddenFill>
+            </a:ext>
+          </a:extLst>
+        </p:spPr>
+      </p:pic>
+    </p:spTree>
+    <p:extLst>
+      <p:ext uri="{BB962C8B-B14F-4D97-AF65-F5344CB8AC3E}">
+        <p14:creationId xmlns:p14="http://schemas.microsoft.com/office/powerpoint/2010/main" val="2666433448"/>
+      </p:ext>
+    </p:extLst>
+  </p:cSld>
+  <p:clrMapOvr>
+    <a:masterClrMapping/>
+  </p:clrMapOvr>
+</p:sld>
+</file>
+
+<file path=ppt/slides/slide9.xml><?xml version="1.0" encoding="utf-8"?>
+<p:sld xmlns:a="http://schemas.openxmlformats.org/drawingml/2006/main" xmlns:r="http://schemas.openxmlformats.org/officeDocument/2006/relationships" xmlns:p="http://schemas.openxmlformats.org/presentationml/2006/main">
+  <p:cSld>
+    <p:bg>
+      <p:bgPr>
+        <a:solidFill>
+          <a:schemeClr val="bg1"/>
+        </a:solidFill>
+        <a:effectLst/>
+      </p:bgPr>
+    </p:bg>
+    <p:spTree>
+      <p:nvGrpSpPr>
+        <p:cNvPr id="1" name=""/>
+        <p:cNvGrpSpPr/>
+        <p:nvPr/>
+      </p:nvGrpSpPr>
+      <p:grpSpPr>
+        <a:xfrm>
+          <a:off x="0" y="0"/>
+          <a:ext cx="0" cy="0"/>
+          <a:chOff x="0" y="0"/>
+          <a:chExt cx="0" cy="0"/>
+        </a:xfrm>
+      </p:grpSpPr>
+      <p:sp useBgFill="1">
+        <p:nvSpPr>
+          <p:cNvPr id="5127" name="Rectangle 5126">
+            <a:extLst>
+              <a:ext uri="{FF2B5EF4-FFF2-40B4-BE49-F238E27FC236}">
+                <a16:creationId xmlns:a16="http://schemas.microsoft.com/office/drawing/2014/main" id="{131BAD53-4E89-4F62-BBB7-26359763ED39}"/>
+              </a:ext>
+              <a:ext uri="{C183D7F6-B498-43B3-948B-1728B52AA6E4}">
+                <adec:decorative xmlns:adec="http://schemas.microsoft.com/office/drawing/2017/decorative" val="1"/>
+              </a:ext>
+            </a:extLst>
+          </p:cNvPr>
+          <p:cNvSpPr>
+            <a:spLocks noGrp="1" noRot="1" noChangeAspect="1" noMove="1" noResize="1" noEditPoints="1" noAdjustHandles="1" noChangeArrowheads="1" noChangeShapeType="1" noTextEdit="1"/>
+          </p:cNvSpPr>
+          <p:nvPr>
+            <p:extLst>
+              <p:ext uri="{386F3935-93C4-4BCD-93E2-E3B085C9AB24}">
+                <p16:designElem xmlns:p16="http://schemas.microsoft.com/office/powerpoint/2015/main" val="1"/>
+              </p:ext>
+            </p:extLst>
+          </p:nvPr>
+        </p:nvSpPr>
+        <p:spPr>
+          <a:xfrm>
+            <a:off x="0" y="0"/>
+            <a:ext cx="12192000" cy="6858000"/>
+          </a:xfrm>
+          <a:prstGeom prst="rect">
+            <a:avLst/>
+          </a:prstGeom>
+          <a:ln w="12700" cap="flat" cmpd="sng" algn="ctr">
+            <a:noFill/>
+            <a:prstDash val="solid"/>
+            <a:miter lim="800000"/>
+          </a:ln>
+          <a:effectLst/>
+          <a:extLst>
+            <a:ext uri="{91240B29-F687-4F45-9708-019B960494DF}">
+              <a14:hiddenLine xmlns:a14="http://schemas.microsoft.com/office/drawing/2010/main" w="12700" cap="flat" cmpd="sng" algn="ctr">
+                <a:solidFill>
+                  <a:schemeClr val="accent1">
+                    <a:shade val="50000"/>
+                  </a:schemeClr>
+                </a:solidFill>
+                <a:prstDash val="solid"/>
+                <a:miter lim="800000"/>
+              </a14:hiddenLine>
+            </a:ext>
+          </a:extLst>
+        </p:spPr>
+        <p:style>
+          <a:lnRef idx="2">
+            <a:schemeClr val="accent1">
+              <a:shade val="50000"/>
+            </a:schemeClr>
+          </a:lnRef>
+          <a:fillRef idx="1">
+            <a:schemeClr val="accent1"/>
+          </a:fillRef>
+          <a:effectRef idx="0">
+            <a:schemeClr val="accent1"/>
+          </a:effectRef>
+          <a:fontRef idx="minor">
+            <a:schemeClr val="lt1"/>
+          </a:fontRef>
+        </p:style>
+        <p:txBody>
+          <a:bodyPr rtlCol="0" anchor="ctr"/>
+          <a:lstStyle/>
+          <a:p>
+            <a:pPr algn="ctr"/>
+            <a:endParaRPr lang="en-US"/>
+          </a:p>
+        </p:txBody>
+      </p:sp>
+      <p:sp>
+        <p:nvSpPr>
+          <p:cNvPr id="5129" name="Freeform: Shape 5128">
+            <a:extLst>
+              <a:ext uri="{FF2B5EF4-FFF2-40B4-BE49-F238E27FC236}">
+                <a16:creationId xmlns:a16="http://schemas.microsoft.com/office/drawing/2014/main" id="{62756DA2-40EB-4C6F-B962-5822FFB54FB6}"/>
+              </a:ext>
+              <a:ext uri="{C183D7F6-B498-43B3-948B-1728B52AA6E4}">
+                <adec:decorative xmlns:adec="http://schemas.microsoft.com/office/drawing/2017/decorative" val="1"/>
+              </a:ext>
+            </a:extLst>
+          </p:cNvPr>
+          <p:cNvSpPr>
+            <a:spLocks noGrp="1" noRot="1" noChangeAspect="1" noMove="1" noResize="1" noEditPoints="1" noAdjustHandles="1" noChangeArrowheads="1" noChangeShapeType="1" noTextEdit="1"/>
+          </p:cNvSpPr>
+          <p:nvPr>
+            <p:extLst>
+              <p:ext uri="{386F3935-93C4-4BCD-93E2-E3B085C9AB24}">
+                <p16:designElem xmlns:p16="http://schemas.microsoft.com/office/powerpoint/2015/main" val="1"/>
+              </p:ext>
+            </p:extLst>
+          </p:nvPr>
+        </p:nvSpPr>
+        <p:spPr>
+          <a:xfrm>
+            <a:off x="0" y="0"/>
+            <a:ext cx="5653438" cy="6858000"/>
+          </a:xfrm>
+          <a:custGeom>
+            <a:avLst/>
+            <a:gdLst>
+              <a:gd name="connsiteX0" fmla="*/ 0 w 6096000"/>
+              <a:gd name="connsiteY0" fmla="*/ 0 h 6858000"/>
+              <a:gd name="connsiteX1" fmla="*/ 5567517 w 6096000"/>
+              <a:gd name="connsiteY1" fmla="*/ 0 h 6858000"/>
+              <a:gd name="connsiteX2" fmla="*/ 5566938 w 6096000"/>
+              <a:gd name="connsiteY2" fmla="*/ 1705 h 6858000"/>
+              <a:gd name="connsiteX3" fmla="*/ 5551594 w 6096000"/>
+              <a:gd name="connsiteY3" fmla="*/ 17287 h 6858000"/>
+              <a:gd name="connsiteX4" fmla="*/ 5545641 w 6096000"/>
+              <a:gd name="connsiteY4" fmla="*/ 130336 h 6858000"/>
+              <a:gd name="connsiteX5" fmla="*/ 5538289 w 6096000"/>
+              <a:gd name="connsiteY5" fmla="*/ 187093 h 6858000"/>
+              <a:gd name="connsiteX6" fmla="*/ 5545790 w 6096000"/>
+              <a:gd name="connsiteY6" fmla="*/ 265704 h 6858000"/>
+              <a:gd name="connsiteX7" fmla="*/ 5542313 w 6096000"/>
+              <a:gd name="connsiteY7" fmla="*/ 354566 h 6858000"/>
+              <a:gd name="connsiteX8" fmla="*/ 5524126 w 6096000"/>
+              <a:gd name="connsiteY8" fmla="*/ 472000 h 6858000"/>
+              <a:gd name="connsiteX9" fmla="*/ 5522170 w 6096000"/>
+              <a:gd name="connsiteY9" fmla="*/ 473782 h 6858000"/>
+              <a:gd name="connsiteX10" fmla="*/ 5521798 w 6096000"/>
+              <a:gd name="connsiteY10" fmla="*/ 491380 h 6858000"/>
+              <a:gd name="connsiteX11" fmla="*/ 5536419 w 6096000"/>
+              <a:gd name="connsiteY11" fmla="*/ 531675 h 6858000"/>
+              <a:gd name="connsiteX12" fmla="*/ 5533435 w 6096000"/>
+              <a:gd name="connsiteY12" fmla="*/ 536015 h 6858000"/>
+              <a:gd name="connsiteX13" fmla="*/ 5538088 w 6096000"/>
+              <a:gd name="connsiteY13" fmla="*/ 572092 h 6858000"/>
+              <a:gd name="connsiteX14" fmla="*/ 5536061 w 6096000"/>
+              <a:gd name="connsiteY14" fmla="*/ 572511 h 6858000"/>
+              <a:gd name="connsiteX15" fmla="*/ 5528218 w 6096000"/>
+              <a:gd name="connsiteY15" fmla="*/ 582332 h 6858000"/>
+              <a:gd name="connsiteX16" fmla="*/ 5518011 w 6096000"/>
+              <a:gd name="connsiteY16" fmla="*/ 601285 h 6858000"/>
+              <a:gd name="connsiteX17" fmla="*/ 5473174 w 6096000"/>
+              <a:gd name="connsiteY17" fmla="*/ 681608 h 6858000"/>
+              <a:gd name="connsiteX18" fmla="*/ 5472963 w 6096000"/>
+              <a:gd name="connsiteY18" fmla="*/ 689151 h 6858000"/>
+              <a:gd name="connsiteX19" fmla="*/ 5472485 w 6096000"/>
+              <a:gd name="connsiteY19" fmla="*/ 689289 h 6858000"/>
+              <a:gd name="connsiteX20" fmla="*/ 5471326 w 6096000"/>
+              <a:gd name="connsiteY20" fmla="*/ 697222 h 6858000"/>
+              <a:gd name="connsiteX21" fmla="*/ 5472164 w 6096000"/>
+              <a:gd name="connsiteY21" fmla="*/ 717531 h 6858000"/>
+              <a:gd name="connsiteX22" fmla="*/ 5468891 w 6096000"/>
+              <a:gd name="connsiteY22" fmla="*/ 722494 h 6858000"/>
+              <a:gd name="connsiteX23" fmla="*/ 5463081 w 6096000"/>
+              <a:gd name="connsiteY23" fmla="*/ 724368 h 6858000"/>
+              <a:gd name="connsiteX24" fmla="*/ 5446981 w 6096000"/>
+              <a:gd name="connsiteY24" fmla="*/ 752692 h 6858000"/>
+              <a:gd name="connsiteX25" fmla="*/ 5417190 w 6096000"/>
+              <a:gd name="connsiteY25" fmla="*/ 816346 h 6858000"/>
+              <a:gd name="connsiteX26" fmla="*/ 5388958 w 6096000"/>
+              <a:gd name="connsiteY26" fmla="*/ 889417 h 6858000"/>
+              <a:gd name="connsiteX27" fmla="*/ 5307044 w 6096000"/>
+              <a:gd name="connsiteY27" fmla="*/ 1063288 h 6858000"/>
+              <a:gd name="connsiteX28" fmla="*/ 5303837 w 6096000"/>
+              <a:gd name="connsiteY28" fmla="*/ 1157176 h 6858000"/>
+              <a:gd name="connsiteX29" fmla="*/ 5286494 w 6096000"/>
+              <a:gd name="connsiteY29" fmla="*/ 1210776 h 6858000"/>
+              <a:gd name="connsiteX30" fmla="*/ 5282463 w 6096000"/>
+              <a:gd name="connsiteY30" fmla="*/ 1301993 h 6858000"/>
+              <a:gd name="connsiteX31" fmla="*/ 5252235 w 6096000"/>
+              <a:gd name="connsiteY31" fmla="*/ 1360879 h 6858000"/>
+              <a:gd name="connsiteX32" fmla="*/ 5244497 w 6096000"/>
+              <a:gd name="connsiteY32" fmla="*/ 1404045 h 6858000"/>
+              <a:gd name="connsiteX33" fmla="*/ 5223823 w 6096000"/>
+              <a:gd name="connsiteY33" fmla="*/ 1429568 h 6858000"/>
+              <a:gd name="connsiteX34" fmla="*/ 5224851 w 6096000"/>
+              <a:gd name="connsiteY34" fmla="*/ 1430305 h 6858000"/>
+              <a:gd name="connsiteX35" fmla="*/ 5212394 w 6096000"/>
+              <a:gd name="connsiteY35" fmla="*/ 1463304 h 6858000"/>
+              <a:gd name="connsiteX36" fmla="*/ 5209958 w 6096000"/>
+              <a:gd name="connsiteY36" fmla="*/ 1514846 h 6858000"/>
+              <a:gd name="connsiteX37" fmla="*/ 5206417 w 6096000"/>
+              <a:gd name="connsiteY37" fmla="*/ 1519731 h 6858000"/>
+              <a:gd name="connsiteX38" fmla="*/ 5206640 w 6096000"/>
+              <a:gd name="connsiteY38" fmla="*/ 1519929 h 6858000"/>
+              <a:gd name="connsiteX39" fmla="*/ 5207632 w 6096000"/>
+              <a:gd name="connsiteY39" fmla="*/ 1546022 h 6858000"/>
+              <a:gd name="connsiteX40" fmla="*/ 5212030 w 6096000"/>
+              <a:gd name="connsiteY40" fmla="*/ 1578752 h 6858000"/>
+              <a:gd name="connsiteX41" fmla="*/ 5203533 w 6096000"/>
+              <a:gd name="connsiteY41" fmla="*/ 1647555 h 6858000"/>
+              <a:gd name="connsiteX42" fmla="*/ 5190877 w 6096000"/>
+              <a:gd name="connsiteY42" fmla="*/ 1715685 h 6858000"/>
+              <a:gd name="connsiteX43" fmla="*/ 5184235 w 6096000"/>
+              <a:gd name="connsiteY43" fmla="*/ 1740358 h 6858000"/>
+              <a:gd name="connsiteX44" fmla="*/ 5181475 w 6096000"/>
+              <a:gd name="connsiteY44" fmla="*/ 1784314 h 6858000"/>
+              <a:gd name="connsiteX45" fmla="*/ 5185845 w 6096000"/>
+              <a:gd name="connsiteY45" fmla="*/ 1804434 h 6858000"/>
+              <a:gd name="connsiteX46" fmla="*/ 5185068 w 6096000"/>
+              <a:gd name="connsiteY46" fmla="*/ 1805316 h 6858000"/>
+              <a:gd name="connsiteX47" fmla="*/ 5188593 w 6096000"/>
+              <a:gd name="connsiteY47" fmla="*/ 1807109 h 6858000"/>
+              <a:gd name="connsiteX48" fmla="*/ 5185920 w 6096000"/>
+              <a:gd name="connsiteY48" fmla="*/ 1821003 h 6858000"/>
+              <a:gd name="connsiteX49" fmla="*/ 5183543 w 6096000"/>
+              <a:gd name="connsiteY49" fmla="*/ 1824832 h 6858000"/>
+              <a:gd name="connsiteX50" fmla="*/ 5182235 w 6096000"/>
+              <a:gd name="connsiteY50" fmla="*/ 1830429 h 6858000"/>
+              <a:gd name="connsiteX51" fmla="*/ 5182525 w 6096000"/>
+              <a:gd name="connsiteY51" fmla="*/ 1830569 h 6858000"/>
+              <a:gd name="connsiteX52" fmla="*/ 5180663 w 6096000"/>
+              <a:gd name="connsiteY52" fmla="*/ 1835810 h 6858000"/>
+              <a:gd name="connsiteX53" fmla="*/ 5167452 w 6096000"/>
+              <a:gd name="connsiteY53" fmla="*/ 1861483 h 6858000"/>
+              <a:gd name="connsiteX54" fmla="*/ 5174266 w 6096000"/>
+              <a:gd name="connsiteY54" fmla="*/ 1892417 h 6858000"/>
+              <a:gd name="connsiteX55" fmla="*/ 5189262 w 6096000"/>
+              <a:gd name="connsiteY55" fmla="*/ 1895114 h 6858000"/>
+              <a:gd name="connsiteX56" fmla="*/ 5187100 w 6096000"/>
+              <a:gd name="connsiteY56" fmla="*/ 1899379 h 6858000"/>
+              <a:gd name="connsiteX57" fmla="*/ 5180471 w 6096000"/>
+              <a:gd name="connsiteY57" fmla="*/ 1907867 h 6858000"/>
+              <a:gd name="connsiteX58" fmla="*/ 5181361 w 6096000"/>
+              <a:gd name="connsiteY58" fmla="*/ 1910265 h 6858000"/>
+              <a:gd name="connsiteX59" fmla="*/ 5178268 w 6096000"/>
+              <a:gd name="connsiteY59" fmla="*/ 1935584 h 6858000"/>
+              <a:gd name="connsiteX60" fmla="*/ 5183619 w 6096000"/>
+              <a:gd name="connsiteY60" fmla="*/ 1942021 h 6858000"/>
+              <a:gd name="connsiteX61" fmla="*/ 5184480 w 6096000"/>
+              <a:gd name="connsiteY61" fmla="*/ 1945112 h 6858000"/>
+              <a:gd name="connsiteX62" fmla="*/ 5172776 w 6096000"/>
+              <a:gd name="connsiteY62" fmla="*/ 1961162 h 6858000"/>
+              <a:gd name="connsiteX63" fmla="*/ 5168513 w 6096000"/>
+              <a:gd name="connsiteY63" fmla="*/ 1969445 h 6858000"/>
+              <a:gd name="connsiteX64" fmla="*/ 5126597 w 6096000"/>
+              <a:gd name="connsiteY64" fmla="*/ 2024270 h 6858000"/>
+              <a:gd name="connsiteX65" fmla="*/ 5119528 w 6096000"/>
+              <a:gd name="connsiteY65" fmla="*/ 2107942 h 6858000"/>
+              <a:gd name="connsiteX66" fmla="*/ 5110356 w 6096000"/>
+              <a:gd name="connsiteY66" fmla="*/ 2193455 h 6858000"/>
+              <a:gd name="connsiteX67" fmla="*/ 5104992 w 6096000"/>
+              <a:gd name="connsiteY67" fmla="*/ 2260088 h 6858000"/>
+              <a:gd name="connsiteX68" fmla="*/ 5059439 w 6096000"/>
+              <a:gd name="connsiteY68" fmla="*/ 2335735 h 6858000"/>
+              <a:gd name="connsiteX69" fmla="*/ 5022061 w 6096000"/>
+              <a:gd name="connsiteY69" fmla="*/ 2408995 h 6858000"/>
+              <a:gd name="connsiteX70" fmla="*/ 5022253 w 6096000"/>
+              <a:gd name="connsiteY70" fmla="*/ 2445869 h 6858000"/>
+              <a:gd name="connsiteX71" fmla="*/ 5011426 w 6096000"/>
+              <a:gd name="connsiteY71" fmla="*/ 2496499 h 6858000"/>
+              <a:gd name="connsiteX72" fmla="*/ 4994224 w 6096000"/>
+              <a:gd name="connsiteY72" fmla="*/ 2549900 h 6858000"/>
+              <a:gd name="connsiteX73" fmla="*/ 4995245 w 6096000"/>
+              <a:gd name="connsiteY73" fmla="*/ 2596456 h 6858000"/>
+              <a:gd name="connsiteX74" fmla="*/ 4988570 w 6096000"/>
+              <a:gd name="connsiteY74" fmla="*/ 2606088 h 6858000"/>
+              <a:gd name="connsiteX75" fmla="*/ 4988371 w 6096000"/>
+              <a:gd name="connsiteY75" fmla="*/ 2635351 h 6858000"/>
+              <a:gd name="connsiteX76" fmla="*/ 4983212 w 6096000"/>
+              <a:gd name="connsiteY76" fmla="*/ 2665666 h 6858000"/>
+              <a:gd name="connsiteX77" fmla="*/ 4968234 w 6096000"/>
+              <a:gd name="connsiteY77" fmla="*/ 2715895 h 6858000"/>
+              <a:gd name="connsiteX78" fmla="*/ 4975888 w 6096000"/>
+              <a:gd name="connsiteY78" fmla="*/ 2725052 h 6858000"/>
+              <a:gd name="connsiteX79" fmla="*/ 4980195 w 6096000"/>
+              <a:gd name="connsiteY79" fmla="*/ 2726489 h 6858000"/>
+              <a:gd name="connsiteX80" fmla="*/ 4976218 w 6096000"/>
+              <a:gd name="connsiteY80" fmla="*/ 2740278 h 6858000"/>
+              <a:gd name="connsiteX81" fmla="*/ 4980571 w 6096000"/>
+              <a:gd name="connsiteY81" fmla="*/ 2751112 h 6858000"/>
+              <a:gd name="connsiteX82" fmla="*/ 4973893 w 6096000"/>
+              <a:gd name="connsiteY82" fmla="*/ 2760208 h 6858000"/>
+              <a:gd name="connsiteX83" fmla="*/ 4979005 w 6096000"/>
+              <a:gd name="connsiteY83" fmla="*/ 2790136 h 6858000"/>
+              <a:gd name="connsiteX84" fmla="*/ 4986137 w 6096000"/>
+              <a:gd name="connsiteY84" fmla="*/ 2804183 h 6858000"/>
+              <a:gd name="connsiteX85" fmla="*/ 4986175 w 6096000"/>
+              <a:gd name="connsiteY85" fmla="*/ 2825860 h 6858000"/>
+              <a:gd name="connsiteX86" fmla="*/ 4993936 w 6096000"/>
+              <a:gd name="connsiteY86" fmla="*/ 2911749 h 6858000"/>
+              <a:gd name="connsiteX87" fmla="*/ 4992563 w 6096000"/>
+              <a:gd name="connsiteY87" fmla="*/ 2977278 h 6858000"/>
+              <a:gd name="connsiteX88" fmla="*/ 4980516 w 6096000"/>
+              <a:gd name="connsiteY88" fmla="*/ 2991092 h 6858000"/>
+              <a:gd name="connsiteX89" fmla="*/ 4992801 w 6096000"/>
+              <a:gd name="connsiteY89" fmla="*/ 3020247 h 6858000"/>
+              <a:gd name="connsiteX90" fmla="*/ 5014805 w 6096000"/>
+              <a:gd name="connsiteY90" fmla="*/ 3065434 h 6858000"/>
+              <a:gd name="connsiteX91" fmla="*/ 5002733 w 6096000"/>
+              <a:gd name="connsiteY91" fmla="*/ 3103777 h 6858000"/>
+              <a:gd name="connsiteX92" fmla="*/ 5002941 w 6096000"/>
+              <a:gd name="connsiteY92" fmla="*/ 3151828 h 6858000"/>
+              <a:gd name="connsiteX93" fmla="*/ 5002883 w 6096000"/>
+              <a:gd name="connsiteY93" fmla="*/ 3180546 h 6858000"/>
+              <a:gd name="connsiteX94" fmla="*/ 5016711 w 6096000"/>
+              <a:gd name="connsiteY94" fmla="*/ 3258677 h 6858000"/>
+              <a:gd name="connsiteX95" fmla="*/ 5017918 w 6096000"/>
+              <a:gd name="connsiteY95" fmla="*/ 3262610 h 6858000"/>
+              <a:gd name="connsiteX96" fmla="*/ 5011672 w 6096000"/>
+              <a:gd name="connsiteY96" fmla="*/ 3277179 h 6858000"/>
+              <a:gd name="connsiteX97" fmla="*/ 5009344 w 6096000"/>
+              <a:gd name="connsiteY97" fmla="*/ 3278130 h 6858000"/>
+              <a:gd name="connsiteX98" fmla="*/ 5026770 w 6096000"/>
+              <a:gd name="connsiteY98" fmla="*/ 3325671 h 6858000"/>
+              <a:gd name="connsiteX99" fmla="*/ 5024571 w 6096000"/>
+              <a:gd name="connsiteY99" fmla="*/ 3332072 h 6858000"/>
+              <a:gd name="connsiteX100" fmla="*/ 5041705 w 6096000"/>
+              <a:gd name="connsiteY100" fmla="*/ 3362948 h 6858000"/>
+              <a:gd name="connsiteX101" fmla="*/ 5047477 w 6096000"/>
+              <a:gd name="connsiteY101" fmla="*/ 3378959 h 6858000"/>
+              <a:gd name="connsiteX102" fmla="*/ 5060758 w 6096000"/>
+              <a:gd name="connsiteY102" fmla="*/ 3407057 h 6858000"/>
+              <a:gd name="connsiteX103" fmla="*/ 5058968 w 6096000"/>
+              <a:gd name="connsiteY103" fmla="*/ 3409825 h 6858000"/>
+              <a:gd name="connsiteX104" fmla="*/ 5062667 w 6096000"/>
+              <a:gd name="connsiteY104" fmla="*/ 3415218 h 6858000"/>
+              <a:gd name="connsiteX105" fmla="*/ 5060928 w 6096000"/>
+              <a:gd name="connsiteY105" fmla="*/ 3419880 h 6858000"/>
+              <a:gd name="connsiteX106" fmla="*/ 5062923 w 6096000"/>
+              <a:gd name="connsiteY106" fmla="*/ 3424545 h 6858000"/>
+              <a:gd name="connsiteX107" fmla="*/ 5064623 w 6096000"/>
+              <a:gd name="connsiteY107" fmla="*/ 3476412 h 6858000"/>
+              <a:gd name="connsiteX108" fmla="*/ 5069684 w 6096000"/>
+              <a:gd name="connsiteY108" fmla="*/ 3486850 h 6858000"/>
+              <a:gd name="connsiteX109" fmla="*/ 5063339 w 6096000"/>
+              <a:gd name="connsiteY109" fmla="*/ 3496391 h 6858000"/>
+              <a:gd name="connsiteX110" fmla="*/ 5070139 w 6096000"/>
+              <a:gd name="connsiteY110" fmla="*/ 3531201 h 6858000"/>
+              <a:gd name="connsiteX111" fmla="*/ 5079896 w 6096000"/>
+              <a:gd name="connsiteY111" fmla="*/ 3542019 h 6858000"/>
+              <a:gd name="connsiteX112" fmla="*/ 5087540 w 6096000"/>
+              <a:gd name="connsiteY112" fmla="*/ 3552249 h 6858000"/>
+              <a:gd name="connsiteX113" fmla="*/ 5087902 w 6096000"/>
+              <a:gd name="connsiteY113" fmla="*/ 3553678 h 6858000"/>
+              <a:gd name="connsiteX114" fmla="*/ 5091509 w 6096000"/>
+              <a:gd name="connsiteY114" fmla="*/ 3568021 h 6858000"/>
+              <a:gd name="connsiteX115" fmla="*/ 5091934 w 6096000"/>
+              <a:gd name="connsiteY115" fmla="*/ 3569719 h 6858000"/>
+              <a:gd name="connsiteX116" fmla="*/ 5089362 w 6096000"/>
+              <a:gd name="connsiteY116" fmla="*/ 3586412 h 6858000"/>
+              <a:gd name="connsiteX117" fmla="*/ 5092358 w 6096000"/>
+              <a:gd name="connsiteY117" fmla="*/ 3597336 h 6858000"/>
+              <a:gd name="connsiteX118" fmla="*/ 5084254 w 6096000"/>
+              <a:gd name="connsiteY118" fmla="*/ 3606007 h 6858000"/>
+              <a:gd name="connsiteX119" fmla="*/ 5084281 w 6096000"/>
+              <a:gd name="connsiteY119" fmla="*/ 3641228 h 6858000"/>
+              <a:gd name="connsiteX120" fmla="*/ 5091848 w 6096000"/>
+              <a:gd name="connsiteY120" fmla="*/ 3653088 h 6858000"/>
+              <a:gd name="connsiteX121" fmla="*/ 5097436 w 6096000"/>
+              <a:gd name="connsiteY121" fmla="*/ 3664114 h 6858000"/>
+              <a:gd name="connsiteX122" fmla="*/ 5097518 w 6096000"/>
+              <a:gd name="connsiteY122" fmla="*/ 3665569 h 6858000"/>
+              <a:gd name="connsiteX123" fmla="*/ 5099829 w 6096000"/>
+              <a:gd name="connsiteY123" fmla="*/ 3707357 h 6858000"/>
+              <a:gd name="connsiteX124" fmla="*/ 5114696 w 6096000"/>
+              <a:gd name="connsiteY124" fmla="*/ 3778166 h 6858000"/>
+              <a:gd name="connsiteX125" fmla="*/ 5135379 w 6096000"/>
+              <a:gd name="connsiteY125" fmla="*/ 3878222 h 6858000"/>
+              <a:gd name="connsiteX126" fmla="*/ 5130138 w 6096000"/>
+              <a:gd name="connsiteY126" fmla="*/ 4048117 h 6858000"/>
+              <a:gd name="connsiteX127" fmla="*/ 5090040 w 6096000"/>
+              <a:gd name="connsiteY127" fmla="*/ 4219510 h 6858000"/>
+              <a:gd name="connsiteX128" fmla="*/ 5092812 w 6096000"/>
+              <a:gd name="connsiteY128" fmla="*/ 4411258 h 6858000"/>
+              <a:gd name="connsiteX129" fmla="*/ 5084599 w 6096000"/>
+              <a:gd name="connsiteY129" fmla="*/ 4488531 h 6858000"/>
+              <a:gd name="connsiteX130" fmla="*/ 5084072 w 6096000"/>
+              <a:gd name="connsiteY130" fmla="*/ 4539168 h 6858000"/>
+              <a:gd name="connsiteX131" fmla="*/ 5068936 w 6096000"/>
+              <a:gd name="connsiteY131" fmla="*/ 4625153 h 6858000"/>
+              <a:gd name="connsiteX132" fmla="*/ 5059114 w 6096000"/>
+              <a:gd name="connsiteY132" fmla="*/ 4733115 h 6858000"/>
+              <a:gd name="connsiteX133" fmla="*/ 5037209 w 6096000"/>
+              <a:gd name="connsiteY133" fmla="*/ 4844323 h 6858000"/>
+              <a:gd name="connsiteX134" fmla="*/ 5020638 w 6096000"/>
+              <a:gd name="connsiteY134" fmla="*/ 4877992 h 6858000"/>
+              <a:gd name="connsiteX135" fmla="*/ 5006413 w 6096000"/>
+              <a:gd name="connsiteY135" fmla="*/ 4925805 h 6858000"/>
+              <a:gd name="connsiteX136" fmla="*/ 4971037 w 6096000"/>
+              <a:gd name="connsiteY136" fmla="*/ 5009272 h 6858000"/>
+              <a:gd name="connsiteX137" fmla="*/ 4963105 w 6096000"/>
+              <a:gd name="connsiteY137" fmla="*/ 5111369 h 6858000"/>
+              <a:gd name="connsiteX138" fmla="*/ 4976341 w 6096000"/>
+              <a:gd name="connsiteY138" fmla="*/ 5210876 h 6858000"/>
+              <a:gd name="connsiteX139" fmla="*/ 4980617 w 6096000"/>
+              <a:gd name="connsiteY139" fmla="*/ 5269726 h 6858000"/>
+              <a:gd name="connsiteX140" fmla="*/ 4997733 w 6096000"/>
+              <a:gd name="connsiteY140" fmla="*/ 5464225 h 6858000"/>
+              <a:gd name="connsiteX141" fmla="*/ 5001400 w 6096000"/>
+              <a:gd name="connsiteY141" fmla="*/ 5594585 h 6858000"/>
+              <a:gd name="connsiteX142" fmla="*/ 4983700 w 6096000"/>
+              <a:gd name="connsiteY142" fmla="*/ 5667896 h 6858000"/>
+              <a:gd name="connsiteX143" fmla="*/ 4968506 w 6096000"/>
+              <a:gd name="connsiteY143" fmla="*/ 5769225 h 6858000"/>
+              <a:gd name="connsiteX144" fmla="*/ 4969765 w 6096000"/>
+              <a:gd name="connsiteY144" fmla="*/ 5823324 h 6858000"/>
+              <a:gd name="connsiteX145" fmla="*/ 4966129 w 6096000"/>
+              <a:gd name="connsiteY145" fmla="*/ 5862699 h 6858000"/>
+              <a:gd name="connsiteX146" fmla="*/ 4970695 w 6096000"/>
+              <a:gd name="connsiteY146" fmla="*/ 5906467 h 6858000"/>
+              <a:gd name="connsiteX147" fmla="*/ 4991568 w 6096000"/>
+              <a:gd name="connsiteY147" fmla="*/ 5939847 h 6858000"/>
+              <a:gd name="connsiteX148" fmla="*/ 4986815 w 6096000"/>
+              <a:gd name="connsiteY148" fmla="*/ 5973994 h 6858000"/>
+              <a:gd name="connsiteX149" fmla="*/ 4987776 w 6096000"/>
+              <a:gd name="connsiteY149" fmla="*/ 6089693 h 6858000"/>
+              <a:gd name="connsiteX150" fmla="*/ 4991621 w 6096000"/>
+              <a:gd name="connsiteY150" fmla="*/ 6224938 h 6858000"/>
+              <a:gd name="connsiteX151" fmla="*/ 5017157 w 6096000"/>
+              <a:gd name="connsiteY151" fmla="*/ 6370251 h 6858000"/>
+              <a:gd name="connsiteX152" fmla="*/ 5040797 w 6096000"/>
+              <a:gd name="connsiteY152" fmla="*/ 6541313 h 6858000"/>
+              <a:gd name="connsiteX153" fmla="*/ 5045375 w 6096000"/>
+              <a:gd name="connsiteY153" fmla="*/ 6640957 h 6858000"/>
+              <a:gd name="connsiteX154" fmla="*/ 5058442 w 6096000"/>
+              <a:gd name="connsiteY154" fmla="*/ 6705297 h 6858000"/>
+              <a:gd name="connsiteX155" fmla="*/ 5071125 w 6096000"/>
+              <a:gd name="connsiteY155" fmla="*/ 6759582 h 6858000"/>
+              <a:gd name="connsiteX156" fmla="*/ 5069172 w 6096000"/>
+              <a:gd name="connsiteY156" fmla="*/ 6817746 h 6858000"/>
+              <a:gd name="connsiteX157" fmla="*/ 5072322 w 6096000"/>
+              <a:gd name="connsiteY157" fmla="*/ 6843646 h 6858000"/>
+              <a:gd name="connsiteX158" fmla="*/ 5091388 w 6096000"/>
+              <a:gd name="connsiteY158" fmla="*/ 6857998 h 6858000"/>
+              <a:gd name="connsiteX159" fmla="*/ 6096000 w 6096000"/>
+              <a:gd name="connsiteY159" fmla="*/ 6857998 h 6858000"/>
+              <a:gd name="connsiteX160" fmla="*/ 6096000 w 6096000"/>
+              <a:gd name="connsiteY160" fmla="*/ 6858000 h 6858000"/>
+              <a:gd name="connsiteX161" fmla="*/ 0 w 6096000"/>
+              <a:gd name="connsiteY161" fmla="*/ 6858000 h 6858000"/>
+            </a:gdLst>
+            <a:ahLst/>
+            <a:cxnLst>
+              <a:cxn ang="0">
+                <a:pos x="connsiteX0" y="connsiteY0"/>
+              </a:cxn>
+              <a:cxn ang="0">
+                <a:pos x="connsiteX1" y="connsiteY1"/>
+              </a:cxn>
+              <a:cxn ang="0">
+                <a:pos x="connsiteX2" y="connsiteY2"/>
+              </a:cxn>
+              <a:cxn ang="0">
+                <a:pos x="connsiteX3" y="connsiteY3"/>
+              </a:cxn>
+              <a:cxn ang="0">
+                <a:pos x="connsiteX4" y="connsiteY4"/>
+              </a:cxn>
+              <a:cxn ang="0">
+                <a:pos x="connsiteX5" y="connsiteY5"/>
+              </a:cxn>
+              <a:cxn ang="0">
+                <a:pos x="connsiteX6" y="connsiteY6"/>
+              </a:cxn>
+              <a:cxn ang="0">
+                <a:pos x="connsiteX7" y="connsiteY7"/>
+              </a:cxn>
+              <a:cxn ang="0">
+                <a:pos x="connsiteX8" y="connsiteY8"/>
+              </a:cxn>
+              <a:cxn ang="0">
+                <a:pos x="connsiteX9" y="connsiteY9"/>
+              </a:cxn>
+              <a:cxn ang="0">
+                <a:pos x="connsiteX10" y="connsiteY10"/>
+              </a:cxn>
+              <a:cxn ang="0">
+                <a:pos x="connsiteX11" y="connsiteY11"/>
+              </a:cxn>
+              <a:cxn ang="0">
+                <a:pos x="connsiteX12" y="connsiteY12"/>
+              </a:cxn>
+              <a:cxn ang="0">
+                <a:pos x="connsiteX13" y="connsiteY13"/>
+              </a:cxn>
+              <a:cxn ang="0">
+                <a:pos x="connsiteX14" y="connsiteY14"/>
+              </a:cxn>
+              <a:cxn ang="0">
+                <a:pos x="connsiteX15" y="connsiteY15"/>
+              </a:cxn>
+              <a:cxn ang="0">
+                <a:pos x="connsiteX16" y="connsiteY16"/>
+              </a:cxn>
+              <a:cxn ang="0">
+                <a:pos x="connsiteX17" y="connsiteY17"/>
+              </a:cxn>
+              <a:cxn ang="0">
+                <a:pos x="connsiteX18" y="connsiteY18"/>
+              </a:cxn>
+              <a:cxn ang="0">
+                <a:pos x="connsiteX19" y="connsiteY19"/>
+              </a:cxn>
+              <a:cxn ang="0">
+                <a:pos x="connsiteX20" y="connsiteY20"/>
+              </a:cxn>
+              <a:cxn ang="0">
+                <a:pos x="connsiteX21" y="connsiteY21"/>
+              </a:cxn>
+              <a:cxn ang="0">
+                <a:pos x="connsiteX22" y="connsiteY22"/>
+              </a:cxn>
+              <a:cxn ang="0">
+                <a:pos x="connsiteX23" y="connsiteY23"/>
+              </a:cxn>
+              <a:cxn ang="0">
+                <a:pos x="connsiteX24" y="connsiteY24"/>
+              </a:cxn>
+              <a:cxn ang="0">
+                <a:pos x="connsiteX25" y="connsiteY25"/>
+              </a:cxn>
+              <a:cxn ang="0">
+                <a:pos x="connsiteX26" y="connsiteY26"/>
+              </a:cxn>
+              <a:cxn ang="0">
+                <a:pos x="connsiteX27" y="connsiteY27"/>
+              </a:cxn>
+              <a:cxn ang="0">
+                <a:pos x="connsiteX28" y="connsiteY28"/>
+              </a:cxn>
+              <a:cxn ang="0">
+                <a:pos x="connsiteX29" y="connsiteY29"/>
+              </a:cxn>
+              <a:cxn ang="0">
+                <a:pos x="connsiteX30" y="connsiteY30"/>
+              </a:cxn>
+              <a:cxn ang="0">
+                <a:pos x="connsiteX31" y="connsiteY31"/>
+              </a:cxn>
+              <a:cxn ang="0">
+                <a:pos x="connsiteX32" y="connsiteY32"/>
+              </a:cxn>
+              <a:cxn ang="0">
+                <a:pos x="connsiteX33" y="connsiteY33"/>
+              </a:cxn>
+              <a:cxn ang="0">
+                <a:pos x="connsiteX34" y="connsiteY34"/>
+              </a:cxn>
+              <a:cxn ang="0">
+                <a:pos x="connsiteX35" y="connsiteY35"/>
+              </a:cxn>
+              <a:cxn ang="0">
+                <a:pos x="connsiteX36" y="connsiteY36"/>
+              </a:cxn>
+              <a:cxn ang="0">
+                <a:pos x="connsiteX37" y="connsiteY37"/>
+              </a:cxn>
+              <a:cxn ang="0">
+                <a:pos x="connsiteX38" y="connsiteY38"/>
+              </a:cxn>
+              <a:cxn ang="0">
+                <a:pos x="connsiteX39" y="connsiteY39"/>
+              </a:cxn>
+              <a:cxn ang="0">
+                <a:pos x="connsiteX40" y="connsiteY40"/>
+              </a:cxn>
+              <a:cxn ang="0">
+                <a:pos x="connsiteX41" y="connsiteY41"/>
+              </a:cxn>
+              <a:cxn ang="0">
+                <a:pos x="connsiteX42" y="connsiteY42"/>
+              </a:cxn>
+              <a:cxn ang="0">
+                <a:pos x="connsiteX43" y="connsiteY43"/>
+              </a:cxn>
+              <a:cxn ang="0">
+                <a:pos x="connsiteX44" y="connsiteY44"/>
+              </a:cxn>
+              <a:cxn ang="0">
+                <a:pos x="connsiteX45" y="connsiteY45"/>
+              </a:cxn>
+              <a:cxn ang="0">
+                <a:pos x="connsiteX46" y="connsiteY46"/>
+              </a:cxn>
+              <a:cxn ang="0">
+                <a:pos x="connsiteX47" y="connsiteY47"/>
+              </a:cxn>
+              <a:cxn ang="0">
+                <a:pos x="connsiteX48" y="connsiteY48"/>
+              </a:cxn>
+              <a:cxn ang="0">
+                <a:pos x="connsiteX49" y="connsiteY49"/>
+              </a:cxn>
+              <a:cxn ang="0">
+                <a:pos x="connsiteX50" y="connsiteY50"/>
+              </a:cxn>
+              <a:cxn ang="0">
+                <a:pos x="connsiteX51" y="connsiteY51"/>
+              </a:cxn>
+              <a:cxn ang="0">
+                <a:pos x="connsiteX52" y="connsiteY52"/>
+              </a:cxn>
+              <a:cxn ang="0">
+                <a:pos x="connsiteX53" y="connsiteY53"/>
+              </a:cxn>
+              <a:cxn ang="0">
+                <a:pos x="connsiteX54" y="connsiteY54"/>
+              </a:cxn>
+              <a:cxn ang="0">
+                <a:pos x="connsiteX55" y="connsiteY55"/>
+              </a:cxn>
+              <a:cxn ang="0">
+                <a:pos x="connsiteX56" y="connsiteY56"/>
+              </a:cxn>
+              <a:cxn ang="0">
+                <a:pos x="connsiteX57" y="connsiteY57"/>
+              </a:cxn>
+              <a:cxn ang="0">
+                <a:pos x="connsiteX58" y="connsiteY58"/>
+              </a:cxn>
+              <a:cxn ang="0">
+                <a:pos x="connsiteX59" y="connsiteY59"/>
+              </a:cxn>
+              <a:cxn ang="0">
+                <a:pos x="connsiteX60" y="connsiteY60"/>
+              </a:cxn>
+              <a:cxn ang="0">
+                <a:pos x="connsiteX61" y="connsiteY61"/>
+              </a:cxn>
+              <a:cxn ang="0">
+                <a:pos x="connsiteX62" y="connsiteY62"/>
+              </a:cxn>
+              <a:cxn ang="0">
+                <a:pos x="connsiteX63" y="connsiteY63"/>
+              </a:cxn>
+              <a:cxn ang="0">
+                <a:pos x="connsiteX64" y="connsiteY64"/>
+              </a:cxn>
+              <a:cxn ang="0">
+                <a:pos x="connsiteX65" y="connsiteY65"/>
+              </a:cxn>
+              <a:cxn ang="0">
+                <a:pos x="connsiteX66" y="connsiteY66"/>
+              </a:cxn>
+              <a:cxn ang="0">
+                <a:pos x="connsiteX67" y="connsiteY67"/>
+              </a:cxn>
+              <a:cxn ang="0">
+                <a:pos x="connsiteX68" y="connsiteY68"/>
+              </a:cxn>
+              <a:cxn ang="0">
+                <a:pos x="connsiteX69" y="connsiteY69"/>
+              </a:cxn>
+              <a:cxn ang="0">
+                <a:pos x="connsiteX70" y="connsiteY70"/>
+              </a:cxn>
+              <a:cxn ang="0">
+                <a:pos x="connsiteX71" y="connsiteY71"/>
+              </a:cxn>
+              <a:cxn ang="0">
+                <a:pos x="connsiteX72" y="connsiteY72"/>
+              </a:cxn>
+              <a:cxn ang="0">
+                <a:pos x="connsiteX73" y="connsiteY73"/>
+              </a:cxn>
+              <a:cxn ang="0">
+                <a:pos x="connsiteX74" y="connsiteY74"/>
+              </a:cxn>
+              <a:cxn ang="0">
+                <a:pos x="connsiteX75" y="connsiteY75"/>
+              </a:cxn>
+              <a:cxn ang="0">
+                <a:pos x="connsiteX76" y="connsiteY76"/>
+              </a:cxn>
+              <a:cxn ang="0">
+                <a:pos x="connsiteX77" y="connsiteY77"/>
+              </a:cxn>
+              <a:cxn ang="0">
+                <a:pos x="connsiteX78" y="connsiteY78"/>
+              </a:cxn>
+              <a:cxn ang="0">
+                <a:pos x="connsiteX79" y="connsiteY79"/>
+              </a:cxn>
+              <a:cxn ang="0">
+                <a:pos x="connsiteX80" y="connsiteY80"/>
+              </a:cxn>
+              <a:cxn ang="0">
+                <a:pos x="connsiteX81" y="connsiteY81"/>
+              </a:cxn>
+              <a:cxn ang="0">
+                <a:pos x="connsiteX82" y="connsiteY82"/>
+              </a:cxn>
+              <a:cxn ang="0">
+                <a:pos x="connsiteX83" y="connsiteY83"/>
+              </a:cxn>
+              <a:cxn ang="0">
+                <a:pos x="connsiteX84" y="connsiteY84"/>
+              </a:cxn>
+              <a:cxn ang="0">
+                <a:pos x="connsiteX85" y="connsiteY85"/>
+              </a:cxn>
+              <a:cxn ang="0">
+                <a:pos x="connsiteX86" y="connsiteY86"/>
+              </a:cxn>
+              <a:cxn ang="0">
+                <a:pos x="connsiteX87" y="connsiteY87"/>
+              </a:cxn>
+              <a:cxn ang="0">
+                <a:pos x="connsiteX88" y="connsiteY88"/>
+              </a:cxn>
+              <a:cxn ang="0">
+                <a:pos x="connsiteX89" y="connsiteY89"/>
+              </a:cxn>
+              <a:cxn ang="0">
+                <a:pos x="connsiteX90" y="connsiteY90"/>
+              </a:cxn>
+              <a:cxn ang="0">
+                <a:pos x="connsiteX91" y="connsiteY91"/>
+              </a:cxn>
+              <a:cxn ang="0">
+                <a:pos x="connsiteX92" y="connsiteY92"/>
+              </a:cxn>
+              <a:cxn ang="0">
+                <a:pos x="connsiteX93" y="connsiteY93"/>
+              </a:cxn>
+              <a:cxn ang="0">
+                <a:pos x="connsiteX94" y="connsiteY94"/>
+              </a:cxn>
+              <a:cxn ang="0">
+                <a:pos x="connsiteX95" y="connsiteY95"/>
+              </a:cxn>
+              <a:cxn ang="0">
+                <a:pos x="connsiteX96" y="connsiteY96"/>
+              </a:cxn>
+              <a:cxn ang="0">
+                <a:pos x="connsiteX97" y="connsiteY97"/>
+              </a:cxn>
+              <a:cxn ang="0">
+                <a:pos x="connsiteX98" y="connsiteY98"/>
+              </a:cxn>
+              <a:cxn ang="0">
+                <a:pos x="connsiteX99" y="connsiteY99"/>
+              </a:cxn>
+              <a:cxn ang="0">
+                <a:pos x="connsiteX100" y="connsiteY100"/>
+              </a:cxn>
+              <a:cxn ang="0">
+                <a:pos x="connsiteX101" y="connsiteY101"/>
+              </a:cxn>
+              <a:cxn ang="0">
+                <a:pos x="connsiteX102" y="connsiteY102"/>
+              </a:cxn>
+              <a:cxn ang="0">
+                <a:pos x="connsiteX103" y="connsiteY103"/>
+              </a:cxn>
+              <a:cxn ang="0">
+                <a:pos x="connsiteX104" y="connsiteY104"/>
+              </a:cxn>
+              <a:cxn ang="0">
+                <a:pos x="connsiteX105" y="connsiteY105"/>
+              </a:cxn>
+              <a:cxn ang="0">
+                <a:pos x="connsiteX106" y="connsiteY106"/>
+              </a:cxn>
+              <a:cxn ang="0">
+                <a:pos x="connsiteX107" y="connsiteY107"/>
+              </a:cxn>
+              <a:cxn ang="0">
+                <a:pos x="connsiteX108" y="connsiteY108"/>
+              </a:cxn>
+              <a:cxn ang="0">
+                <a:pos x="connsiteX109" y="connsiteY109"/>
+              </a:cxn>
+              <a:cxn ang="0">
+                <a:pos x="connsiteX110" y="connsiteY110"/>
+              </a:cxn>
+              <a:cxn ang="0">
+                <a:pos x="connsiteX111" y="connsiteY111"/>
+              </a:cxn>
+              <a:cxn ang="0">
+                <a:pos x="connsiteX112" y="connsiteY112"/>
+              </a:cxn>
+              <a:cxn ang="0">
+                <a:pos x="connsiteX113" y="connsiteY113"/>
+              </a:cxn>
+              <a:cxn ang="0">
+                <a:pos x="connsiteX114" y="connsiteY114"/>
+              </a:cxn>
+              <a:cxn ang="0">
+                <a:pos x="connsiteX115" y="connsiteY115"/>
+              </a:cxn>
+              <a:cxn ang="0">
+                <a:pos x="connsiteX116" y="connsiteY116"/>
+              </a:cxn>
+              <a:cxn ang="0">
+                <a:pos x="connsiteX117" y="connsiteY117"/>
+              </a:cxn>
+              <a:cxn ang="0">
+                <a:pos x="connsiteX118" y="connsiteY118"/>
+              </a:cxn>
+              <a:cxn ang="0">
+                <a:pos x="connsiteX119" y="connsiteY119"/>
+              </a:cxn>
+              <a:cxn ang="0">
+                <a:pos x="connsiteX120" y="connsiteY120"/>
+              </a:cxn>
+              <a:cxn ang="0">
+                <a:pos x="connsiteX121" y="connsiteY121"/>
+              </a:cxn>
+              <a:cxn ang="0">
+                <a:pos x="connsiteX122" y="connsiteY122"/>
+              </a:cxn>
+              <a:cxn ang="0">
+                <a:pos x="connsiteX123" y="connsiteY123"/>
+              </a:cxn>
+              <a:cxn ang="0">
+                <a:pos x="connsiteX124" y="connsiteY124"/>
+              </a:cxn>
+              <a:cxn ang="0">
+                <a:pos x="connsiteX125" y="connsiteY125"/>
+              </a:cxn>
+              <a:cxn ang="0">
+                <a:pos x="connsiteX126" y="connsiteY126"/>
+              </a:cxn>
+              <a:cxn ang="0">
+                <a:pos x="connsiteX127" y="connsiteY127"/>
+              </a:cxn>
+              <a:cxn ang="0">
+                <a:pos x="connsiteX128" y="connsiteY128"/>
+              </a:cxn>
+              <a:cxn ang="0">
+                <a:pos x="connsiteX129" y="connsiteY129"/>
+              </a:cxn>
+              <a:cxn ang="0">
+                <a:pos x="connsiteX130" y="connsiteY130"/>
+              </a:cxn>
+              <a:cxn ang="0">
+                <a:pos x="connsiteX131" y="connsiteY131"/>
+              </a:cxn>
+              <a:cxn ang="0">
+                <a:pos x="connsiteX132" y="connsiteY132"/>
+              </a:cxn>
+              <a:cxn ang="0">
+                <a:pos x="connsiteX133" y="connsiteY133"/>
+              </a:cxn>
+              <a:cxn ang="0">
+                <a:pos x="connsiteX134" y="connsiteY134"/>
+              </a:cxn>
+              <a:cxn ang="0">
+                <a:pos x="connsiteX135" y="connsiteY135"/>
+              </a:cxn>
+              <a:cxn ang="0">
+                <a:pos x="connsiteX136" y="connsiteY136"/>
+              </a:cxn>
+              <a:cxn ang="0">
+                <a:pos x="connsiteX137" y="connsiteY137"/>
+              </a:cxn>
+              <a:cxn ang="0">
+                <a:pos x="connsiteX138" y="connsiteY138"/>
+              </a:cxn>
+              <a:cxn ang="0">
+                <a:pos x="connsiteX139" y="connsiteY139"/>
+              </a:cxn>
+              <a:cxn ang="0">
+                <a:pos x="connsiteX140" y="connsiteY140"/>
+              </a:cxn>
+              <a:cxn ang="0">
+                <a:pos x="connsiteX141" y="connsiteY141"/>
+              </a:cxn>
+              <a:cxn ang="0">
+                <a:pos x="connsiteX142" y="connsiteY142"/>
+              </a:cxn>
+              <a:cxn ang="0">
+                <a:pos x="connsiteX143" y="connsiteY143"/>
+              </a:cxn>
+              <a:cxn ang="0">
+                <a:pos x="connsiteX144" y="connsiteY144"/>
+              </a:cxn>
+              <a:cxn ang="0">
+                <a:pos x="connsiteX145" y="connsiteY145"/>
+              </a:cxn>
+              <a:cxn ang="0">
+                <a:pos x="connsiteX146" y="connsiteY146"/>
+              </a:cxn>
+              <a:cxn ang="0">
+                <a:pos x="connsiteX147" y="connsiteY147"/>
+              </a:cxn>
+              <a:cxn ang="0">
+                <a:pos x="connsiteX148" y="connsiteY148"/>
+              </a:cxn>
+              <a:cxn ang="0">
+                <a:pos x="connsiteX149" y="connsiteY149"/>
+              </a:cxn>
+              <a:cxn ang="0">
+                <a:pos x="connsiteX150" y="connsiteY150"/>
+              </a:cxn>
+              <a:cxn ang="0">
+                <a:pos x="connsiteX151" y="connsiteY151"/>
+              </a:cxn>
+              <a:cxn ang="0">
+                <a:pos x="connsiteX152" y="connsiteY152"/>
+              </a:cxn>
+              <a:cxn ang="0">
+                <a:pos x="connsiteX153" y="connsiteY153"/>
+              </a:cxn>
+              <a:cxn ang="0">
+                <a:pos x="connsiteX154" y="connsiteY154"/>
+              </a:cxn>
+              <a:cxn ang="0">
+                <a:pos x="connsiteX155" y="connsiteY155"/>
+              </a:cxn>
+              <a:cxn ang="0">
+                <a:pos x="connsiteX156" y="connsiteY156"/>
+              </a:cxn>
+              <a:cxn ang="0">
+                <a:pos x="connsiteX157" y="connsiteY157"/>
+              </a:cxn>
+              <a:cxn ang="0">
+                <a:pos x="connsiteX158" y="connsiteY158"/>
+              </a:cxn>
+              <a:cxn ang="0">
+                <a:pos x="connsiteX159" y="connsiteY159"/>
+              </a:cxn>
+              <a:cxn ang="0">
+                <a:pos x="connsiteX160" y="connsiteY160"/>
+              </a:cxn>
+              <a:cxn ang="0">
+                <a:pos x="connsiteX161" y="connsiteY161"/>
+              </a:cxn>
+            </a:cxnLst>
+            <a:rect l="l" t="t" r="r" b="b"/>
+            <a:pathLst>
+              <a:path w="6096000" h="6858000">
+                <a:moveTo>
+                  <a:pt x="0" y="0"/>
+                </a:moveTo>
+                <a:lnTo>
+                  <a:pt x="5567517" y="0"/>
+                </a:lnTo>
+                <a:lnTo>
+                  <a:pt x="5566938" y="1705"/>
+                </a:lnTo>
+                <a:cubicBezTo>
+                  <a:pt x="5563126" y="8440"/>
+                  <a:pt x="5558112" y="13784"/>
+                  <a:pt x="5551594" y="17287"/>
+                </a:cubicBezTo>
+                <a:cubicBezTo>
+                  <a:pt x="5562364" y="82036"/>
+                  <a:pt x="5510349" y="69804"/>
+                  <a:pt x="5545641" y="130336"/>
+                </a:cubicBezTo>
+                <a:cubicBezTo>
+                  <a:pt x="5526953" y="117589"/>
+                  <a:pt x="5536978" y="162458"/>
+                  <a:pt x="5538289" y="187093"/>
+                </a:cubicBezTo>
+                <a:cubicBezTo>
+                  <a:pt x="5536205" y="226511"/>
+                  <a:pt x="5545722" y="205530"/>
+                  <a:pt x="5545790" y="265704"/>
+                </a:cubicBezTo>
+                <a:cubicBezTo>
+                  <a:pt x="5542296" y="317533"/>
+                  <a:pt x="5543813" y="325288"/>
+                  <a:pt x="5542313" y="354566"/>
+                </a:cubicBezTo>
+                <a:lnTo>
+                  <a:pt x="5524126" y="472000"/>
+                </a:lnTo>
+                <a:lnTo>
+                  <a:pt x="5522170" y="473782"/>
+                </a:lnTo>
+                <a:cubicBezTo>
+                  <a:pt x="5517847" y="482008"/>
+                  <a:pt x="5518682" y="487340"/>
+                  <a:pt x="5521798" y="491380"/>
+                </a:cubicBezTo>
+                <a:lnTo>
+                  <a:pt x="5536419" y="531675"/>
+                </a:lnTo>
+                <a:lnTo>
+                  <a:pt x="5533435" y="536015"/>
+                </a:lnTo>
+                <a:lnTo>
+                  <a:pt x="5538088" y="572092"/>
+                </a:lnTo>
+                <a:lnTo>
+                  <a:pt x="5536061" y="572511"/>
+                </a:lnTo>
+                <a:cubicBezTo>
+                  <a:pt x="5531611" y="574271"/>
+                  <a:pt x="5528529" y="577121"/>
+                  <a:pt x="5528218" y="582332"/>
+                </a:cubicBezTo>
+                <a:cubicBezTo>
+                  <a:pt x="5498002" y="573171"/>
+                  <a:pt x="5516262" y="585107"/>
+                  <a:pt x="5518011" y="601285"/>
+                </a:cubicBezTo>
+                <a:cubicBezTo>
+                  <a:pt x="5508838" y="617831"/>
+                  <a:pt x="5480684" y="666964"/>
+                  <a:pt x="5473174" y="681608"/>
+                </a:cubicBezTo>
+                <a:cubicBezTo>
+                  <a:pt x="5473102" y="684122"/>
+                  <a:pt x="5473033" y="686637"/>
+                  <a:pt x="5472963" y="689151"/>
+                </a:cubicBezTo>
+                <a:lnTo>
+                  <a:pt x="5472485" y="689289"/>
+                </a:lnTo>
+                <a:cubicBezTo>
+                  <a:pt x="5471434" y="690905"/>
+                  <a:pt x="5470986" y="693376"/>
+                  <a:pt x="5471326" y="697222"/>
+                </a:cubicBezTo>
+                <a:cubicBezTo>
+                  <a:pt x="5471606" y="703992"/>
+                  <a:pt x="5471884" y="710761"/>
+                  <a:pt x="5472164" y="717531"/>
+                </a:cubicBezTo>
+                <a:lnTo>
+                  <a:pt x="5468891" y="722494"/>
+                </a:lnTo>
+                <a:lnTo>
+                  <a:pt x="5463081" y="724368"/>
+                </a:lnTo>
+                <a:lnTo>
+                  <a:pt x="5446981" y="752692"/>
+                </a:lnTo>
+                <a:cubicBezTo>
+                  <a:pt x="5454691" y="764380"/>
+                  <a:pt x="5422719" y="808083"/>
+                  <a:pt x="5417190" y="816346"/>
+                </a:cubicBezTo>
+                <a:lnTo>
+                  <a:pt x="5388958" y="889417"/>
+                </a:lnTo>
+                <a:cubicBezTo>
+                  <a:pt x="5320491" y="969963"/>
+                  <a:pt x="5321907" y="1005331"/>
+                  <a:pt x="5307044" y="1063288"/>
+                </a:cubicBezTo>
+                <a:cubicBezTo>
+                  <a:pt x="5313332" y="1111028"/>
+                  <a:pt x="5317096" y="1110140"/>
+                  <a:pt x="5303837" y="1157176"/>
+                </a:cubicBezTo>
+                <a:cubicBezTo>
+                  <a:pt x="5301103" y="1192124"/>
+                  <a:pt x="5301884" y="1197232"/>
+                  <a:pt x="5286494" y="1210776"/>
+                </a:cubicBezTo>
+                <a:lnTo>
+                  <a:pt x="5282463" y="1301993"/>
+                </a:lnTo>
+                <a:lnTo>
+                  <a:pt x="5252235" y="1360879"/>
+                </a:lnTo>
+                <a:lnTo>
+                  <a:pt x="5244497" y="1404045"/>
+                </a:lnTo>
+                <a:lnTo>
+                  <a:pt x="5223823" y="1429568"/>
+                </a:lnTo>
+                <a:lnTo>
+                  <a:pt x="5224851" y="1430305"/>
+                </a:lnTo>
+                <a:cubicBezTo>
+                  <a:pt x="5226697" y="1432466"/>
+                  <a:pt x="5214738" y="1459891"/>
+                  <a:pt x="5212394" y="1463304"/>
+                </a:cubicBezTo>
+                <a:cubicBezTo>
+                  <a:pt x="5209912" y="1477394"/>
+                  <a:pt x="5213027" y="1501295"/>
+                  <a:pt x="5209958" y="1514846"/>
+                </a:cubicBezTo>
+                <a:lnTo>
+                  <a:pt x="5206417" y="1519731"/>
+                </a:lnTo>
+                <a:lnTo>
+                  <a:pt x="5206640" y="1519929"/>
+                </a:lnTo>
+                <a:cubicBezTo>
+                  <a:pt x="5206490" y="1521210"/>
+                  <a:pt x="5209710" y="1543635"/>
+                  <a:pt x="5207632" y="1546022"/>
+                </a:cubicBezTo>
+                <a:lnTo>
+                  <a:pt x="5212030" y="1578752"/>
+                </a:lnTo>
+                <a:cubicBezTo>
+                  <a:pt x="5206147" y="1605585"/>
+                  <a:pt x="5226381" y="1622803"/>
+                  <a:pt x="5203533" y="1647555"/>
+                </a:cubicBezTo>
+                <a:cubicBezTo>
+                  <a:pt x="5198128" y="1672675"/>
+                  <a:pt x="5203213" y="1694404"/>
+                  <a:pt x="5190877" y="1715685"/>
+                </a:cubicBezTo>
+                <a:cubicBezTo>
+                  <a:pt x="5196815" y="1724301"/>
+                  <a:pt x="5198098" y="1732435"/>
+                  <a:pt x="5184235" y="1740358"/>
+                </a:cubicBezTo>
+                <a:cubicBezTo>
+                  <a:pt x="5182625" y="1763793"/>
+                  <a:pt x="5198368" y="1769422"/>
+                  <a:pt x="5181475" y="1784314"/>
+                </a:cubicBezTo>
+                <a:cubicBezTo>
+                  <a:pt x="5205987" y="1797417"/>
+                  <a:pt x="5195246" y="1798221"/>
+                  <a:pt x="5185845" y="1804434"/>
+                </a:cubicBezTo>
+                <a:lnTo>
+                  <a:pt x="5185068" y="1805316"/>
+                </a:lnTo>
+                <a:lnTo>
+                  <a:pt x="5188593" y="1807109"/>
+                </a:lnTo>
+                <a:lnTo>
+                  <a:pt x="5185920" y="1821003"/>
+                </a:lnTo>
+                <a:lnTo>
+                  <a:pt x="5183543" y="1824832"/>
+                </a:lnTo>
+                <a:cubicBezTo>
+                  <a:pt x="5182284" y="1827468"/>
+                  <a:pt x="5181937" y="1829219"/>
+                  <a:pt x="5182235" y="1830429"/>
+                </a:cubicBezTo>
+                <a:lnTo>
+                  <a:pt x="5182525" y="1830569"/>
+                </a:lnTo>
+                <a:lnTo>
+                  <a:pt x="5180663" y="1835810"/>
+                </a:lnTo>
+                <a:cubicBezTo>
+                  <a:pt x="5176779" y="1844665"/>
+                  <a:pt x="5172297" y="1853278"/>
+                  <a:pt x="5167452" y="1861483"/>
+                </a:cubicBezTo>
+                <a:cubicBezTo>
+                  <a:pt x="5179827" y="1866643"/>
+                  <a:pt x="5166788" y="1884999"/>
+                  <a:pt x="5174266" y="1892417"/>
+                </a:cubicBezTo>
+                <a:lnTo>
+                  <a:pt x="5189262" y="1895114"/>
+                </a:lnTo>
+                <a:lnTo>
+                  <a:pt x="5187100" y="1899379"/>
+                </a:lnTo>
+                <a:lnTo>
+                  <a:pt x="5180471" y="1907867"/>
+                </a:lnTo>
+                <a:cubicBezTo>
+                  <a:pt x="5179609" y="1909162"/>
+                  <a:pt x="5179647" y="1909994"/>
+                  <a:pt x="5181361" y="1910265"/>
+                </a:cubicBezTo>
+                <a:cubicBezTo>
+                  <a:pt x="5180995" y="1914884"/>
+                  <a:pt x="5177893" y="1930292"/>
+                  <a:pt x="5178268" y="1935584"/>
+                </a:cubicBezTo>
+                <a:lnTo>
+                  <a:pt x="5183619" y="1942021"/>
+                </a:lnTo>
+                <a:lnTo>
+                  <a:pt x="5184480" y="1945112"/>
+                </a:lnTo>
+                <a:lnTo>
+                  <a:pt x="5172776" y="1961162"/>
+                </a:lnTo>
+                <a:lnTo>
+                  <a:pt x="5168513" y="1969445"/>
+                </a:lnTo>
+                <a:lnTo>
+                  <a:pt x="5126597" y="2024270"/>
+                </a:lnTo>
+                <a:lnTo>
+                  <a:pt x="5119528" y="2107942"/>
+                </a:lnTo>
+                <a:cubicBezTo>
+                  <a:pt x="5089290" y="2138038"/>
+                  <a:pt x="5110415" y="2159228"/>
+                  <a:pt x="5110356" y="2193455"/>
+                </a:cubicBezTo>
+                <a:cubicBezTo>
+                  <a:pt x="5101302" y="2220953"/>
+                  <a:pt x="5110381" y="2224200"/>
+                  <a:pt x="5104992" y="2260088"/>
+                </a:cubicBezTo>
+                <a:cubicBezTo>
+                  <a:pt x="5096504" y="2291744"/>
+                  <a:pt x="5078225" y="2299003"/>
+                  <a:pt x="5059439" y="2335735"/>
+                </a:cubicBezTo>
+                <a:cubicBezTo>
+                  <a:pt x="5029465" y="2329020"/>
+                  <a:pt x="5058046" y="2407546"/>
+                  <a:pt x="5022061" y="2408995"/>
+                </a:cubicBezTo>
+                <a:cubicBezTo>
+                  <a:pt x="5023289" y="2413465"/>
+                  <a:pt x="5019654" y="2441580"/>
+                  <a:pt x="5022253" y="2445869"/>
+                </a:cubicBezTo>
+                <a:cubicBezTo>
+                  <a:pt x="5022440" y="2449625"/>
+                  <a:pt x="5011241" y="2492743"/>
+                  <a:pt x="5011426" y="2496499"/>
+                </a:cubicBezTo>
+                <a:lnTo>
+                  <a:pt x="4994224" y="2549900"/>
+                </a:lnTo>
+                <a:cubicBezTo>
+                  <a:pt x="4992353" y="2564757"/>
+                  <a:pt x="4998952" y="2582253"/>
+                  <a:pt x="4995245" y="2596456"/>
+                </a:cubicBezTo>
+                <a:lnTo>
+                  <a:pt x="4988570" y="2606088"/>
+                </a:lnTo>
+                <a:cubicBezTo>
+                  <a:pt x="4988504" y="2615842"/>
+                  <a:pt x="4988436" y="2625597"/>
+                  <a:pt x="4988371" y="2635351"/>
+                </a:cubicBezTo>
+                <a:lnTo>
+                  <a:pt x="4983212" y="2665666"/>
+                </a:lnTo>
+                <a:lnTo>
+                  <a:pt x="4968234" y="2715895"/>
+                </a:lnTo>
+                <a:lnTo>
+                  <a:pt x="4975888" y="2725052"/>
+                </a:lnTo>
+                <a:lnTo>
+                  <a:pt x="4980195" y="2726489"/>
+                </a:lnTo>
+                <a:lnTo>
+                  <a:pt x="4976218" y="2740278"/>
+                </a:lnTo>
+                <a:lnTo>
+                  <a:pt x="4980571" y="2751112"/>
+                </a:lnTo>
+                <a:lnTo>
+                  <a:pt x="4973893" y="2760208"/>
+                </a:lnTo>
+                <a:lnTo>
+                  <a:pt x="4979005" y="2790136"/>
+                </a:lnTo>
+                <a:lnTo>
+                  <a:pt x="4986137" y="2804183"/>
+                </a:lnTo>
+                <a:cubicBezTo>
+                  <a:pt x="4986150" y="2811409"/>
+                  <a:pt x="4986162" y="2818634"/>
+                  <a:pt x="4986175" y="2825860"/>
+                </a:cubicBezTo>
+                <a:cubicBezTo>
+                  <a:pt x="4987474" y="2843788"/>
+                  <a:pt x="4992871" y="2886513"/>
+                  <a:pt x="4993936" y="2911749"/>
+                </a:cubicBezTo>
+                <a:cubicBezTo>
+                  <a:pt x="4993313" y="2946689"/>
+                  <a:pt x="4980300" y="2954448"/>
+                  <a:pt x="4992563" y="2977278"/>
+                </a:cubicBezTo>
+                <a:cubicBezTo>
+                  <a:pt x="4985688" y="2983455"/>
+                  <a:pt x="4982051" y="2987749"/>
+                  <a:pt x="4980516" y="2991092"/>
+                </a:cubicBezTo>
+                <a:cubicBezTo>
+                  <a:pt x="4975910" y="3001119"/>
+                  <a:pt x="4990216" y="3002537"/>
+                  <a:pt x="4992801" y="3020247"/>
+                </a:cubicBezTo>
+                <a:cubicBezTo>
+                  <a:pt x="4998517" y="3032637"/>
+                  <a:pt x="5013148" y="3051512"/>
+                  <a:pt x="5014805" y="3065434"/>
+                </a:cubicBezTo>
+                <a:cubicBezTo>
+                  <a:pt x="4998836" y="3057428"/>
+                  <a:pt x="5016840" y="3105196"/>
+                  <a:pt x="5002733" y="3103777"/>
+                </a:cubicBezTo>
+                <a:cubicBezTo>
+                  <a:pt x="5022381" y="3124610"/>
+                  <a:pt x="4997365" y="3128169"/>
+                  <a:pt x="5002941" y="3151828"/>
+                </a:cubicBezTo>
+                <a:cubicBezTo>
+                  <a:pt x="5010264" y="3163902"/>
+                  <a:pt x="5011356" y="3171780"/>
+                  <a:pt x="5002883" y="3180546"/>
+                </a:cubicBezTo>
+                <a:cubicBezTo>
+                  <a:pt x="5038586" y="3236545"/>
+                  <a:pt x="5003723" y="3210316"/>
+                  <a:pt x="5016711" y="3258677"/>
+                </a:cubicBezTo>
+                <a:lnTo>
+                  <a:pt x="5017918" y="3262610"/>
+                </a:lnTo>
+                <a:lnTo>
+                  <a:pt x="5011672" y="3277179"/>
+                </a:lnTo>
+                <a:lnTo>
+                  <a:pt x="5009344" y="3278130"/>
+                </a:lnTo>
+                <a:lnTo>
+                  <a:pt x="5026770" y="3325671"/>
+                </a:lnTo>
+                <a:lnTo>
+                  <a:pt x="5024571" y="3332072"/>
+                </a:lnTo>
+                <a:lnTo>
+                  <a:pt x="5041705" y="3362948"/>
+                </a:lnTo>
+                <a:lnTo>
+                  <a:pt x="5047477" y="3378959"/>
+                </a:lnTo>
+                <a:lnTo>
+                  <a:pt x="5060758" y="3407057"/>
+                </a:lnTo>
+                <a:lnTo>
+                  <a:pt x="5058968" y="3409825"/>
+                </a:lnTo>
+                <a:lnTo>
+                  <a:pt x="5062667" y="3415218"/>
+                </a:lnTo>
+                <a:lnTo>
+                  <a:pt x="5060928" y="3419880"/>
+                </a:lnTo>
+                <a:lnTo>
+                  <a:pt x="5062923" y="3424545"/>
+                </a:lnTo>
+                <a:cubicBezTo>
+                  <a:pt x="5063537" y="3433967"/>
+                  <a:pt x="5063494" y="3466028"/>
+                  <a:pt x="5064623" y="3476412"/>
+                </a:cubicBezTo>
+                <a:lnTo>
+                  <a:pt x="5069684" y="3486850"/>
+                </a:lnTo>
+                <a:lnTo>
+                  <a:pt x="5063339" y="3496391"/>
+                </a:lnTo>
+                <a:lnTo>
+                  <a:pt x="5070139" y="3531201"/>
+                </a:lnTo>
+                <a:lnTo>
+                  <a:pt x="5079896" y="3542019"/>
+                </a:lnTo>
+                <a:lnTo>
+                  <a:pt x="5087540" y="3552249"/>
+                </a:lnTo>
+                <a:lnTo>
+                  <a:pt x="5087902" y="3553678"/>
+                </a:lnTo>
+                <a:lnTo>
+                  <a:pt x="5091509" y="3568021"/>
+                </a:lnTo>
+                <a:lnTo>
+                  <a:pt x="5091934" y="3569719"/>
+                </a:lnTo>
+                <a:lnTo>
+                  <a:pt x="5089362" y="3586412"/>
+                </a:lnTo>
+                <a:lnTo>
+                  <a:pt x="5092358" y="3597336"/>
+                </a:lnTo>
+                <a:lnTo>
+                  <a:pt x="5084254" y="3606007"/>
+                </a:lnTo>
+                <a:cubicBezTo>
+                  <a:pt x="5084262" y="3617747"/>
+                  <a:pt x="5084273" y="3629488"/>
+                  <a:pt x="5084281" y="3641228"/>
+                </a:cubicBezTo>
+                <a:lnTo>
+                  <a:pt x="5091848" y="3653088"/>
+                </a:lnTo>
+                <a:lnTo>
+                  <a:pt x="5097436" y="3664114"/>
+                </a:lnTo>
+                <a:cubicBezTo>
+                  <a:pt x="5097463" y="3664599"/>
+                  <a:pt x="5097491" y="3665084"/>
+                  <a:pt x="5097518" y="3665569"/>
+                </a:cubicBezTo>
+                <a:cubicBezTo>
+                  <a:pt x="5097915" y="3672776"/>
+                  <a:pt x="5096966" y="3688591"/>
+                  <a:pt x="5099829" y="3707357"/>
+                </a:cubicBezTo>
+                <a:cubicBezTo>
+                  <a:pt x="5100505" y="3724716"/>
+                  <a:pt x="5118078" y="3760234"/>
+                  <a:pt x="5114696" y="3778166"/>
+                </a:cubicBezTo>
+                <a:cubicBezTo>
+                  <a:pt x="5141627" y="3845122"/>
+                  <a:pt x="5125427" y="3821305"/>
+                  <a:pt x="5135379" y="3878222"/>
+                </a:cubicBezTo>
+                <a:cubicBezTo>
+                  <a:pt x="5161519" y="3905047"/>
+                  <a:pt x="5125417" y="4015047"/>
+                  <a:pt x="5130138" y="4048117"/>
+                </a:cubicBezTo>
+                <a:cubicBezTo>
+                  <a:pt x="5081804" y="4192084"/>
+                  <a:pt x="5096262" y="4158987"/>
+                  <a:pt x="5090040" y="4219510"/>
+                </a:cubicBezTo>
+                <a:cubicBezTo>
+                  <a:pt x="5104553" y="4280033"/>
+                  <a:pt x="5065380" y="4345686"/>
+                  <a:pt x="5092812" y="4411258"/>
+                </a:cubicBezTo>
+                <a:cubicBezTo>
+                  <a:pt x="5090630" y="4437329"/>
+                  <a:pt x="5083878" y="4473140"/>
+                  <a:pt x="5084599" y="4488531"/>
+                </a:cubicBezTo>
+                <a:cubicBezTo>
+                  <a:pt x="5084423" y="4505410"/>
+                  <a:pt x="5084248" y="4522289"/>
+                  <a:pt x="5084072" y="4539168"/>
+                </a:cubicBezTo>
+                <a:cubicBezTo>
+                  <a:pt x="5072114" y="4567830"/>
+                  <a:pt x="5064305" y="4588197"/>
+                  <a:pt x="5068936" y="4625153"/>
+                </a:cubicBezTo>
+                <a:cubicBezTo>
+                  <a:pt x="5077433" y="4662889"/>
+                  <a:pt x="5065899" y="4679357"/>
+                  <a:pt x="5059114" y="4733115"/>
+                </a:cubicBezTo>
+                <a:cubicBezTo>
+                  <a:pt x="5068687" y="4752352"/>
+                  <a:pt x="5055370" y="4832308"/>
+                  <a:pt x="5037209" y="4844323"/>
+                </a:cubicBezTo>
+                <a:cubicBezTo>
+                  <a:pt x="5033444" y="4857054"/>
+                  <a:pt x="5040194" y="4871554"/>
+                  <a:pt x="5020638" y="4877992"/>
+                </a:cubicBezTo>
+                <a:cubicBezTo>
+                  <a:pt x="4997151" y="4888353"/>
+                  <a:pt x="5034418" y="4931200"/>
+                  <a:pt x="5006413" y="4925805"/>
+                </a:cubicBezTo>
+                <a:cubicBezTo>
+                  <a:pt x="5031964" y="4956261"/>
+                  <a:pt x="4982840" y="4982633"/>
+                  <a:pt x="4971037" y="5009272"/>
+                </a:cubicBezTo>
+                <a:cubicBezTo>
+                  <a:pt x="4973259" y="5034036"/>
+                  <a:pt x="4968375" y="5053859"/>
+                  <a:pt x="4963105" y="5111369"/>
+                </a:cubicBezTo>
+                <a:cubicBezTo>
+                  <a:pt x="4973224" y="5141336"/>
+                  <a:pt x="4937413" y="5161742"/>
+                  <a:pt x="4976341" y="5210876"/>
+                </a:cubicBezTo>
+                <a:cubicBezTo>
+                  <a:pt x="4972455" y="5212581"/>
+                  <a:pt x="4977054" y="5227501"/>
+                  <a:pt x="4980617" y="5269726"/>
+                </a:cubicBezTo>
+                <a:cubicBezTo>
+                  <a:pt x="4984182" y="5311951"/>
+                  <a:pt x="4990390" y="5400671"/>
+                  <a:pt x="4997733" y="5464225"/>
+                </a:cubicBezTo>
+                <a:cubicBezTo>
+                  <a:pt x="5001765" y="5536542"/>
+                  <a:pt x="4990225" y="5517959"/>
+                  <a:pt x="5001400" y="5594585"/>
+                </a:cubicBezTo>
+                <a:cubicBezTo>
+                  <a:pt x="4999908" y="5619318"/>
+                  <a:pt x="4974042" y="5647975"/>
+                  <a:pt x="4983700" y="5667896"/>
+                </a:cubicBezTo>
+                <a:cubicBezTo>
+                  <a:pt x="4976834" y="5696311"/>
+                  <a:pt x="4975579" y="5738356"/>
+                  <a:pt x="4968506" y="5769225"/>
+                </a:cubicBezTo>
+                <a:cubicBezTo>
+                  <a:pt x="4968926" y="5787258"/>
+                  <a:pt x="4969344" y="5805291"/>
+                  <a:pt x="4969765" y="5823324"/>
+                </a:cubicBezTo>
+                <a:cubicBezTo>
+                  <a:pt x="4966122" y="5853058"/>
+                  <a:pt x="4965608" y="5838948"/>
+                  <a:pt x="4966129" y="5862699"/>
+                </a:cubicBezTo>
+                <a:lnTo>
+                  <a:pt x="4970695" y="5906467"/>
+                </a:lnTo>
+                <a:lnTo>
+                  <a:pt x="4991568" y="5939847"/>
+                </a:lnTo>
+                <a:cubicBezTo>
+                  <a:pt x="4998848" y="5955713"/>
+                  <a:pt x="4974731" y="5940131"/>
+                  <a:pt x="4986815" y="5973994"/>
+                </a:cubicBezTo>
+                <a:cubicBezTo>
+                  <a:pt x="4961187" y="5997051"/>
+                  <a:pt x="4983444" y="6032039"/>
+                  <a:pt x="4987776" y="6089693"/>
+                </a:cubicBezTo>
+                <a:lnTo>
+                  <a:pt x="4991621" y="6224938"/>
+                </a:lnTo>
+                <a:cubicBezTo>
+                  <a:pt x="4988442" y="6270972"/>
+                  <a:pt x="5008962" y="6317522"/>
+                  <a:pt x="5017157" y="6370251"/>
+                </a:cubicBezTo>
+                <a:cubicBezTo>
+                  <a:pt x="5025353" y="6422980"/>
+                  <a:pt x="5039938" y="6490855"/>
+                  <a:pt x="5040797" y="6541313"/>
+                </a:cubicBezTo>
+                <a:cubicBezTo>
+                  <a:pt x="5039898" y="6576319"/>
+                  <a:pt x="5031912" y="6591883"/>
+                  <a:pt x="5045375" y="6640957"/>
+                </a:cubicBezTo>
+                <a:cubicBezTo>
+                  <a:pt x="5057505" y="6669536"/>
+                  <a:pt x="5052276" y="6675394"/>
+                  <a:pt x="5058442" y="6705297"/>
+                </a:cubicBezTo>
+                <a:cubicBezTo>
+                  <a:pt x="5057367" y="6727133"/>
+                  <a:pt x="5067901" y="6732087"/>
+                  <a:pt x="5071125" y="6759582"/>
+                </a:cubicBezTo>
+                <a:cubicBezTo>
+                  <a:pt x="5055614" y="6796071"/>
+                  <a:pt x="5051656" y="6769544"/>
+                  <a:pt x="5069172" y="6817746"/>
+                </a:cubicBezTo>
+                <a:cubicBezTo>
+                  <a:pt x="5060956" y="6828354"/>
+                  <a:pt x="5064525" y="6836369"/>
+                  <a:pt x="5072322" y="6843646"/>
+                </a:cubicBezTo>
+                <a:lnTo>
+                  <a:pt x="5091388" y="6857998"/>
+                </a:lnTo>
+                <a:lnTo>
+                  <a:pt x="6096000" y="6857998"/>
+                </a:lnTo>
+                <a:lnTo>
+                  <a:pt x="6096000" y="6858000"/>
+                </a:lnTo>
+                <a:lnTo>
+                  <a:pt x="0" y="6858000"/>
+                </a:lnTo>
+                <a:close/>
+              </a:path>
+            </a:pathLst>
+          </a:custGeom>
+          <a:solidFill>
+            <a:srgbClr val="82766A">
+              <a:alpha val="15000"/>
+            </a:srgbClr>
+          </a:solidFill>
+          <a:ln>
+            <a:noFill/>
+          </a:ln>
+        </p:spPr>
+        <p:style>
+          <a:lnRef idx="2">
+            <a:schemeClr val="accent1">
+              <a:shade val="50000"/>
+            </a:schemeClr>
+          </a:lnRef>
+          <a:fillRef idx="1">
+            <a:schemeClr val="accent1"/>
+          </a:fillRef>
+          <a:effectRef idx="0">
+            <a:schemeClr val="accent1"/>
+          </a:effectRef>
+          <a:fontRef idx="minor">
+            <a:schemeClr val="lt1"/>
+          </a:fontRef>
+        </p:style>
+        <p:txBody>
+          <a:bodyPr wrap="square" rtlCol="0" anchor="ctr">
+            <a:noAutofit/>
+          </a:bodyPr>
+          <a:lstStyle/>
+          <a:p>
+            <a:pPr algn="ctr"/>
+            <a:endParaRPr lang="en-US"/>
+          </a:p>
+        </p:txBody>
+      </p:sp>
       <p:sp>
         <p:nvSpPr>
           <p:cNvPr id="2" name="Title 1">
@@ -25979,15 +33645,23 @@
             <p:ph type="title"/>
           </p:nvPr>
         </p:nvSpPr>
-        <p:spPr/>
+        <p:spPr>
+          <a:xfrm>
+            <a:off x="838200" y="609600"/>
+            <a:ext cx="3739341" cy="1330839"/>
+          </a:xfrm>
+        </p:spPr>
         <p:txBody>
-          <a:bodyPr/>
+          <a:bodyPr>
+            <a:normAutofit/>
+          </a:bodyPr>
           <a:lstStyle/>
           <a:p>
             <a:r>
-              <a:rPr lang="en-CH" dirty="0"/>
+              <a:rPr lang="en-CH"/>
               <a:t>AWS Glue Elastic Views</a:t>
             </a:r>
+            <a:endParaRPr lang="en-CH" dirty="0"/>
           </a:p>
         </p:txBody>
       </p:sp>
@@ -26007,15 +33681,98 @@
             <p:ph idx="1"/>
           </p:nvPr>
         </p:nvSpPr>
-        <p:spPr/>
+        <p:spPr>
+          <a:xfrm>
+            <a:off x="417838" y="2194102"/>
+            <a:ext cx="3871529" cy="4424701"/>
+          </a:xfrm>
+        </p:spPr>
         <p:txBody>
-          <a:bodyPr/>
+          <a:bodyPr>
+            <a:noAutofit/>
+          </a:bodyPr>
           <a:lstStyle/>
           <a:p>
-            <a:endParaRPr lang="en-CH" dirty="0"/>
+            <a:r>
+              <a:rPr lang="en-GB" sz="1400" dirty="0"/>
+              <a:t>AWS Glue Elastic Views is a capability of AWS Glue that </a:t>
+            </a:r>
+            <a:r>
+              <a:rPr lang="en-GB" sz="1400" b="1" dirty="0">
+                <a:highlight>
+                  <a:srgbClr val="FFFF00"/>
+                </a:highlight>
+              </a:rPr>
+              <a:t>makes it easy to build materialized views that combine and replicate data across multiple data stores without you having to write custom code. </a:t>
+            </a:r>
+          </a:p>
+          <a:p>
+            <a:r>
+              <a:rPr lang="en-GB" sz="1400" dirty="0"/>
+              <a:t>With AWS Glue Elastic Views, you can use familiar Structured Query Language (SQL) to quickly create a virtual table—a materialized view—from multiple different source data stores. </a:t>
+            </a:r>
+          </a:p>
+          <a:p>
+            <a:r>
+              <a:rPr lang="en-GB" sz="1400" dirty="0"/>
+              <a:t>AWS Glue Elastic Views copies data from each source data store and creates a replica in a target data store. </a:t>
+            </a:r>
+          </a:p>
+          <a:p>
+            <a:r>
+              <a:rPr lang="en-GB" sz="1400" dirty="0"/>
+              <a:t>AWS Glue Elastic Views continuously monitors for changes to data in your source data stores, and provides updates to the materialized views in your target data stores automatically, ensuring data accessed through the materialized view is always up-to-date.</a:t>
+            </a:r>
+            <a:endParaRPr lang="en-CH" sz="1400" dirty="0"/>
           </a:p>
         </p:txBody>
       </p:sp>
+      <p:pic>
+        <p:nvPicPr>
+          <p:cNvPr id="5122" name="Picture 2" descr="glue">
+            <a:extLst>
+              <a:ext uri="{FF2B5EF4-FFF2-40B4-BE49-F238E27FC236}">
+                <a16:creationId xmlns:a16="http://schemas.microsoft.com/office/drawing/2014/main" id="{48672565-BA7C-6FD9-0615-90750BCB8981}"/>
+              </a:ext>
+            </a:extLst>
+          </p:cNvPr>
+          <p:cNvPicPr>
+            <a:picLocks noChangeAspect="1" noChangeArrowheads="1"/>
+          </p:cNvPicPr>
+          <p:nvPr/>
+        </p:nvPicPr>
+        <p:blipFill>
+          <a:blip r:embed="rId2">
+            <a:extLst>
+              <a:ext uri="{28A0092B-C50C-407E-A947-70E740481C1C}">
+                <a14:useLocalDpi xmlns:a14="http://schemas.microsoft.com/office/drawing/2010/main" val="0"/>
+              </a:ext>
+            </a:extLst>
+          </a:blip>
+          <a:stretch>
+            <a:fillRect/>
+          </a:stretch>
+        </p:blipFill>
+        <p:spPr bwMode="auto">
+          <a:xfrm>
+            <a:off x="5445457" y="2363721"/>
+            <a:ext cx="6155141" cy="2154298"/>
+          </a:xfrm>
+          <a:prstGeom prst="rect">
+            <a:avLst/>
+          </a:prstGeom>
+          <a:noFill/>
+          <a:extLst>
+            <a:ext uri="{909E8E84-426E-40DD-AFC4-6F175D3DCCD1}">
+              <a14:hiddenFill xmlns:a14="http://schemas.microsoft.com/office/drawing/2010/main">
+                <a:solidFill>
+                  <a:srgbClr val="FFFFFF"/>
+                </a:solidFill>
+              </a14:hiddenFill>
+            </a:ext>
+          </a:extLst>
+        </p:spPr>
+      </p:pic>
     </p:spTree>
     <p:extLst>
       <p:ext uri="{BB962C8B-B14F-4D97-AF65-F5344CB8AC3E}">
@@ -26322,4 +34079,299 @@
     </a:ext>
   </a:extLst>
 </a:theme>
+</file>
+
+<file path=ppt/theme/theme2.xml><?xml version="1.0" encoding="utf-8"?>
+<a:theme xmlns:a="http://schemas.openxmlformats.org/drawingml/2006/main" name="Office Theme">
+  <a:themeElements>
+    <a:clrScheme name="Office">
+      <a:dk1>
+        <a:sysClr val="windowText" lastClr="000000"/>
+      </a:dk1>
+      <a:lt1>
+        <a:sysClr val="window" lastClr="FFFFFF"/>
+      </a:lt1>
+      <a:dk2>
+        <a:srgbClr val="44546A"/>
+      </a:dk2>
+      <a:lt2>
+        <a:srgbClr val="E7E6E6"/>
+      </a:lt2>
+      <a:accent1>
+        <a:srgbClr val="4472C4"/>
+      </a:accent1>
+      <a:accent2>
+        <a:srgbClr val="ED7D31"/>
+      </a:accent2>
+      <a:accent3>
+        <a:srgbClr val="A5A5A5"/>
+      </a:accent3>
+      <a:accent4>
+        <a:srgbClr val="FFC000"/>
+      </a:accent4>
+      <a:accent5>
+        <a:srgbClr val="5B9BD5"/>
+      </a:accent5>
+      <a:accent6>
+        <a:srgbClr val="70AD47"/>
+      </a:accent6>
+      <a:hlink>
+        <a:srgbClr val="0563C1"/>
+      </a:hlink>
+      <a:folHlink>
+        <a:srgbClr val="954F72"/>
+      </a:folHlink>
+    </a:clrScheme>
+    <a:fontScheme name="Office">
+      <a:majorFont>
+        <a:latin typeface="Calibri Light" panose="020F0302020204030204"/>
+        <a:ea typeface=""/>
+        <a:cs typeface=""/>
+        <a:font script="Jpan" typeface="游ゴシック Light"/>
+        <a:font script="Hang" typeface="맑은 고딕"/>
+        <a:font script="Hans" typeface="等线 Light"/>
+        <a:font script="Hant" typeface="新細明體"/>
+        <a:font script="Arab" typeface="Times New Roman"/>
+        <a:font script="Hebr" typeface="Times New Roman"/>
+        <a:font script="Thai" typeface="Angsana New"/>
+        <a:font script="Ethi" typeface="Nyala"/>
+        <a:font script="Beng" typeface="Vrinda"/>
+        <a:font script="Gujr" typeface="Shruti"/>
+        <a:font script="Khmr" typeface="MoolBoran"/>
+        <a:font script="Knda" typeface="Tunga"/>
+        <a:font script="Guru" typeface="Raavi"/>
+        <a:font script="Cans" typeface="Euphemia"/>
+        <a:font script="Cher" typeface="Plantagenet Cherokee"/>
+        <a:font script="Yiii" typeface="Microsoft Yi Baiti"/>
+        <a:font script="Tibt" typeface="Microsoft Himalaya"/>
+        <a:font script="Thaa" typeface="MV Boli"/>
+        <a:font script="Deva" typeface="Mangal"/>
+        <a:font script="Telu" typeface="Gautami"/>
+        <a:font script="Taml" typeface="Latha"/>
+        <a:font script="Syrc" typeface="Estrangelo Edessa"/>
+        <a:font script="Orya" typeface="Kalinga"/>
+        <a:font script="Mlym" typeface="Kartika"/>
+        <a:font script="Laoo" typeface="DokChampa"/>
+        <a:font script="Sinh" typeface="Iskoola Pota"/>
+        <a:font script="Mong" typeface="Mongolian Baiti"/>
+        <a:font script="Viet" typeface="Times New Roman"/>
+        <a:font script="Uigh" typeface="Microsoft Uighur"/>
+        <a:font script="Geor" typeface="Sylfaen"/>
+        <a:font script="Armn" typeface="Arial"/>
+        <a:font script="Bugi" typeface="Leelawadee UI"/>
+        <a:font script="Bopo" typeface="Microsoft JhengHei"/>
+        <a:font script="Java" typeface="Javanese Text"/>
+        <a:font script="Lisu" typeface="Segoe UI"/>
+        <a:font script="Mymr" typeface="Myanmar Text"/>
+        <a:font script="Nkoo" typeface="Ebrima"/>
+        <a:font script="Olck" typeface="Nirmala UI"/>
+        <a:font script="Osma" typeface="Ebrima"/>
+        <a:font script="Phag" typeface="Phagspa"/>
+        <a:font script="Syrn" typeface="Estrangelo Edessa"/>
+        <a:font script="Syrj" typeface="Estrangelo Edessa"/>
+        <a:font script="Syre" typeface="Estrangelo Edessa"/>
+        <a:font script="Sora" typeface="Nirmala UI"/>
+        <a:font script="Tale" typeface="Microsoft Tai Le"/>
+        <a:font script="Talu" typeface="Microsoft New Tai Lue"/>
+        <a:font script="Tfng" typeface="Ebrima"/>
+      </a:majorFont>
+      <a:minorFont>
+        <a:latin typeface="Calibri" panose="020F0502020204030204"/>
+        <a:ea typeface=""/>
+        <a:cs typeface=""/>
+        <a:font script="Jpan" typeface="游ゴシック"/>
+        <a:font script="Hang" typeface="맑은 고딕"/>
+        <a:font script="Hans" typeface="等线"/>
+        <a:font script="Hant" typeface="新細明體"/>
+        <a:font script="Arab" typeface="Arial"/>
+        <a:font script="Hebr" typeface="Arial"/>
+        <a:font script="Thai" typeface="Cordia New"/>
+        <a:font script="Ethi" typeface="Nyala"/>
+        <a:font script="Beng" typeface="Vrinda"/>
+        <a:font script="Gujr" typeface="Shruti"/>
+        <a:font script="Khmr" typeface="DaunPenh"/>
+        <a:font script="Knda" typeface="Tunga"/>
+        <a:font script="Guru" typeface="Raavi"/>
+        <a:font script="Cans" typeface="Euphemia"/>
+        <a:font script="Cher" typeface="Plantagenet Cherokee"/>
+        <a:font script="Yiii" typeface="Microsoft Yi Baiti"/>
+        <a:font script="Tibt" typeface="Microsoft Himalaya"/>
+        <a:font script="Thaa" typeface="MV Boli"/>
+        <a:font script="Deva" typeface="Mangal"/>
+        <a:font script="Telu" typeface="Gautami"/>
+        <a:font script="Taml" typeface="Latha"/>
+        <a:font script="Syrc" typeface="Estrangelo Edessa"/>
+        <a:font script="Orya" typeface="Kalinga"/>
+        <a:font script="Mlym" typeface="Kartika"/>
+        <a:font script="Laoo" typeface="DokChampa"/>
+        <a:font script="Sinh" typeface="Iskoola Pota"/>
+        <a:font script="Mong" typeface="Mongolian Baiti"/>
+        <a:font script="Viet" typeface="Arial"/>
+        <a:font script="Uigh" typeface="Microsoft Uighur"/>
+        <a:font script="Geor" typeface="Sylfaen"/>
+        <a:font script="Armn" typeface="Arial"/>
+        <a:font script="Bugi" typeface="Leelawadee UI"/>
+        <a:font script="Bopo" typeface="Microsoft JhengHei"/>
+        <a:font script="Java" typeface="Javanese Text"/>
+        <a:font script="Lisu" typeface="Segoe UI"/>
+        <a:font script="Mymr" typeface="Myanmar Text"/>
+        <a:font script="Nkoo" typeface="Ebrima"/>
+        <a:font script="Olck" typeface="Nirmala UI"/>
+        <a:font script="Osma" typeface="Ebrima"/>
+        <a:font script="Phag" typeface="Phagspa"/>
+        <a:font script="Syrn" typeface="Estrangelo Edessa"/>
+        <a:font script="Syrj" typeface="Estrangelo Edessa"/>
+        <a:font script="Syre" typeface="Estrangelo Edessa"/>
+        <a:font script="Sora" typeface="Nirmala UI"/>
+        <a:font script="Tale" typeface="Microsoft Tai Le"/>
+        <a:font script="Talu" typeface="Microsoft New Tai Lue"/>
+        <a:font script="Tfng" typeface="Ebrima"/>
+      </a:minorFont>
+    </a:fontScheme>
+    <a:fmtScheme name="Office">
+      <a:fillStyleLst>
+        <a:solidFill>
+          <a:schemeClr val="phClr"/>
+        </a:solidFill>
+        <a:gradFill rotWithShape="1">
+          <a:gsLst>
+            <a:gs pos="0">
+              <a:schemeClr val="phClr">
+                <a:lumMod val="110000"/>
+                <a:satMod val="105000"/>
+                <a:tint val="67000"/>
+              </a:schemeClr>
+            </a:gs>
+            <a:gs pos="50000">
+              <a:schemeClr val="phClr">
+                <a:lumMod val="105000"/>
+                <a:satMod val="103000"/>
+                <a:tint val="73000"/>
+              </a:schemeClr>
+            </a:gs>
+            <a:gs pos="100000">
+              <a:schemeClr val="phClr">
+                <a:lumMod val="105000"/>
+                <a:satMod val="109000"/>
+                <a:tint val="81000"/>
+              </a:schemeClr>
+            </a:gs>
+          </a:gsLst>
+          <a:lin ang="5400000" scaled="0"/>
+        </a:gradFill>
+        <a:gradFill rotWithShape="1">
+          <a:gsLst>
+            <a:gs pos="0">
+              <a:schemeClr val="phClr">
+                <a:satMod val="103000"/>
+                <a:lumMod val="102000"/>
+                <a:tint val="94000"/>
+              </a:schemeClr>
+            </a:gs>
+            <a:gs pos="50000">
+              <a:schemeClr val="phClr">
+                <a:satMod val="110000"/>
+                <a:lumMod val="100000"/>
+                <a:shade val="100000"/>
+              </a:schemeClr>
+            </a:gs>
+            <a:gs pos="100000">
+              <a:schemeClr val="phClr">
+                <a:lumMod val="99000"/>
+                <a:satMod val="120000"/>
+                <a:shade val="78000"/>
+              </a:schemeClr>
+            </a:gs>
+          </a:gsLst>
+          <a:lin ang="5400000" scaled="0"/>
+        </a:gradFill>
+      </a:fillStyleLst>
+      <a:lnStyleLst>
+        <a:ln w="6350" cap="flat" cmpd="sng" algn="ctr">
+          <a:solidFill>
+            <a:schemeClr val="phClr"/>
+          </a:solidFill>
+          <a:prstDash val="solid"/>
+          <a:miter lim="800000"/>
+        </a:ln>
+        <a:ln w="12700" cap="flat" cmpd="sng" algn="ctr">
+          <a:solidFill>
+            <a:schemeClr val="phClr"/>
+          </a:solidFill>
+          <a:prstDash val="solid"/>
+          <a:miter lim="800000"/>
+        </a:ln>
+        <a:ln w="19050" cap="flat" cmpd="sng" algn="ctr">
+          <a:solidFill>
+            <a:schemeClr val="phClr"/>
+          </a:solidFill>
+          <a:prstDash val="solid"/>
+          <a:miter lim="800000"/>
+        </a:ln>
+      </a:lnStyleLst>
+      <a:effectStyleLst>
+        <a:effectStyle>
+          <a:effectLst/>
+        </a:effectStyle>
+        <a:effectStyle>
+          <a:effectLst/>
+        </a:effectStyle>
+        <a:effectStyle>
+          <a:effectLst>
+            <a:outerShdw blurRad="57150" dist="19050" dir="5400000" algn="ctr" rotWithShape="0">
+              <a:srgbClr val="000000">
+                <a:alpha val="63000"/>
+              </a:srgbClr>
+            </a:outerShdw>
+          </a:effectLst>
+        </a:effectStyle>
+      </a:effectStyleLst>
+      <a:bgFillStyleLst>
+        <a:solidFill>
+          <a:schemeClr val="phClr"/>
+        </a:solidFill>
+        <a:solidFill>
+          <a:schemeClr val="phClr">
+            <a:tint val="95000"/>
+            <a:satMod val="170000"/>
+          </a:schemeClr>
+        </a:solidFill>
+        <a:gradFill rotWithShape="1">
+          <a:gsLst>
+            <a:gs pos="0">
+              <a:schemeClr val="phClr">
+                <a:tint val="93000"/>
+                <a:satMod val="150000"/>
+                <a:shade val="98000"/>
+                <a:lumMod val="102000"/>
+              </a:schemeClr>
+            </a:gs>
+            <a:gs pos="50000">
+              <a:schemeClr val="phClr">
+                <a:tint val="98000"/>
+                <a:satMod val="130000"/>
+                <a:shade val="90000"/>
+                <a:lumMod val="103000"/>
+              </a:schemeClr>
+            </a:gs>
+            <a:gs pos="100000">
+              <a:schemeClr val="phClr">
+                <a:shade val="63000"/>
+                <a:satMod val="120000"/>
+              </a:schemeClr>
+            </a:gs>
+          </a:gsLst>
+          <a:lin ang="5400000" scaled="0"/>
+        </a:gradFill>
+      </a:bgFillStyleLst>
+    </a:fmtScheme>
+  </a:themeElements>
+  <a:objectDefaults/>
+  <a:extraClrSchemeLst/>
+  <a:extLst>
+    <a:ext uri="{05A4C25C-085E-4340-85A3-A5531E510DB2}">
+      <thm15:themeFamily xmlns:thm15="http://schemas.microsoft.com/office/thememl/2012/main" name="Office Theme" id="{62F939B6-93AF-4DB8-9C6B-D6C7DFDC589F}" vid="{4A3C46E8-61CC-4603-A589-7422A47A8E4A}"/>
+    </a:ext>
+  </a:extLst>
+</a:theme>
 </file>